--- a/[Learning and Exercise] Data Science/Data Science/Comparisons/NeuronNetworkStructure.pptx
+++ b/[Learning and Exercise] Data Science/Data Science/Comparisons/NeuronNetworkStructure.pptx
@@ -6,6 +6,7 @@
   </p:sldMasterIdLst>
   <p:sldIdLst>
     <p:sldId id="256" r:id="rId2"/>
+    <p:sldId id="257" r:id="rId3"/>
   </p:sldIdLst>
   <p:sldSz cx="12192000" cy="6858000"/>
   <p:notesSz cx="6858000" cy="9144000"/>
@@ -104,6 +105,11 @@
       </a:defRPr>
     </a:lvl9pPr>
   </p:defaultTextStyle>
+  <p:extLst>
+    <p:ext uri="{EFAFB233-063F-42B5-8137-9DF3F51BA10A}">
+      <p15:sldGuideLst xmlns:p15="http://schemas.microsoft.com/office/powerpoint/2012/main"/>
+    </p:ext>
+  </p:extLst>
 </p:presentation>
 </file>
 
@@ -3731,13 +3737,6 @@
               </a:rPr>
               <a:t>w1</a:t>
             </a:r>
-            <a:endParaRPr lang="en-US" altLang="zh-CN" dirty="0" smtClean="0">
-              <a:solidFill>
-                <a:schemeClr val="accent1">
-                  <a:lumMod val="75000"/>
-                </a:schemeClr>
-              </a:solidFill>
-            </a:endParaRPr>
           </a:p>
         </p:txBody>
       </p:sp>
@@ -3773,13 +3772,6 @@
               </a:rPr>
               <a:t>w2</a:t>
             </a:r>
-            <a:endParaRPr lang="en-US" altLang="zh-CN" dirty="0" smtClean="0">
-              <a:solidFill>
-                <a:schemeClr val="accent1">
-                  <a:lumMod val="75000"/>
-                </a:schemeClr>
-              </a:solidFill>
-            </a:endParaRPr>
           </a:p>
         </p:txBody>
       </p:sp>
@@ -3815,13 +3807,6 @@
               </a:rPr>
               <a:t>w3</a:t>
             </a:r>
-            <a:endParaRPr lang="en-US" altLang="zh-CN" dirty="0" smtClean="0">
-              <a:solidFill>
-                <a:schemeClr val="accent1">
-                  <a:lumMod val="75000"/>
-                </a:schemeClr>
-              </a:solidFill>
-            </a:endParaRPr>
           </a:p>
         </p:txBody>
       </p:sp>
@@ -3857,13 +3842,6 @@
               </a:rPr>
               <a:t>w4</a:t>
             </a:r>
-            <a:endParaRPr lang="en-US" altLang="zh-CN" dirty="0" smtClean="0">
-              <a:solidFill>
-                <a:schemeClr val="accent1">
-                  <a:lumMod val="75000"/>
-                </a:schemeClr>
-              </a:solidFill>
-            </a:endParaRPr>
           </a:p>
         </p:txBody>
       </p:sp>
@@ -4069,13 +4047,6 @@
               </a:rPr>
               <a:t>w5</a:t>
             </a:r>
-            <a:endParaRPr lang="en-US" altLang="zh-CN" dirty="0" smtClean="0">
-              <a:solidFill>
-                <a:schemeClr val="accent1">
-                  <a:lumMod val="75000"/>
-                </a:schemeClr>
-              </a:solidFill>
-            </a:endParaRPr>
           </a:p>
         </p:txBody>
       </p:sp>
@@ -4111,13 +4082,6 @@
               </a:rPr>
               <a:t>w6</a:t>
             </a:r>
-            <a:endParaRPr lang="en-US" altLang="zh-CN" dirty="0" smtClean="0">
-              <a:solidFill>
-                <a:schemeClr val="accent1">
-                  <a:lumMod val="75000"/>
-                </a:schemeClr>
-              </a:solidFill>
-            </a:endParaRPr>
           </a:p>
         </p:txBody>
       </p:sp>
@@ -4153,13 +4117,6 @@
               </a:rPr>
               <a:t>b1</a:t>
             </a:r>
-            <a:endParaRPr lang="en-US" altLang="zh-CN" dirty="0" smtClean="0">
-              <a:solidFill>
-                <a:schemeClr val="accent5">
-                  <a:lumMod val="75000"/>
-                </a:schemeClr>
-              </a:solidFill>
-            </a:endParaRPr>
           </a:p>
         </p:txBody>
       </p:sp>
@@ -4482,13 +4439,6 @@
               </a:rPr>
               <a:t>w7</a:t>
             </a:r>
-            <a:endParaRPr lang="en-US" altLang="zh-CN" dirty="0" smtClean="0">
-              <a:solidFill>
-                <a:schemeClr val="accent4">
-                  <a:lumMod val="75000"/>
-                </a:schemeClr>
-              </a:solidFill>
-            </a:endParaRPr>
           </a:p>
         </p:txBody>
       </p:sp>
@@ -4524,13 +4474,6 @@
               </a:rPr>
               <a:t>w8</a:t>
             </a:r>
-            <a:endParaRPr lang="en-US" altLang="zh-CN" dirty="0" smtClean="0">
-              <a:solidFill>
-                <a:schemeClr val="accent4">
-                  <a:lumMod val="75000"/>
-                </a:schemeClr>
-              </a:solidFill>
-            </a:endParaRPr>
           </a:p>
         </p:txBody>
       </p:sp>
@@ -4566,13 +4509,6 @@
               </a:rPr>
               <a:t>w9</a:t>
             </a:r>
-            <a:endParaRPr lang="en-US" altLang="zh-CN" dirty="0" smtClean="0">
-              <a:solidFill>
-                <a:schemeClr val="accent4">
-                  <a:lumMod val="75000"/>
-                </a:schemeClr>
-              </a:solidFill>
-            </a:endParaRPr>
           </a:p>
         </p:txBody>
       </p:sp>
@@ -4608,13 +4544,6 @@
               </a:rPr>
               <a:t>w10</a:t>
             </a:r>
-            <a:endParaRPr lang="en-US" altLang="zh-CN" dirty="0" smtClean="0">
-              <a:solidFill>
-                <a:schemeClr val="accent4">
-                  <a:lumMod val="75000"/>
-                </a:schemeClr>
-              </a:solidFill>
-            </a:endParaRPr>
           </a:p>
         </p:txBody>
       </p:sp>
@@ -4650,13 +4579,6 @@
               </a:rPr>
               <a:t>w11</a:t>
             </a:r>
-            <a:endParaRPr lang="en-US" altLang="zh-CN" dirty="0" smtClean="0">
-              <a:solidFill>
-                <a:schemeClr val="accent4">
-                  <a:lumMod val="75000"/>
-                </a:schemeClr>
-              </a:solidFill>
-            </a:endParaRPr>
           </a:p>
         </p:txBody>
       </p:sp>
@@ -4692,13 +4614,6 @@
               </a:rPr>
               <a:t>w12</a:t>
             </a:r>
-            <a:endParaRPr lang="en-US" altLang="zh-CN" dirty="0" smtClean="0">
-              <a:solidFill>
-                <a:schemeClr val="accent4">
-                  <a:lumMod val="75000"/>
-                </a:schemeClr>
-              </a:solidFill>
-            </a:endParaRPr>
           </a:p>
         </p:txBody>
       </p:sp>
@@ -4734,13 +4649,6 @@
               </a:rPr>
               <a:t>b2</a:t>
             </a:r>
-            <a:endParaRPr lang="en-US" altLang="zh-CN" dirty="0" smtClean="0">
-              <a:solidFill>
-                <a:schemeClr val="accent4">
-                  <a:lumMod val="75000"/>
-                </a:schemeClr>
-              </a:solidFill>
-            </a:endParaRPr>
           </a:p>
         </p:txBody>
       </p:sp>
@@ -5046,11 +4954,6 @@
               </a:rPr>
               <a:t>b3</a:t>
             </a:r>
-            <a:endParaRPr lang="en-US" altLang="zh-CN" dirty="0" smtClean="0">
-              <a:solidFill>
-                <a:srgbClr val="C00000"/>
-              </a:solidFill>
-            </a:endParaRPr>
           </a:p>
         </p:txBody>
       </p:sp>
@@ -5084,11 +4987,6 @@
               </a:rPr>
               <a:t>w13</a:t>
             </a:r>
-            <a:endParaRPr lang="en-US" altLang="zh-CN" dirty="0" smtClean="0">
-              <a:solidFill>
-                <a:srgbClr val="C00000"/>
-              </a:solidFill>
-            </a:endParaRPr>
           </a:p>
         </p:txBody>
       </p:sp>
@@ -5122,11 +5020,6 @@
               </a:rPr>
               <a:t>w14</a:t>
             </a:r>
-            <a:endParaRPr lang="en-US" altLang="zh-CN" dirty="0" smtClean="0">
-              <a:solidFill>
-                <a:srgbClr val="C00000"/>
-              </a:solidFill>
-            </a:endParaRPr>
           </a:p>
         </p:txBody>
       </p:sp>
@@ -5160,11 +5053,6 @@
               </a:rPr>
               <a:t>w15</a:t>
             </a:r>
-            <a:endParaRPr lang="en-US" altLang="zh-CN" dirty="0" smtClean="0">
-              <a:solidFill>
-                <a:srgbClr val="C00000"/>
-              </a:solidFill>
-            </a:endParaRPr>
           </a:p>
         </p:txBody>
       </p:sp>
@@ -5198,11 +5086,6 @@
               </a:rPr>
               <a:t>w16</a:t>
             </a:r>
-            <a:endParaRPr lang="en-US" altLang="zh-CN" dirty="0" smtClean="0">
-              <a:solidFill>
-                <a:srgbClr val="C00000"/>
-              </a:solidFill>
-            </a:endParaRPr>
           </a:p>
         </p:txBody>
       </p:sp>
@@ -5236,11 +5119,6 @@
               </a:rPr>
               <a:t>w17</a:t>
             </a:r>
-            <a:endParaRPr lang="en-US" altLang="zh-CN" dirty="0" smtClean="0">
-              <a:solidFill>
-                <a:srgbClr val="C00000"/>
-              </a:solidFill>
-            </a:endParaRPr>
           </a:p>
         </p:txBody>
       </p:sp>
@@ -5274,11 +5152,6 @@
               </a:rPr>
               <a:t>w18</a:t>
             </a:r>
-            <a:endParaRPr lang="en-US" altLang="zh-CN" dirty="0" smtClean="0">
-              <a:solidFill>
-                <a:srgbClr val="C00000"/>
-              </a:solidFill>
-            </a:endParaRPr>
           </a:p>
         </p:txBody>
       </p:sp>
@@ -5752,13 +5625,6 @@
               </a:rPr>
               <a:t>w’2</a:t>
             </a:r>
-            <a:endParaRPr lang="en-US" altLang="zh-CN" dirty="0" smtClean="0">
-              <a:solidFill>
-                <a:schemeClr val="accent1">
-                  <a:lumMod val="75000"/>
-                </a:schemeClr>
-              </a:solidFill>
-            </a:endParaRPr>
           </a:p>
         </p:txBody>
       </p:sp>
@@ -5804,13 +5670,6 @@
               </a:rPr>
               <a:t>’1</a:t>
             </a:r>
-            <a:endParaRPr lang="en-US" altLang="zh-CN" dirty="0" smtClean="0">
-              <a:solidFill>
-                <a:schemeClr val="accent1">
-                  <a:lumMod val="75000"/>
-                </a:schemeClr>
-              </a:solidFill>
-            </a:endParaRPr>
           </a:p>
         </p:txBody>
       </p:sp>
@@ -5846,13 +5705,6 @@
               </a:rPr>
               <a:t>w’3</a:t>
             </a:r>
-            <a:endParaRPr lang="en-US" altLang="zh-CN" dirty="0" smtClean="0">
-              <a:solidFill>
-                <a:schemeClr val="accent1">
-                  <a:lumMod val="75000"/>
-                </a:schemeClr>
-              </a:solidFill>
-            </a:endParaRPr>
           </a:p>
         </p:txBody>
       </p:sp>
@@ -5888,13 +5740,6 @@
               </a:rPr>
               <a:t>w’4</a:t>
             </a:r>
-            <a:endParaRPr lang="en-US" altLang="zh-CN" dirty="0" smtClean="0">
-              <a:solidFill>
-                <a:schemeClr val="accent1">
-                  <a:lumMod val="75000"/>
-                </a:schemeClr>
-              </a:solidFill>
-            </a:endParaRPr>
           </a:p>
         </p:txBody>
       </p:sp>
@@ -5930,13 +5775,6 @@
               </a:rPr>
               <a:t>w'1</a:t>
             </a:r>
-            <a:endParaRPr lang="en-US" altLang="zh-CN" dirty="0" smtClean="0">
-              <a:solidFill>
-                <a:schemeClr val="accent4">
-                  <a:lumMod val="75000"/>
-                </a:schemeClr>
-              </a:solidFill>
-            </a:endParaRPr>
           </a:p>
         </p:txBody>
       </p:sp>
@@ -5972,13 +5810,6 @@
               </a:rPr>
               <a:t>w'2</a:t>
             </a:r>
-            <a:endParaRPr lang="en-US" altLang="zh-CN" dirty="0" smtClean="0">
-              <a:solidFill>
-                <a:schemeClr val="accent4">
-                  <a:lumMod val="75000"/>
-                </a:schemeClr>
-              </a:solidFill>
-            </a:endParaRPr>
           </a:p>
         </p:txBody>
       </p:sp>
@@ -6014,13 +5845,6 @@
               </a:rPr>
               <a:t>w'3</a:t>
             </a:r>
-            <a:endParaRPr lang="en-US" altLang="zh-CN" dirty="0" smtClean="0">
-              <a:solidFill>
-                <a:schemeClr val="accent4">
-                  <a:lumMod val="75000"/>
-                </a:schemeClr>
-              </a:solidFill>
-            </a:endParaRPr>
           </a:p>
         </p:txBody>
       </p:sp>
@@ -6056,13 +5880,6 @@
               </a:rPr>
               <a:t>w'4</a:t>
             </a:r>
-            <a:endParaRPr lang="en-US" altLang="zh-CN" dirty="0" smtClean="0">
-              <a:solidFill>
-                <a:schemeClr val="accent4">
-                  <a:lumMod val="75000"/>
-                </a:schemeClr>
-              </a:solidFill>
-            </a:endParaRPr>
           </a:p>
         </p:txBody>
       </p:sp>
@@ -6295,13 +6112,6 @@
               </a:rPr>
               <a:t>b1</a:t>
             </a:r>
-            <a:endParaRPr lang="en-US" altLang="zh-CN" dirty="0" smtClean="0">
-              <a:solidFill>
-                <a:schemeClr val="accent1">
-                  <a:lumMod val="75000"/>
-                </a:schemeClr>
-              </a:solidFill>
-            </a:endParaRPr>
           </a:p>
         </p:txBody>
       </p:sp>
@@ -6337,13 +6147,6 @@
               </a:rPr>
               <a:t>b2</a:t>
             </a:r>
-            <a:endParaRPr lang="en-US" altLang="zh-CN" dirty="0" smtClean="0">
-              <a:solidFill>
-                <a:schemeClr val="accent4">
-                  <a:lumMod val="75000"/>
-                </a:schemeClr>
-              </a:solidFill>
-            </a:endParaRPr>
           </a:p>
         </p:txBody>
       </p:sp>
@@ -6586,13 +6389,6 @@
               </a:rPr>
               <a:t>w’’1</a:t>
             </a:r>
-            <a:endParaRPr lang="en-US" altLang="zh-CN" dirty="0" smtClean="0">
-              <a:solidFill>
-                <a:schemeClr val="accent1">
-                  <a:lumMod val="75000"/>
-                </a:schemeClr>
-              </a:solidFill>
-            </a:endParaRPr>
           </a:p>
         </p:txBody>
       </p:sp>
@@ -6628,13 +6424,6 @@
               </a:rPr>
               <a:t>w’’2</a:t>
             </a:r>
-            <a:endParaRPr lang="en-US" altLang="zh-CN" dirty="0" smtClean="0">
-              <a:solidFill>
-                <a:schemeClr val="accent1">
-                  <a:lumMod val="75000"/>
-                </a:schemeClr>
-              </a:solidFill>
-            </a:endParaRPr>
           </a:p>
         </p:txBody>
       </p:sp>
@@ -6961,10 +6750,368 @@
           </a:p>
         </p:txBody>
       </p:sp>
+      <p:sp>
+        <p:nvSpPr>
+          <p:cNvPr id="3" name="Oval 2"/>
+          <p:cNvSpPr/>
+          <p:nvPr/>
+        </p:nvSpPr>
+        <p:spPr>
+          <a:xfrm>
+            <a:off x="8866315" y="4776299"/>
+            <a:ext cx="1035010" cy="392212"/>
+          </a:xfrm>
+          <a:prstGeom prst="ellipse">
+            <a:avLst/>
+          </a:prstGeom>
+          <a:solidFill>
+            <a:schemeClr val="accent2">
+              <a:lumMod val="75000"/>
+            </a:schemeClr>
+          </a:solidFill>
+          <a:ln>
+            <a:solidFill>
+              <a:schemeClr val="accent2">
+                <a:lumMod val="75000"/>
+              </a:schemeClr>
+            </a:solidFill>
+          </a:ln>
+        </p:spPr>
+        <p:style>
+          <a:lnRef idx="2">
+            <a:schemeClr val="accent1">
+              <a:shade val="50000"/>
+            </a:schemeClr>
+          </a:lnRef>
+          <a:fillRef idx="1">
+            <a:schemeClr val="accent1"/>
+          </a:fillRef>
+          <a:effectRef idx="0">
+            <a:schemeClr val="accent1"/>
+          </a:effectRef>
+          <a:fontRef idx="minor">
+            <a:schemeClr val="lt1"/>
+          </a:fontRef>
+        </p:style>
+        <p:txBody>
+          <a:bodyPr rtlCol="0" anchor="ctr"/>
+          <a:lstStyle/>
+          <a:p>
+            <a:pPr algn="ctr"/>
+            <a:r>
+              <a:rPr lang="en-US" altLang="zh-CN" sz="1200" dirty="0" smtClean="0"/>
+              <a:t>Loss function</a:t>
+            </a:r>
+            <a:endParaRPr lang="en-US" sz="1200" dirty="0"/>
+          </a:p>
+        </p:txBody>
+      </p:sp>
+      <p:sp>
+        <p:nvSpPr>
+          <p:cNvPr id="6" name="Left Brace 5"/>
+          <p:cNvSpPr/>
+          <p:nvPr/>
+        </p:nvSpPr>
+        <p:spPr>
+          <a:xfrm>
+            <a:off x="9901325" y="4466365"/>
+            <a:ext cx="297320" cy="1143451"/>
+          </a:xfrm>
+          <a:prstGeom prst="leftBrace">
+            <a:avLst/>
+          </a:prstGeom>
+          <a:ln>
+            <a:solidFill>
+              <a:srgbClr val="C00000"/>
+            </a:solidFill>
+          </a:ln>
+        </p:spPr>
+        <p:style>
+          <a:lnRef idx="1">
+            <a:schemeClr val="accent1"/>
+          </a:lnRef>
+          <a:fillRef idx="0">
+            <a:schemeClr val="accent1"/>
+          </a:fillRef>
+          <a:effectRef idx="0">
+            <a:schemeClr val="accent1"/>
+          </a:effectRef>
+          <a:fontRef idx="minor">
+            <a:schemeClr val="tx1"/>
+          </a:fontRef>
+        </p:style>
+        <p:txBody>
+          <a:bodyPr rtlCol="0" anchor="ctr"/>
+          <a:lstStyle/>
+          <a:p>
+            <a:pPr algn="ctr"/>
+            <a:endParaRPr lang="en-US"/>
+          </a:p>
+        </p:txBody>
+      </p:sp>
+      <p:sp>
+        <p:nvSpPr>
+          <p:cNvPr id="7" name="TextBox 6"/>
+          <p:cNvSpPr txBox="1"/>
+          <p:nvPr/>
+        </p:nvSpPr>
+        <p:spPr>
+          <a:xfrm>
+            <a:off x="10198645" y="4398096"/>
+            <a:ext cx="1273429" cy="276999"/>
+          </a:xfrm>
+          <a:prstGeom prst="rect">
+            <a:avLst/>
+          </a:prstGeom>
+          <a:noFill/>
+        </p:spPr>
+        <p:txBody>
+          <a:bodyPr wrap="square" rtlCol="0">
+            <a:spAutoFit/>
+          </a:bodyPr>
+          <a:lstStyle/>
+          <a:p>
+            <a:r>
+              <a:rPr lang="en-US" sz="1200" dirty="0" smtClean="0">
+                <a:solidFill>
+                  <a:srgbClr val="FF0000"/>
+                </a:solidFill>
+              </a:rPr>
+              <a:t>Cross Entropy</a:t>
+            </a:r>
+            <a:endParaRPr lang="en-US" sz="1200" dirty="0">
+              <a:solidFill>
+                <a:srgbClr val="FF0000"/>
+              </a:solidFill>
+            </a:endParaRPr>
+          </a:p>
+        </p:txBody>
+      </p:sp>
+      <p:sp>
+        <p:nvSpPr>
+          <p:cNvPr id="99" name="TextBox 98"/>
+          <p:cNvSpPr txBox="1"/>
+          <p:nvPr/>
+        </p:nvSpPr>
+        <p:spPr>
+          <a:xfrm>
+            <a:off x="10198645" y="5471316"/>
+            <a:ext cx="1497821" cy="276999"/>
+          </a:xfrm>
+          <a:prstGeom prst="rect">
+            <a:avLst/>
+          </a:prstGeom>
+          <a:noFill/>
+        </p:spPr>
+        <p:txBody>
+          <a:bodyPr wrap="square" rtlCol="0">
+            <a:spAutoFit/>
+          </a:bodyPr>
+          <a:lstStyle/>
+          <a:p>
+            <a:r>
+              <a:rPr lang="en-US" sz="1200" dirty="0" smtClean="0">
+                <a:solidFill>
+                  <a:srgbClr val="FF0000"/>
+                </a:solidFill>
+              </a:rPr>
+              <a:t>Mean Square Error</a:t>
+            </a:r>
+            <a:endParaRPr lang="en-US" sz="1200" dirty="0">
+              <a:solidFill>
+                <a:srgbClr val="FF0000"/>
+              </a:solidFill>
+            </a:endParaRPr>
+          </a:p>
+        </p:txBody>
+      </p:sp>
+      <p:pic>
+        <p:nvPicPr>
+          <p:cNvPr id="100" name="Picture 99"/>
+          <p:cNvPicPr>
+            <a:picLocks noChangeAspect="1"/>
+          </p:cNvPicPr>
+          <p:nvPr/>
+        </p:nvPicPr>
+        <p:blipFill>
+          <a:blip r:embed="rId2"/>
+          <a:stretch>
+            <a:fillRect/>
+          </a:stretch>
+        </p:blipFill>
+        <p:spPr>
+          <a:xfrm>
+            <a:off x="10093792" y="4671622"/>
+            <a:ext cx="1833147" cy="300783"/>
+          </a:xfrm>
+          <a:prstGeom prst="rect">
+            <a:avLst/>
+          </a:prstGeom>
+        </p:spPr>
+      </p:pic>
+      <p:pic>
+        <p:nvPicPr>
+          <p:cNvPr id="102" name="Picture 101"/>
+          <p:cNvPicPr>
+            <a:picLocks noChangeAspect="1"/>
+          </p:cNvPicPr>
+          <p:nvPr/>
+        </p:nvPicPr>
+        <p:blipFill>
+          <a:blip r:embed="rId3"/>
+          <a:stretch>
+            <a:fillRect/>
+          </a:stretch>
+        </p:blipFill>
+        <p:spPr>
+          <a:xfrm>
+            <a:off x="9068009" y="3582352"/>
+            <a:ext cx="3002241" cy="667914"/>
+          </a:xfrm>
+          <a:prstGeom prst="rect">
+            <a:avLst/>
+          </a:prstGeom>
+          <a:ln cmpd="thickThin">
+            <a:solidFill>
+              <a:srgbClr val="C00000"/>
+            </a:solidFill>
+          </a:ln>
+        </p:spPr>
+      </p:pic>
+      <p:pic>
+        <p:nvPicPr>
+          <p:cNvPr id="8" name="Picture 7"/>
+          <p:cNvPicPr>
+            <a:picLocks noChangeAspect="1"/>
+          </p:cNvPicPr>
+          <p:nvPr/>
+        </p:nvPicPr>
+        <p:blipFill>
+          <a:blip r:embed="rId4"/>
+          <a:stretch>
+            <a:fillRect/>
+          </a:stretch>
+        </p:blipFill>
+        <p:spPr>
+          <a:xfrm>
+            <a:off x="10199837" y="5740466"/>
+            <a:ext cx="747718" cy="285752"/>
+          </a:xfrm>
+          <a:prstGeom prst="rect">
+            <a:avLst/>
+          </a:prstGeom>
+        </p:spPr>
+      </p:pic>
+      <p:cxnSp>
+        <p:nvCxnSpPr>
+          <p:cNvPr id="14" name="Straight Connector 13"/>
+          <p:cNvCxnSpPr>
+            <a:stCxn id="102" idx="2"/>
+            <a:endCxn id="7" idx="0"/>
+          </p:cNvCxnSpPr>
+          <p:nvPr/>
+        </p:nvCxnSpPr>
+        <p:spPr>
+          <a:xfrm>
+            <a:off x="10569130" y="4250266"/>
+            <a:ext cx="266230" cy="147830"/>
+          </a:xfrm>
+          <a:prstGeom prst="line">
+            <a:avLst/>
+          </a:prstGeom>
+          <a:ln>
+            <a:solidFill>
+              <a:srgbClr val="C00000"/>
+            </a:solidFill>
+          </a:ln>
+        </p:spPr>
+        <p:style>
+          <a:lnRef idx="1">
+            <a:schemeClr val="accent1"/>
+          </a:lnRef>
+          <a:fillRef idx="0">
+            <a:schemeClr val="accent1"/>
+          </a:fillRef>
+          <a:effectRef idx="0">
+            <a:schemeClr val="accent1"/>
+          </a:effectRef>
+          <a:fontRef idx="minor">
+            <a:schemeClr val="tx1"/>
+          </a:fontRef>
+        </p:style>
+      </p:cxnSp>
     </p:spTree>
     <p:extLst>
       <p:ext uri="{BB962C8B-B14F-4D97-AF65-F5344CB8AC3E}">
         <p14:creationId xmlns:p14="http://schemas.microsoft.com/office/powerpoint/2010/main" val="579199598"/>
+      </p:ext>
+    </p:extLst>
+  </p:cSld>
+  <p:clrMapOvr>
+    <a:masterClrMapping/>
+  </p:clrMapOvr>
+</p:sld>
+</file>
+
+<file path=ppt/slides/slide2.xml><?xml version="1.0" encoding="utf-8"?>
+<p:sld xmlns:a="http://schemas.openxmlformats.org/drawingml/2006/main" xmlns:r="http://schemas.openxmlformats.org/officeDocument/2006/relationships" xmlns:p="http://schemas.openxmlformats.org/presentationml/2006/main">
+  <p:cSld>
+    <p:spTree>
+      <p:nvGrpSpPr>
+        <p:cNvPr id="1" name=""/>
+        <p:cNvGrpSpPr/>
+        <p:nvPr/>
+      </p:nvGrpSpPr>
+      <p:grpSpPr>
+        <a:xfrm>
+          <a:off x="0" y="0"/>
+          <a:ext cx="0" cy="0"/>
+          <a:chOff x="0" y="0"/>
+          <a:chExt cx="0" cy="0"/>
+        </a:xfrm>
+      </p:grpSpPr>
+      <p:sp>
+        <p:nvSpPr>
+          <p:cNvPr id="2" name="Title 1"/>
+          <p:cNvSpPr>
+            <a:spLocks noGrp="1"/>
+          </p:cNvSpPr>
+          <p:nvPr>
+            <p:ph type="title"/>
+          </p:nvPr>
+        </p:nvSpPr>
+        <p:spPr/>
+        <p:txBody>
+          <a:bodyPr/>
+          <a:lstStyle/>
+          <a:p>
+            <a:endParaRPr lang="en-US"/>
+          </a:p>
+        </p:txBody>
+      </p:sp>
+      <p:sp>
+        <p:nvSpPr>
+          <p:cNvPr id="3" name="Content Placeholder 2"/>
+          <p:cNvSpPr>
+            <a:spLocks noGrp="1"/>
+          </p:cNvSpPr>
+          <p:nvPr>
+            <p:ph idx="1"/>
+          </p:nvPr>
+        </p:nvSpPr>
+        <p:spPr/>
+        <p:txBody>
+          <a:bodyPr/>
+          <a:lstStyle/>
+          <a:p>
+            <a:endParaRPr lang="en-US"/>
+          </a:p>
+        </p:txBody>
+      </p:sp>
+    </p:spTree>
+    <p:extLst>
+      <p:ext uri="{BB962C8B-B14F-4D97-AF65-F5344CB8AC3E}">
+        <p14:creationId xmlns:p14="http://schemas.microsoft.com/office/powerpoint/2010/main" val="3205444255"/>
       </p:ext>
     </p:extLst>
   </p:cSld>

--- a/[Learning and Exercise] Data Science/Data Science/Comparisons/NeuronNetworkStructure.pptx
+++ b/[Learning and Exercise] Data Science/Data Science/Comparisons/NeuronNetworkStructure.pptx
@@ -6,7 +6,6 @@
   </p:sldMasterIdLst>
   <p:sldIdLst>
     <p:sldId id="256" r:id="rId2"/>
-    <p:sldId id="257" r:id="rId3"/>
   </p:sldIdLst>
   <p:sldSz cx="12192000" cy="6858000"/>
   <p:notesSz cx="6858000" cy="9144000"/>
@@ -5885,69 +5884,6 @@
       </p:sp>
       <p:sp>
         <p:nvSpPr>
-          <p:cNvPr id="186" name="Oval 185"/>
-          <p:cNvSpPr/>
-          <p:nvPr/>
-        </p:nvSpPr>
-        <p:spPr>
-          <a:xfrm>
-            <a:off x="8137973" y="2468777"/>
-            <a:ext cx="728342" cy="272076"/>
-          </a:xfrm>
-          <a:prstGeom prst="ellipse">
-            <a:avLst/>
-          </a:prstGeom>
-          <a:solidFill>
-            <a:srgbClr val="C00000"/>
-          </a:solidFill>
-          <a:ln>
-            <a:solidFill>
-              <a:schemeClr val="accent2">
-                <a:lumMod val="20000"/>
-                <a:lumOff val="80000"/>
-              </a:schemeClr>
-            </a:solidFill>
-          </a:ln>
-        </p:spPr>
-        <p:style>
-          <a:lnRef idx="2">
-            <a:schemeClr val="accent1">
-              <a:shade val="50000"/>
-            </a:schemeClr>
-          </a:lnRef>
-          <a:fillRef idx="1">
-            <a:schemeClr val="accent1"/>
-          </a:fillRef>
-          <a:effectRef idx="0">
-            <a:schemeClr val="accent1"/>
-          </a:effectRef>
-          <a:fontRef idx="minor">
-            <a:schemeClr val="lt1"/>
-          </a:fontRef>
-        </p:style>
-        <p:txBody>
-          <a:bodyPr rtlCol="0" anchor="ctr"/>
-          <a:lstStyle/>
-          <a:p>
-            <a:pPr algn="ctr"/>
-            <a:r>
-              <a:rPr lang="en-US" dirty="0" smtClean="0">
-                <a:solidFill>
-                  <a:schemeClr val="bg1"/>
-                </a:solidFill>
-              </a:rPr>
-              <a:t>out</a:t>
-            </a:r>
-            <a:endParaRPr lang="en-US" dirty="0">
-              <a:solidFill>
-                <a:schemeClr val="bg1"/>
-              </a:solidFill>
-            </a:endParaRPr>
-          </a:p>
-        </p:txBody>
-      </p:sp>
-      <p:sp>
-        <p:nvSpPr>
           <p:cNvPr id="187" name="Oval 186"/>
           <p:cNvSpPr/>
           <p:nvPr/>
@@ -6468,13 +6404,14 @@
           <p:cNvPr id="215" name="Straight Arrow Connector 214"/>
           <p:cNvCxnSpPr>
             <a:stCxn id="186" idx="4"/>
+            <a:endCxn id="216" idx="0"/>
           </p:cNvCxnSpPr>
           <p:nvPr/>
         </p:nvCxnSpPr>
         <p:spPr>
           <a:xfrm>
             <a:off x="8502144" y="2740853"/>
-            <a:ext cx="0" cy="1955964"/>
+            <a:ext cx="0" cy="2457249"/>
           </a:xfrm>
           <a:prstGeom prst="straightConnector1">
             <a:avLst/>
@@ -6509,7 +6446,7 @@
         </p:nvSpPr>
         <p:spPr>
           <a:xfrm>
-            <a:off x="7950980" y="4591633"/>
+            <a:off x="7953317" y="5198102"/>
             <a:ext cx="1097654" cy="523220"/>
           </a:xfrm>
           <a:prstGeom prst="rect">
@@ -6568,12 +6505,12 @@
         </p:nvCxnSpPr>
         <p:spPr>
           <a:xfrm rot="5400000">
-            <a:off x="5594770" y="3245336"/>
-            <a:ext cx="1035520" cy="4774555"/>
+            <a:off x="5899173" y="3547401"/>
+            <a:ext cx="429051" cy="4776892"/>
           </a:xfrm>
           <a:prstGeom prst="curvedConnector3">
             <a:avLst>
-              <a:gd name="adj1" fmla="val 126757"/>
+              <a:gd name="adj1" fmla="val 164578"/>
             </a:avLst>
           </a:prstGeom>
           <a:ln>
@@ -6758,7 +6695,7 @@
         </p:nvSpPr>
         <p:spPr>
           <a:xfrm>
-            <a:off x="8866315" y="4776299"/>
+            <a:off x="8809144" y="5295154"/>
             <a:ext cx="1035010" cy="392212"/>
           </a:xfrm>
           <a:prstGeom prst="ellipse">
@@ -6814,7 +6751,7 @@
         </p:nvSpPr>
         <p:spPr>
           <a:xfrm>
-            <a:off x="9901325" y="4466365"/>
+            <a:off x="9767334" y="4919535"/>
             <a:ext cx="297320" cy="1143451"/>
           </a:xfrm>
           <a:prstGeom prst="leftBrace">
@@ -6857,13 +6794,18 @@
         </p:nvSpPr>
         <p:spPr>
           <a:xfrm>
-            <a:off x="10198645" y="4398096"/>
-            <a:ext cx="1273429" cy="276999"/>
+            <a:off x="10068396" y="4612253"/>
+            <a:ext cx="1035010" cy="461665"/>
           </a:xfrm>
           <a:prstGeom prst="rect">
             <a:avLst/>
           </a:prstGeom>
-          <a:noFill/>
+          <a:solidFill>
+            <a:schemeClr val="accent2">
+              <a:lumMod val="20000"/>
+              <a:lumOff val="80000"/>
+            </a:schemeClr>
+          </a:solidFill>
         </p:spPr>
         <p:txBody>
           <a:bodyPr wrap="square" rtlCol="0">
@@ -6872,12 +6814,19 @@
           <a:lstStyle/>
           <a:p>
             <a:r>
+              <a:rPr lang="en-US" sz="1200" dirty="0" smtClean="0"/>
+              <a:t>Cross Entropy</a:t>
+            </a:r>
+          </a:p>
+          <a:p>
+            <a:pPr algn="ctr"/>
+            <a:r>
               <a:rPr lang="en-US" sz="1200" dirty="0" smtClean="0">
                 <a:solidFill>
                   <a:srgbClr val="FF0000"/>
                 </a:solidFill>
               </a:rPr>
-              <a:t>Cross Entropy</a:t>
+              <a:t>(0,1)</a:t>
             </a:r>
             <a:endParaRPr lang="en-US" sz="1200" dirty="0">
               <a:solidFill>
@@ -6895,13 +6844,18 @@
         </p:nvSpPr>
         <p:spPr>
           <a:xfrm>
-            <a:off x="10198645" y="5471316"/>
-            <a:ext cx="1497821" cy="276999"/>
+            <a:off x="10064655" y="5924486"/>
+            <a:ext cx="1399180" cy="276999"/>
           </a:xfrm>
           <a:prstGeom prst="rect">
             <a:avLst/>
           </a:prstGeom>
-          <a:noFill/>
+          <a:solidFill>
+            <a:schemeClr val="accent2">
+              <a:lumMod val="20000"/>
+              <a:lumOff val="80000"/>
+            </a:schemeClr>
+          </a:solidFill>
         </p:spPr>
         <p:txBody>
           <a:bodyPr wrap="square" rtlCol="0">
@@ -6910,18 +6864,10 @@
           <a:lstStyle/>
           <a:p>
             <a:r>
-              <a:rPr lang="en-US" sz="1200" dirty="0" smtClean="0">
-                <a:solidFill>
-                  <a:srgbClr val="FF0000"/>
-                </a:solidFill>
-              </a:rPr>
+              <a:rPr lang="en-US" sz="1200" dirty="0" smtClean="0"/>
               <a:t>Mean Square Error</a:t>
             </a:r>
-            <a:endParaRPr lang="en-US" sz="1200" dirty="0">
-              <a:solidFill>
-                <a:srgbClr val="FF0000"/>
-              </a:solidFill>
-            </a:endParaRPr>
+            <a:endParaRPr lang="en-US" sz="1200" dirty="0"/>
           </a:p>
         </p:txBody>
       </p:sp>
@@ -6941,7 +6887,7 @@
         </p:blipFill>
         <p:spPr>
           <a:xfrm>
-            <a:off x="10093792" y="4671622"/>
+            <a:off x="9959801" y="5124792"/>
             <a:ext cx="1833147" cy="300783"/>
           </a:xfrm>
           <a:prstGeom prst="rect">
@@ -6965,7 +6911,7 @@
         </p:blipFill>
         <p:spPr>
           <a:xfrm>
-            <a:off x="9068009" y="3582352"/>
+            <a:off x="8600783" y="3862318"/>
             <a:ext cx="3002241" cy="667914"/>
           </a:xfrm>
           <a:prstGeom prst="rect">
@@ -6994,7 +6940,7 @@
         </p:blipFill>
         <p:spPr>
           <a:xfrm>
-            <a:off x="10199837" y="5740466"/>
+            <a:off x="10065846" y="6193636"/>
             <a:ext cx="747718" cy="285752"/>
           </a:xfrm>
           <a:prstGeom prst="rect">
@@ -7013,8 +6959,8 @@
         </p:nvCxnSpPr>
         <p:spPr>
           <a:xfrm>
-            <a:off x="10569130" y="4250266"/>
-            <a:ext cx="266230" cy="147830"/>
+            <a:off x="10101904" y="4530232"/>
+            <a:ext cx="483997" cy="82021"/>
           </a:xfrm>
           <a:prstGeom prst="line">
             <a:avLst/>
@@ -7040,78 +6986,640 @@
           </a:fontRef>
         </p:style>
       </p:cxnSp>
+      <p:sp>
+        <p:nvSpPr>
+          <p:cNvPr id="15" name="TextBox 14"/>
+          <p:cNvSpPr txBox="1"/>
+          <p:nvPr/>
+        </p:nvSpPr>
+        <p:spPr>
+          <a:xfrm>
+            <a:off x="8809144" y="2430120"/>
+            <a:ext cx="1092181" cy="523220"/>
+          </a:xfrm>
+          <a:prstGeom prst="rect">
+            <a:avLst/>
+          </a:prstGeom>
+          <a:solidFill>
+            <a:schemeClr val="bg2">
+              <a:lumMod val="90000"/>
+            </a:schemeClr>
+          </a:solidFill>
+        </p:spPr>
+        <p:txBody>
+          <a:bodyPr wrap="square" rtlCol="0">
+            <a:spAutoFit/>
+          </a:bodyPr>
+          <a:lstStyle/>
+          <a:p>
+            <a:pPr algn="ctr"/>
+            <a:r>
+              <a:rPr lang="en-US" sz="1400" dirty="0" smtClean="0"/>
+              <a:t>Probabilities</a:t>
+            </a:r>
+          </a:p>
+          <a:p>
+            <a:pPr algn="ctr"/>
+            <a:r>
+              <a:rPr lang="en-US" sz="1400" dirty="0" smtClean="0">
+                <a:solidFill>
+                  <a:srgbClr val="C00000"/>
+                </a:solidFill>
+              </a:rPr>
+              <a:t>(0,1)</a:t>
+            </a:r>
+            <a:endParaRPr lang="en-US" sz="1400" dirty="0">
+              <a:solidFill>
+                <a:srgbClr val="C00000"/>
+              </a:solidFill>
+            </a:endParaRPr>
+          </a:p>
+        </p:txBody>
+      </p:sp>
+      <p:sp>
+        <p:nvSpPr>
+          <p:cNvPr id="105" name="TextBox 104"/>
+          <p:cNvSpPr txBox="1"/>
+          <p:nvPr/>
+        </p:nvSpPr>
+        <p:spPr>
+          <a:xfrm>
+            <a:off x="7734067" y="2247815"/>
+            <a:ext cx="1284648" cy="307777"/>
+          </a:xfrm>
+          <a:prstGeom prst="rect">
+            <a:avLst/>
+          </a:prstGeom>
+          <a:noFill/>
+        </p:spPr>
+        <p:txBody>
+          <a:bodyPr wrap="square" rtlCol="0">
+            <a:spAutoFit/>
+          </a:bodyPr>
+          <a:lstStyle/>
+          <a:p>
+            <a:r>
+              <a:rPr lang="en-US" sz="1400" dirty="0" smtClean="0"/>
+              <a:t>softmax</a:t>
+            </a:r>
+            <a:endParaRPr lang="en-US" sz="1400" dirty="0"/>
+          </a:p>
+        </p:txBody>
+      </p:sp>
+      <p:cxnSp>
+        <p:nvCxnSpPr>
+          <p:cNvPr id="24" name="Curved Connector 23"/>
+          <p:cNvCxnSpPr>
+            <a:stCxn id="15" idx="2"/>
+            <a:endCxn id="7" idx="0"/>
+          </p:cNvCxnSpPr>
+          <p:nvPr/>
+        </p:nvCxnSpPr>
+        <p:spPr>
+          <a:xfrm rot="16200000" flipH="1">
+            <a:off x="9141112" y="3167463"/>
+            <a:ext cx="1658913" cy="1230666"/>
+          </a:xfrm>
+          <a:prstGeom prst="curvedConnector3">
+            <a:avLst/>
+          </a:prstGeom>
+          <a:ln w="19050">
+            <a:solidFill>
+              <a:schemeClr val="accent2">
+                <a:lumMod val="75000"/>
+              </a:schemeClr>
+            </a:solidFill>
+            <a:prstDash val="sysDash"/>
+            <a:tailEnd type="triangle"/>
+          </a:ln>
+        </p:spPr>
+        <p:style>
+          <a:lnRef idx="1">
+            <a:schemeClr val="accent1"/>
+          </a:lnRef>
+          <a:fillRef idx="0">
+            <a:schemeClr val="accent1"/>
+          </a:fillRef>
+          <a:effectRef idx="0">
+            <a:schemeClr val="accent1"/>
+          </a:effectRef>
+          <a:fontRef idx="minor">
+            <a:schemeClr val="tx1"/>
+          </a:fontRef>
+        </p:style>
+      </p:cxnSp>
+      <p:cxnSp>
+        <p:nvCxnSpPr>
+          <p:cNvPr id="108" name="Curved Connector 107"/>
+          <p:cNvCxnSpPr>
+            <a:stCxn id="15" idx="0"/>
+            <a:endCxn id="120" idx="2"/>
+          </p:cNvCxnSpPr>
+          <p:nvPr/>
+        </p:nvCxnSpPr>
+        <p:spPr>
+          <a:xfrm rot="5400000" flipH="1" flipV="1">
+            <a:off x="9795464" y="1511157"/>
+            <a:ext cx="478735" cy="1359192"/>
+          </a:xfrm>
+          <a:prstGeom prst="curvedConnector3">
+            <a:avLst>
+              <a:gd name="adj1" fmla="val 50000"/>
+            </a:avLst>
+          </a:prstGeom>
+          <a:ln w="19050">
+            <a:solidFill>
+              <a:schemeClr val="accent2">
+                <a:lumMod val="75000"/>
+              </a:schemeClr>
+            </a:solidFill>
+            <a:prstDash val="sysDash"/>
+            <a:tailEnd type="triangle"/>
+          </a:ln>
+        </p:spPr>
+        <p:style>
+          <a:lnRef idx="1">
+            <a:schemeClr val="accent1"/>
+          </a:lnRef>
+          <a:fillRef idx="0">
+            <a:schemeClr val="accent1"/>
+          </a:fillRef>
+          <a:effectRef idx="0">
+            <a:schemeClr val="accent1"/>
+          </a:effectRef>
+          <a:fontRef idx="minor">
+            <a:schemeClr val="tx1"/>
+          </a:fontRef>
+        </p:style>
+      </p:cxnSp>
+      <p:pic>
+        <p:nvPicPr>
+          <p:cNvPr id="226" name="Picture 225"/>
+          <p:cNvPicPr>
+            <a:picLocks noChangeAspect="1"/>
+          </p:cNvPicPr>
+          <p:nvPr/>
+        </p:nvPicPr>
+        <p:blipFill>
+          <a:blip r:embed="rId5"/>
+          <a:stretch>
+            <a:fillRect/>
+          </a:stretch>
+        </p:blipFill>
+        <p:spPr>
+          <a:xfrm>
+            <a:off x="6950891" y="1630059"/>
+            <a:ext cx="2500577" cy="467689"/>
+          </a:xfrm>
+          <a:prstGeom prst="rect">
+            <a:avLst/>
+          </a:prstGeom>
+        </p:spPr>
+      </p:pic>
+      <p:sp>
+        <p:nvSpPr>
+          <p:cNvPr id="120" name="TextBox 119"/>
+          <p:cNvSpPr txBox="1"/>
+          <p:nvPr/>
+        </p:nvSpPr>
+        <p:spPr>
+          <a:xfrm>
+            <a:off x="10371310" y="1428165"/>
+            <a:ext cx="686233" cy="523220"/>
+          </a:xfrm>
+          <a:prstGeom prst="rect">
+            <a:avLst/>
+          </a:prstGeom>
+          <a:solidFill>
+            <a:schemeClr val="bg2">
+              <a:lumMod val="90000"/>
+            </a:schemeClr>
+          </a:solidFill>
+        </p:spPr>
+        <p:txBody>
+          <a:bodyPr wrap="square" rtlCol="0">
+            <a:spAutoFit/>
+          </a:bodyPr>
+          <a:lstStyle/>
+          <a:p>
+            <a:r>
+              <a:rPr lang="en-US" sz="1400" dirty="0" smtClean="0"/>
+              <a:t>Odds</a:t>
+            </a:r>
+          </a:p>
+          <a:p>
+            <a:r>
+              <a:rPr lang="en-US" sz="1400" dirty="0" smtClean="0">
+                <a:solidFill>
+                  <a:srgbClr val="C00000"/>
+                </a:solidFill>
+              </a:rPr>
+              <a:t>(0, inf)</a:t>
+            </a:r>
+            <a:endParaRPr lang="en-US" sz="1400" dirty="0">
+              <a:solidFill>
+                <a:srgbClr val="C00000"/>
+              </a:solidFill>
+            </a:endParaRPr>
+          </a:p>
+        </p:txBody>
+      </p:sp>
+      <p:sp>
+        <p:nvSpPr>
+          <p:cNvPr id="123" name="TextBox 122"/>
+          <p:cNvSpPr txBox="1"/>
+          <p:nvPr/>
+        </p:nvSpPr>
+        <p:spPr>
+          <a:xfrm>
+            <a:off x="10290135" y="363762"/>
+            <a:ext cx="832690" cy="523220"/>
+          </a:xfrm>
+          <a:prstGeom prst="rect">
+            <a:avLst/>
+          </a:prstGeom>
+          <a:solidFill>
+            <a:schemeClr val="bg2">
+              <a:lumMod val="90000"/>
+            </a:schemeClr>
+          </a:solidFill>
+        </p:spPr>
+        <p:txBody>
+          <a:bodyPr wrap="square" rtlCol="0">
+            <a:spAutoFit/>
+          </a:bodyPr>
+          <a:lstStyle/>
+          <a:p>
+            <a:pPr algn="ctr"/>
+            <a:r>
+              <a:rPr lang="en-US" sz="1400" dirty="0" smtClean="0"/>
+              <a:t>Logits</a:t>
+            </a:r>
+          </a:p>
+          <a:p>
+            <a:pPr algn="ctr"/>
+            <a:r>
+              <a:rPr lang="en-US" sz="1400" dirty="0" smtClean="0">
+                <a:solidFill>
+                  <a:srgbClr val="C00000"/>
+                </a:solidFill>
+              </a:rPr>
+              <a:t>(-inf, inf)</a:t>
+            </a:r>
+            <a:endParaRPr lang="en-US" sz="1400" dirty="0">
+              <a:solidFill>
+                <a:srgbClr val="C00000"/>
+              </a:solidFill>
+            </a:endParaRPr>
+          </a:p>
+        </p:txBody>
+      </p:sp>
+      <p:cxnSp>
+        <p:nvCxnSpPr>
+          <p:cNvPr id="235" name="Straight Arrow Connector 234"/>
+          <p:cNvCxnSpPr>
+            <a:stCxn id="120" idx="0"/>
+            <a:endCxn id="123" idx="2"/>
+          </p:cNvCxnSpPr>
+          <p:nvPr/>
+        </p:nvCxnSpPr>
+        <p:spPr>
+          <a:xfrm flipH="1" flipV="1">
+            <a:off x="10706480" y="886982"/>
+            <a:ext cx="7947" cy="541183"/>
+          </a:xfrm>
+          <a:prstGeom prst="straightConnector1">
+            <a:avLst/>
+          </a:prstGeom>
+          <a:ln w="19050">
+            <a:solidFill>
+              <a:schemeClr val="accent2">
+                <a:lumMod val="75000"/>
+              </a:schemeClr>
+            </a:solidFill>
+            <a:prstDash val="sysDash"/>
+            <a:tailEnd type="triangle"/>
+          </a:ln>
+        </p:spPr>
+        <p:style>
+          <a:lnRef idx="1">
+            <a:schemeClr val="accent1"/>
+          </a:lnRef>
+          <a:fillRef idx="0">
+            <a:schemeClr val="accent1"/>
+          </a:fillRef>
+          <a:effectRef idx="0">
+            <a:schemeClr val="accent1"/>
+          </a:effectRef>
+          <a:fontRef idx="minor">
+            <a:schemeClr val="tx1"/>
+          </a:fontRef>
+        </p:style>
+      </p:cxnSp>
+      <p:sp>
+        <p:nvSpPr>
+          <p:cNvPr id="241" name="TextBox 240"/>
+          <p:cNvSpPr txBox="1"/>
+          <p:nvPr/>
+        </p:nvSpPr>
+        <p:spPr>
+          <a:xfrm>
+            <a:off x="9897448" y="2588774"/>
+            <a:ext cx="392687" cy="307777"/>
+          </a:xfrm>
+          <a:prstGeom prst="rect">
+            <a:avLst/>
+          </a:prstGeom>
+          <a:noFill/>
+        </p:spPr>
+        <p:txBody>
+          <a:bodyPr wrap="square" rtlCol="0">
+            <a:spAutoFit/>
+          </a:bodyPr>
+          <a:lstStyle/>
+          <a:p>
+            <a:r>
+              <a:rPr lang="en-US" sz="1400" dirty="0" smtClean="0">
+                <a:solidFill>
+                  <a:schemeClr val="tx1">
+                    <a:lumMod val="50000"/>
+                    <a:lumOff val="50000"/>
+                  </a:schemeClr>
+                </a:solidFill>
+              </a:rPr>
+              <a:t>Pi</a:t>
+            </a:r>
+            <a:endParaRPr lang="en-US" sz="1400" dirty="0">
+              <a:solidFill>
+                <a:schemeClr val="tx1">
+                  <a:lumMod val="50000"/>
+                  <a:lumOff val="50000"/>
+                </a:schemeClr>
+              </a:solidFill>
+            </a:endParaRPr>
+          </a:p>
+        </p:txBody>
+      </p:sp>
+      <p:sp>
+        <p:nvSpPr>
+          <p:cNvPr id="132" name="TextBox 131"/>
+          <p:cNvSpPr txBox="1"/>
+          <p:nvPr/>
+        </p:nvSpPr>
+        <p:spPr>
+          <a:xfrm>
+            <a:off x="10922622" y="1447629"/>
+            <a:ext cx="773844" cy="307777"/>
+          </a:xfrm>
+          <a:prstGeom prst="rect">
+            <a:avLst/>
+          </a:prstGeom>
+          <a:noFill/>
+        </p:spPr>
+        <p:txBody>
+          <a:bodyPr wrap="square" rtlCol="0">
+            <a:spAutoFit/>
+          </a:bodyPr>
+          <a:lstStyle/>
+          <a:p>
+            <a:r>
+              <a:rPr lang="en-US" sz="1400" dirty="0" smtClean="0">
+                <a:solidFill>
+                  <a:schemeClr val="tx1">
+                    <a:lumMod val="50000"/>
+                    <a:lumOff val="50000"/>
+                  </a:schemeClr>
+                </a:solidFill>
+              </a:rPr>
+              <a:t>Pi</a:t>
+            </a:r>
+            <a:r>
+              <a:rPr lang="en-US" altLang="zh-CN" sz="1400" dirty="0" smtClean="0">
+                <a:solidFill>
+                  <a:schemeClr val="tx1">
+                    <a:lumMod val="50000"/>
+                    <a:lumOff val="50000"/>
+                  </a:schemeClr>
+                </a:solidFill>
+              </a:rPr>
+              <a:t>/(1-Pi)</a:t>
+            </a:r>
+            <a:endParaRPr lang="en-US" sz="1400" dirty="0">
+              <a:solidFill>
+                <a:schemeClr val="tx1">
+                  <a:lumMod val="50000"/>
+                  <a:lumOff val="50000"/>
+                </a:schemeClr>
+              </a:solidFill>
+            </a:endParaRPr>
+          </a:p>
+        </p:txBody>
+      </p:sp>
+      <p:pic>
+        <p:nvPicPr>
+          <p:cNvPr id="242" name="Picture 241"/>
+          <p:cNvPicPr>
+            <a:picLocks noChangeAspect="1"/>
+          </p:cNvPicPr>
+          <p:nvPr/>
+        </p:nvPicPr>
+        <p:blipFill>
+          <a:blip r:embed="rId6"/>
+          <a:stretch>
+            <a:fillRect/>
+          </a:stretch>
+        </p:blipFill>
+        <p:spPr>
+          <a:xfrm>
+            <a:off x="11122825" y="411386"/>
+            <a:ext cx="913484" cy="413653"/>
+          </a:xfrm>
+          <a:prstGeom prst="rect">
+            <a:avLst/>
+          </a:prstGeom>
+        </p:spPr>
+      </p:pic>
+      <p:sp>
+        <p:nvSpPr>
+          <p:cNvPr id="186" name="Oval 185"/>
+          <p:cNvSpPr/>
+          <p:nvPr/>
+        </p:nvSpPr>
+        <p:spPr>
+          <a:xfrm>
+            <a:off x="8137973" y="2468777"/>
+            <a:ext cx="728342" cy="272076"/>
+          </a:xfrm>
+          <a:prstGeom prst="ellipse">
+            <a:avLst/>
+          </a:prstGeom>
+          <a:solidFill>
+            <a:srgbClr val="C00000"/>
+          </a:solidFill>
+          <a:ln>
+            <a:solidFill>
+              <a:schemeClr val="accent2">
+                <a:lumMod val="20000"/>
+                <a:lumOff val="80000"/>
+              </a:schemeClr>
+            </a:solidFill>
+          </a:ln>
+        </p:spPr>
+        <p:style>
+          <a:lnRef idx="2">
+            <a:schemeClr val="accent1">
+              <a:shade val="50000"/>
+            </a:schemeClr>
+          </a:lnRef>
+          <a:fillRef idx="1">
+            <a:schemeClr val="accent1"/>
+          </a:fillRef>
+          <a:effectRef idx="0">
+            <a:schemeClr val="accent1"/>
+          </a:effectRef>
+          <a:fontRef idx="minor">
+            <a:schemeClr val="lt1"/>
+          </a:fontRef>
+        </p:style>
+        <p:txBody>
+          <a:bodyPr rtlCol="0" anchor="ctr"/>
+          <a:lstStyle/>
+          <a:p>
+            <a:pPr algn="ctr"/>
+            <a:r>
+              <a:rPr lang="en-US" dirty="0" smtClean="0">
+                <a:solidFill>
+                  <a:schemeClr val="bg1"/>
+                </a:solidFill>
+              </a:rPr>
+              <a:t>out</a:t>
+            </a:r>
+            <a:endParaRPr lang="en-US" dirty="0">
+              <a:solidFill>
+                <a:schemeClr val="bg1"/>
+              </a:solidFill>
+            </a:endParaRPr>
+          </a:p>
+        </p:txBody>
+      </p:sp>
+      <p:sp>
+        <p:nvSpPr>
+          <p:cNvPr id="248" name="TextBox 247"/>
+          <p:cNvSpPr txBox="1"/>
+          <p:nvPr/>
+        </p:nvSpPr>
+        <p:spPr>
+          <a:xfrm>
+            <a:off x="9723747" y="2113221"/>
+            <a:ext cx="1493079" cy="276999"/>
+          </a:xfrm>
+          <a:prstGeom prst="rect">
+            <a:avLst/>
+          </a:prstGeom>
+          <a:noFill/>
+        </p:spPr>
+        <p:txBody>
+          <a:bodyPr wrap="square" rtlCol="0">
+            <a:spAutoFit/>
+          </a:bodyPr>
+          <a:lstStyle/>
+          <a:p>
+            <a:r>
+              <a:rPr lang="en-US" sz="1200" dirty="0" smtClean="0">
+                <a:solidFill>
+                  <a:srgbClr val="C00000"/>
+                </a:solidFill>
+              </a:rPr>
+              <a:t>mapping</a:t>
+            </a:r>
+            <a:endParaRPr lang="en-US" sz="1200" dirty="0">
+              <a:solidFill>
+                <a:srgbClr val="C00000"/>
+              </a:solidFill>
+            </a:endParaRPr>
+          </a:p>
+        </p:txBody>
+      </p:sp>
+      <p:sp>
+        <p:nvSpPr>
+          <p:cNvPr id="141" name="TextBox 140"/>
+          <p:cNvSpPr txBox="1"/>
+          <p:nvPr/>
+        </p:nvSpPr>
+        <p:spPr>
+          <a:xfrm>
+            <a:off x="10049985" y="1014403"/>
+            <a:ext cx="1493079" cy="276999"/>
+          </a:xfrm>
+          <a:prstGeom prst="rect">
+            <a:avLst/>
+          </a:prstGeom>
+          <a:noFill/>
+        </p:spPr>
+        <p:txBody>
+          <a:bodyPr wrap="square" rtlCol="0">
+            <a:spAutoFit/>
+          </a:bodyPr>
+          <a:lstStyle/>
+          <a:p>
+            <a:r>
+              <a:rPr lang="en-US" sz="1200" dirty="0" smtClean="0">
+                <a:solidFill>
+                  <a:srgbClr val="C00000"/>
+                </a:solidFill>
+              </a:rPr>
+              <a:t>Mapping  probability</a:t>
+            </a:r>
+            <a:endParaRPr lang="en-US" sz="1200" dirty="0">
+              <a:solidFill>
+                <a:srgbClr val="C00000"/>
+              </a:solidFill>
+            </a:endParaRPr>
+          </a:p>
+        </p:txBody>
+      </p:sp>
+      <p:sp>
+        <p:nvSpPr>
+          <p:cNvPr id="151" name="TextBox 150"/>
+          <p:cNvSpPr txBox="1"/>
+          <p:nvPr/>
+        </p:nvSpPr>
+        <p:spPr>
+          <a:xfrm>
+            <a:off x="9624770" y="3483467"/>
+            <a:ext cx="1493079" cy="276999"/>
+          </a:xfrm>
+          <a:prstGeom prst="rect">
+            <a:avLst/>
+          </a:prstGeom>
+          <a:noFill/>
+        </p:spPr>
+        <p:txBody>
+          <a:bodyPr wrap="square" rtlCol="0">
+            <a:spAutoFit/>
+          </a:bodyPr>
+          <a:lstStyle/>
+          <a:p>
+            <a:r>
+              <a:rPr lang="en-US" sz="1200" dirty="0" smtClean="0">
+                <a:solidFill>
+                  <a:srgbClr val="C00000"/>
+                </a:solidFill>
+              </a:rPr>
+              <a:t>mapping</a:t>
+            </a:r>
+            <a:endParaRPr lang="en-US" sz="1200" dirty="0">
+              <a:solidFill>
+                <a:srgbClr val="C00000"/>
+              </a:solidFill>
+            </a:endParaRPr>
+          </a:p>
+        </p:txBody>
+      </p:sp>
     </p:spTree>
     <p:extLst>
       <p:ext uri="{BB962C8B-B14F-4D97-AF65-F5344CB8AC3E}">
         <p14:creationId xmlns:p14="http://schemas.microsoft.com/office/powerpoint/2010/main" val="579199598"/>
-      </p:ext>
-    </p:extLst>
-  </p:cSld>
-  <p:clrMapOvr>
-    <a:masterClrMapping/>
-  </p:clrMapOvr>
-</p:sld>
-</file>
-
-<file path=ppt/slides/slide2.xml><?xml version="1.0" encoding="utf-8"?>
-<p:sld xmlns:a="http://schemas.openxmlformats.org/drawingml/2006/main" xmlns:r="http://schemas.openxmlformats.org/officeDocument/2006/relationships" xmlns:p="http://schemas.openxmlformats.org/presentationml/2006/main">
-  <p:cSld>
-    <p:spTree>
-      <p:nvGrpSpPr>
-        <p:cNvPr id="1" name=""/>
-        <p:cNvGrpSpPr/>
-        <p:nvPr/>
-      </p:nvGrpSpPr>
-      <p:grpSpPr>
-        <a:xfrm>
-          <a:off x="0" y="0"/>
-          <a:ext cx="0" cy="0"/>
-          <a:chOff x="0" y="0"/>
-          <a:chExt cx="0" cy="0"/>
-        </a:xfrm>
-      </p:grpSpPr>
-      <p:sp>
-        <p:nvSpPr>
-          <p:cNvPr id="2" name="Title 1"/>
-          <p:cNvSpPr>
-            <a:spLocks noGrp="1"/>
-          </p:cNvSpPr>
-          <p:nvPr>
-            <p:ph type="title"/>
-          </p:nvPr>
-        </p:nvSpPr>
-        <p:spPr/>
-        <p:txBody>
-          <a:bodyPr/>
-          <a:lstStyle/>
-          <a:p>
-            <a:endParaRPr lang="en-US"/>
-          </a:p>
-        </p:txBody>
-      </p:sp>
-      <p:sp>
-        <p:nvSpPr>
-          <p:cNvPr id="3" name="Content Placeholder 2"/>
-          <p:cNvSpPr>
-            <a:spLocks noGrp="1"/>
-          </p:cNvSpPr>
-          <p:nvPr>
-            <p:ph idx="1"/>
-          </p:nvPr>
-        </p:nvSpPr>
-        <p:spPr/>
-        <p:txBody>
-          <a:bodyPr/>
-          <a:lstStyle/>
-          <a:p>
-            <a:endParaRPr lang="en-US"/>
-          </a:p>
-        </p:txBody>
-      </p:sp>
-    </p:spTree>
-    <p:extLst>
-      <p:ext uri="{BB962C8B-B14F-4D97-AF65-F5344CB8AC3E}">
-        <p14:creationId xmlns:p14="http://schemas.microsoft.com/office/powerpoint/2010/main" val="3205444255"/>
       </p:ext>
     </p:extLst>
   </p:cSld>

--- a/[Learning and Exercise] Data Science/Data Science/Comparisons/NeuronNetworkStructure.pptx
+++ b/[Learning and Exercise] Data Science/Data Science/Comparisons/NeuronNetworkStructure.pptx
@@ -2977,7 +2977,7 @@
         </p:nvSpPr>
         <p:spPr>
           <a:xfrm>
-            <a:off x="1228544" y="411386"/>
+            <a:off x="190727" y="590900"/>
             <a:ext cx="594641" cy="330979"/>
           </a:xfrm>
           <a:prstGeom prst="ellipse">
@@ -3032,7 +3032,7 @@
         </p:nvSpPr>
         <p:spPr>
           <a:xfrm>
-            <a:off x="3103162" y="864847"/>
+            <a:off x="2065345" y="1044361"/>
             <a:ext cx="728342" cy="272076"/>
           </a:xfrm>
           <a:prstGeom prst="ellipse">
@@ -3098,7 +3098,7 @@
         </p:nvSpPr>
         <p:spPr>
           <a:xfrm>
-            <a:off x="3103163" y="2105551"/>
+            <a:off x="2065346" y="2285065"/>
             <a:ext cx="728341" cy="287506"/>
           </a:xfrm>
           <a:prstGeom prst="ellipse">
@@ -3164,7 +3164,7 @@
         </p:nvSpPr>
         <p:spPr>
           <a:xfrm>
-            <a:off x="3103162" y="3325684"/>
+            <a:off x="2065345" y="3505198"/>
             <a:ext cx="728342" cy="315567"/>
           </a:xfrm>
           <a:prstGeom prst="ellipse">
@@ -3230,7 +3230,7 @@
         </p:nvSpPr>
         <p:spPr>
           <a:xfrm>
-            <a:off x="3103162" y="4591633"/>
+            <a:off x="2065345" y="4771147"/>
             <a:ext cx="790050" cy="330514"/>
           </a:xfrm>
           <a:prstGeom prst="ellipse">
@@ -3296,7 +3296,7 @@
         </p:nvSpPr>
         <p:spPr>
           <a:xfrm>
-            <a:off x="1245378" y="1263143"/>
+            <a:off x="207561" y="1442657"/>
             <a:ext cx="594641" cy="330979"/>
           </a:xfrm>
           <a:prstGeom prst="ellipse">
@@ -3351,7 +3351,7 @@
         </p:nvSpPr>
         <p:spPr>
           <a:xfrm>
-            <a:off x="1228545" y="2205593"/>
+            <a:off x="190728" y="2385107"/>
             <a:ext cx="594641" cy="330979"/>
           </a:xfrm>
           <a:prstGeom prst="ellipse">
@@ -3406,7 +3406,7 @@
         </p:nvSpPr>
         <p:spPr>
           <a:xfrm>
-            <a:off x="1228546" y="3036780"/>
+            <a:off x="190729" y="3216294"/>
             <a:ext cx="594641" cy="330979"/>
           </a:xfrm>
           <a:prstGeom prst="ellipse">
@@ -3461,7 +3461,7 @@
         </p:nvSpPr>
         <p:spPr>
           <a:xfrm>
-            <a:off x="1228547" y="3888537"/>
+            <a:off x="190730" y="4068051"/>
             <a:ext cx="594641" cy="330979"/>
           </a:xfrm>
           <a:prstGeom prst="ellipse">
@@ -3516,7 +3516,7 @@
         </p:nvSpPr>
         <p:spPr>
           <a:xfrm>
-            <a:off x="1245378" y="4888954"/>
+            <a:off x="207561" y="5068468"/>
             <a:ext cx="594641" cy="330979"/>
           </a:xfrm>
           <a:prstGeom prst="ellipse">
@@ -3574,7 +3574,7 @@
         </p:nvCxnSpPr>
         <p:spPr>
           <a:xfrm>
-            <a:off x="1823185" y="576876"/>
+            <a:off x="785368" y="756390"/>
             <a:ext cx="1279977" cy="424009"/>
           </a:xfrm>
           <a:prstGeom prst="straightConnector1">
@@ -3607,7 +3607,7 @@
         </p:nvCxnSpPr>
         <p:spPr>
           <a:xfrm flipV="1">
-            <a:off x="1823184" y="1030335"/>
+            <a:off x="785367" y="1209849"/>
             <a:ext cx="1263143" cy="415126"/>
           </a:xfrm>
           <a:prstGeom prst="straightConnector1">
@@ -3643,7 +3643,7 @@
         </p:nvCxnSpPr>
         <p:spPr>
           <a:xfrm flipV="1">
-            <a:off x="1823187" y="1000885"/>
+            <a:off x="785370" y="1180399"/>
             <a:ext cx="1279975" cy="2201385"/>
           </a:xfrm>
           <a:prstGeom prst="straightConnector1">
@@ -3679,7 +3679,7 @@
         </p:nvCxnSpPr>
         <p:spPr>
           <a:xfrm flipV="1">
-            <a:off x="1823186" y="1000885"/>
+            <a:off x="785369" y="1180399"/>
             <a:ext cx="1279976" cy="1370198"/>
           </a:xfrm>
           <a:prstGeom prst="straightConnector1">
@@ -3712,7 +3712,7 @@
         </p:nvSpPr>
         <p:spPr>
           <a:xfrm>
-            <a:off x="1935376" y="428215"/>
+            <a:off x="897559" y="607729"/>
             <a:ext cx="471225" cy="369332"/>
           </a:xfrm>
           <a:prstGeom prst="rect">
@@ -3747,7 +3747,7 @@
         </p:nvSpPr>
         <p:spPr>
           <a:xfrm>
-            <a:off x="1935375" y="1070053"/>
+            <a:off x="897558" y="1249567"/>
             <a:ext cx="471225" cy="369332"/>
           </a:xfrm>
           <a:prstGeom prst="rect">
@@ -3782,7 +3782,7 @@
         </p:nvSpPr>
         <p:spPr>
           <a:xfrm>
-            <a:off x="1840018" y="1809136"/>
+            <a:off x="802201" y="1988650"/>
             <a:ext cx="471225" cy="369332"/>
           </a:xfrm>
           <a:prstGeom prst="rect">
@@ -3817,7 +3817,7 @@
         </p:nvSpPr>
         <p:spPr>
           <a:xfrm>
-            <a:off x="1823185" y="2544030"/>
+            <a:off x="785368" y="2723544"/>
             <a:ext cx="471225" cy="369332"/>
           </a:xfrm>
           <a:prstGeom prst="rect">
@@ -3852,7 +3852,7 @@
         </p:nvSpPr>
         <p:spPr>
           <a:xfrm>
-            <a:off x="1234153" y="5872543"/>
+            <a:off x="196336" y="6052057"/>
             <a:ext cx="594641" cy="330979"/>
           </a:xfrm>
           <a:prstGeom prst="ellipse">
@@ -3912,7 +3912,7 @@
         </p:nvCxnSpPr>
         <p:spPr>
           <a:xfrm flipV="1">
-            <a:off x="1823188" y="1000885"/>
+            <a:off x="785371" y="1180399"/>
             <a:ext cx="1279974" cy="3053142"/>
           </a:xfrm>
           <a:prstGeom prst="straightConnector1">
@@ -3948,7 +3948,7 @@
         </p:nvCxnSpPr>
         <p:spPr>
           <a:xfrm flipV="1">
-            <a:off x="1840019" y="1000885"/>
+            <a:off x="802202" y="1180399"/>
             <a:ext cx="1263143" cy="4053559"/>
           </a:xfrm>
           <a:prstGeom prst="straightConnector1">
@@ -3984,7 +3984,7 @@
         </p:nvCxnSpPr>
         <p:spPr>
           <a:xfrm flipV="1">
-            <a:off x="1828794" y="1000885"/>
+            <a:off x="790977" y="1180399"/>
             <a:ext cx="1274368" cy="5037148"/>
           </a:xfrm>
           <a:prstGeom prst="straightConnector1">
@@ -4022,7 +4022,7 @@
         </p:nvSpPr>
         <p:spPr>
           <a:xfrm>
-            <a:off x="1764753" y="3365410"/>
+            <a:off x="726936" y="3544924"/>
             <a:ext cx="471225" cy="369332"/>
           </a:xfrm>
           <a:prstGeom prst="rect">
@@ -4057,7 +4057,7 @@
         </p:nvSpPr>
         <p:spPr>
           <a:xfrm>
-            <a:off x="1764752" y="4180704"/>
+            <a:off x="726935" y="4360218"/>
             <a:ext cx="471225" cy="369332"/>
           </a:xfrm>
           <a:prstGeom prst="rect">
@@ -4092,7 +4092,7 @@
         </p:nvSpPr>
         <p:spPr>
           <a:xfrm>
-            <a:off x="1744652" y="5020786"/>
+            <a:off x="706835" y="5200300"/>
             <a:ext cx="471225" cy="369332"/>
           </a:xfrm>
           <a:prstGeom prst="rect">
@@ -4130,7 +4130,7 @@
         </p:nvCxnSpPr>
         <p:spPr>
           <a:xfrm>
-            <a:off x="1823185" y="576876"/>
+            <a:off x="785368" y="756390"/>
             <a:ext cx="1279978" cy="1672428"/>
           </a:xfrm>
           <a:prstGeom prst="straightConnector1">
@@ -4171,7 +4171,7 @@
         </p:nvCxnSpPr>
         <p:spPr>
           <a:xfrm>
-            <a:off x="1840019" y="1428633"/>
+            <a:off x="802202" y="1608147"/>
             <a:ext cx="1263144" cy="820671"/>
           </a:xfrm>
           <a:prstGeom prst="straightConnector1">
@@ -4212,7 +4212,7 @@
         </p:nvCxnSpPr>
         <p:spPr>
           <a:xfrm flipV="1">
-            <a:off x="1823186" y="2249304"/>
+            <a:off x="785369" y="2428818"/>
             <a:ext cx="1279977" cy="121779"/>
           </a:xfrm>
           <a:prstGeom prst="straightConnector1">
@@ -4253,7 +4253,7 @@
         </p:nvCxnSpPr>
         <p:spPr>
           <a:xfrm flipV="1">
-            <a:off x="1823187" y="2249304"/>
+            <a:off x="785370" y="2428818"/>
             <a:ext cx="1279976" cy="952966"/>
           </a:xfrm>
           <a:prstGeom prst="straightConnector1">
@@ -4294,7 +4294,7 @@
         </p:nvCxnSpPr>
         <p:spPr>
           <a:xfrm flipV="1">
-            <a:off x="1823188" y="2249304"/>
+            <a:off x="785371" y="2428818"/>
             <a:ext cx="1279975" cy="1804723"/>
           </a:xfrm>
           <a:prstGeom prst="straightConnector1">
@@ -4335,7 +4335,7 @@
         </p:nvCxnSpPr>
         <p:spPr>
           <a:xfrm flipV="1">
-            <a:off x="1840019" y="2249304"/>
+            <a:off x="802202" y="2428818"/>
             <a:ext cx="1263144" cy="2805140"/>
           </a:xfrm>
           <a:prstGeom prst="straightConnector1">
@@ -4376,7 +4376,7 @@
         </p:nvCxnSpPr>
         <p:spPr>
           <a:xfrm flipV="1">
-            <a:off x="1828794" y="2249304"/>
+            <a:off x="790977" y="2428818"/>
             <a:ext cx="1274369" cy="3788729"/>
           </a:xfrm>
           <a:prstGeom prst="straightConnector1">
@@ -4414,7 +4414,7 @@
         </p:nvSpPr>
         <p:spPr>
           <a:xfrm>
-            <a:off x="2311697" y="1224790"/>
+            <a:off x="1273880" y="1404304"/>
             <a:ext cx="471225" cy="369332"/>
           </a:xfrm>
           <a:prstGeom prst="rect">
@@ -4449,7 +4449,7 @@
         </p:nvSpPr>
         <p:spPr>
           <a:xfrm>
-            <a:off x="2294409" y="1691350"/>
+            <a:off x="1256592" y="1870864"/>
             <a:ext cx="471225" cy="369332"/>
           </a:xfrm>
           <a:prstGeom prst="rect">
@@ -4484,7 +4484,7 @@
         </p:nvSpPr>
         <p:spPr>
           <a:xfrm>
-            <a:off x="2289254" y="2050365"/>
+            <a:off x="1251437" y="2229879"/>
             <a:ext cx="471225" cy="369332"/>
           </a:xfrm>
           <a:prstGeom prst="rect">
@@ -4519,7 +4519,7 @@
         </p:nvSpPr>
         <p:spPr>
           <a:xfrm>
-            <a:off x="2224967" y="2465958"/>
+            <a:off x="1187150" y="2645472"/>
             <a:ext cx="599798" cy="369332"/>
           </a:xfrm>
           <a:prstGeom prst="rect">
@@ -4554,7 +4554,7 @@
         </p:nvSpPr>
         <p:spPr>
           <a:xfrm>
-            <a:off x="2203466" y="2797858"/>
+            <a:off x="1165649" y="2977372"/>
             <a:ext cx="599798" cy="369332"/>
           </a:xfrm>
           <a:prstGeom prst="rect">
@@ -4589,7 +4589,7 @@
         </p:nvSpPr>
         <p:spPr>
           <a:xfrm>
-            <a:off x="2170987" y="3316772"/>
+            <a:off x="1133170" y="3496286"/>
             <a:ext cx="599798" cy="369332"/>
           </a:xfrm>
           <a:prstGeom prst="rect">
@@ -4624,7 +4624,7 @@
         </p:nvSpPr>
         <p:spPr>
           <a:xfrm>
-            <a:off x="2044306" y="4859915"/>
+            <a:off x="1006489" y="5039429"/>
             <a:ext cx="471225" cy="369332"/>
           </a:xfrm>
           <a:prstGeom prst="rect">
@@ -4662,7 +4662,7 @@
         </p:nvCxnSpPr>
         <p:spPr>
           <a:xfrm>
-            <a:off x="1823185" y="576876"/>
+            <a:off x="785368" y="756390"/>
             <a:ext cx="1279977" cy="2906592"/>
           </a:xfrm>
           <a:prstGeom prst="straightConnector1">
@@ -4701,7 +4701,7 @@
         </p:nvCxnSpPr>
         <p:spPr>
           <a:xfrm>
-            <a:off x="1840019" y="1428633"/>
+            <a:off x="802202" y="1608147"/>
             <a:ext cx="1263143" cy="2054835"/>
           </a:xfrm>
           <a:prstGeom prst="straightConnector1">
@@ -4740,7 +4740,7 @@
         </p:nvCxnSpPr>
         <p:spPr>
           <a:xfrm>
-            <a:off x="1823186" y="2371083"/>
+            <a:off x="785369" y="2550597"/>
             <a:ext cx="1279976" cy="1112385"/>
           </a:xfrm>
           <a:prstGeom prst="straightConnector1">
@@ -4779,7 +4779,7 @@
         </p:nvCxnSpPr>
         <p:spPr>
           <a:xfrm>
-            <a:off x="1823187" y="3202270"/>
+            <a:off x="785370" y="3381784"/>
             <a:ext cx="1279975" cy="281198"/>
           </a:xfrm>
           <a:prstGeom prst="straightConnector1">
@@ -4818,7 +4818,7 @@
         </p:nvCxnSpPr>
         <p:spPr>
           <a:xfrm flipV="1">
-            <a:off x="1823188" y="3483468"/>
+            <a:off x="785371" y="3662982"/>
             <a:ext cx="1279974" cy="570559"/>
           </a:xfrm>
           <a:prstGeom prst="straightConnector1">
@@ -4856,7 +4856,7 @@
         </p:nvCxnSpPr>
         <p:spPr>
           <a:xfrm flipV="1">
-            <a:off x="1834413" y="3483468"/>
+            <a:off x="796596" y="3662982"/>
             <a:ext cx="1268749" cy="1561114"/>
           </a:xfrm>
           <a:prstGeom prst="straightConnector1">
@@ -4895,7 +4895,7 @@
         </p:nvCxnSpPr>
         <p:spPr>
           <a:xfrm flipV="1">
-            <a:off x="1828794" y="3483468"/>
+            <a:off x="790977" y="3662982"/>
             <a:ext cx="1274368" cy="2554565"/>
           </a:xfrm>
           <a:prstGeom prst="straightConnector1">
@@ -4931,7 +4931,7 @@
         </p:nvSpPr>
         <p:spPr>
           <a:xfrm>
-            <a:off x="2328068" y="4658420"/>
+            <a:off x="1290251" y="4837934"/>
             <a:ext cx="471225" cy="369332"/>
           </a:xfrm>
           <a:prstGeom prst="rect">
@@ -4964,7 +4964,7 @@
         </p:nvSpPr>
         <p:spPr>
           <a:xfrm>
-            <a:off x="2728351" y="2604815"/>
+            <a:off x="1690534" y="2784329"/>
             <a:ext cx="655302" cy="369332"/>
           </a:xfrm>
           <a:prstGeom prst="rect">
@@ -4997,7 +4997,7 @@
         </p:nvSpPr>
         <p:spPr>
           <a:xfrm>
-            <a:off x="2625562" y="2830353"/>
+            <a:off x="1587745" y="3009867"/>
             <a:ext cx="655302" cy="369332"/>
           </a:xfrm>
           <a:prstGeom prst="rect">
@@ -5030,7 +5030,7 @@
         </p:nvSpPr>
         <p:spPr>
           <a:xfrm>
-            <a:off x="2359844" y="3039575"/>
+            <a:off x="1322027" y="3219089"/>
             <a:ext cx="655302" cy="369332"/>
           </a:xfrm>
           <a:prstGeom prst="rect">
@@ -5063,7 +5063,7 @@
         </p:nvSpPr>
         <p:spPr>
           <a:xfrm>
-            <a:off x="2415839" y="3489322"/>
+            <a:off x="1378022" y="3668836"/>
             <a:ext cx="655302" cy="369332"/>
           </a:xfrm>
           <a:prstGeom prst="rect">
@@ -5096,7 +5096,7 @@
         </p:nvSpPr>
         <p:spPr>
           <a:xfrm>
-            <a:off x="2373738" y="3766265"/>
+            <a:off x="1335921" y="3945779"/>
             <a:ext cx="655302" cy="369332"/>
           </a:xfrm>
           <a:prstGeom prst="rect">
@@ -5129,7 +5129,7 @@
         </p:nvSpPr>
         <p:spPr>
           <a:xfrm>
-            <a:off x="2529663" y="4097033"/>
+            <a:off x="1491846" y="4276547"/>
             <a:ext cx="655302" cy="369332"/>
           </a:xfrm>
           <a:prstGeom prst="rect">
@@ -5162,7 +5162,7 @@
         </p:nvSpPr>
         <p:spPr>
           <a:xfrm>
-            <a:off x="4973101" y="1993595"/>
+            <a:off x="3935284" y="2173109"/>
             <a:ext cx="728342" cy="272076"/>
           </a:xfrm>
           <a:prstGeom prst="ellipse">
@@ -5227,7 +5227,7 @@
         </p:nvSpPr>
         <p:spPr>
           <a:xfrm>
-            <a:off x="4973101" y="3224241"/>
+            <a:off x="3935284" y="3403755"/>
             <a:ext cx="728342" cy="272076"/>
           </a:xfrm>
           <a:prstGeom prst="ellipse">
@@ -5295,7 +5295,7 @@
         </p:nvCxnSpPr>
         <p:spPr>
           <a:xfrm>
-            <a:off x="3831504" y="1000885"/>
+            <a:off x="2793687" y="1180399"/>
             <a:ext cx="1141597" cy="1128748"/>
           </a:xfrm>
           <a:prstGeom prst="straightConnector1">
@@ -5331,7 +5331,7 @@
         </p:nvCxnSpPr>
         <p:spPr>
           <a:xfrm flipV="1">
-            <a:off x="3831504" y="2129633"/>
+            <a:off x="2793687" y="2309147"/>
             <a:ext cx="1141597" cy="119671"/>
           </a:xfrm>
           <a:prstGeom prst="straightConnector1">
@@ -5367,7 +5367,7 @@
         </p:nvCxnSpPr>
         <p:spPr>
           <a:xfrm flipV="1">
-            <a:off x="3831504" y="2129633"/>
+            <a:off x="2793687" y="2309147"/>
             <a:ext cx="1141597" cy="1353835"/>
           </a:xfrm>
           <a:prstGeom prst="straightConnector1">
@@ -5403,7 +5403,7 @@
         </p:nvCxnSpPr>
         <p:spPr>
           <a:xfrm flipV="1">
-            <a:off x="3893212" y="2129633"/>
+            <a:off x="2855395" y="2309147"/>
             <a:ext cx="1079889" cy="2627257"/>
           </a:xfrm>
           <a:prstGeom prst="straightConnector1">
@@ -5439,7 +5439,7 @@
         </p:nvCxnSpPr>
         <p:spPr>
           <a:xfrm>
-            <a:off x="3831504" y="1000885"/>
+            <a:off x="2793687" y="1180399"/>
             <a:ext cx="1141597" cy="2359394"/>
           </a:xfrm>
           <a:prstGeom prst="straightConnector1">
@@ -5480,7 +5480,7 @@
         </p:nvCxnSpPr>
         <p:spPr>
           <a:xfrm>
-            <a:off x="3831504" y="2249304"/>
+            <a:off x="2793687" y="2428818"/>
             <a:ext cx="1141597" cy="1110975"/>
           </a:xfrm>
           <a:prstGeom prst="straightConnector1">
@@ -5521,7 +5521,7 @@
         </p:nvCxnSpPr>
         <p:spPr>
           <a:xfrm flipV="1">
-            <a:off x="3831504" y="3360279"/>
+            <a:off x="2793687" y="3539793"/>
             <a:ext cx="1141597" cy="123189"/>
           </a:xfrm>
           <a:prstGeom prst="straightConnector1">
@@ -5562,7 +5562,7 @@
         </p:nvCxnSpPr>
         <p:spPr>
           <a:xfrm flipV="1">
-            <a:off x="3893212" y="3360279"/>
+            <a:off x="2855395" y="3539793"/>
             <a:ext cx="1079889" cy="1396611"/>
           </a:xfrm>
           <a:prstGeom prst="straightConnector1">
@@ -5600,7 +5600,7 @@
         </p:nvSpPr>
         <p:spPr>
           <a:xfrm>
-            <a:off x="3871239" y="1961571"/>
+            <a:off x="2833422" y="2141085"/>
             <a:ext cx="756859" cy="369332"/>
           </a:xfrm>
           <a:prstGeom prst="rect">
@@ -5635,7 +5635,7 @@
         </p:nvSpPr>
         <p:spPr>
           <a:xfrm>
-            <a:off x="3893212" y="1000885"/>
+            <a:off x="2855395" y="1180399"/>
             <a:ext cx="734886" cy="369332"/>
           </a:xfrm>
           <a:prstGeom prst="rect">
@@ -5680,7 +5680,7 @@
         </p:nvSpPr>
         <p:spPr>
           <a:xfrm>
-            <a:off x="3861660" y="2981172"/>
+            <a:off x="2823843" y="3160686"/>
             <a:ext cx="829787" cy="369332"/>
           </a:xfrm>
           <a:prstGeom prst="rect">
@@ -5715,7 +5715,7 @@
         </p:nvSpPr>
         <p:spPr>
           <a:xfrm>
-            <a:off x="3831504" y="3958169"/>
+            <a:off x="2793687" y="4137683"/>
             <a:ext cx="689078" cy="369332"/>
           </a:xfrm>
           <a:prstGeom prst="rect">
@@ -5750,7 +5750,7 @@
         </p:nvSpPr>
         <p:spPr>
           <a:xfrm>
-            <a:off x="4433156" y="2171000"/>
+            <a:off x="3395339" y="2350514"/>
             <a:ext cx="644194" cy="369332"/>
           </a:xfrm>
           <a:prstGeom prst="rect">
@@ -5785,7 +5785,7 @@
         </p:nvSpPr>
         <p:spPr>
           <a:xfrm>
-            <a:off x="4342464" y="2574927"/>
+            <a:off x="3304647" y="2754441"/>
             <a:ext cx="734886" cy="369332"/>
           </a:xfrm>
           <a:prstGeom prst="rect">
@@ -5820,7 +5820,7 @@
         </p:nvSpPr>
         <p:spPr>
           <a:xfrm>
-            <a:off x="4324700" y="3092216"/>
+            <a:off x="3286883" y="3271730"/>
             <a:ext cx="586693" cy="369332"/>
           </a:xfrm>
           <a:prstGeom prst="rect">
@@ -5855,7 +5855,7 @@
         </p:nvSpPr>
         <p:spPr>
           <a:xfrm>
-            <a:off x="4342464" y="3618379"/>
+            <a:off x="3304647" y="3797893"/>
             <a:ext cx="734886" cy="369332"/>
           </a:xfrm>
           <a:prstGeom prst="rect">
@@ -5890,7 +5890,7 @@
         </p:nvSpPr>
         <p:spPr>
           <a:xfrm>
-            <a:off x="3217694" y="5867865"/>
+            <a:off x="2179877" y="6047379"/>
             <a:ext cx="594641" cy="330979"/>
           </a:xfrm>
           <a:prstGeom prst="ellipse">
@@ -5950,7 +5950,7 @@
         </p:nvCxnSpPr>
         <p:spPr>
           <a:xfrm flipV="1">
-            <a:off x="3812335" y="2129633"/>
+            <a:off x="2774518" y="2309147"/>
             <a:ext cx="1160766" cy="3903722"/>
           </a:xfrm>
           <a:prstGeom prst="straightConnector1">
@@ -5986,7 +5986,7 @@
         </p:nvCxnSpPr>
         <p:spPr>
           <a:xfrm flipV="1">
-            <a:off x="3812335" y="3360279"/>
+            <a:off x="2774518" y="3539793"/>
             <a:ext cx="1160766" cy="2673076"/>
           </a:xfrm>
           <a:prstGeom prst="straightConnector1">
@@ -6024,7 +6024,7 @@
         </p:nvSpPr>
         <p:spPr>
           <a:xfrm>
-            <a:off x="3727262" y="4983845"/>
+            <a:off x="2689445" y="5163359"/>
             <a:ext cx="471225" cy="369332"/>
           </a:xfrm>
           <a:prstGeom prst="rect">
@@ -6059,7 +6059,7 @@
         </p:nvSpPr>
         <p:spPr>
           <a:xfrm>
-            <a:off x="4140516" y="4756890"/>
+            <a:off x="3102699" y="4936404"/>
             <a:ext cx="471225" cy="369332"/>
           </a:xfrm>
           <a:prstGeom prst="rect">
@@ -6094,7 +6094,7 @@
         </p:nvSpPr>
         <p:spPr>
           <a:xfrm>
-            <a:off x="1037817" y="72468"/>
+            <a:off x="0" y="251982"/>
             <a:ext cx="1006490" cy="307777"/>
           </a:xfrm>
           <a:prstGeom prst="rect">
@@ -6136,7 +6136,7 @@
         </p:nvSpPr>
         <p:spPr>
           <a:xfrm>
-            <a:off x="2953213" y="72315"/>
+            <a:off x="1915396" y="251829"/>
             <a:ext cx="1245274" cy="307777"/>
           </a:xfrm>
           <a:prstGeom prst="rect">
@@ -6178,7 +6178,7 @@
         </p:nvSpPr>
         <p:spPr>
           <a:xfrm>
-            <a:off x="6610232" y="2422618"/>
+            <a:off x="5572415" y="2602132"/>
             <a:ext cx="1153753" cy="364395"/>
           </a:xfrm>
           <a:prstGeom prst="roundRect">
@@ -6232,7 +6232,7 @@
         </p:nvCxnSpPr>
         <p:spPr>
           <a:xfrm>
-            <a:off x="5701443" y="2129633"/>
+            <a:off x="4663626" y="2309147"/>
             <a:ext cx="908789" cy="475183"/>
           </a:xfrm>
           <a:prstGeom prst="straightConnector1">
@@ -6268,7 +6268,7 @@
         </p:nvCxnSpPr>
         <p:spPr>
           <a:xfrm flipV="1">
-            <a:off x="5701443" y="2604816"/>
+            <a:off x="4663626" y="2784330"/>
             <a:ext cx="908789" cy="755463"/>
           </a:xfrm>
           <a:prstGeom prst="straightConnector1">
@@ -6301,7 +6301,7 @@
         </p:nvSpPr>
         <p:spPr>
           <a:xfrm>
-            <a:off x="5958560" y="2055049"/>
+            <a:off x="4920743" y="2234563"/>
             <a:ext cx="778829" cy="369332"/>
           </a:xfrm>
           <a:prstGeom prst="rect">
@@ -6336,7 +6336,7 @@
         </p:nvSpPr>
         <p:spPr>
           <a:xfrm>
-            <a:off x="5986139" y="2780752"/>
+            <a:off x="4948322" y="2960266"/>
             <a:ext cx="778829" cy="369332"/>
           </a:xfrm>
           <a:prstGeom prst="rect">
@@ -6374,7 +6374,7 @@
         </p:nvCxnSpPr>
         <p:spPr>
           <a:xfrm flipV="1">
-            <a:off x="7763985" y="2604815"/>
+            <a:off x="6726168" y="2784329"/>
             <a:ext cx="373988" cy="1"/>
           </a:xfrm>
           <a:prstGeom prst="straightConnector1">
@@ -6410,7 +6410,7 @@
         </p:nvCxnSpPr>
         <p:spPr>
           <a:xfrm>
-            <a:off x="8502144" y="2740853"/>
+            <a:off x="7464327" y="2920367"/>
             <a:ext cx="0" cy="2457249"/>
           </a:xfrm>
           <a:prstGeom prst="straightConnector1">
@@ -6446,7 +6446,7 @@
         </p:nvSpPr>
         <p:spPr>
           <a:xfrm>
-            <a:off x="7953317" y="5198102"/>
+            <a:off x="6915500" y="5377616"/>
             <a:ext cx="1097654" cy="523220"/>
           </a:xfrm>
           <a:prstGeom prst="rect">
@@ -6505,7 +6505,7 @@
         </p:nvCxnSpPr>
         <p:spPr>
           <a:xfrm rot="5400000">
-            <a:off x="5899173" y="3547401"/>
+            <a:off x="4861356" y="3726915"/>
             <a:ext cx="429051" cy="4776892"/>
           </a:xfrm>
           <a:prstGeom prst="curvedConnector3">
@@ -6543,7 +6543,7 @@
         </p:nvSpPr>
         <p:spPr>
           <a:xfrm>
-            <a:off x="6112530" y="5822989"/>
+            <a:off x="5074713" y="6002503"/>
             <a:ext cx="1926336" cy="523220"/>
           </a:xfrm>
           <a:prstGeom prst="rect">
@@ -6609,7 +6609,7 @@
         </p:nvSpPr>
         <p:spPr>
           <a:xfrm rot="1071851">
-            <a:off x="1950166" y="173324"/>
+            <a:off x="912349" y="352838"/>
             <a:ext cx="1245274" cy="523220"/>
           </a:xfrm>
           <a:prstGeom prst="rect">
@@ -6652,7 +6652,7 @@
         </p:nvSpPr>
         <p:spPr>
           <a:xfrm rot="2822704">
-            <a:off x="4286027" y="1071435"/>
+            <a:off x="3248210" y="1250949"/>
             <a:ext cx="1245274" cy="523220"/>
           </a:xfrm>
           <a:prstGeom prst="rect">
@@ -6695,7 +6695,7 @@
         </p:nvSpPr>
         <p:spPr>
           <a:xfrm>
-            <a:off x="8809144" y="5295154"/>
+            <a:off x="7771327" y="5474668"/>
             <a:ext cx="1035010" cy="392212"/>
           </a:xfrm>
           <a:prstGeom prst="ellipse">
@@ -6751,7 +6751,7 @@
         </p:nvSpPr>
         <p:spPr>
           <a:xfrm>
-            <a:off x="9767334" y="4919535"/>
+            <a:off x="8729517" y="5099049"/>
             <a:ext cx="297320" cy="1143451"/>
           </a:xfrm>
           <a:prstGeom prst="leftBrace">
@@ -6794,7 +6794,7 @@
         </p:nvSpPr>
         <p:spPr>
           <a:xfrm>
-            <a:off x="10068396" y="4612253"/>
+            <a:off x="9030579" y="4791767"/>
             <a:ext cx="1035010" cy="461665"/>
           </a:xfrm>
           <a:prstGeom prst="rect">
@@ -6844,7 +6844,7 @@
         </p:nvSpPr>
         <p:spPr>
           <a:xfrm>
-            <a:off x="10064655" y="5924486"/>
+            <a:off x="9026838" y="6104000"/>
             <a:ext cx="1399180" cy="276999"/>
           </a:xfrm>
           <a:prstGeom prst="rect">
@@ -6887,7 +6887,7 @@
         </p:blipFill>
         <p:spPr>
           <a:xfrm>
-            <a:off x="9959801" y="5124792"/>
+            <a:off x="8921984" y="5304306"/>
             <a:ext cx="1833147" cy="300783"/>
           </a:xfrm>
           <a:prstGeom prst="rect">
@@ -6911,7 +6911,7 @@
         </p:blipFill>
         <p:spPr>
           <a:xfrm>
-            <a:off x="8600783" y="3862318"/>
+            <a:off x="7562966" y="4041832"/>
             <a:ext cx="3002241" cy="667914"/>
           </a:xfrm>
           <a:prstGeom prst="rect">
@@ -6940,7 +6940,7 @@
         </p:blipFill>
         <p:spPr>
           <a:xfrm>
-            <a:off x="10065846" y="6193636"/>
+            <a:off x="9028029" y="6373150"/>
             <a:ext cx="747718" cy="285752"/>
           </a:xfrm>
           <a:prstGeom prst="rect">
@@ -6959,7 +6959,7 @@
         </p:nvCxnSpPr>
         <p:spPr>
           <a:xfrm>
-            <a:off x="10101904" y="4530232"/>
+            <a:off x="9064087" y="4709746"/>
             <a:ext cx="483997" cy="82021"/>
           </a:xfrm>
           <a:prstGeom prst="line">
@@ -6994,7 +6994,7 @@
         </p:nvSpPr>
         <p:spPr>
           <a:xfrm>
-            <a:off x="8809144" y="2430120"/>
+            <a:off x="7771327" y="2609634"/>
             <a:ext cx="1092181" cy="523220"/>
           </a:xfrm>
           <a:prstGeom prst="rect">
@@ -7044,7 +7044,7 @@
         </p:nvSpPr>
         <p:spPr>
           <a:xfrm>
-            <a:off x="7734067" y="2247815"/>
+            <a:off x="6696250" y="2427329"/>
             <a:ext cx="1284648" cy="307777"/>
           </a:xfrm>
           <a:prstGeom prst="rect">
@@ -7077,7 +7077,7 @@
         </p:nvCxnSpPr>
         <p:spPr>
           <a:xfrm rot="16200000" flipH="1">
-            <a:off x="9141112" y="3167463"/>
+            <a:off x="8103295" y="3346977"/>
             <a:ext cx="1658913" cy="1230666"/>
           </a:xfrm>
           <a:prstGeom prst="curvedConnector3">
@@ -7119,7 +7119,7 @@
         </p:nvCxnSpPr>
         <p:spPr>
           <a:xfrm rot="5400000" flipH="1" flipV="1">
-            <a:off x="9795464" y="1511157"/>
+            <a:off x="8757647" y="1690671"/>
             <a:ext cx="478735" cy="1359192"/>
           </a:xfrm>
           <a:prstGeom prst="curvedConnector3">
@@ -7168,7 +7168,7 @@
         </p:blipFill>
         <p:spPr>
           <a:xfrm>
-            <a:off x="6950891" y="1630059"/>
+            <a:off x="5913074" y="1809573"/>
             <a:ext cx="2500577" cy="467689"/>
           </a:xfrm>
           <a:prstGeom prst="rect">
@@ -7184,7 +7184,7 @@
         </p:nvSpPr>
         <p:spPr>
           <a:xfrm>
-            <a:off x="10371310" y="1428165"/>
+            <a:off x="9333493" y="1607679"/>
             <a:ext cx="686233" cy="523220"/>
           </a:xfrm>
           <a:prstGeom prst="rect">
@@ -7232,7 +7232,7 @@
         </p:nvSpPr>
         <p:spPr>
           <a:xfrm>
-            <a:off x="10290135" y="363762"/>
+            <a:off x="9252318" y="543276"/>
             <a:ext cx="832690" cy="523220"/>
           </a:xfrm>
           <a:prstGeom prst="rect">
@@ -7285,7 +7285,7 @@
         </p:nvCxnSpPr>
         <p:spPr>
           <a:xfrm flipH="1" flipV="1">
-            <a:off x="10706480" y="886982"/>
+            <a:off x="9668663" y="1066496"/>
             <a:ext cx="7947" cy="541183"/>
           </a:xfrm>
           <a:prstGeom prst="straightConnector1">
@@ -7324,7 +7324,7 @@
         </p:nvSpPr>
         <p:spPr>
           <a:xfrm>
-            <a:off x="9897448" y="2588774"/>
+            <a:off x="8859631" y="2768288"/>
             <a:ext cx="392687" cy="307777"/>
           </a:xfrm>
           <a:prstGeom prst="rect">
@@ -7368,7 +7368,7 @@
         </p:nvSpPr>
         <p:spPr>
           <a:xfrm>
-            <a:off x="10922622" y="1447629"/>
+            <a:off x="9884805" y="1627143"/>
             <a:ext cx="773844" cy="307777"/>
           </a:xfrm>
           <a:prstGeom prst="rect">
@@ -7431,7 +7431,7 @@
         </p:blipFill>
         <p:spPr>
           <a:xfrm>
-            <a:off x="11122825" y="411386"/>
+            <a:off x="10085008" y="590900"/>
             <a:ext cx="913484" cy="413653"/>
           </a:xfrm>
           <a:prstGeom prst="rect">
@@ -7447,7 +7447,7 @@
         </p:nvSpPr>
         <p:spPr>
           <a:xfrm>
-            <a:off x="8137973" y="2468777"/>
+            <a:off x="7100156" y="2648291"/>
             <a:ext cx="728342" cy="272076"/>
           </a:xfrm>
           <a:prstGeom prst="ellipse">
@@ -7510,7 +7510,7 @@
         </p:nvSpPr>
         <p:spPr>
           <a:xfrm>
-            <a:off x="9723747" y="2113221"/>
+            <a:off x="8685930" y="2292735"/>
             <a:ext cx="1493079" cy="276999"/>
           </a:xfrm>
           <a:prstGeom prst="rect">
@@ -7548,7 +7548,7 @@
         </p:nvSpPr>
         <p:spPr>
           <a:xfrm>
-            <a:off x="10049985" y="1014403"/>
+            <a:off x="9012168" y="1193917"/>
             <a:ext cx="1493079" cy="276999"/>
           </a:xfrm>
           <a:prstGeom prst="rect">
@@ -7586,7 +7586,7 @@
         </p:nvSpPr>
         <p:spPr>
           <a:xfrm>
-            <a:off x="9624770" y="3483467"/>
+            <a:off x="8586953" y="3662981"/>
             <a:ext cx="1493079" cy="276999"/>
           </a:xfrm>
           <a:prstGeom prst="rect">
@@ -7613,6 +7613,122 @@
                 <a:srgbClr val="C00000"/>
               </a:solidFill>
             </a:endParaRPr>
+          </a:p>
+        </p:txBody>
+      </p:sp>
+      <p:cxnSp>
+        <p:nvCxnSpPr>
+          <p:cNvPr id="41" name="Straight Arrow Connector 40"/>
+          <p:cNvCxnSpPr>
+            <a:stCxn id="242" idx="3"/>
+            <a:endCxn id="158" idx="0"/>
+          </p:cNvCxnSpPr>
+          <p:nvPr/>
+        </p:nvCxnSpPr>
+        <p:spPr>
+          <a:xfrm>
+            <a:off x="10998492" y="797727"/>
+            <a:ext cx="356005" cy="2694313"/>
+          </a:xfrm>
+          <a:prstGeom prst="straightConnector1">
+            <a:avLst/>
+          </a:prstGeom>
+          <a:ln>
+            <a:solidFill>
+              <a:schemeClr val="accent2">
+                <a:lumMod val="75000"/>
+              </a:schemeClr>
+            </a:solidFill>
+            <a:tailEnd type="triangle"/>
+          </a:ln>
+        </p:spPr>
+        <p:style>
+          <a:lnRef idx="1">
+            <a:schemeClr val="accent1"/>
+          </a:lnRef>
+          <a:fillRef idx="0">
+            <a:schemeClr val="accent1"/>
+          </a:fillRef>
+          <a:effectRef idx="0">
+            <a:schemeClr val="accent1"/>
+          </a:effectRef>
+          <a:fontRef idx="minor">
+            <a:schemeClr val="tx1"/>
+          </a:fontRef>
+        </p:style>
+      </p:cxnSp>
+      <p:cxnSp>
+        <p:nvCxnSpPr>
+          <p:cNvPr id="154" name="Straight Arrow Connector 153"/>
+          <p:cNvCxnSpPr>
+            <a:stCxn id="7" idx="3"/>
+            <a:endCxn id="158" idx="2"/>
+          </p:cNvCxnSpPr>
+          <p:nvPr/>
+        </p:nvCxnSpPr>
+        <p:spPr>
+          <a:xfrm flipV="1">
+            <a:off x="10065589" y="4230704"/>
+            <a:ext cx="1288908" cy="791896"/>
+          </a:xfrm>
+          <a:prstGeom prst="straightConnector1">
+            <a:avLst/>
+          </a:prstGeom>
+          <a:ln>
+            <a:solidFill>
+              <a:schemeClr val="accent2">
+                <a:lumMod val="75000"/>
+              </a:schemeClr>
+            </a:solidFill>
+            <a:tailEnd type="triangle"/>
+          </a:ln>
+        </p:spPr>
+        <p:style>
+          <a:lnRef idx="1">
+            <a:schemeClr val="accent1"/>
+          </a:lnRef>
+          <a:fillRef idx="0">
+            <a:schemeClr val="accent1"/>
+          </a:fillRef>
+          <a:effectRef idx="0">
+            <a:schemeClr val="accent1"/>
+          </a:effectRef>
+          <a:fontRef idx="minor">
+            <a:schemeClr val="tx1"/>
+          </a:fontRef>
+        </p:style>
+      </p:cxnSp>
+      <p:sp>
+        <p:nvSpPr>
+          <p:cNvPr id="158" name="TextBox 157"/>
+          <p:cNvSpPr txBox="1"/>
+          <p:nvPr/>
+        </p:nvSpPr>
+        <p:spPr>
+          <a:xfrm>
+            <a:off x="10603011" y="3492040"/>
+            <a:ext cx="1502972" cy="738664"/>
+          </a:xfrm>
+          <a:prstGeom prst="rect">
+            <a:avLst/>
+          </a:prstGeom>
+          <a:solidFill>
+            <a:schemeClr val="bg2">
+              <a:lumMod val="90000"/>
+            </a:schemeClr>
+          </a:solidFill>
+        </p:spPr>
+        <p:txBody>
+          <a:bodyPr wrap="square" rtlCol="0">
+            <a:spAutoFit/>
+          </a:bodyPr>
+          <a:lstStyle/>
+          <a:p>
+            <a:r>
+              <a:rPr lang="en-US" sz="1400" dirty="0" smtClean="0"/>
+              <a:t>tf.nn.softmax_cross_entropy_with_logits_v2()</a:t>
+            </a:r>
+            <a:endParaRPr lang="en-US" sz="1400" dirty="0"/>
           </a:p>
         </p:txBody>
       </p:sp>

--- a/[Learning and Exercise] Data Science/Data Science/Comparisons/NeuronNetworkStructure.pptx
+++ b/[Learning and Exercise] Data Science/Data Science/Comparisons/NeuronNetworkStructure.pptx
@@ -6499,18 +6499,18 @@
           <p:cNvPr id="218" name="Curved Connector 217"/>
           <p:cNvCxnSpPr>
             <a:stCxn id="216" idx="2"/>
-            <a:endCxn id="187" idx="5"/>
           </p:cNvCxnSpPr>
           <p:nvPr/>
         </p:nvCxnSpPr>
         <p:spPr>
-          <a:xfrm rot="5400000">
-            <a:off x="4861356" y="3726915"/>
-            <a:ext cx="429051" cy="4776892"/>
-          </a:xfrm>
-          <a:prstGeom prst="curvedConnector3">
+          <a:xfrm rot="5400000" flipH="1">
+            <a:off x="4211875" y="2648385"/>
+            <a:ext cx="490941" cy="6013962"/>
+          </a:xfrm>
+          <a:prstGeom prst="curvedConnector4">
             <a:avLst>
-              <a:gd name="adj1" fmla="val 164578"/>
+              <a:gd name="adj1" fmla="val -152832"/>
+              <a:gd name="adj2" fmla="val 99431"/>
             </a:avLst>
           </a:prstGeom>
           <a:ln>
@@ -6543,7 +6543,7 @@
         </p:nvSpPr>
         <p:spPr>
           <a:xfrm>
-            <a:off x="5074713" y="6002503"/>
+            <a:off x="5537991" y="6275274"/>
             <a:ext cx="1926336" cy="523220"/>
           </a:xfrm>
           <a:prstGeom prst="rect">
@@ -7729,6 +7729,419 @@
               <a:t>tf.nn.softmax_cross_entropy_with_logits_v2()</a:t>
             </a:r>
             <a:endParaRPr lang="en-US" sz="1400" dirty="0"/>
+          </a:p>
+        </p:txBody>
+      </p:sp>
+      <p:sp>
+        <p:nvSpPr>
+          <p:cNvPr id="170" name="TextBox 169"/>
+          <p:cNvSpPr txBox="1"/>
+          <p:nvPr/>
+        </p:nvSpPr>
+        <p:spPr>
+          <a:xfrm>
+            <a:off x="4242284" y="5814221"/>
+            <a:ext cx="587162" cy="276999"/>
+          </a:xfrm>
+          <a:prstGeom prst="rect">
+            <a:avLst/>
+          </a:prstGeom>
+          <a:solidFill>
+            <a:schemeClr val="accent2">
+              <a:lumMod val="20000"/>
+              <a:lumOff val="80000"/>
+            </a:schemeClr>
+          </a:solidFill>
+        </p:spPr>
+        <p:txBody>
+          <a:bodyPr wrap="square" rtlCol="0">
+            <a:spAutoFit/>
+          </a:bodyPr>
+          <a:lstStyle/>
+          <a:p>
+            <a:r>
+              <a:rPr lang="en-US" sz="1200" dirty="0" smtClean="0"/>
+              <a:t>Adam</a:t>
+            </a:r>
+            <a:endParaRPr lang="en-US" sz="1200" dirty="0"/>
+          </a:p>
+        </p:txBody>
+      </p:sp>
+      <p:sp>
+        <p:nvSpPr>
+          <p:cNvPr id="167" name="Oval 166"/>
+          <p:cNvSpPr/>
+          <p:nvPr/>
+        </p:nvSpPr>
+        <p:spPr>
+          <a:xfrm>
+            <a:off x="4566390" y="6373150"/>
+            <a:ext cx="1170749" cy="392212"/>
+          </a:xfrm>
+          <a:prstGeom prst="ellipse">
+            <a:avLst/>
+          </a:prstGeom>
+          <a:solidFill>
+            <a:schemeClr val="accent2">
+              <a:lumMod val="75000"/>
+            </a:schemeClr>
+          </a:solidFill>
+          <a:ln>
+            <a:solidFill>
+              <a:schemeClr val="accent2">
+                <a:lumMod val="75000"/>
+              </a:schemeClr>
+            </a:solidFill>
+          </a:ln>
+        </p:spPr>
+        <p:style>
+          <a:lnRef idx="2">
+            <a:schemeClr val="accent1">
+              <a:shade val="50000"/>
+            </a:schemeClr>
+          </a:lnRef>
+          <a:fillRef idx="1">
+            <a:schemeClr val="accent1"/>
+          </a:fillRef>
+          <a:effectRef idx="0">
+            <a:schemeClr val="accent1"/>
+          </a:effectRef>
+          <a:fontRef idx="minor">
+            <a:schemeClr val="lt1"/>
+          </a:fontRef>
+        </p:style>
+        <p:txBody>
+          <a:bodyPr rtlCol="0" anchor="ctr"/>
+          <a:lstStyle/>
+          <a:p>
+            <a:pPr algn="ctr"/>
+            <a:r>
+              <a:rPr lang="en-US" altLang="zh-CN" sz="1200" dirty="0" smtClean="0"/>
+              <a:t>Optimizer</a:t>
+            </a:r>
+            <a:endParaRPr lang="en-US" sz="1200" dirty="0"/>
+          </a:p>
+        </p:txBody>
+      </p:sp>
+      <p:grpSp>
+        <p:nvGrpSpPr>
+          <p:cNvPr id="78" name="Group 77"/>
+          <p:cNvGrpSpPr/>
+          <p:nvPr/>
+        </p:nvGrpSpPr>
+        <p:grpSpPr>
+          <a:xfrm>
+            <a:off x="4287085" y="4650666"/>
+            <a:ext cx="2199217" cy="1122300"/>
+            <a:chOff x="4217394" y="4975403"/>
+            <a:chExt cx="1638964" cy="766118"/>
+          </a:xfrm>
+        </p:grpSpPr>
+        <p:sp>
+          <p:nvSpPr>
+            <p:cNvPr id="76" name="Rectangle 75"/>
+            <p:cNvSpPr/>
+            <p:nvPr/>
+          </p:nvSpPr>
+          <p:spPr>
+            <a:xfrm>
+              <a:off x="4217394" y="4995181"/>
+              <a:ext cx="1458724" cy="746340"/>
+            </a:xfrm>
+            <a:prstGeom prst="rect">
+              <a:avLst/>
+            </a:prstGeom>
+            <a:solidFill>
+              <a:schemeClr val="accent2">
+                <a:lumMod val="60000"/>
+                <a:lumOff val="40000"/>
+              </a:schemeClr>
+            </a:solidFill>
+            <a:ln>
+              <a:solidFill>
+                <a:schemeClr val="accent2">
+                  <a:lumMod val="60000"/>
+                  <a:lumOff val="40000"/>
+                </a:schemeClr>
+              </a:solidFill>
+            </a:ln>
+          </p:spPr>
+          <p:style>
+            <a:lnRef idx="2">
+              <a:schemeClr val="accent1">
+                <a:shade val="50000"/>
+              </a:schemeClr>
+            </a:lnRef>
+            <a:fillRef idx="1">
+              <a:schemeClr val="accent1"/>
+            </a:fillRef>
+            <a:effectRef idx="0">
+              <a:schemeClr val="accent1"/>
+            </a:effectRef>
+            <a:fontRef idx="minor">
+              <a:schemeClr val="lt1"/>
+            </a:fontRef>
+          </p:style>
+          <p:txBody>
+            <a:bodyPr rtlCol="0" anchor="ctr"/>
+            <a:lstStyle/>
+            <a:p>
+              <a:pPr algn="ctr"/>
+              <a:endParaRPr lang="en-US"/>
+            </a:p>
+          </p:txBody>
+        </p:sp>
+        <p:sp>
+          <p:nvSpPr>
+            <p:cNvPr id="77" name="TextBox 76"/>
+            <p:cNvSpPr txBox="1"/>
+            <p:nvPr/>
+          </p:nvSpPr>
+          <p:spPr>
+            <a:xfrm>
+              <a:off x="4510415" y="4975403"/>
+              <a:ext cx="1345943" cy="261610"/>
+            </a:xfrm>
+            <a:prstGeom prst="rect">
+              <a:avLst/>
+            </a:prstGeom>
+            <a:noFill/>
+          </p:spPr>
+          <p:txBody>
+            <a:bodyPr wrap="square" rtlCol="0">
+              <a:spAutoFit/>
+            </a:bodyPr>
+            <a:lstStyle/>
+            <a:p>
+              <a:r>
+                <a:rPr lang="en-US" sz="1100" dirty="0"/>
+                <a:t>Gradient </a:t>
+              </a:r>
+              <a:r>
+                <a:rPr lang="en-US" sz="1100" dirty="0" smtClean="0"/>
+                <a:t>Descent</a:t>
+              </a:r>
+              <a:endParaRPr lang="en-US" sz="1100" dirty="0"/>
+            </a:p>
+          </p:txBody>
+        </p:sp>
+      </p:grpSp>
+      <p:sp>
+        <p:nvSpPr>
+          <p:cNvPr id="80" name="Rectangle 79"/>
+          <p:cNvSpPr/>
+          <p:nvPr/>
+        </p:nvSpPr>
+        <p:spPr>
+          <a:xfrm>
+            <a:off x="4531175" y="4849216"/>
+            <a:ext cx="1503938" cy="261610"/>
+          </a:xfrm>
+          <a:prstGeom prst="rect">
+            <a:avLst/>
+          </a:prstGeom>
+          <a:solidFill>
+            <a:schemeClr val="accent2">
+              <a:lumMod val="20000"/>
+              <a:lumOff val="80000"/>
+            </a:schemeClr>
+          </a:solidFill>
+        </p:spPr>
+        <p:txBody>
+          <a:bodyPr wrap="none">
+            <a:spAutoFit/>
+          </a:bodyPr>
+          <a:lstStyle/>
+          <a:p>
+            <a:r>
+              <a:rPr lang="en-US" sz="1100" b="1" dirty="0">
+                <a:latin typeface="+mj-lt"/>
+              </a:rPr>
+              <a:t>Batch Gradient Descent</a:t>
+            </a:r>
+            <a:endParaRPr lang="en-US" sz="1100" dirty="0">
+              <a:latin typeface="+mj-lt"/>
+            </a:endParaRPr>
+          </a:p>
+        </p:txBody>
+      </p:sp>
+      <p:sp>
+        <p:nvSpPr>
+          <p:cNvPr id="188" name="Rectangle 187"/>
+          <p:cNvSpPr/>
+          <p:nvPr/>
+        </p:nvSpPr>
+        <p:spPr>
+          <a:xfrm>
+            <a:off x="4401454" y="5129921"/>
+            <a:ext cx="1752403" cy="261610"/>
+          </a:xfrm>
+          <a:prstGeom prst="rect">
+            <a:avLst/>
+          </a:prstGeom>
+          <a:solidFill>
+            <a:schemeClr val="accent2">
+              <a:lumMod val="20000"/>
+              <a:lumOff val="80000"/>
+            </a:schemeClr>
+          </a:solidFill>
+        </p:spPr>
+        <p:txBody>
+          <a:bodyPr wrap="none">
+            <a:spAutoFit/>
+          </a:bodyPr>
+          <a:lstStyle/>
+          <a:p>
+            <a:r>
+              <a:rPr lang="en-US" sz="1100" b="1" dirty="0">
+                <a:latin typeface="+mj-lt"/>
+              </a:rPr>
+              <a:t>Stochastic Gradient Descent</a:t>
+            </a:r>
+          </a:p>
+        </p:txBody>
+      </p:sp>
+      <p:sp>
+        <p:nvSpPr>
+          <p:cNvPr id="190" name="Rectangle 189"/>
+          <p:cNvSpPr/>
+          <p:nvPr/>
+        </p:nvSpPr>
+        <p:spPr>
+          <a:xfrm>
+            <a:off x="4389565" y="5409164"/>
+            <a:ext cx="1784463" cy="261610"/>
+          </a:xfrm>
+          <a:prstGeom prst="rect">
+            <a:avLst/>
+          </a:prstGeom>
+          <a:solidFill>
+            <a:schemeClr val="accent2">
+              <a:lumMod val="20000"/>
+              <a:lumOff val="80000"/>
+            </a:schemeClr>
+          </a:solidFill>
+        </p:spPr>
+        <p:txBody>
+          <a:bodyPr wrap="none">
+            <a:spAutoFit/>
+          </a:bodyPr>
+          <a:lstStyle/>
+          <a:p>
+            <a:r>
+              <a:rPr lang="en-US" sz="1100" b="1" dirty="0">
+                <a:latin typeface="+mj-lt"/>
+              </a:rPr>
+              <a:t>Mini batch Gradient Descent</a:t>
+            </a:r>
+          </a:p>
+        </p:txBody>
+      </p:sp>
+      <p:sp>
+        <p:nvSpPr>
+          <p:cNvPr id="191" name="TextBox 190"/>
+          <p:cNvSpPr txBox="1"/>
+          <p:nvPr/>
+        </p:nvSpPr>
+        <p:spPr>
+          <a:xfrm>
+            <a:off x="4889769" y="5809723"/>
+            <a:ext cx="864965" cy="261610"/>
+          </a:xfrm>
+          <a:prstGeom prst="rect">
+            <a:avLst/>
+          </a:prstGeom>
+          <a:solidFill>
+            <a:schemeClr val="accent2">
+              <a:lumMod val="20000"/>
+              <a:lumOff val="80000"/>
+            </a:schemeClr>
+          </a:solidFill>
+        </p:spPr>
+        <p:txBody>
+          <a:bodyPr wrap="square" rtlCol="0">
+            <a:spAutoFit/>
+          </a:bodyPr>
+          <a:lstStyle/>
+          <a:p>
+            <a:r>
+              <a:rPr lang="en-US" sz="1100" b="1" dirty="0" smtClean="0">
+                <a:latin typeface="+mj-lt"/>
+              </a:rPr>
+              <a:t>Momentum</a:t>
+            </a:r>
+            <a:endParaRPr lang="en-US" sz="1100" b="1" dirty="0">
+              <a:latin typeface="+mj-lt"/>
+            </a:endParaRPr>
+          </a:p>
+        </p:txBody>
+      </p:sp>
+      <p:sp>
+        <p:nvSpPr>
+          <p:cNvPr id="193" name="TextBox 192"/>
+          <p:cNvSpPr txBox="1"/>
+          <p:nvPr/>
+        </p:nvSpPr>
+        <p:spPr>
+          <a:xfrm>
+            <a:off x="5813687" y="5805244"/>
+            <a:ext cx="671208" cy="266089"/>
+          </a:xfrm>
+          <a:prstGeom prst="rect">
+            <a:avLst/>
+          </a:prstGeom>
+          <a:solidFill>
+            <a:schemeClr val="accent2">
+              <a:lumMod val="20000"/>
+              <a:lumOff val="80000"/>
+            </a:schemeClr>
+          </a:solidFill>
+        </p:spPr>
+        <p:txBody>
+          <a:bodyPr wrap="square" rtlCol="0">
+            <a:spAutoFit/>
+          </a:bodyPr>
+          <a:lstStyle/>
+          <a:p>
+            <a:r>
+              <a:rPr lang="en-US" sz="1100" b="1" dirty="0" smtClean="0">
+                <a:latin typeface="+mj-lt"/>
+              </a:rPr>
+              <a:t>Adagrad</a:t>
+            </a:r>
+            <a:endParaRPr lang="en-US" sz="1100" b="1" dirty="0">
+              <a:latin typeface="+mj-lt"/>
+            </a:endParaRPr>
+          </a:p>
+        </p:txBody>
+      </p:sp>
+      <p:sp>
+        <p:nvSpPr>
+          <p:cNvPr id="81" name="TextBox 80"/>
+          <p:cNvSpPr txBox="1"/>
+          <p:nvPr/>
+        </p:nvSpPr>
+        <p:spPr>
+          <a:xfrm>
+            <a:off x="5020490" y="5988638"/>
+            <a:ext cx="526388" cy="369332"/>
+          </a:xfrm>
+          <a:prstGeom prst="rect">
+            <a:avLst/>
+          </a:prstGeom>
+          <a:noFill/>
+        </p:spPr>
+        <p:txBody>
+          <a:bodyPr wrap="square" rtlCol="0">
+            <a:spAutoFit/>
+          </a:bodyPr>
+          <a:lstStyle/>
+          <a:p>
+            <a:r>
+              <a:rPr lang="en-US" dirty="0" smtClean="0"/>
+              <a:t>…</a:t>
+            </a:r>
+            <a:endParaRPr lang="en-US" dirty="0"/>
           </a:p>
         </p:txBody>
       </p:sp>

--- a/[Learning and Exercise] Data Science/Data Science/Comparisons/NeuronNetworkStructure.pptx
+++ b/[Learning and Exercise] Data Science/Data Science/Comparisons/NeuronNetworkStructure.pptx
@@ -2969,6 +2969,120 @@
           <a:chExt cx="0" cy="0"/>
         </a:xfrm>
       </p:grpSpPr>
+      <p:cxnSp>
+        <p:nvCxnSpPr>
+          <p:cNvPr id="201" name="Straight Connector 200"/>
+          <p:cNvCxnSpPr/>
+          <p:nvPr/>
+        </p:nvCxnSpPr>
+        <p:spPr>
+          <a:xfrm>
+            <a:off x="8070341" y="87409"/>
+            <a:ext cx="2639" cy="4683738"/>
+          </a:xfrm>
+          <a:prstGeom prst="line">
+            <a:avLst/>
+          </a:prstGeom>
+          <a:ln w="19050">
+            <a:solidFill>
+              <a:schemeClr val="accent6">
+                <a:lumMod val="75000"/>
+              </a:schemeClr>
+            </a:solidFill>
+            <a:prstDash val="dash"/>
+          </a:ln>
+        </p:spPr>
+        <p:style>
+          <a:lnRef idx="1">
+            <a:schemeClr val="accent1"/>
+          </a:lnRef>
+          <a:fillRef idx="0">
+            <a:schemeClr val="accent1"/>
+          </a:fillRef>
+          <a:effectRef idx="0">
+            <a:schemeClr val="accent1"/>
+          </a:effectRef>
+          <a:fontRef idx="minor">
+            <a:schemeClr val="tx1"/>
+          </a:fontRef>
+        </p:style>
+      </p:cxnSp>
+      <p:cxnSp>
+        <p:nvCxnSpPr>
+          <p:cNvPr id="199" name="Straight Connector 198"/>
+          <p:cNvCxnSpPr/>
+          <p:nvPr/>
+        </p:nvCxnSpPr>
+        <p:spPr>
+          <a:xfrm>
+            <a:off x="6821863" y="112983"/>
+            <a:ext cx="15461" cy="4584336"/>
+          </a:xfrm>
+          <a:prstGeom prst="line">
+            <a:avLst/>
+          </a:prstGeom>
+          <a:ln w="19050">
+            <a:solidFill>
+              <a:schemeClr val="accent6">
+                <a:lumMod val="75000"/>
+              </a:schemeClr>
+            </a:solidFill>
+            <a:prstDash val="dash"/>
+          </a:ln>
+        </p:spPr>
+        <p:style>
+          <a:lnRef idx="1">
+            <a:schemeClr val="accent1"/>
+          </a:lnRef>
+          <a:fillRef idx="0">
+            <a:schemeClr val="accent1"/>
+          </a:fillRef>
+          <a:effectRef idx="0">
+            <a:schemeClr val="accent1"/>
+          </a:effectRef>
+          <a:fontRef idx="minor">
+            <a:schemeClr val="tx1"/>
+          </a:fontRef>
+        </p:style>
+      </p:cxnSp>
+      <p:cxnSp>
+        <p:nvCxnSpPr>
+          <p:cNvPr id="90" name="Straight Connector 89"/>
+          <p:cNvCxnSpPr/>
+          <p:nvPr/>
+        </p:nvCxnSpPr>
+        <p:spPr>
+          <a:xfrm flipH="1">
+            <a:off x="1077085" y="78537"/>
+            <a:ext cx="11219" cy="6686825"/>
+          </a:xfrm>
+          <a:prstGeom prst="line">
+            <a:avLst/>
+          </a:prstGeom>
+          <a:ln w="19050">
+            <a:solidFill>
+              <a:schemeClr val="accent6">
+                <a:lumMod val="75000"/>
+              </a:schemeClr>
+            </a:solidFill>
+            <a:prstDash val="dash"/>
+          </a:ln>
+        </p:spPr>
+        <p:style>
+          <a:lnRef idx="1">
+            <a:schemeClr val="accent1"/>
+          </a:lnRef>
+          <a:fillRef idx="0">
+            <a:schemeClr val="accent1"/>
+          </a:fillRef>
+          <a:effectRef idx="0">
+            <a:schemeClr val="accent1"/>
+          </a:effectRef>
+          <a:fontRef idx="minor">
+            <a:schemeClr val="tx1"/>
+          </a:fontRef>
+        </p:style>
+      </p:cxnSp>
       <p:sp>
         <p:nvSpPr>
           <p:cNvPr id="4" name="Oval 3"/>
@@ -6094,13 +6208,18 @@
         </p:nvSpPr>
         <p:spPr>
           <a:xfrm>
-            <a:off x="0" y="251982"/>
+            <a:off x="35297" y="43085"/>
             <a:ext cx="1006490" cy="307777"/>
           </a:xfrm>
           <a:prstGeom prst="rect">
             <a:avLst/>
           </a:prstGeom>
-          <a:noFill/>
+          <a:solidFill>
+            <a:schemeClr val="accent6">
+              <a:lumMod val="20000"/>
+              <a:lumOff val="80000"/>
+            </a:schemeClr>
+          </a:solidFill>
         </p:spPr>
         <p:txBody>
           <a:bodyPr wrap="square" rtlCol="0">
@@ -6136,13 +6255,18 @@
         </p:nvSpPr>
         <p:spPr>
           <a:xfrm>
-            <a:off x="1915396" y="251829"/>
-            <a:ext cx="1245274" cy="307777"/>
+            <a:off x="1108102" y="54686"/>
+            <a:ext cx="2178781" cy="307777"/>
           </a:xfrm>
           <a:prstGeom prst="rect">
             <a:avLst/>
           </a:prstGeom>
-          <a:noFill/>
+          <a:solidFill>
+            <a:schemeClr val="accent6">
+              <a:lumMod val="20000"/>
+              <a:lumOff val="80000"/>
+            </a:schemeClr>
+          </a:solidFill>
         </p:spPr>
         <p:txBody>
           <a:bodyPr wrap="square" rtlCol="0">
@@ -6150,6 +6274,7 @@
           </a:bodyPr>
           <a:lstStyle/>
           <a:p>
+            <a:pPr algn="ctr"/>
             <a:r>
               <a:rPr lang="en-US" sz="1400" dirty="0" smtClean="0">
                 <a:solidFill>
@@ -8142,6 +8267,140 @@
               <a:t>…</a:t>
             </a:r>
             <a:endParaRPr lang="en-US" dirty="0"/>
+          </a:p>
+        </p:txBody>
+      </p:sp>
+      <p:cxnSp>
+        <p:nvCxnSpPr>
+          <p:cNvPr id="194" name="Straight Connector 193"/>
+          <p:cNvCxnSpPr/>
+          <p:nvPr/>
+        </p:nvCxnSpPr>
+        <p:spPr>
+          <a:xfrm flipH="1">
+            <a:off x="3317437" y="112983"/>
+            <a:ext cx="11219" cy="6686825"/>
+          </a:xfrm>
+          <a:prstGeom prst="line">
+            <a:avLst/>
+          </a:prstGeom>
+          <a:ln w="19050">
+            <a:solidFill>
+              <a:schemeClr val="accent6">
+                <a:lumMod val="75000"/>
+              </a:schemeClr>
+            </a:solidFill>
+            <a:prstDash val="dash"/>
+          </a:ln>
+        </p:spPr>
+        <p:style>
+          <a:lnRef idx="1">
+            <a:schemeClr val="accent1"/>
+          </a:lnRef>
+          <a:fillRef idx="0">
+            <a:schemeClr val="accent1"/>
+          </a:fillRef>
+          <a:effectRef idx="0">
+            <a:schemeClr val="accent1"/>
+          </a:effectRef>
+          <a:fontRef idx="minor">
+            <a:schemeClr val="tx1"/>
+          </a:fontRef>
+        </p:style>
+      </p:cxnSp>
+      <p:sp>
+        <p:nvSpPr>
+          <p:cNvPr id="200" name="TextBox 199"/>
+          <p:cNvSpPr txBox="1"/>
+          <p:nvPr/>
+        </p:nvSpPr>
+        <p:spPr>
+          <a:xfrm>
+            <a:off x="3390995" y="60600"/>
+            <a:ext cx="3377189" cy="307777"/>
+          </a:xfrm>
+          <a:prstGeom prst="rect">
+            <a:avLst/>
+          </a:prstGeom>
+          <a:solidFill>
+            <a:schemeClr val="accent6">
+              <a:lumMod val="20000"/>
+              <a:lumOff val="80000"/>
+            </a:schemeClr>
+          </a:solidFill>
+        </p:spPr>
+        <p:txBody>
+          <a:bodyPr wrap="square" rtlCol="0">
+            <a:spAutoFit/>
+          </a:bodyPr>
+          <a:lstStyle/>
+          <a:p>
+            <a:pPr algn="ctr"/>
+            <a:r>
+              <a:rPr lang="en-US" sz="1400" dirty="0" smtClean="0">
+                <a:solidFill>
+                  <a:schemeClr val="accent6">
+                    <a:lumMod val="50000"/>
+                  </a:schemeClr>
+                </a:solidFill>
+              </a:rPr>
+              <a:t>Hidden Layer</a:t>
+            </a:r>
+            <a:endParaRPr lang="en-US" sz="1400" dirty="0">
+              <a:solidFill>
+                <a:schemeClr val="accent6">
+                  <a:lumMod val="50000"/>
+                </a:schemeClr>
+              </a:solidFill>
+            </a:endParaRPr>
+          </a:p>
+        </p:txBody>
+      </p:sp>
+      <p:sp>
+        <p:nvSpPr>
+          <p:cNvPr id="202" name="TextBox 201"/>
+          <p:cNvSpPr txBox="1"/>
+          <p:nvPr/>
+        </p:nvSpPr>
+        <p:spPr>
+          <a:xfrm>
+            <a:off x="6891003" y="87409"/>
+            <a:ext cx="1142249" cy="307777"/>
+          </a:xfrm>
+          <a:prstGeom prst="rect">
+            <a:avLst/>
+          </a:prstGeom>
+          <a:solidFill>
+            <a:schemeClr val="accent6">
+              <a:lumMod val="20000"/>
+              <a:lumOff val="80000"/>
+            </a:schemeClr>
+          </a:solidFill>
+        </p:spPr>
+        <p:txBody>
+          <a:bodyPr wrap="square" rtlCol="0">
+            <a:spAutoFit/>
+          </a:bodyPr>
+          <a:lstStyle/>
+          <a:p>
+            <a:pPr algn="ctr"/>
+            <a:r>
+              <a:rPr lang="en-US" sz="1400" dirty="0" smtClean="0">
+                <a:solidFill>
+                  <a:schemeClr val="accent6">
+                    <a:lumMod val="50000"/>
+                  </a:schemeClr>
+                </a:solidFill>
+              </a:rPr>
+              <a:t>Output Layer</a:t>
+            </a:r>
+            <a:endParaRPr lang="en-US" sz="1400" dirty="0">
+              <a:solidFill>
+                <a:schemeClr val="accent6">
+                  <a:lumMod val="50000"/>
+                </a:schemeClr>
+              </a:solidFill>
+            </a:endParaRPr>
           </a:p>
         </p:txBody>
       </p:sp>

--- a/[Learning and Exercise] Data Science/Data Science/Comparisons/NeuronNetworkStructure.pptx
+++ b/[Learning and Exercise] Data Science/Data Science/Comparisons/NeuronNetworkStructure.pptx
@@ -6,6 +6,9 @@
   </p:sldMasterIdLst>
   <p:sldIdLst>
     <p:sldId id="256" r:id="rId2"/>
+    <p:sldId id="257" r:id="rId3"/>
+    <p:sldId id="258" r:id="rId4"/>
+    <p:sldId id="259" r:id="rId5"/>
   </p:sldIdLst>
   <p:sldSz cx="12192000" cy="6858000"/>
   <p:notesSz cx="6858000" cy="9144000"/>
@@ -8417,6 +8420,9167 @@
 </p:sld>
 </file>
 
+<file path=ppt/slides/slide2.xml><?xml version="1.0" encoding="utf-8"?>
+<p:sld xmlns:a="http://schemas.openxmlformats.org/drawingml/2006/main" xmlns:r="http://schemas.openxmlformats.org/officeDocument/2006/relationships" xmlns:p="http://schemas.openxmlformats.org/presentationml/2006/main">
+  <p:cSld>
+    <p:spTree>
+      <p:nvGrpSpPr>
+        <p:cNvPr id="1" name=""/>
+        <p:cNvGrpSpPr/>
+        <p:nvPr/>
+      </p:nvGrpSpPr>
+      <p:grpSpPr>
+        <a:xfrm>
+          <a:off x="0" y="0"/>
+          <a:ext cx="0" cy="0"/>
+          <a:chOff x="0" y="0"/>
+          <a:chExt cx="0" cy="0"/>
+        </a:xfrm>
+      </p:grpSpPr>
+      <p:sp>
+        <p:nvSpPr>
+          <p:cNvPr id="4" name="Rectangle 3"/>
+          <p:cNvSpPr/>
+          <p:nvPr/>
+        </p:nvSpPr>
+        <p:spPr>
+          <a:xfrm>
+            <a:off x="594640" y="56098"/>
+            <a:ext cx="729276" cy="241222"/>
+          </a:xfrm>
+          <a:prstGeom prst="rect">
+            <a:avLst/>
+          </a:prstGeom>
+          <a:solidFill>
+            <a:schemeClr val="bg1">
+              <a:lumMod val="95000"/>
+            </a:schemeClr>
+          </a:solidFill>
+        </p:spPr>
+        <p:style>
+          <a:lnRef idx="2">
+            <a:schemeClr val="accent1">
+              <a:shade val="50000"/>
+            </a:schemeClr>
+          </a:lnRef>
+          <a:fillRef idx="1">
+            <a:schemeClr val="accent1"/>
+          </a:fillRef>
+          <a:effectRef idx="0">
+            <a:schemeClr val="accent1"/>
+          </a:effectRef>
+          <a:fontRef idx="minor">
+            <a:schemeClr val="lt1"/>
+          </a:fontRef>
+        </p:style>
+        <p:txBody>
+          <a:bodyPr rtlCol="0" anchor="ctr"/>
+          <a:lstStyle/>
+          <a:p>
+            <a:pPr algn="ctr"/>
+            <a:endParaRPr lang="en-US"/>
+          </a:p>
+        </p:txBody>
+      </p:sp>
+      <p:sp>
+        <p:nvSpPr>
+          <p:cNvPr id="5" name="Rectangle 4"/>
+          <p:cNvSpPr/>
+          <p:nvPr/>
+        </p:nvSpPr>
+        <p:spPr>
+          <a:xfrm>
+            <a:off x="594640" y="297320"/>
+            <a:ext cx="729276" cy="241222"/>
+          </a:xfrm>
+          <a:prstGeom prst="rect">
+            <a:avLst/>
+          </a:prstGeom>
+          <a:solidFill>
+            <a:schemeClr val="bg1">
+              <a:lumMod val="95000"/>
+            </a:schemeClr>
+          </a:solidFill>
+        </p:spPr>
+        <p:style>
+          <a:lnRef idx="2">
+            <a:schemeClr val="accent1">
+              <a:shade val="50000"/>
+            </a:schemeClr>
+          </a:lnRef>
+          <a:fillRef idx="1">
+            <a:schemeClr val="accent1"/>
+          </a:fillRef>
+          <a:effectRef idx="0">
+            <a:schemeClr val="accent1"/>
+          </a:effectRef>
+          <a:fontRef idx="minor">
+            <a:schemeClr val="lt1"/>
+          </a:fontRef>
+        </p:style>
+        <p:txBody>
+          <a:bodyPr rtlCol="0" anchor="ctr"/>
+          <a:lstStyle/>
+          <a:p>
+            <a:pPr algn="ctr"/>
+            <a:endParaRPr lang="en-US"/>
+          </a:p>
+        </p:txBody>
+      </p:sp>
+      <p:sp>
+        <p:nvSpPr>
+          <p:cNvPr id="6" name="Rectangle 5"/>
+          <p:cNvSpPr/>
+          <p:nvPr/>
+        </p:nvSpPr>
+        <p:spPr>
+          <a:xfrm>
+            <a:off x="594640" y="538542"/>
+            <a:ext cx="729276" cy="241222"/>
+          </a:xfrm>
+          <a:prstGeom prst="rect">
+            <a:avLst/>
+          </a:prstGeom>
+          <a:solidFill>
+            <a:schemeClr val="bg1">
+              <a:lumMod val="95000"/>
+            </a:schemeClr>
+          </a:solidFill>
+        </p:spPr>
+        <p:style>
+          <a:lnRef idx="2">
+            <a:schemeClr val="accent1">
+              <a:shade val="50000"/>
+            </a:schemeClr>
+          </a:lnRef>
+          <a:fillRef idx="1">
+            <a:schemeClr val="accent1"/>
+          </a:fillRef>
+          <a:effectRef idx="0">
+            <a:schemeClr val="accent1"/>
+          </a:effectRef>
+          <a:fontRef idx="minor">
+            <a:schemeClr val="lt1"/>
+          </a:fontRef>
+        </p:style>
+        <p:txBody>
+          <a:bodyPr rtlCol="0" anchor="ctr"/>
+          <a:lstStyle/>
+          <a:p>
+            <a:pPr algn="ctr"/>
+            <a:endParaRPr lang="en-US"/>
+          </a:p>
+        </p:txBody>
+      </p:sp>
+      <p:sp>
+        <p:nvSpPr>
+          <p:cNvPr id="7" name="Rectangle 6"/>
+          <p:cNvSpPr/>
+          <p:nvPr/>
+        </p:nvSpPr>
+        <p:spPr>
+          <a:xfrm>
+            <a:off x="594640" y="779764"/>
+            <a:ext cx="729276" cy="241222"/>
+          </a:xfrm>
+          <a:prstGeom prst="rect">
+            <a:avLst/>
+          </a:prstGeom>
+          <a:solidFill>
+            <a:schemeClr val="bg1">
+              <a:lumMod val="95000"/>
+            </a:schemeClr>
+          </a:solidFill>
+        </p:spPr>
+        <p:style>
+          <a:lnRef idx="2">
+            <a:schemeClr val="accent1">
+              <a:shade val="50000"/>
+            </a:schemeClr>
+          </a:lnRef>
+          <a:fillRef idx="1">
+            <a:schemeClr val="accent1"/>
+          </a:fillRef>
+          <a:effectRef idx="0">
+            <a:schemeClr val="accent1"/>
+          </a:effectRef>
+          <a:fontRef idx="minor">
+            <a:schemeClr val="lt1"/>
+          </a:fontRef>
+        </p:style>
+        <p:txBody>
+          <a:bodyPr rtlCol="0" anchor="ctr"/>
+          <a:lstStyle/>
+          <a:p>
+            <a:pPr algn="ctr"/>
+            <a:endParaRPr lang="en-US"/>
+          </a:p>
+        </p:txBody>
+      </p:sp>
+      <p:sp>
+        <p:nvSpPr>
+          <p:cNvPr id="8" name="Rectangle 7"/>
+          <p:cNvSpPr/>
+          <p:nvPr/>
+        </p:nvSpPr>
+        <p:spPr>
+          <a:xfrm>
+            <a:off x="594640" y="1020986"/>
+            <a:ext cx="729276" cy="241222"/>
+          </a:xfrm>
+          <a:prstGeom prst="rect">
+            <a:avLst/>
+          </a:prstGeom>
+          <a:solidFill>
+            <a:schemeClr val="bg1">
+              <a:lumMod val="95000"/>
+            </a:schemeClr>
+          </a:solidFill>
+        </p:spPr>
+        <p:style>
+          <a:lnRef idx="2">
+            <a:schemeClr val="accent1">
+              <a:shade val="50000"/>
+            </a:schemeClr>
+          </a:lnRef>
+          <a:fillRef idx="1">
+            <a:schemeClr val="accent1"/>
+          </a:fillRef>
+          <a:effectRef idx="0">
+            <a:schemeClr val="accent1"/>
+          </a:effectRef>
+          <a:fontRef idx="minor">
+            <a:schemeClr val="lt1"/>
+          </a:fontRef>
+        </p:style>
+        <p:txBody>
+          <a:bodyPr rtlCol="0" anchor="ctr"/>
+          <a:lstStyle/>
+          <a:p>
+            <a:pPr algn="ctr"/>
+            <a:endParaRPr lang="en-US"/>
+          </a:p>
+        </p:txBody>
+      </p:sp>
+      <p:sp>
+        <p:nvSpPr>
+          <p:cNvPr id="9" name="Rectangle 8"/>
+          <p:cNvSpPr/>
+          <p:nvPr/>
+        </p:nvSpPr>
+        <p:spPr>
+          <a:xfrm>
+            <a:off x="594640" y="1262208"/>
+            <a:ext cx="729276" cy="241222"/>
+          </a:xfrm>
+          <a:prstGeom prst="rect">
+            <a:avLst/>
+          </a:prstGeom>
+          <a:solidFill>
+            <a:schemeClr val="bg1">
+              <a:lumMod val="95000"/>
+            </a:schemeClr>
+          </a:solidFill>
+        </p:spPr>
+        <p:style>
+          <a:lnRef idx="2">
+            <a:schemeClr val="accent1">
+              <a:shade val="50000"/>
+            </a:schemeClr>
+          </a:lnRef>
+          <a:fillRef idx="1">
+            <a:schemeClr val="accent1"/>
+          </a:fillRef>
+          <a:effectRef idx="0">
+            <a:schemeClr val="accent1"/>
+          </a:effectRef>
+          <a:fontRef idx="minor">
+            <a:schemeClr val="lt1"/>
+          </a:fontRef>
+        </p:style>
+        <p:txBody>
+          <a:bodyPr rtlCol="0" anchor="ctr"/>
+          <a:lstStyle/>
+          <a:p>
+            <a:pPr algn="ctr"/>
+            <a:endParaRPr lang="en-US"/>
+          </a:p>
+        </p:txBody>
+      </p:sp>
+      <p:sp>
+        <p:nvSpPr>
+          <p:cNvPr id="10" name="Rectangle 9"/>
+          <p:cNvSpPr/>
+          <p:nvPr/>
+        </p:nvSpPr>
+        <p:spPr>
+          <a:xfrm>
+            <a:off x="594640" y="1503430"/>
+            <a:ext cx="729276" cy="241222"/>
+          </a:xfrm>
+          <a:prstGeom prst="rect">
+            <a:avLst/>
+          </a:prstGeom>
+          <a:solidFill>
+            <a:schemeClr val="bg1">
+              <a:lumMod val="95000"/>
+            </a:schemeClr>
+          </a:solidFill>
+        </p:spPr>
+        <p:style>
+          <a:lnRef idx="2">
+            <a:schemeClr val="accent1">
+              <a:shade val="50000"/>
+            </a:schemeClr>
+          </a:lnRef>
+          <a:fillRef idx="1">
+            <a:schemeClr val="accent1"/>
+          </a:fillRef>
+          <a:effectRef idx="0">
+            <a:schemeClr val="accent1"/>
+          </a:effectRef>
+          <a:fontRef idx="minor">
+            <a:schemeClr val="lt1"/>
+          </a:fontRef>
+        </p:style>
+        <p:txBody>
+          <a:bodyPr rtlCol="0" anchor="ctr"/>
+          <a:lstStyle/>
+          <a:p>
+            <a:pPr algn="ctr"/>
+            <a:endParaRPr lang="en-US"/>
+          </a:p>
+        </p:txBody>
+      </p:sp>
+      <p:sp>
+        <p:nvSpPr>
+          <p:cNvPr id="11" name="Rectangle 10"/>
+          <p:cNvSpPr/>
+          <p:nvPr/>
+        </p:nvSpPr>
+        <p:spPr>
+          <a:xfrm>
+            <a:off x="594640" y="1744652"/>
+            <a:ext cx="729276" cy="241222"/>
+          </a:xfrm>
+          <a:prstGeom prst="rect">
+            <a:avLst/>
+          </a:prstGeom>
+          <a:solidFill>
+            <a:schemeClr val="bg1">
+              <a:lumMod val="95000"/>
+            </a:schemeClr>
+          </a:solidFill>
+        </p:spPr>
+        <p:style>
+          <a:lnRef idx="2">
+            <a:schemeClr val="accent1">
+              <a:shade val="50000"/>
+            </a:schemeClr>
+          </a:lnRef>
+          <a:fillRef idx="1">
+            <a:schemeClr val="accent1"/>
+          </a:fillRef>
+          <a:effectRef idx="0">
+            <a:schemeClr val="accent1"/>
+          </a:effectRef>
+          <a:fontRef idx="minor">
+            <a:schemeClr val="lt1"/>
+          </a:fontRef>
+        </p:style>
+        <p:txBody>
+          <a:bodyPr rtlCol="0" anchor="ctr"/>
+          <a:lstStyle/>
+          <a:p>
+            <a:pPr algn="ctr"/>
+            <a:endParaRPr lang="en-US"/>
+          </a:p>
+        </p:txBody>
+      </p:sp>
+      <p:sp>
+        <p:nvSpPr>
+          <p:cNvPr id="12" name="Rectangle 11"/>
+          <p:cNvSpPr/>
+          <p:nvPr/>
+        </p:nvSpPr>
+        <p:spPr>
+          <a:xfrm>
+            <a:off x="594640" y="1985874"/>
+            <a:ext cx="729276" cy="241222"/>
+          </a:xfrm>
+          <a:prstGeom prst="rect">
+            <a:avLst/>
+          </a:prstGeom>
+          <a:solidFill>
+            <a:schemeClr val="bg1">
+              <a:lumMod val="95000"/>
+            </a:schemeClr>
+          </a:solidFill>
+        </p:spPr>
+        <p:style>
+          <a:lnRef idx="2">
+            <a:schemeClr val="accent1">
+              <a:shade val="50000"/>
+            </a:schemeClr>
+          </a:lnRef>
+          <a:fillRef idx="1">
+            <a:schemeClr val="accent1"/>
+          </a:fillRef>
+          <a:effectRef idx="0">
+            <a:schemeClr val="accent1"/>
+          </a:effectRef>
+          <a:fontRef idx="minor">
+            <a:schemeClr val="lt1"/>
+          </a:fontRef>
+        </p:style>
+        <p:txBody>
+          <a:bodyPr rtlCol="0" anchor="ctr"/>
+          <a:lstStyle/>
+          <a:p>
+            <a:pPr algn="ctr"/>
+            <a:endParaRPr lang="en-US"/>
+          </a:p>
+        </p:txBody>
+      </p:sp>
+      <p:sp>
+        <p:nvSpPr>
+          <p:cNvPr id="13" name="Rectangle 12"/>
+          <p:cNvSpPr/>
+          <p:nvPr/>
+        </p:nvSpPr>
+        <p:spPr>
+          <a:xfrm>
+            <a:off x="594640" y="2227096"/>
+            <a:ext cx="729276" cy="241222"/>
+          </a:xfrm>
+          <a:prstGeom prst="rect">
+            <a:avLst/>
+          </a:prstGeom>
+          <a:solidFill>
+            <a:schemeClr val="bg1">
+              <a:lumMod val="95000"/>
+            </a:schemeClr>
+          </a:solidFill>
+        </p:spPr>
+        <p:style>
+          <a:lnRef idx="2">
+            <a:schemeClr val="accent1">
+              <a:shade val="50000"/>
+            </a:schemeClr>
+          </a:lnRef>
+          <a:fillRef idx="1">
+            <a:schemeClr val="accent1"/>
+          </a:fillRef>
+          <a:effectRef idx="0">
+            <a:schemeClr val="accent1"/>
+          </a:effectRef>
+          <a:fontRef idx="minor">
+            <a:schemeClr val="lt1"/>
+          </a:fontRef>
+        </p:style>
+        <p:txBody>
+          <a:bodyPr rtlCol="0" anchor="ctr"/>
+          <a:lstStyle/>
+          <a:p>
+            <a:pPr algn="ctr"/>
+            <a:endParaRPr lang="en-US"/>
+          </a:p>
+        </p:txBody>
+      </p:sp>
+      <p:sp>
+        <p:nvSpPr>
+          <p:cNvPr id="14" name="Rectangle 13"/>
+          <p:cNvSpPr/>
+          <p:nvPr/>
+        </p:nvSpPr>
+        <p:spPr>
+          <a:xfrm>
+            <a:off x="594640" y="2468318"/>
+            <a:ext cx="729276" cy="241222"/>
+          </a:xfrm>
+          <a:prstGeom prst="rect">
+            <a:avLst/>
+          </a:prstGeom>
+          <a:solidFill>
+            <a:schemeClr val="bg1">
+              <a:lumMod val="95000"/>
+            </a:schemeClr>
+          </a:solidFill>
+        </p:spPr>
+        <p:style>
+          <a:lnRef idx="2">
+            <a:schemeClr val="accent1">
+              <a:shade val="50000"/>
+            </a:schemeClr>
+          </a:lnRef>
+          <a:fillRef idx="1">
+            <a:schemeClr val="accent1"/>
+          </a:fillRef>
+          <a:effectRef idx="0">
+            <a:schemeClr val="accent1"/>
+          </a:effectRef>
+          <a:fontRef idx="minor">
+            <a:schemeClr val="lt1"/>
+          </a:fontRef>
+        </p:style>
+        <p:txBody>
+          <a:bodyPr rtlCol="0" anchor="ctr"/>
+          <a:lstStyle/>
+          <a:p>
+            <a:pPr algn="ctr"/>
+            <a:endParaRPr lang="en-US"/>
+          </a:p>
+        </p:txBody>
+      </p:sp>
+      <p:sp>
+        <p:nvSpPr>
+          <p:cNvPr id="15" name="Rectangle 14"/>
+          <p:cNvSpPr/>
+          <p:nvPr/>
+        </p:nvSpPr>
+        <p:spPr>
+          <a:xfrm>
+            <a:off x="594640" y="2709540"/>
+            <a:ext cx="729276" cy="241222"/>
+          </a:xfrm>
+          <a:prstGeom prst="rect">
+            <a:avLst/>
+          </a:prstGeom>
+          <a:solidFill>
+            <a:schemeClr val="bg1">
+              <a:lumMod val="95000"/>
+            </a:schemeClr>
+          </a:solidFill>
+        </p:spPr>
+        <p:style>
+          <a:lnRef idx="2">
+            <a:schemeClr val="accent1">
+              <a:shade val="50000"/>
+            </a:schemeClr>
+          </a:lnRef>
+          <a:fillRef idx="1">
+            <a:schemeClr val="accent1"/>
+          </a:fillRef>
+          <a:effectRef idx="0">
+            <a:schemeClr val="accent1"/>
+          </a:effectRef>
+          <a:fontRef idx="minor">
+            <a:schemeClr val="lt1"/>
+          </a:fontRef>
+        </p:style>
+        <p:txBody>
+          <a:bodyPr rtlCol="0" anchor="ctr"/>
+          <a:lstStyle/>
+          <a:p>
+            <a:pPr algn="ctr"/>
+            <a:endParaRPr lang="en-US"/>
+          </a:p>
+        </p:txBody>
+      </p:sp>
+      <p:sp>
+        <p:nvSpPr>
+          <p:cNvPr id="16" name="Rectangle 15"/>
+          <p:cNvSpPr/>
+          <p:nvPr/>
+        </p:nvSpPr>
+        <p:spPr>
+          <a:xfrm>
+            <a:off x="594640" y="2950762"/>
+            <a:ext cx="729276" cy="241222"/>
+          </a:xfrm>
+          <a:prstGeom prst="rect">
+            <a:avLst/>
+          </a:prstGeom>
+          <a:solidFill>
+            <a:schemeClr val="bg1">
+              <a:lumMod val="95000"/>
+            </a:schemeClr>
+          </a:solidFill>
+        </p:spPr>
+        <p:style>
+          <a:lnRef idx="2">
+            <a:schemeClr val="accent1">
+              <a:shade val="50000"/>
+            </a:schemeClr>
+          </a:lnRef>
+          <a:fillRef idx="1">
+            <a:schemeClr val="accent1"/>
+          </a:fillRef>
+          <a:effectRef idx="0">
+            <a:schemeClr val="accent1"/>
+          </a:effectRef>
+          <a:fontRef idx="minor">
+            <a:schemeClr val="lt1"/>
+          </a:fontRef>
+        </p:style>
+        <p:txBody>
+          <a:bodyPr rtlCol="0" anchor="ctr"/>
+          <a:lstStyle/>
+          <a:p>
+            <a:pPr algn="ctr"/>
+            <a:endParaRPr lang="en-US"/>
+          </a:p>
+        </p:txBody>
+      </p:sp>
+      <p:sp>
+        <p:nvSpPr>
+          <p:cNvPr id="17" name="Rectangle 16"/>
+          <p:cNvSpPr/>
+          <p:nvPr/>
+        </p:nvSpPr>
+        <p:spPr>
+          <a:xfrm>
+            <a:off x="594640" y="3191984"/>
+            <a:ext cx="729276" cy="241222"/>
+          </a:xfrm>
+          <a:prstGeom prst="rect">
+            <a:avLst/>
+          </a:prstGeom>
+          <a:solidFill>
+            <a:schemeClr val="bg1">
+              <a:lumMod val="95000"/>
+            </a:schemeClr>
+          </a:solidFill>
+        </p:spPr>
+        <p:style>
+          <a:lnRef idx="2">
+            <a:schemeClr val="accent1">
+              <a:shade val="50000"/>
+            </a:schemeClr>
+          </a:lnRef>
+          <a:fillRef idx="1">
+            <a:schemeClr val="accent1"/>
+          </a:fillRef>
+          <a:effectRef idx="0">
+            <a:schemeClr val="accent1"/>
+          </a:effectRef>
+          <a:fontRef idx="minor">
+            <a:schemeClr val="lt1"/>
+          </a:fontRef>
+        </p:style>
+        <p:txBody>
+          <a:bodyPr rtlCol="0" anchor="ctr"/>
+          <a:lstStyle/>
+          <a:p>
+            <a:pPr algn="ctr"/>
+            <a:endParaRPr lang="en-US"/>
+          </a:p>
+        </p:txBody>
+      </p:sp>
+      <p:sp>
+        <p:nvSpPr>
+          <p:cNvPr id="18" name="Rectangle 17"/>
+          <p:cNvSpPr/>
+          <p:nvPr/>
+        </p:nvSpPr>
+        <p:spPr>
+          <a:xfrm>
+            <a:off x="594640" y="3433206"/>
+            <a:ext cx="729276" cy="241222"/>
+          </a:xfrm>
+          <a:prstGeom prst="rect">
+            <a:avLst/>
+          </a:prstGeom>
+          <a:solidFill>
+            <a:schemeClr val="bg1">
+              <a:lumMod val="95000"/>
+            </a:schemeClr>
+          </a:solidFill>
+        </p:spPr>
+        <p:style>
+          <a:lnRef idx="2">
+            <a:schemeClr val="accent1">
+              <a:shade val="50000"/>
+            </a:schemeClr>
+          </a:lnRef>
+          <a:fillRef idx="1">
+            <a:schemeClr val="accent1"/>
+          </a:fillRef>
+          <a:effectRef idx="0">
+            <a:schemeClr val="accent1"/>
+          </a:effectRef>
+          <a:fontRef idx="minor">
+            <a:schemeClr val="lt1"/>
+          </a:fontRef>
+        </p:style>
+        <p:txBody>
+          <a:bodyPr rtlCol="0" anchor="ctr"/>
+          <a:lstStyle/>
+          <a:p>
+            <a:pPr algn="ctr"/>
+            <a:endParaRPr lang="en-US"/>
+          </a:p>
+        </p:txBody>
+      </p:sp>
+      <p:sp>
+        <p:nvSpPr>
+          <p:cNvPr id="19" name="Rectangle 18"/>
+          <p:cNvSpPr/>
+          <p:nvPr/>
+        </p:nvSpPr>
+        <p:spPr>
+          <a:xfrm>
+            <a:off x="594640" y="3674428"/>
+            <a:ext cx="729276" cy="241222"/>
+          </a:xfrm>
+          <a:prstGeom prst="rect">
+            <a:avLst/>
+          </a:prstGeom>
+          <a:solidFill>
+            <a:schemeClr val="bg1">
+              <a:lumMod val="95000"/>
+            </a:schemeClr>
+          </a:solidFill>
+        </p:spPr>
+        <p:style>
+          <a:lnRef idx="2">
+            <a:schemeClr val="accent1">
+              <a:shade val="50000"/>
+            </a:schemeClr>
+          </a:lnRef>
+          <a:fillRef idx="1">
+            <a:schemeClr val="accent1"/>
+          </a:fillRef>
+          <a:effectRef idx="0">
+            <a:schemeClr val="accent1"/>
+          </a:effectRef>
+          <a:fontRef idx="minor">
+            <a:schemeClr val="lt1"/>
+          </a:fontRef>
+        </p:style>
+        <p:txBody>
+          <a:bodyPr rtlCol="0" anchor="ctr"/>
+          <a:lstStyle/>
+          <a:p>
+            <a:pPr algn="ctr"/>
+            <a:endParaRPr lang="en-US"/>
+          </a:p>
+        </p:txBody>
+      </p:sp>
+      <p:sp>
+        <p:nvSpPr>
+          <p:cNvPr id="20" name="Rectangle 19"/>
+          <p:cNvSpPr/>
+          <p:nvPr/>
+        </p:nvSpPr>
+        <p:spPr>
+          <a:xfrm>
+            <a:off x="594640" y="3915650"/>
+            <a:ext cx="729276" cy="241222"/>
+          </a:xfrm>
+          <a:prstGeom prst="rect">
+            <a:avLst/>
+          </a:prstGeom>
+          <a:solidFill>
+            <a:schemeClr val="bg1">
+              <a:lumMod val="95000"/>
+            </a:schemeClr>
+          </a:solidFill>
+        </p:spPr>
+        <p:style>
+          <a:lnRef idx="2">
+            <a:schemeClr val="accent1">
+              <a:shade val="50000"/>
+            </a:schemeClr>
+          </a:lnRef>
+          <a:fillRef idx="1">
+            <a:schemeClr val="accent1"/>
+          </a:fillRef>
+          <a:effectRef idx="0">
+            <a:schemeClr val="accent1"/>
+          </a:effectRef>
+          <a:fontRef idx="minor">
+            <a:schemeClr val="lt1"/>
+          </a:fontRef>
+        </p:style>
+        <p:txBody>
+          <a:bodyPr rtlCol="0" anchor="ctr"/>
+          <a:lstStyle/>
+          <a:p>
+            <a:pPr algn="ctr"/>
+            <a:endParaRPr lang="en-US"/>
+          </a:p>
+        </p:txBody>
+      </p:sp>
+      <p:sp>
+        <p:nvSpPr>
+          <p:cNvPr id="21" name="Rectangle 20"/>
+          <p:cNvSpPr/>
+          <p:nvPr/>
+        </p:nvSpPr>
+        <p:spPr>
+          <a:xfrm>
+            <a:off x="594640" y="4156872"/>
+            <a:ext cx="729276" cy="241222"/>
+          </a:xfrm>
+          <a:prstGeom prst="rect">
+            <a:avLst/>
+          </a:prstGeom>
+          <a:solidFill>
+            <a:schemeClr val="bg1">
+              <a:lumMod val="95000"/>
+            </a:schemeClr>
+          </a:solidFill>
+        </p:spPr>
+        <p:style>
+          <a:lnRef idx="2">
+            <a:schemeClr val="accent1">
+              <a:shade val="50000"/>
+            </a:schemeClr>
+          </a:lnRef>
+          <a:fillRef idx="1">
+            <a:schemeClr val="accent1"/>
+          </a:fillRef>
+          <a:effectRef idx="0">
+            <a:schemeClr val="accent1"/>
+          </a:effectRef>
+          <a:fontRef idx="minor">
+            <a:schemeClr val="lt1"/>
+          </a:fontRef>
+        </p:style>
+        <p:txBody>
+          <a:bodyPr rtlCol="0" anchor="ctr"/>
+          <a:lstStyle/>
+          <a:p>
+            <a:pPr algn="ctr"/>
+            <a:endParaRPr lang="en-US"/>
+          </a:p>
+        </p:txBody>
+      </p:sp>
+      <p:sp>
+        <p:nvSpPr>
+          <p:cNvPr id="22" name="Rectangle 21"/>
+          <p:cNvSpPr/>
+          <p:nvPr/>
+        </p:nvSpPr>
+        <p:spPr>
+          <a:xfrm>
+            <a:off x="594640" y="4398094"/>
+            <a:ext cx="729276" cy="241222"/>
+          </a:xfrm>
+          <a:prstGeom prst="rect">
+            <a:avLst/>
+          </a:prstGeom>
+          <a:solidFill>
+            <a:schemeClr val="bg1">
+              <a:lumMod val="95000"/>
+            </a:schemeClr>
+          </a:solidFill>
+        </p:spPr>
+        <p:style>
+          <a:lnRef idx="2">
+            <a:schemeClr val="accent1">
+              <a:shade val="50000"/>
+            </a:schemeClr>
+          </a:lnRef>
+          <a:fillRef idx="1">
+            <a:schemeClr val="accent1"/>
+          </a:fillRef>
+          <a:effectRef idx="0">
+            <a:schemeClr val="accent1"/>
+          </a:effectRef>
+          <a:fontRef idx="minor">
+            <a:schemeClr val="lt1"/>
+          </a:fontRef>
+        </p:style>
+        <p:txBody>
+          <a:bodyPr rtlCol="0" anchor="ctr"/>
+          <a:lstStyle/>
+          <a:p>
+            <a:pPr algn="ctr"/>
+            <a:endParaRPr lang="en-US"/>
+          </a:p>
+        </p:txBody>
+      </p:sp>
+      <p:sp>
+        <p:nvSpPr>
+          <p:cNvPr id="23" name="Rectangle 22"/>
+          <p:cNvSpPr/>
+          <p:nvPr/>
+        </p:nvSpPr>
+        <p:spPr>
+          <a:xfrm>
+            <a:off x="594640" y="4639316"/>
+            <a:ext cx="729276" cy="241222"/>
+          </a:xfrm>
+          <a:prstGeom prst="rect">
+            <a:avLst/>
+          </a:prstGeom>
+          <a:solidFill>
+            <a:schemeClr val="bg1">
+              <a:lumMod val="95000"/>
+            </a:schemeClr>
+          </a:solidFill>
+        </p:spPr>
+        <p:style>
+          <a:lnRef idx="2">
+            <a:schemeClr val="accent1">
+              <a:shade val="50000"/>
+            </a:schemeClr>
+          </a:lnRef>
+          <a:fillRef idx="1">
+            <a:schemeClr val="accent1"/>
+          </a:fillRef>
+          <a:effectRef idx="0">
+            <a:schemeClr val="accent1"/>
+          </a:effectRef>
+          <a:fontRef idx="minor">
+            <a:schemeClr val="lt1"/>
+          </a:fontRef>
+        </p:style>
+        <p:txBody>
+          <a:bodyPr rtlCol="0" anchor="ctr"/>
+          <a:lstStyle/>
+          <a:p>
+            <a:pPr algn="ctr"/>
+            <a:endParaRPr lang="en-US"/>
+          </a:p>
+        </p:txBody>
+      </p:sp>
+      <p:sp>
+        <p:nvSpPr>
+          <p:cNvPr id="24" name="Rectangle 23"/>
+          <p:cNvSpPr/>
+          <p:nvPr/>
+        </p:nvSpPr>
+        <p:spPr>
+          <a:xfrm>
+            <a:off x="594640" y="4880538"/>
+            <a:ext cx="729276" cy="241222"/>
+          </a:xfrm>
+          <a:prstGeom prst="rect">
+            <a:avLst/>
+          </a:prstGeom>
+          <a:solidFill>
+            <a:schemeClr val="bg1">
+              <a:lumMod val="95000"/>
+            </a:schemeClr>
+          </a:solidFill>
+        </p:spPr>
+        <p:style>
+          <a:lnRef idx="2">
+            <a:schemeClr val="accent1">
+              <a:shade val="50000"/>
+            </a:schemeClr>
+          </a:lnRef>
+          <a:fillRef idx="1">
+            <a:schemeClr val="accent1"/>
+          </a:fillRef>
+          <a:effectRef idx="0">
+            <a:schemeClr val="accent1"/>
+          </a:effectRef>
+          <a:fontRef idx="minor">
+            <a:schemeClr val="lt1"/>
+          </a:fontRef>
+        </p:style>
+        <p:txBody>
+          <a:bodyPr rtlCol="0" anchor="ctr"/>
+          <a:lstStyle/>
+          <a:p>
+            <a:pPr algn="ctr"/>
+            <a:endParaRPr lang="en-US"/>
+          </a:p>
+        </p:txBody>
+      </p:sp>
+      <p:sp>
+        <p:nvSpPr>
+          <p:cNvPr id="25" name="Rectangle 24"/>
+          <p:cNvSpPr/>
+          <p:nvPr/>
+        </p:nvSpPr>
+        <p:spPr>
+          <a:xfrm>
+            <a:off x="594640" y="5121760"/>
+            <a:ext cx="729276" cy="241222"/>
+          </a:xfrm>
+          <a:prstGeom prst="rect">
+            <a:avLst/>
+          </a:prstGeom>
+          <a:solidFill>
+            <a:schemeClr val="bg1">
+              <a:lumMod val="95000"/>
+            </a:schemeClr>
+          </a:solidFill>
+        </p:spPr>
+        <p:style>
+          <a:lnRef idx="2">
+            <a:schemeClr val="accent1">
+              <a:shade val="50000"/>
+            </a:schemeClr>
+          </a:lnRef>
+          <a:fillRef idx="1">
+            <a:schemeClr val="accent1"/>
+          </a:fillRef>
+          <a:effectRef idx="0">
+            <a:schemeClr val="accent1"/>
+          </a:effectRef>
+          <a:fontRef idx="minor">
+            <a:schemeClr val="lt1"/>
+          </a:fontRef>
+        </p:style>
+        <p:txBody>
+          <a:bodyPr rtlCol="0" anchor="ctr"/>
+          <a:lstStyle/>
+          <a:p>
+            <a:pPr algn="ctr"/>
+            <a:endParaRPr lang="en-US"/>
+          </a:p>
+        </p:txBody>
+      </p:sp>
+      <p:sp>
+        <p:nvSpPr>
+          <p:cNvPr id="26" name="Rectangle 25"/>
+          <p:cNvSpPr/>
+          <p:nvPr/>
+        </p:nvSpPr>
+        <p:spPr>
+          <a:xfrm>
+            <a:off x="594640" y="5362982"/>
+            <a:ext cx="729276" cy="241222"/>
+          </a:xfrm>
+          <a:prstGeom prst="rect">
+            <a:avLst/>
+          </a:prstGeom>
+          <a:solidFill>
+            <a:schemeClr val="bg1">
+              <a:lumMod val="95000"/>
+            </a:schemeClr>
+          </a:solidFill>
+        </p:spPr>
+        <p:style>
+          <a:lnRef idx="2">
+            <a:schemeClr val="accent1">
+              <a:shade val="50000"/>
+            </a:schemeClr>
+          </a:lnRef>
+          <a:fillRef idx="1">
+            <a:schemeClr val="accent1"/>
+          </a:fillRef>
+          <a:effectRef idx="0">
+            <a:schemeClr val="accent1"/>
+          </a:effectRef>
+          <a:fontRef idx="minor">
+            <a:schemeClr val="lt1"/>
+          </a:fontRef>
+        </p:style>
+        <p:txBody>
+          <a:bodyPr rtlCol="0" anchor="ctr"/>
+          <a:lstStyle/>
+          <a:p>
+            <a:pPr algn="ctr"/>
+            <a:endParaRPr lang="en-US"/>
+          </a:p>
+        </p:txBody>
+      </p:sp>
+      <p:sp>
+        <p:nvSpPr>
+          <p:cNvPr id="27" name="Rectangle 26"/>
+          <p:cNvSpPr/>
+          <p:nvPr/>
+        </p:nvSpPr>
+        <p:spPr>
+          <a:xfrm>
+            <a:off x="594640" y="5604204"/>
+            <a:ext cx="729276" cy="241222"/>
+          </a:xfrm>
+          <a:prstGeom prst="rect">
+            <a:avLst/>
+          </a:prstGeom>
+          <a:solidFill>
+            <a:schemeClr val="bg1">
+              <a:lumMod val="95000"/>
+            </a:schemeClr>
+          </a:solidFill>
+        </p:spPr>
+        <p:style>
+          <a:lnRef idx="2">
+            <a:schemeClr val="accent1">
+              <a:shade val="50000"/>
+            </a:schemeClr>
+          </a:lnRef>
+          <a:fillRef idx="1">
+            <a:schemeClr val="accent1"/>
+          </a:fillRef>
+          <a:effectRef idx="0">
+            <a:schemeClr val="accent1"/>
+          </a:effectRef>
+          <a:fontRef idx="minor">
+            <a:schemeClr val="lt1"/>
+          </a:fontRef>
+        </p:style>
+        <p:txBody>
+          <a:bodyPr rtlCol="0" anchor="ctr"/>
+          <a:lstStyle/>
+          <a:p>
+            <a:pPr algn="ctr"/>
+            <a:endParaRPr lang="en-US"/>
+          </a:p>
+        </p:txBody>
+      </p:sp>
+      <p:sp>
+        <p:nvSpPr>
+          <p:cNvPr id="28" name="Rectangle 27"/>
+          <p:cNvSpPr/>
+          <p:nvPr/>
+        </p:nvSpPr>
+        <p:spPr>
+          <a:xfrm>
+            <a:off x="594640" y="5845426"/>
+            <a:ext cx="729276" cy="241222"/>
+          </a:xfrm>
+          <a:prstGeom prst="rect">
+            <a:avLst/>
+          </a:prstGeom>
+          <a:solidFill>
+            <a:schemeClr val="bg1">
+              <a:lumMod val="95000"/>
+            </a:schemeClr>
+          </a:solidFill>
+        </p:spPr>
+        <p:style>
+          <a:lnRef idx="2">
+            <a:schemeClr val="accent1">
+              <a:shade val="50000"/>
+            </a:schemeClr>
+          </a:lnRef>
+          <a:fillRef idx="1">
+            <a:schemeClr val="accent1"/>
+          </a:fillRef>
+          <a:effectRef idx="0">
+            <a:schemeClr val="accent1"/>
+          </a:effectRef>
+          <a:fontRef idx="minor">
+            <a:schemeClr val="lt1"/>
+          </a:fontRef>
+        </p:style>
+        <p:txBody>
+          <a:bodyPr rtlCol="0" anchor="ctr"/>
+          <a:lstStyle/>
+          <a:p>
+            <a:pPr algn="ctr"/>
+            <a:endParaRPr lang="en-US"/>
+          </a:p>
+        </p:txBody>
+      </p:sp>
+      <p:sp>
+        <p:nvSpPr>
+          <p:cNvPr id="36" name="Left Brace 35"/>
+          <p:cNvSpPr/>
+          <p:nvPr/>
+        </p:nvSpPr>
+        <p:spPr>
+          <a:xfrm>
+            <a:off x="426346" y="218783"/>
+            <a:ext cx="79472" cy="1632456"/>
+          </a:xfrm>
+          <a:prstGeom prst="leftBrace">
+            <a:avLst/>
+          </a:prstGeom>
+        </p:spPr>
+        <p:style>
+          <a:lnRef idx="1">
+            <a:schemeClr val="accent1"/>
+          </a:lnRef>
+          <a:fillRef idx="0">
+            <a:schemeClr val="accent1"/>
+          </a:fillRef>
+          <a:effectRef idx="0">
+            <a:schemeClr val="accent1"/>
+          </a:effectRef>
+          <a:fontRef idx="minor">
+            <a:schemeClr val="tx1"/>
+          </a:fontRef>
+        </p:style>
+        <p:txBody>
+          <a:bodyPr rtlCol="0" anchor="ctr"/>
+          <a:lstStyle/>
+          <a:p>
+            <a:pPr algn="ctr"/>
+            <a:endParaRPr lang="en-US"/>
+          </a:p>
+        </p:txBody>
+      </p:sp>
+      <p:sp>
+        <p:nvSpPr>
+          <p:cNvPr id="37" name="Left Brace 36"/>
+          <p:cNvSpPr/>
+          <p:nvPr/>
+        </p:nvSpPr>
+        <p:spPr>
+          <a:xfrm>
+            <a:off x="444110" y="2155103"/>
+            <a:ext cx="61708" cy="1749326"/>
+          </a:xfrm>
+          <a:prstGeom prst="leftBrace">
+            <a:avLst/>
+          </a:prstGeom>
+        </p:spPr>
+        <p:style>
+          <a:lnRef idx="1">
+            <a:schemeClr val="accent1"/>
+          </a:lnRef>
+          <a:fillRef idx="0">
+            <a:schemeClr val="accent1"/>
+          </a:fillRef>
+          <a:effectRef idx="0">
+            <a:schemeClr val="accent1"/>
+          </a:effectRef>
+          <a:fontRef idx="minor">
+            <a:schemeClr val="tx1"/>
+          </a:fontRef>
+        </p:style>
+        <p:txBody>
+          <a:bodyPr rtlCol="0" anchor="ctr"/>
+          <a:lstStyle/>
+          <a:p>
+            <a:pPr algn="ctr"/>
+            <a:endParaRPr lang="en-US"/>
+          </a:p>
+        </p:txBody>
+      </p:sp>
+      <p:sp>
+        <p:nvSpPr>
+          <p:cNvPr id="38" name="Left Brace 37"/>
+          <p:cNvSpPr/>
+          <p:nvPr/>
+        </p:nvSpPr>
+        <p:spPr>
+          <a:xfrm>
+            <a:off x="413256" y="4247097"/>
+            <a:ext cx="61708" cy="1749326"/>
+          </a:xfrm>
+          <a:prstGeom prst="leftBrace">
+            <a:avLst/>
+          </a:prstGeom>
+        </p:spPr>
+        <p:style>
+          <a:lnRef idx="1">
+            <a:schemeClr val="accent1"/>
+          </a:lnRef>
+          <a:fillRef idx="0">
+            <a:schemeClr val="accent1"/>
+          </a:fillRef>
+          <a:effectRef idx="0">
+            <a:schemeClr val="accent1"/>
+          </a:effectRef>
+          <a:fontRef idx="minor">
+            <a:schemeClr val="tx1"/>
+          </a:fontRef>
+        </p:style>
+        <p:txBody>
+          <a:bodyPr rtlCol="0" anchor="ctr"/>
+          <a:lstStyle/>
+          <a:p>
+            <a:pPr algn="ctr"/>
+            <a:endParaRPr lang="en-US"/>
+          </a:p>
+        </p:txBody>
+      </p:sp>
+      <p:sp>
+        <p:nvSpPr>
+          <p:cNvPr id="39" name="TextBox 38"/>
+          <p:cNvSpPr txBox="1"/>
+          <p:nvPr/>
+        </p:nvSpPr>
+        <p:spPr>
+          <a:xfrm>
+            <a:off x="-7481" y="906846"/>
+            <a:ext cx="841473" cy="253916"/>
+          </a:xfrm>
+          <a:prstGeom prst="rect">
+            <a:avLst/>
+          </a:prstGeom>
+          <a:noFill/>
+        </p:spPr>
+        <p:txBody>
+          <a:bodyPr wrap="square" rtlCol="0">
+            <a:spAutoFit/>
+          </a:bodyPr>
+          <a:lstStyle/>
+          <a:p>
+            <a:r>
+              <a:rPr lang="en-US" sz="1050" dirty="0" smtClean="0"/>
+              <a:t>batch</a:t>
+            </a:r>
+            <a:endParaRPr lang="en-US" sz="1050" dirty="0"/>
+          </a:p>
+        </p:txBody>
+      </p:sp>
+      <p:sp>
+        <p:nvSpPr>
+          <p:cNvPr id="40" name="TextBox 39"/>
+          <p:cNvSpPr txBox="1"/>
+          <p:nvPr/>
+        </p:nvSpPr>
+        <p:spPr>
+          <a:xfrm>
+            <a:off x="-7482" y="2899897"/>
+            <a:ext cx="841473" cy="253916"/>
+          </a:xfrm>
+          <a:prstGeom prst="rect">
+            <a:avLst/>
+          </a:prstGeom>
+          <a:noFill/>
+        </p:spPr>
+        <p:txBody>
+          <a:bodyPr wrap="square" rtlCol="0">
+            <a:spAutoFit/>
+          </a:bodyPr>
+          <a:lstStyle/>
+          <a:p>
+            <a:r>
+              <a:rPr lang="en-US" sz="1050" dirty="0" smtClean="0"/>
+              <a:t>batch</a:t>
+            </a:r>
+            <a:endParaRPr lang="en-US" sz="1050" dirty="0"/>
+          </a:p>
+        </p:txBody>
+      </p:sp>
+      <p:sp>
+        <p:nvSpPr>
+          <p:cNvPr id="41" name="TextBox 40"/>
+          <p:cNvSpPr txBox="1"/>
+          <p:nvPr/>
+        </p:nvSpPr>
+        <p:spPr>
+          <a:xfrm>
+            <a:off x="-7483" y="4997713"/>
+            <a:ext cx="841473" cy="253916"/>
+          </a:xfrm>
+          <a:prstGeom prst="rect">
+            <a:avLst/>
+          </a:prstGeom>
+          <a:noFill/>
+        </p:spPr>
+        <p:txBody>
+          <a:bodyPr wrap="square" rtlCol="0">
+            <a:spAutoFit/>
+          </a:bodyPr>
+          <a:lstStyle/>
+          <a:p>
+            <a:r>
+              <a:rPr lang="en-US" sz="1050" dirty="0" smtClean="0"/>
+              <a:t>batch</a:t>
+            </a:r>
+            <a:endParaRPr lang="en-US" sz="1050" dirty="0"/>
+          </a:p>
+        </p:txBody>
+      </p:sp>
+      <p:cxnSp>
+        <p:nvCxnSpPr>
+          <p:cNvPr id="43" name="Straight Arrow Connector 42"/>
+          <p:cNvCxnSpPr/>
+          <p:nvPr/>
+        </p:nvCxnSpPr>
+        <p:spPr>
+          <a:xfrm>
+            <a:off x="1514651" y="1020986"/>
+            <a:ext cx="1750263" cy="0"/>
+          </a:xfrm>
+          <a:prstGeom prst="straightConnector1">
+            <a:avLst/>
+          </a:prstGeom>
+          <a:ln>
+            <a:tailEnd type="triangle"/>
+          </a:ln>
+        </p:spPr>
+        <p:style>
+          <a:lnRef idx="1">
+            <a:schemeClr val="accent1"/>
+          </a:lnRef>
+          <a:fillRef idx="0">
+            <a:schemeClr val="accent1"/>
+          </a:fillRef>
+          <a:effectRef idx="0">
+            <a:schemeClr val="accent1"/>
+          </a:effectRef>
+          <a:fontRef idx="minor">
+            <a:schemeClr val="tx1"/>
+          </a:fontRef>
+        </p:style>
+      </p:cxnSp>
+      <p:sp>
+        <p:nvSpPr>
+          <p:cNvPr id="44" name="TextBox 43"/>
+          <p:cNvSpPr txBox="1"/>
+          <p:nvPr/>
+        </p:nvSpPr>
+        <p:spPr>
+          <a:xfrm>
+            <a:off x="2047583" y="651654"/>
+            <a:ext cx="1492211" cy="369332"/>
+          </a:xfrm>
+          <a:prstGeom prst="rect">
+            <a:avLst/>
+          </a:prstGeom>
+          <a:noFill/>
+        </p:spPr>
+        <p:txBody>
+          <a:bodyPr wrap="square" rtlCol="0">
+            <a:spAutoFit/>
+          </a:bodyPr>
+          <a:lstStyle/>
+          <a:p>
+            <a:r>
+              <a:rPr lang="en-US" dirty="0" smtClean="0"/>
+              <a:t>train</a:t>
+            </a:r>
+            <a:endParaRPr lang="en-US" dirty="0"/>
+          </a:p>
+        </p:txBody>
+      </p:sp>
+      <p:cxnSp>
+        <p:nvCxnSpPr>
+          <p:cNvPr id="45" name="Straight Arrow Connector 44"/>
+          <p:cNvCxnSpPr/>
+          <p:nvPr/>
+        </p:nvCxnSpPr>
+        <p:spPr>
+          <a:xfrm>
+            <a:off x="1514651" y="3153813"/>
+            <a:ext cx="1750263" cy="0"/>
+          </a:xfrm>
+          <a:prstGeom prst="straightConnector1">
+            <a:avLst/>
+          </a:prstGeom>
+          <a:ln>
+            <a:tailEnd type="triangle"/>
+          </a:ln>
+        </p:spPr>
+        <p:style>
+          <a:lnRef idx="1">
+            <a:schemeClr val="accent1"/>
+          </a:lnRef>
+          <a:fillRef idx="0">
+            <a:schemeClr val="accent1"/>
+          </a:fillRef>
+          <a:effectRef idx="0">
+            <a:schemeClr val="accent1"/>
+          </a:effectRef>
+          <a:fontRef idx="minor">
+            <a:schemeClr val="tx1"/>
+          </a:fontRef>
+        </p:style>
+      </p:cxnSp>
+      <p:sp>
+        <p:nvSpPr>
+          <p:cNvPr id="46" name="TextBox 45"/>
+          <p:cNvSpPr txBox="1"/>
+          <p:nvPr/>
+        </p:nvSpPr>
+        <p:spPr>
+          <a:xfrm>
+            <a:off x="2047583" y="2784481"/>
+            <a:ext cx="1492211" cy="369332"/>
+          </a:xfrm>
+          <a:prstGeom prst="rect">
+            <a:avLst/>
+          </a:prstGeom>
+          <a:noFill/>
+        </p:spPr>
+        <p:txBody>
+          <a:bodyPr wrap="square" rtlCol="0">
+            <a:spAutoFit/>
+          </a:bodyPr>
+          <a:lstStyle/>
+          <a:p>
+            <a:r>
+              <a:rPr lang="en-US" dirty="0" smtClean="0"/>
+              <a:t>train</a:t>
+            </a:r>
+            <a:endParaRPr lang="en-US" dirty="0"/>
+          </a:p>
+        </p:txBody>
+      </p:sp>
+      <p:cxnSp>
+        <p:nvCxnSpPr>
+          <p:cNvPr id="47" name="Straight Arrow Connector 46"/>
+          <p:cNvCxnSpPr/>
+          <p:nvPr/>
+        </p:nvCxnSpPr>
+        <p:spPr>
+          <a:xfrm>
+            <a:off x="1514651" y="5249870"/>
+            <a:ext cx="1750263" cy="0"/>
+          </a:xfrm>
+          <a:prstGeom prst="straightConnector1">
+            <a:avLst/>
+          </a:prstGeom>
+          <a:ln>
+            <a:tailEnd type="triangle"/>
+          </a:ln>
+        </p:spPr>
+        <p:style>
+          <a:lnRef idx="1">
+            <a:schemeClr val="accent1"/>
+          </a:lnRef>
+          <a:fillRef idx="0">
+            <a:schemeClr val="accent1"/>
+          </a:fillRef>
+          <a:effectRef idx="0">
+            <a:schemeClr val="accent1"/>
+          </a:effectRef>
+          <a:fontRef idx="minor">
+            <a:schemeClr val="tx1"/>
+          </a:fontRef>
+        </p:style>
+      </p:cxnSp>
+      <p:sp>
+        <p:nvSpPr>
+          <p:cNvPr id="48" name="TextBox 47"/>
+          <p:cNvSpPr txBox="1"/>
+          <p:nvPr/>
+        </p:nvSpPr>
+        <p:spPr>
+          <a:xfrm>
+            <a:off x="2047583" y="4880538"/>
+            <a:ext cx="1492211" cy="369332"/>
+          </a:xfrm>
+          <a:prstGeom prst="rect">
+            <a:avLst/>
+          </a:prstGeom>
+          <a:noFill/>
+        </p:spPr>
+        <p:txBody>
+          <a:bodyPr wrap="square" rtlCol="0">
+            <a:spAutoFit/>
+          </a:bodyPr>
+          <a:lstStyle/>
+          <a:p>
+            <a:r>
+              <a:rPr lang="en-US" dirty="0" smtClean="0"/>
+              <a:t>train</a:t>
+            </a:r>
+            <a:endParaRPr lang="en-US" dirty="0"/>
+          </a:p>
+        </p:txBody>
+      </p:sp>
+      <p:cxnSp>
+        <p:nvCxnSpPr>
+          <p:cNvPr id="53" name="Straight Connector 52"/>
+          <p:cNvCxnSpPr/>
+          <p:nvPr/>
+        </p:nvCxnSpPr>
+        <p:spPr>
+          <a:xfrm>
+            <a:off x="594640" y="6221286"/>
+            <a:ext cx="0" cy="504883"/>
+          </a:xfrm>
+          <a:prstGeom prst="line">
+            <a:avLst/>
+          </a:prstGeom>
+          <a:ln w="12700">
+            <a:solidFill>
+              <a:schemeClr val="accent2">
+                <a:lumMod val="75000"/>
+              </a:schemeClr>
+            </a:solidFill>
+          </a:ln>
+        </p:spPr>
+        <p:style>
+          <a:lnRef idx="1">
+            <a:schemeClr val="accent1"/>
+          </a:lnRef>
+          <a:fillRef idx="0">
+            <a:schemeClr val="accent1"/>
+          </a:fillRef>
+          <a:effectRef idx="0">
+            <a:schemeClr val="accent1"/>
+          </a:effectRef>
+          <a:fontRef idx="minor">
+            <a:schemeClr val="tx1"/>
+          </a:fontRef>
+        </p:style>
+      </p:cxnSp>
+      <p:cxnSp>
+        <p:nvCxnSpPr>
+          <p:cNvPr id="54" name="Straight Connector 53"/>
+          <p:cNvCxnSpPr/>
+          <p:nvPr/>
+        </p:nvCxnSpPr>
+        <p:spPr>
+          <a:xfrm>
+            <a:off x="3692194" y="6221286"/>
+            <a:ext cx="0" cy="504883"/>
+          </a:xfrm>
+          <a:prstGeom prst="line">
+            <a:avLst/>
+          </a:prstGeom>
+          <a:ln w="12700">
+            <a:solidFill>
+              <a:schemeClr val="accent2">
+                <a:lumMod val="75000"/>
+              </a:schemeClr>
+            </a:solidFill>
+          </a:ln>
+        </p:spPr>
+        <p:style>
+          <a:lnRef idx="1">
+            <a:schemeClr val="accent1"/>
+          </a:lnRef>
+          <a:fillRef idx="0">
+            <a:schemeClr val="accent1"/>
+          </a:fillRef>
+          <a:effectRef idx="0">
+            <a:schemeClr val="accent1"/>
+          </a:effectRef>
+          <a:fontRef idx="minor">
+            <a:schemeClr val="tx1"/>
+          </a:fontRef>
+        </p:style>
+      </p:cxnSp>
+      <p:cxnSp>
+        <p:nvCxnSpPr>
+          <p:cNvPr id="56" name="Straight Arrow Connector 55"/>
+          <p:cNvCxnSpPr/>
+          <p:nvPr/>
+        </p:nvCxnSpPr>
+        <p:spPr>
+          <a:xfrm flipH="1">
+            <a:off x="594640" y="6428849"/>
+            <a:ext cx="992938" cy="0"/>
+          </a:xfrm>
+          <a:prstGeom prst="straightConnector1">
+            <a:avLst/>
+          </a:prstGeom>
+          <a:ln w="12700">
+            <a:solidFill>
+              <a:schemeClr val="accent2">
+                <a:lumMod val="75000"/>
+              </a:schemeClr>
+            </a:solidFill>
+            <a:tailEnd type="triangle"/>
+          </a:ln>
+        </p:spPr>
+        <p:style>
+          <a:lnRef idx="1">
+            <a:schemeClr val="accent1"/>
+          </a:lnRef>
+          <a:fillRef idx="0">
+            <a:schemeClr val="accent1"/>
+          </a:fillRef>
+          <a:effectRef idx="0">
+            <a:schemeClr val="accent1"/>
+          </a:effectRef>
+          <a:fontRef idx="minor">
+            <a:schemeClr val="tx1"/>
+          </a:fontRef>
+        </p:style>
+      </p:cxnSp>
+      <p:cxnSp>
+        <p:nvCxnSpPr>
+          <p:cNvPr id="58" name="Straight Arrow Connector 57"/>
+          <p:cNvCxnSpPr/>
+          <p:nvPr/>
+        </p:nvCxnSpPr>
+        <p:spPr>
+          <a:xfrm>
+            <a:off x="2731980" y="6429784"/>
+            <a:ext cx="960214" cy="0"/>
+          </a:xfrm>
+          <a:prstGeom prst="straightConnector1">
+            <a:avLst/>
+          </a:prstGeom>
+          <a:ln w="12700">
+            <a:solidFill>
+              <a:schemeClr val="accent2">
+                <a:lumMod val="75000"/>
+              </a:schemeClr>
+            </a:solidFill>
+            <a:tailEnd type="triangle"/>
+          </a:ln>
+        </p:spPr>
+        <p:style>
+          <a:lnRef idx="1">
+            <a:schemeClr val="accent1"/>
+          </a:lnRef>
+          <a:fillRef idx="0">
+            <a:schemeClr val="accent1"/>
+          </a:fillRef>
+          <a:effectRef idx="0">
+            <a:schemeClr val="accent1"/>
+          </a:effectRef>
+          <a:fontRef idx="minor">
+            <a:schemeClr val="tx1"/>
+          </a:fontRef>
+        </p:style>
+      </p:cxnSp>
+      <p:sp>
+        <p:nvSpPr>
+          <p:cNvPr id="61" name="TextBox 60"/>
+          <p:cNvSpPr txBox="1"/>
+          <p:nvPr/>
+        </p:nvSpPr>
+        <p:spPr>
+          <a:xfrm>
+            <a:off x="1660506" y="6244183"/>
+            <a:ext cx="1245379" cy="369332"/>
+          </a:xfrm>
+          <a:prstGeom prst="rect">
+            <a:avLst/>
+          </a:prstGeom>
+          <a:noFill/>
+        </p:spPr>
+        <p:txBody>
+          <a:bodyPr wrap="square" rtlCol="0">
+            <a:spAutoFit/>
+          </a:bodyPr>
+          <a:lstStyle/>
+          <a:p>
+            <a:r>
+              <a:rPr lang="en-US" dirty="0" smtClean="0">
+                <a:solidFill>
+                  <a:srgbClr val="C00000"/>
+                </a:solidFill>
+              </a:rPr>
+              <a:t>N epochs</a:t>
+            </a:r>
+            <a:endParaRPr lang="en-US" dirty="0">
+              <a:solidFill>
+                <a:srgbClr val="C00000"/>
+              </a:solidFill>
+            </a:endParaRPr>
+          </a:p>
+        </p:txBody>
+      </p:sp>
+    </p:spTree>
+    <p:extLst>
+      <p:ext uri="{BB962C8B-B14F-4D97-AF65-F5344CB8AC3E}">
+        <p14:creationId xmlns:p14="http://schemas.microsoft.com/office/powerpoint/2010/main" val="801017368"/>
+      </p:ext>
+    </p:extLst>
+  </p:cSld>
+  <p:clrMapOvr>
+    <a:masterClrMapping/>
+  </p:clrMapOvr>
+</p:sld>
+</file>
+
+<file path=ppt/slides/slide3.xml><?xml version="1.0" encoding="utf-8"?>
+<p:sld xmlns:a="http://schemas.openxmlformats.org/drawingml/2006/main" xmlns:r="http://schemas.openxmlformats.org/officeDocument/2006/relationships" xmlns:p="http://schemas.openxmlformats.org/presentationml/2006/main">
+  <p:cSld>
+    <p:spTree>
+      <p:nvGrpSpPr>
+        <p:cNvPr id="1" name=""/>
+        <p:cNvGrpSpPr/>
+        <p:nvPr/>
+      </p:nvGrpSpPr>
+      <p:grpSpPr>
+        <a:xfrm>
+          <a:off x="0" y="0"/>
+          <a:ext cx="0" cy="0"/>
+          <a:chOff x="0" y="0"/>
+          <a:chExt cx="0" cy="0"/>
+        </a:xfrm>
+      </p:grpSpPr>
+      <p:sp>
+        <p:nvSpPr>
+          <p:cNvPr id="4" name="TextBox 3"/>
+          <p:cNvSpPr txBox="1"/>
+          <p:nvPr/>
+        </p:nvSpPr>
+        <p:spPr>
+          <a:xfrm>
+            <a:off x="4680127" y="-76328"/>
+            <a:ext cx="5239568" cy="369332"/>
+          </a:xfrm>
+          <a:prstGeom prst="rect">
+            <a:avLst/>
+          </a:prstGeom>
+          <a:noFill/>
+        </p:spPr>
+        <p:txBody>
+          <a:bodyPr wrap="square" rtlCol="0">
+            <a:spAutoFit/>
+          </a:bodyPr>
+          <a:lstStyle/>
+          <a:p>
+            <a:r>
+              <a:rPr lang="en-US" dirty="0" smtClean="0"/>
+              <a:t>Tensorflow parameters pre-defined</a:t>
+            </a:r>
+            <a:endParaRPr lang="en-US" dirty="0"/>
+          </a:p>
+        </p:txBody>
+      </p:sp>
+      <p:sp>
+        <p:nvSpPr>
+          <p:cNvPr id="34" name="Rectangle 33"/>
+          <p:cNvSpPr/>
+          <p:nvPr/>
+        </p:nvSpPr>
+        <p:spPr>
+          <a:xfrm>
+            <a:off x="1085045" y="597735"/>
+            <a:ext cx="502276" cy="367048"/>
+          </a:xfrm>
+          <a:prstGeom prst="rect">
+            <a:avLst/>
+          </a:prstGeom>
+          <a:solidFill>
+            <a:schemeClr val="bg1">
+              <a:lumMod val="95000"/>
+            </a:schemeClr>
+          </a:solidFill>
+          <a:ln>
+            <a:solidFill>
+              <a:schemeClr val="tx1"/>
+            </a:solidFill>
+          </a:ln>
+        </p:spPr>
+        <p:style>
+          <a:lnRef idx="2">
+            <a:schemeClr val="accent1">
+              <a:shade val="50000"/>
+            </a:schemeClr>
+          </a:lnRef>
+          <a:fillRef idx="1">
+            <a:schemeClr val="accent1"/>
+          </a:fillRef>
+          <a:effectRef idx="0">
+            <a:schemeClr val="accent1"/>
+          </a:effectRef>
+          <a:fontRef idx="minor">
+            <a:schemeClr val="lt1"/>
+          </a:fontRef>
+        </p:style>
+        <p:txBody>
+          <a:bodyPr rtlCol="0" anchor="ctr"/>
+          <a:lstStyle/>
+          <a:p>
+            <a:pPr algn="ctr"/>
+            <a:endParaRPr lang="en-US"/>
+          </a:p>
+        </p:txBody>
+      </p:sp>
+      <p:sp>
+        <p:nvSpPr>
+          <p:cNvPr id="35" name="Rectangle 34"/>
+          <p:cNvSpPr/>
+          <p:nvPr/>
+        </p:nvSpPr>
+        <p:spPr>
+          <a:xfrm>
+            <a:off x="1085045" y="964783"/>
+            <a:ext cx="502276" cy="367048"/>
+          </a:xfrm>
+          <a:prstGeom prst="rect">
+            <a:avLst/>
+          </a:prstGeom>
+          <a:solidFill>
+            <a:schemeClr val="bg1">
+              <a:lumMod val="95000"/>
+            </a:schemeClr>
+          </a:solidFill>
+          <a:ln>
+            <a:solidFill>
+              <a:schemeClr val="tx1"/>
+            </a:solidFill>
+          </a:ln>
+        </p:spPr>
+        <p:style>
+          <a:lnRef idx="2">
+            <a:schemeClr val="accent1">
+              <a:shade val="50000"/>
+            </a:schemeClr>
+          </a:lnRef>
+          <a:fillRef idx="1">
+            <a:schemeClr val="accent1"/>
+          </a:fillRef>
+          <a:effectRef idx="0">
+            <a:schemeClr val="accent1"/>
+          </a:effectRef>
+          <a:fontRef idx="minor">
+            <a:schemeClr val="lt1"/>
+          </a:fontRef>
+        </p:style>
+        <p:txBody>
+          <a:bodyPr rtlCol="0" anchor="ctr"/>
+          <a:lstStyle/>
+          <a:p>
+            <a:pPr algn="ctr"/>
+            <a:endParaRPr lang="en-US"/>
+          </a:p>
+        </p:txBody>
+      </p:sp>
+      <p:sp>
+        <p:nvSpPr>
+          <p:cNvPr id="36" name="Rectangle 35"/>
+          <p:cNvSpPr/>
+          <p:nvPr/>
+        </p:nvSpPr>
+        <p:spPr>
+          <a:xfrm>
+            <a:off x="1085045" y="1331831"/>
+            <a:ext cx="502276" cy="367048"/>
+          </a:xfrm>
+          <a:prstGeom prst="rect">
+            <a:avLst/>
+          </a:prstGeom>
+          <a:solidFill>
+            <a:schemeClr val="bg1">
+              <a:lumMod val="95000"/>
+            </a:schemeClr>
+          </a:solidFill>
+          <a:ln>
+            <a:solidFill>
+              <a:schemeClr val="tx1"/>
+            </a:solidFill>
+          </a:ln>
+        </p:spPr>
+        <p:style>
+          <a:lnRef idx="2">
+            <a:schemeClr val="accent1">
+              <a:shade val="50000"/>
+            </a:schemeClr>
+          </a:lnRef>
+          <a:fillRef idx="1">
+            <a:schemeClr val="accent1"/>
+          </a:fillRef>
+          <a:effectRef idx="0">
+            <a:schemeClr val="accent1"/>
+          </a:effectRef>
+          <a:fontRef idx="minor">
+            <a:schemeClr val="lt1"/>
+          </a:fontRef>
+        </p:style>
+        <p:txBody>
+          <a:bodyPr rtlCol="0" anchor="ctr"/>
+          <a:lstStyle/>
+          <a:p>
+            <a:pPr algn="ctr"/>
+            <a:endParaRPr lang="en-US"/>
+          </a:p>
+        </p:txBody>
+      </p:sp>
+      <p:sp>
+        <p:nvSpPr>
+          <p:cNvPr id="37" name="Rectangle 36"/>
+          <p:cNvSpPr/>
+          <p:nvPr/>
+        </p:nvSpPr>
+        <p:spPr>
+          <a:xfrm>
+            <a:off x="1085045" y="1698879"/>
+            <a:ext cx="502276" cy="367048"/>
+          </a:xfrm>
+          <a:prstGeom prst="rect">
+            <a:avLst/>
+          </a:prstGeom>
+          <a:solidFill>
+            <a:schemeClr val="bg1">
+              <a:lumMod val="95000"/>
+            </a:schemeClr>
+          </a:solidFill>
+          <a:ln>
+            <a:solidFill>
+              <a:schemeClr val="tx1"/>
+            </a:solidFill>
+          </a:ln>
+        </p:spPr>
+        <p:style>
+          <a:lnRef idx="2">
+            <a:schemeClr val="accent1">
+              <a:shade val="50000"/>
+            </a:schemeClr>
+          </a:lnRef>
+          <a:fillRef idx="1">
+            <a:schemeClr val="accent1"/>
+          </a:fillRef>
+          <a:effectRef idx="0">
+            <a:schemeClr val="accent1"/>
+          </a:effectRef>
+          <a:fontRef idx="minor">
+            <a:schemeClr val="lt1"/>
+          </a:fontRef>
+        </p:style>
+        <p:txBody>
+          <a:bodyPr rtlCol="0" anchor="ctr"/>
+          <a:lstStyle/>
+          <a:p>
+            <a:pPr algn="ctr"/>
+            <a:endParaRPr lang="en-US"/>
+          </a:p>
+        </p:txBody>
+      </p:sp>
+      <p:sp>
+        <p:nvSpPr>
+          <p:cNvPr id="38" name="Rectangle 37"/>
+          <p:cNvSpPr/>
+          <p:nvPr/>
+        </p:nvSpPr>
+        <p:spPr>
+          <a:xfrm>
+            <a:off x="1085045" y="2065927"/>
+            <a:ext cx="502276" cy="367048"/>
+          </a:xfrm>
+          <a:prstGeom prst="rect">
+            <a:avLst/>
+          </a:prstGeom>
+          <a:solidFill>
+            <a:schemeClr val="bg1">
+              <a:lumMod val="95000"/>
+            </a:schemeClr>
+          </a:solidFill>
+          <a:ln>
+            <a:solidFill>
+              <a:schemeClr val="tx1"/>
+            </a:solidFill>
+          </a:ln>
+        </p:spPr>
+        <p:style>
+          <a:lnRef idx="2">
+            <a:schemeClr val="accent1">
+              <a:shade val="50000"/>
+            </a:schemeClr>
+          </a:lnRef>
+          <a:fillRef idx="1">
+            <a:schemeClr val="accent1"/>
+          </a:fillRef>
+          <a:effectRef idx="0">
+            <a:schemeClr val="accent1"/>
+          </a:effectRef>
+          <a:fontRef idx="minor">
+            <a:schemeClr val="lt1"/>
+          </a:fontRef>
+        </p:style>
+        <p:txBody>
+          <a:bodyPr rtlCol="0" anchor="ctr"/>
+          <a:lstStyle/>
+          <a:p>
+            <a:pPr algn="ctr"/>
+            <a:endParaRPr lang="en-US"/>
+          </a:p>
+        </p:txBody>
+      </p:sp>
+      <p:sp>
+        <p:nvSpPr>
+          <p:cNvPr id="39" name="Rectangle 38"/>
+          <p:cNvSpPr/>
+          <p:nvPr/>
+        </p:nvSpPr>
+        <p:spPr>
+          <a:xfrm>
+            <a:off x="1085045" y="2432975"/>
+            <a:ext cx="502276" cy="367048"/>
+          </a:xfrm>
+          <a:prstGeom prst="rect">
+            <a:avLst/>
+          </a:prstGeom>
+          <a:solidFill>
+            <a:schemeClr val="bg1">
+              <a:lumMod val="95000"/>
+            </a:schemeClr>
+          </a:solidFill>
+          <a:ln>
+            <a:solidFill>
+              <a:schemeClr val="tx1"/>
+            </a:solidFill>
+          </a:ln>
+        </p:spPr>
+        <p:style>
+          <a:lnRef idx="2">
+            <a:schemeClr val="accent1">
+              <a:shade val="50000"/>
+            </a:schemeClr>
+          </a:lnRef>
+          <a:fillRef idx="1">
+            <a:schemeClr val="accent1"/>
+          </a:fillRef>
+          <a:effectRef idx="0">
+            <a:schemeClr val="accent1"/>
+          </a:effectRef>
+          <a:fontRef idx="minor">
+            <a:schemeClr val="lt1"/>
+          </a:fontRef>
+        </p:style>
+        <p:txBody>
+          <a:bodyPr rtlCol="0" anchor="ctr"/>
+          <a:lstStyle/>
+          <a:p>
+            <a:pPr algn="ctr"/>
+            <a:endParaRPr lang="en-US"/>
+          </a:p>
+        </p:txBody>
+      </p:sp>
+      <p:sp>
+        <p:nvSpPr>
+          <p:cNvPr id="40" name="Rectangle 39"/>
+          <p:cNvSpPr/>
+          <p:nvPr/>
+        </p:nvSpPr>
+        <p:spPr>
+          <a:xfrm>
+            <a:off x="1085045" y="2800023"/>
+            <a:ext cx="502276" cy="367048"/>
+          </a:xfrm>
+          <a:prstGeom prst="rect">
+            <a:avLst/>
+          </a:prstGeom>
+          <a:solidFill>
+            <a:schemeClr val="bg1">
+              <a:lumMod val="95000"/>
+            </a:schemeClr>
+          </a:solidFill>
+          <a:ln>
+            <a:solidFill>
+              <a:schemeClr val="tx1"/>
+            </a:solidFill>
+          </a:ln>
+        </p:spPr>
+        <p:style>
+          <a:lnRef idx="2">
+            <a:schemeClr val="accent1">
+              <a:shade val="50000"/>
+            </a:schemeClr>
+          </a:lnRef>
+          <a:fillRef idx="1">
+            <a:schemeClr val="accent1"/>
+          </a:fillRef>
+          <a:effectRef idx="0">
+            <a:schemeClr val="accent1"/>
+          </a:effectRef>
+          <a:fontRef idx="minor">
+            <a:schemeClr val="lt1"/>
+          </a:fontRef>
+        </p:style>
+        <p:txBody>
+          <a:bodyPr rtlCol="0" anchor="ctr"/>
+          <a:lstStyle/>
+          <a:p>
+            <a:pPr algn="ctr"/>
+            <a:endParaRPr lang="en-US"/>
+          </a:p>
+        </p:txBody>
+      </p:sp>
+      <p:sp>
+        <p:nvSpPr>
+          <p:cNvPr id="41" name="Rectangle 40"/>
+          <p:cNvSpPr/>
+          <p:nvPr/>
+        </p:nvSpPr>
+        <p:spPr>
+          <a:xfrm>
+            <a:off x="1085045" y="3167071"/>
+            <a:ext cx="502276" cy="367048"/>
+          </a:xfrm>
+          <a:prstGeom prst="rect">
+            <a:avLst/>
+          </a:prstGeom>
+          <a:solidFill>
+            <a:schemeClr val="bg1">
+              <a:lumMod val="95000"/>
+            </a:schemeClr>
+          </a:solidFill>
+          <a:ln>
+            <a:solidFill>
+              <a:schemeClr val="tx1"/>
+            </a:solidFill>
+          </a:ln>
+        </p:spPr>
+        <p:style>
+          <a:lnRef idx="2">
+            <a:schemeClr val="accent1">
+              <a:shade val="50000"/>
+            </a:schemeClr>
+          </a:lnRef>
+          <a:fillRef idx="1">
+            <a:schemeClr val="accent1"/>
+          </a:fillRef>
+          <a:effectRef idx="0">
+            <a:schemeClr val="accent1"/>
+          </a:effectRef>
+          <a:fontRef idx="minor">
+            <a:schemeClr val="lt1"/>
+          </a:fontRef>
+        </p:style>
+        <p:txBody>
+          <a:bodyPr rtlCol="0" anchor="ctr"/>
+          <a:lstStyle/>
+          <a:p>
+            <a:pPr algn="ctr"/>
+            <a:endParaRPr lang="en-US"/>
+          </a:p>
+        </p:txBody>
+      </p:sp>
+      <p:sp>
+        <p:nvSpPr>
+          <p:cNvPr id="42" name="Rectangle 41"/>
+          <p:cNvSpPr/>
+          <p:nvPr/>
+        </p:nvSpPr>
+        <p:spPr>
+          <a:xfrm>
+            <a:off x="1085045" y="3534119"/>
+            <a:ext cx="502276" cy="367048"/>
+          </a:xfrm>
+          <a:prstGeom prst="rect">
+            <a:avLst/>
+          </a:prstGeom>
+          <a:solidFill>
+            <a:schemeClr val="bg1">
+              <a:lumMod val="95000"/>
+            </a:schemeClr>
+          </a:solidFill>
+          <a:ln>
+            <a:solidFill>
+              <a:schemeClr val="tx1"/>
+            </a:solidFill>
+          </a:ln>
+        </p:spPr>
+        <p:style>
+          <a:lnRef idx="2">
+            <a:schemeClr val="accent1">
+              <a:shade val="50000"/>
+            </a:schemeClr>
+          </a:lnRef>
+          <a:fillRef idx="1">
+            <a:schemeClr val="accent1"/>
+          </a:fillRef>
+          <a:effectRef idx="0">
+            <a:schemeClr val="accent1"/>
+          </a:effectRef>
+          <a:fontRef idx="minor">
+            <a:schemeClr val="lt1"/>
+          </a:fontRef>
+        </p:style>
+        <p:txBody>
+          <a:bodyPr rtlCol="0" anchor="ctr"/>
+          <a:lstStyle/>
+          <a:p>
+            <a:pPr algn="ctr"/>
+            <a:endParaRPr lang="en-US"/>
+          </a:p>
+        </p:txBody>
+      </p:sp>
+      <p:sp>
+        <p:nvSpPr>
+          <p:cNvPr id="43" name="Rectangle 42"/>
+          <p:cNvSpPr/>
+          <p:nvPr/>
+        </p:nvSpPr>
+        <p:spPr>
+          <a:xfrm>
+            <a:off x="1085045" y="3901167"/>
+            <a:ext cx="502276" cy="367048"/>
+          </a:xfrm>
+          <a:prstGeom prst="rect">
+            <a:avLst/>
+          </a:prstGeom>
+          <a:solidFill>
+            <a:schemeClr val="bg1">
+              <a:lumMod val="95000"/>
+            </a:schemeClr>
+          </a:solidFill>
+          <a:ln>
+            <a:solidFill>
+              <a:schemeClr val="tx1"/>
+            </a:solidFill>
+          </a:ln>
+        </p:spPr>
+        <p:style>
+          <a:lnRef idx="2">
+            <a:schemeClr val="accent1">
+              <a:shade val="50000"/>
+            </a:schemeClr>
+          </a:lnRef>
+          <a:fillRef idx="1">
+            <a:schemeClr val="accent1"/>
+          </a:fillRef>
+          <a:effectRef idx="0">
+            <a:schemeClr val="accent1"/>
+          </a:effectRef>
+          <a:fontRef idx="minor">
+            <a:schemeClr val="lt1"/>
+          </a:fontRef>
+        </p:style>
+        <p:txBody>
+          <a:bodyPr rtlCol="0" anchor="ctr"/>
+          <a:lstStyle/>
+          <a:p>
+            <a:pPr algn="ctr"/>
+            <a:endParaRPr lang="en-US"/>
+          </a:p>
+        </p:txBody>
+      </p:sp>
+      <p:sp>
+        <p:nvSpPr>
+          <p:cNvPr id="44" name="Rectangle 43"/>
+          <p:cNvSpPr/>
+          <p:nvPr/>
+        </p:nvSpPr>
+        <p:spPr>
+          <a:xfrm>
+            <a:off x="1085045" y="4268215"/>
+            <a:ext cx="502276" cy="367048"/>
+          </a:xfrm>
+          <a:prstGeom prst="rect">
+            <a:avLst/>
+          </a:prstGeom>
+          <a:solidFill>
+            <a:schemeClr val="bg1">
+              <a:lumMod val="95000"/>
+            </a:schemeClr>
+          </a:solidFill>
+          <a:ln>
+            <a:solidFill>
+              <a:schemeClr val="tx1"/>
+            </a:solidFill>
+          </a:ln>
+        </p:spPr>
+        <p:style>
+          <a:lnRef idx="2">
+            <a:schemeClr val="accent1">
+              <a:shade val="50000"/>
+            </a:schemeClr>
+          </a:lnRef>
+          <a:fillRef idx="1">
+            <a:schemeClr val="accent1"/>
+          </a:fillRef>
+          <a:effectRef idx="0">
+            <a:schemeClr val="accent1"/>
+          </a:effectRef>
+          <a:fontRef idx="minor">
+            <a:schemeClr val="lt1"/>
+          </a:fontRef>
+        </p:style>
+        <p:txBody>
+          <a:bodyPr rtlCol="0" anchor="ctr"/>
+          <a:lstStyle/>
+          <a:p>
+            <a:pPr algn="ctr"/>
+            <a:endParaRPr lang="en-US"/>
+          </a:p>
+        </p:txBody>
+      </p:sp>
+      <p:sp>
+        <p:nvSpPr>
+          <p:cNvPr id="45" name="Rectangle 44"/>
+          <p:cNvSpPr/>
+          <p:nvPr/>
+        </p:nvSpPr>
+        <p:spPr>
+          <a:xfrm>
+            <a:off x="1085045" y="4635263"/>
+            <a:ext cx="502276" cy="367048"/>
+          </a:xfrm>
+          <a:prstGeom prst="rect">
+            <a:avLst/>
+          </a:prstGeom>
+          <a:solidFill>
+            <a:schemeClr val="bg1">
+              <a:lumMod val="95000"/>
+            </a:schemeClr>
+          </a:solidFill>
+          <a:ln>
+            <a:solidFill>
+              <a:schemeClr val="tx1"/>
+            </a:solidFill>
+          </a:ln>
+        </p:spPr>
+        <p:style>
+          <a:lnRef idx="2">
+            <a:schemeClr val="accent1">
+              <a:shade val="50000"/>
+            </a:schemeClr>
+          </a:lnRef>
+          <a:fillRef idx="1">
+            <a:schemeClr val="accent1"/>
+          </a:fillRef>
+          <a:effectRef idx="0">
+            <a:schemeClr val="accent1"/>
+          </a:effectRef>
+          <a:fontRef idx="minor">
+            <a:schemeClr val="lt1"/>
+          </a:fontRef>
+        </p:style>
+        <p:txBody>
+          <a:bodyPr rtlCol="0" anchor="ctr"/>
+          <a:lstStyle/>
+          <a:p>
+            <a:pPr algn="ctr"/>
+            <a:endParaRPr lang="en-US"/>
+          </a:p>
+        </p:txBody>
+      </p:sp>
+      <p:sp>
+        <p:nvSpPr>
+          <p:cNvPr id="46" name="Rectangle 45"/>
+          <p:cNvSpPr/>
+          <p:nvPr/>
+        </p:nvSpPr>
+        <p:spPr>
+          <a:xfrm>
+            <a:off x="1085045" y="5002311"/>
+            <a:ext cx="502276" cy="367048"/>
+          </a:xfrm>
+          <a:prstGeom prst="rect">
+            <a:avLst/>
+          </a:prstGeom>
+          <a:solidFill>
+            <a:schemeClr val="bg1">
+              <a:lumMod val="95000"/>
+            </a:schemeClr>
+          </a:solidFill>
+          <a:ln>
+            <a:solidFill>
+              <a:schemeClr val="tx1"/>
+            </a:solidFill>
+          </a:ln>
+        </p:spPr>
+        <p:style>
+          <a:lnRef idx="2">
+            <a:schemeClr val="accent1">
+              <a:shade val="50000"/>
+            </a:schemeClr>
+          </a:lnRef>
+          <a:fillRef idx="1">
+            <a:schemeClr val="accent1"/>
+          </a:fillRef>
+          <a:effectRef idx="0">
+            <a:schemeClr val="accent1"/>
+          </a:effectRef>
+          <a:fontRef idx="minor">
+            <a:schemeClr val="lt1"/>
+          </a:fontRef>
+        </p:style>
+        <p:txBody>
+          <a:bodyPr rtlCol="0" anchor="ctr"/>
+          <a:lstStyle/>
+          <a:p>
+            <a:pPr algn="ctr"/>
+            <a:endParaRPr lang="en-US"/>
+          </a:p>
+        </p:txBody>
+      </p:sp>
+      <p:sp>
+        <p:nvSpPr>
+          <p:cNvPr id="47" name="Rectangle 46"/>
+          <p:cNvSpPr/>
+          <p:nvPr/>
+        </p:nvSpPr>
+        <p:spPr>
+          <a:xfrm>
+            <a:off x="1085045" y="5369359"/>
+            <a:ext cx="502276" cy="367048"/>
+          </a:xfrm>
+          <a:prstGeom prst="rect">
+            <a:avLst/>
+          </a:prstGeom>
+          <a:solidFill>
+            <a:schemeClr val="bg1">
+              <a:lumMod val="95000"/>
+            </a:schemeClr>
+          </a:solidFill>
+          <a:ln>
+            <a:solidFill>
+              <a:schemeClr val="tx1"/>
+            </a:solidFill>
+          </a:ln>
+        </p:spPr>
+        <p:style>
+          <a:lnRef idx="2">
+            <a:schemeClr val="accent1">
+              <a:shade val="50000"/>
+            </a:schemeClr>
+          </a:lnRef>
+          <a:fillRef idx="1">
+            <a:schemeClr val="accent1"/>
+          </a:fillRef>
+          <a:effectRef idx="0">
+            <a:schemeClr val="accent1"/>
+          </a:effectRef>
+          <a:fontRef idx="minor">
+            <a:schemeClr val="lt1"/>
+          </a:fontRef>
+        </p:style>
+        <p:txBody>
+          <a:bodyPr rtlCol="0" anchor="ctr"/>
+          <a:lstStyle/>
+          <a:p>
+            <a:pPr algn="ctr"/>
+            <a:endParaRPr lang="en-US"/>
+          </a:p>
+        </p:txBody>
+      </p:sp>
+      <p:sp>
+        <p:nvSpPr>
+          <p:cNvPr id="48" name="Rectangle 47"/>
+          <p:cNvSpPr/>
+          <p:nvPr/>
+        </p:nvSpPr>
+        <p:spPr>
+          <a:xfrm>
+            <a:off x="1085045" y="5736407"/>
+            <a:ext cx="502276" cy="367048"/>
+          </a:xfrm>
+          <a:prstGeom prst="rect">
+            <a:avLst/>
+          </a:prstGeom>
+          <a:solidFill>
+            <a:schemeClr val="bg1">
+              <a:lumMod val="95000"/>
+            </a:schemeClr>
+          </a:solidFill>
+          <a:ln>
+            <a:solidFill>
+              <a:schemeClr val="tx1"/>
+            </a:solidFill>
+          </a:ln>
+        </p:spPr>
+        <p:style>
+          <a:lnRef idx="2">
+            <a:schemeClr val="accent1">
+              <a:shade val="50000"/>
+            </a:schemeClr>
+          </a:lnRef>
+          <a:fillRef idx="1">
+            <a:schemeClr val="accent1"/>
+          </a:fillRef>
+          <a:effectRef idx="0">
+            <a:schemeClr val="accent1"/>
+          </a:effectRef>
+          <a:fontRef idx="minor">
+            <a:schemeClr val="lt1"/>
+          </a:fontRef>
+        </p:style>
+        <p:txBody>
+          <a:bodyPr rtlCol="0" anchor="ctr"/>
+          <a:lstStyle/>
+          <a:p>
+            <a:pPr algn="ctr"/>
+            <a:endParaRPr lang="en-US"/>
+          </a:p>
+        </p:txBody>
+      </p:sp>
+      <p:sp>
+        <p:nvSpPr>
+          <p:cNvPr id="51" name="Left Brace 50"/>
+          <p:cNvSpPr/>
+          <p:nvPr/>
+        </p:nvSpPr>
+        <p:spPr>
+          <a:xfrm>
+            <a:off x="930498" y="816668"/>
+            <a:ext cx="83713" cy="1596980"/>
+          </a:xfrm>
+          <a:prstGeom prst="leftBrace">
+            <a:avLst/>
+          </a:prstGeom>
+          <a:ln w="12700">
+            <a:solidFill>
+              <a:schemeClr val="tx1"/>
+            </a:solidFill>
+          </a:ln>
+        </p:spPr>
+        <p:style>
+          <a:lnRef idx="1">
+            <a:schemeClr val="accent1"/>
+          </a:lnRef>
+          <a:fillRef idx="0">
+            <a:schemeClr val="accent1"/>
+          </a:fillRef>
+          <a:effectRef idx="0">
+            <a:schemeClr val="accent1"/>
+          </a:effectRef>
+          <a:fontRef idx="minor">
+            <a:schemeClr val="tx1"/>
+          </a:fontRef>
+        </p:style>
+        <p:txBody>
+          <a:bodyPr rtlCol="0" anchor="ctr"/>
+          <a:lstStyle/>
+          <a:p>
+            <a:pPr algn="ctr"/>
+            <a:endParaRPr lang="en-US"/>
+          </a:p>
+        </p:txBody>
+      </p:sp>
+      <p:sp>
+        <p:nvSpPr>
+          <p:cNvPr id="52" name="Left Brace 51"/>
+          <p:cNvSpPr/>
+          <p:nvPr/>
+        </p:nvSpPr>
+        <p:spPr>
+          <a:xfrm>
+            <a:off x="930497" y="2713081"/>
+            <a:ext cx="83713" cy="1596980"/>
+          </a:xfrm>
+          <a:prstGeom prst="leftBrace">
+            <a:avLst/>
+          </a:prstGeom>
+          <a:ln w="12700">
+            <a:solidFill>
+              <a:schemeClr val="tx1"/>
+            </a:solidFill>
+          </a:ln>
+        </p:spPr>
+        <p:style>
+          <a:lnRef idx="1">
+            <a:schemeClr val="accent1"/>
+          </a:lnRef>
+          <a:fillRef idx="0">
+            <a:schemeClr val="accent1"/>
+          </a:fillRef>
+          <a:effectRef idx="0">
+            <a:schemeClr val="accent1"/>
+          </a:effectRef>
+          <a:fontRef idx="minor">
+            <a:schemeClr val="tx1"/>
+          </a:fontRef>
+        </p:style>
+        <p:txBody>
+          <a:bodyPr rtlCol="0" anchor="ctr"/>
+          <a:lstStyle/>
+          <a:p>
+            <a:pPr algn="ctr"/>
+            <a:endParaRPr lang="en-US"/>
+          </a:p>
+        </p:txBody>
+      </p:sp>
+      <p:sp>
+        <p:nvSpPr>
+          <p:cNvPr id="53" name="Left Brace 52"/>
+          <p:cNvSpPr/>
+          <p:nvPr/>
+        </p:nvSpPr>
+        <p:spPr>
+          <a:xfrm>
+            <a:off x="930496" y="4548321"/>
+            <a:ext cx="83713" cy="1596980"/>
+          </a:xfrm>
+          <a:prstGeom prst="leftBrace">
+            <a:avLst/>
+          </a:prstGeom>
+          <a:ln w="12700">
+            <a:solidFill>
+              <a:schemeClr val="tx1"/>
+            </a:solidFill>
+          </a:ln>
+        </p:spPr>
+        <p:style>
+          <a:lnRef idx="1">
+            <a:schemeClr val="accent1"/>
+          </a:lnRef>
+          <a:fillRef idx="0">
+            <a:schemeClr val="accent1"/>
+          </a:fillRef>
+          <a:effectRef idx="0">
+            <a:schemeClr val="accent1"/>
+          </a:effectRef>
+          <a:fontRef idx="minor">
+            <a:schemeClr val="tx1"/>
+          </a:fontRef>
+        </p:style>
+        <p:txBody>
+          <a:bodyPr rtlCol="0" anchor="ctr"/>
+          <a:lstStyle/>
+          <a:p>
+            <a:pPr algn="ctr"/>
+            <a:endParaRPr lang="en-US"/>
+          </a:p>
+        </p:txBody>
+      </p:sp>
+      <p:sp>
+        <p:nvSpPr>
+          <p:cNvPr id="54" name="TextBox 53"/>
+          <p:cNvSpPr txBox="1"/>
+          <p:nvPr/>
+        </p:nvSpPr>
+        <p:spPr>
+          <a:xfrm>
+            <a:off x="0" y="1461655"/>
+            <a:ext cx="1049628" cy="307005"/>
+          </a:xfrm>
+          <a:prstGeom prst="rect">
+            <a:avLst/>
+          </a:prstGeom>
+          <a:noFill/>
+        </p:spPr>
+        <p:txBody>
+          <a:bodyPr wrap="square" rtlCol="0">
+            <a:spAutoFit/>
+          </a:bodyPr>
+          <a:lstStyle/>
+          <a:p>
+            <a:r>
+              <a:rPr lang="en-US" sz="1400" dirty="0" smtClean="0">
+                <a:solidFill>
+                  <a:srgbClr val="C00000"/>
+                </a:solidFill>
+              </a:rPr>
+              <a:t>batch_size</a:t>
+            </a:r>
+            <a:endParaRPr lang="en-US" dirty="0">
+              <a:solidFill>
+                <a:srgbClr val="C00000"/>
+              </a:solidFill>
+            </a:endParaRPr>
+          </a:p>
+        </p:txBody>
+      </p:sp>
+      <p:sp>
+        <p:nvSpPr>
+          <p:cNvPr id="55" name="TextBox 54"/>
+          <p:cNvSpPr txBox="1"/>
+          <p:nvPr/>
+        </p:nvSpPr>
+        <p:spPr>
+          <a:xfrm>
+            <a:off x="-35419" y="3326784"/>
+            <a:ext cx="1049628" cy="307005"/>
+          </a:xfrm>
+          <a:prstGeom prst="rect">
+            <a:avLst/>
+          </a:prstGeom>
+          <a:noFill/>
+        </p:spPr>
+        <p:txBody>
+          <a:bodyPr wrap="square" rtlCol="0">
+            <a:spAutoFit/>
+          </a:bodyPr>
+          <a:lstStyle/>
+          <a:p>
+            <a:r>
+              <a:rPr lang="en-US" sz="1400" dirty="0" smtClean="0">
+                <a:solidFill>
+                  <a:srgbClr val="C00000"/>
+                </a:solidFill>
+              </a:rPr>
+              <a:t>batch_size</a:t>
+            </a:r>
+            <a:endParaRPr lang="en-US" dirty="0">
+              <a:solidFill>
+                <a:srgbClr val="C00000"/>
+              </a:solidFill>
+            </a:endParaRPr>
+          </a:p>
+        </p:txBody>
+      </p:sp>
+      <p:sp>
+        <p:nvSpPr>
+          <p:cNvPr id="56" name="TextBox 55"/>
+          <p:cNvSpPr txBox="1"/>
+          <p:nvPr/>
+        </p:nvSpPr>
+        <p:spPr>
+          <a:xfrm>
+            <a:off x="-35422" y="5190561"/>
+            <a:ext cx="1049628" cy="307005"/>
+          </a:xfrm>
+          <a:prstGeom prst="rect">
+            <a:avLst/>
+          </a:prstGeom>
+          <a:noFill/>
+        </p:spPr>
+        <p:txBody>
+          <a:bodyPr wrap="square" rtlCol="0">
+            <a:spAutoFit/>
+          </a:bodyPr>
+          <a:lstStyle/>
+          <a:p>
+            <a:r>
+              <a:rPr lang="en-US" sz="1400" dirty="0" smtClean="0">
+                <a:solidFill>
+                  <a:srgbClr val="C00000"/>
+                </a:solidFill>
+              </a:rPr>
+              <a:t>batch_size</a:t>
+            </a:r>
+            <a:endParaRPr lang="en-US" dirty="0">
+              <a:solidFill>
+                <a:srgbClr val="C00000"/>
+              </a:solidFill>
+            </a:endParaRPr>
+          </a:p>
+        </p:txBody>
+      </p:sp>
+      <p:cxnSp>
+        <p:nvCxnSpPr>
+          <p:cNvPr id="86" name="Straight Arrow Connector 85"/>
+          <p:cNvCxnSpPr>
+            <a:endCxn id="88" idx="1"/>
+          </p:cNvCxnSpPr>
+          <p:nvPr/>
+        </p:nvCxnSpPr>
+        <p:spPr>
+          <a:xfrm>
+            <a:off x="1373811" y="648962"/>
+            <a:ext cx="499555" cy="290389"/>
+          </a:xfrm>
+          <a:prstGeom prst="straightConnector1">
+            <a:avLst/>
+          </a:prstGeom>
+          <a:ln>
+            <a:tailEnd type="triangle"/>
+          </a:ln>
+        </p:spPr>
+        <p:style>
+          <a:lnRef idx="1">
+            <a:schemeClr val="accent1"/>
+          </a:lnRef>
+          <a:fillRef idx="0">
+            <a:schemeClr val="accent1"/>
+          </a:fillRef>
+          <a:effectRef idx="0">
+            <a:schemeClr val="accent1"/>
+          </a:effectRef>
+          <a:fontRef idx="minor">
+            <a:schemeClr val="tx1"/>
+          </a:fontRef>
+        </p:style>
+      </p:cxnSp>
+      <p:grpSp>
+        <p:nvGrpSpPr>
+          <p:cNvPr id="120" name="Group 119"/>
+          <p:cNvGrpSpPr/>
+          <p:nvPr/>
+        </p:nvGrpSpPr>
+        <p:grpSpPr>
+          <a:xfrm>
+            <a:off x="1873366" y="754685"/>
+            <a:ext cx="1526143" cy="1411192"/>
+            <a:chOff x="1915400" y="-223691"/>
+            <a:chExt cx="1526143" cy="1411192"/>
+          </a:xfrm>
+        </p:grpSpPr>
+        <p:grpSp>
+          <p:nvGrpSpPr>
+            <p:cNvPr id="87" name="Group 86"/>
+            <p:cNvGrpSpPr/>
+            <p:nvPr/>
+          </p:nvGrpSpPr>
+          <p:grpSpPr>
+            <a:xfrm>
+              <a:off x="1944709" y="108338"/>
+              <a:ext cx="1239596" cy="1079163"/>
+              <a:chOff x="1944709" y="108338"/>
+              <a:chExt cx="1239596" cy="1079163"/>
+            </a:xfrm>
+          </p:grpSpPr>
+          <p:sp>
+            <p:nvSpPr>
+              <p:cNvPr id="57" name="Rectangle 56"/>
+              <p:cNvSpPr/>
+              <p:nvPr/>
+            </p:nvSpPr>
+            <p:spPr>
+              <a:xfrm>
+                <a:off x="1944709" y="108338"/>
+                <a:ext cx="186744" cy="183524"/>
+              </a:xfrm>
+              <a:prstGeom prst="rect">
+                <a:avLst/>
+              </a:prstGeom>
+              <a:solidFill>
+                <a:schemeClr val="bg2"/>
+              </a:solidFill>
+            </p:spPr>
+            <p:style>
+              <a:lnRef idx="2">
+                <a:schemeClr val="accent1">
+                  <a:shade val="50000"/>
+                </a:schemeClr>
+              </a:lnRef>
+              <a:fillRef idx="1">
+                <a:schemeClr val="accent1"/>
+              </a:fillRef>
+              <a:effectRef idx="0">
+                <a:schemeClr val="accent1"/>
+              </a:effectRef>
+              <a:fontRef idx="minor">
+                <a:schemeClr val="lt1"/>
+              </a:fontRef>
+            </p:style>
+            <p:txBody>
+              <a:bodyPr rtlCol="0" anchor="ctr"/>
+              <a:lstStyle/>
+              <a:p>
+                <a:pPr algn="ctr"/>
+                <a:endParaRPr lang="en-US"/>
+              </a:p>
+            </p:txBody>
+          </p:sp>
+          <p:sp>
+            <p:nvSpPr>
+              <p:cNvPr id="58" name="Rectangle 57"/>
+              <p:cNvSpPr/>
+              <p:nvPr/>
+            </p:nvSpPr>
+            <p:spPr>
+              <a:xfrm>
+                <a:off x="2131453" y="108338"/>
+                <a:ext cx="186744" cy="183524"/>
+              </a:xfrm>
+              <a:prstGeom prst="rect">
+                <a:avLst/>
+              </a:prstGeom>
+              <a:solidFill>
+                <a:schemeClr val="bg2"/>
+              </a:solidFill>
+            </p:spPr>
+            <p:style>
+              <a:lnRef idx="2">
+                <a:schemeClr val="accent1">
+                  <a:shade val="50000"/>
+                </a:schemeClr>
+              </a:lnRef>
+              <a:fillRef idx="1">
+                <a:schemeClr val="accent1"/>
+              </a:fillRef>
+              <a:effectRef idx="0">
+                <a:schemeClr val="accent1"/>
+              </a:effectRef>
+              <a:fontRef idx="minor">
+                <a:schemeClr val="lt1"/>
+              </a:fontRef>
+            </p:style>
+            <p:txBody>
+              <a:bodyPr rtlCol="0" anchor="ctr"/>
+              <a:lstStyle/>
+              <a:p>
+                <a:pPr algn="ctr"/>
+                <a:endParaRPr lang="en-US"/>
+              </a:p>
+            </p:txBody>
+          </p:sp>
+          <p:sp>
+            <p:nvSpPr>
+              <p:cNvPr id="59" name="Rectangle 58"/>
+              <p:cNvSpPr/>
+              <p:nvPr/>
+            </p:nvSpPr>
+            <p:spPr>
+              <a:xfrm>
+                <a:off x="2324637" y="108338"/>
+                <a:ext cx="186744" cy="183524"/>
+              </a:xfrm>
+              <a:prstGeom prst="rect">
+                <a:avLst/>
+              </a:prstGeom>
+              <a:solidFill>
+                <a:schemeClr val="bg2"/>
+              </a:solidFill>
+            </p:spPr>
+            <p:style>
+              <a:lnRef idx="2">
+                <a:schemeClr val="accent1">
+                  <a:shade val="50000"/>
+                </a:schemeClr>
+              </a:lnRef>
+              <a:fillRef idx="1">
+                <a:schemeClr val="accent1"/>
+              </a:fillRef>
+              <a:effectRef idx="0">
+                <a:schemeClr val="accent1"/>
+              </a:effectRef>
+              <a:fontRef idx="minor">
+                <a:schemeClr val="lt1"/>
+              </a:fontRef>
+            </p:style>
+            <p:txBody>
+              <a:bodyPr rtlCol="0" anchor="ctr"/>
+              <a:lstStyle/>
+              <a:p>
+                <a:pPr algn="ctr"/>
+                <a:endParaRPr lang="en-US"/>
+              </a:p>
+            </p:txBody>
+          </p:sp>
+          <p:sp>
+            <p:nvSpPr>
+              <p:cNvPr id="60" name="Rectangle 59"/>
+              <p:cNvSpPr/>
+              <p:nvPr/>
+            </p:nvSpPr>
+            <p:spPr>
+              <a:xfrm>
+                <a:off x="2517821" y="110425"/>
+                <a:ext cx="206060" cy="181437"/>
+              </a:xfrm>
+              <a:prstGeom prst="rect">
+                <a:avLst/>
+              </a:prstGeom>
+              <a:solidFill>
+                <a:schemeClr val="bg2"/>
+              </a:solidFill>
+            </p:spPr>
+            <p:style>
+              <a:lnRef idx="2">
+                <a:schemeClr val="accent1">
+                  <a:shade val="50000"/>
+                </a:schemeClr>
+              </a:lnRef>
+              <a:fillRef idx="1">
+                <a:schemeClr val="accent1"/>
+              </a:fillRef>
+              <a:effectRef idx="0">
+                <a:schemeClr val="accent1"/>
+              </a:effectRef>
+              <a:fontRef idx="minor">
+                <a:schemeClr val="lt1"/>
+              </a:fontRef>
+            </p:style>
+            <p:txBody>
+              <a:bodyPr rtlCol="0" anchor="ctr"/>
+              <a:lstStyle/>
+              <a:p>
+                <a:pPr algn="ctr"/>
+                <a:endParaRPr lang="en-US"/>
+              </a:p>
+            </p:txBody>
+          </p:sp>
+          <p:sp>
+            <p:nvSpPr>
+              <p:cNvPr id="61" name="Rectangle 60"/>
+              <p:cNvSpPr/>
+              <p:nvPr/>
+            </p:nvSpPr>
+            <p:spPr>
+              <a:xfrm>
+                <a:off x="2997561" y="108338"/>
+                <a:ext cx="186744" cy="183524"/>
+              </a:xfrm>
+              <a:prstGeom prst="rect">
+                <a:avLst/>
+              </a:prstGeom>
+              <a:solidFill>
+                <a:schemeClr val="bg2"/>
+              </a:solidFill>
+            </p:spPr>
+            <p:style>
+              <a:lnRef idx="2">
+                <a:schemeClr val="accent1">
+                  <a:shade val="50000"/>
+                </a:schemeClr>
+              </a:lnRef>
+              <a:fillRef idx="1">
+                <a:schemeClr val="accent1"/>
+              </a:fillRef>
+              <a:effectRef idx="0">
+                <a:schemeClr val="accent1"/>
+              </a:effectRef>
+              <a:fontRef idx="minor">
+                <a:schemeClr val="lt1"/>
+              </a:fontRef>
+            </p:style>
+            <p:txBody>
+              <a:bodyPr rtlCol="0" anchor="ctr"/>
+              <a:lstStyle/>
+              <a:p>
+                <a:pPr algn="ctr"/>
+                <a:endParaRPr lang="en-US"/>
+              </a:p>
+            </p:txBody>
+          </p:sp>
+          <p:sp>
+            <p:nvSpPr>
+              <p:cNvPr id="62" name="Rectangle 61"/>
+              <p:cNvSpPr/>
+              <p:nvPr/>
+            </p:nvSpPr>
+            <p:spPr>
+              <a:xfrm>
+                <a:off x="1944709" y="291862"/>
+                <a:ext cx="186744" cy="183524"/>
+              </a:xfrm>
+              <a:prstGeom prst="rect">
+                <a:avLst/>
+              </a:prstGeom>
+              <a:solidFill>
+                <a:schemeClr val="bg2"/>
+              </a:solidFill>
+            </p:spPr>
+            <p:style>
+              <a:lnRef idx="2">
+                <a:schemeClr val="accent1">
+                  <a:shade val="50000"/>
+                </a:schemeClr>
+              </a:lnRef>
+              <a:fillRef idx="1">
+                <a:schemeClr val="accent1"/>
+              </a:fillRef>
+              <a:effectRef idx="0">
+                <a:schemeClr val="accent1"/>
+              </a:effectRef>
+              <a:fontRef idx="minor">
+                <a:schemeClr val="lt1"/>
+              </a:fontRef>
+            </p:style>
+            <p:txBody>
+              <a:bodyPr rtlCol="0" anchor="ctr"/>
+              <a:lstStyle/>
+              <a:p>
+                <a:pPr algn="ctr"/>
+                <a:endParaRPr lang="en-US"/>
+              </a:p>
+            </p:txBody>
+          </p:sp>
+          <p:sp>
+            <p:nvSpPr>
+              <p:cNvPr id="63" name="Rectangle 62"/>
+              <p:cNvSpPr/>
+              <p:nvPr/>
+            </p:nvSpPr>
+            <p:spPr>
+              <a:xfrm>
+                <a:off x="2131453" y="291862"/>
+                <a:ext cx="186744" cy="183524"/>
+              </a:xfrm>
+              <a:prstGeom prst="rect">
+                <a:avLst/>
+              </a:prstGeom>
+              <a:solidFill>
+                <a:schemeClr val="bg2"/>
+              </a:solidFill>
+            </p:spPr>
+            <p:style>
+              <a:lnRef idx="2">
+                <a:schemeClr val="accent1">
+                  <a:shade val="50000"/>
+                </a:schemeClr>
+              </a:lnRef>
+              <a:fillRef idx="1">
+                <a:schemeClr val="accent1"/>
+              </a:fillRef>
+              <a:effectRef idx="0">
+                <a:schemeClr val="accent1"/>
+              </a:effectRef>
+              <a:fontRef idx="minor">
+                <a:schemeClr val="lt1"/>
+              </a:fontRef>
+            </p:style>
+            <p:txBody>
+              <a:bodyPr rtlCol="0" anchor="ctr"/>
+              <a:lstStyle/>
+              <a:p>
+                <a:pPr algn="ctr"/>
+                <a:endParaRPr lang="en-US"/>
+              </a:p>
+            </p:txBody>
+          </p:sp>
+          <p:sp>
+            <p:nvSpPr>
+              <p:cNvPr id="64" name="Rectangle 63"/>
+              <p:cNvSpPr/>
+              <p:nvPr/>
+            </p:nvSpPr>
+            <p:spPr>
+              <a:xfrm>
+                <a:off x="2324637" y="291862"/>
+                <a:ext cx="186744" cy="183524"/>
+              </a:xfrm>
+              <a:prstGeom prst="rect">
+                <a:avLst/>
+              </a:prstGeom>
+              <a:solidFill>
+                <a:schemeClr val="bg2"/>
+              </a:solidFill>
+            </p:spPr>
+            <p:style>
+              <a:lnRef idx="2">
+                <a:schemeClr val="accent1">
+                  <a:shade val="50000"/>
+                </a:schemeClr>
+              </a:lnRef>
+              <a:fillRef idx="1">
+                <a:schemeClr val="accent1"/>
+              </a:fillRef>
+              <a:effectRef idx="0">
+                <a:schemeClr val="accent1"/>
+              </a:effectRef>
+              <a:fontRef idx="minor">
+                <a:schemeClr val="lt1"/>
+              </a:fontRef>
+            </p:style>
+            <p:txBody>
+              <a:bodyPr rtlCol="0" anchor="ctr"/>
+              <a:lstStyle/>
+              <a:p>
+                <a:pPr algn="ctr"/>
+                <a:endParaRPr lang="en-US"/>
+              </a:p>
+            </p:txBody>
+          </p:sp>
+          <p:sp>
+            <p:nvSpPr>
+              <p:cNvPr id="65" name="Rectangle 64"/>
+              <p:cNvSpPr/>
+              <p:nvPr/>
+            </p:nvSpPr>
+            <p:spPr>
+              <a:xfrm>
+                <a:off x="2517821" y="293949"/>
+                <a:ext cx="206060" cy="181437"/>
+              </a:xfrm>
+              <a:prstGeom prst="rect">
+                <a:avLst/>
+              </a:prstGeom>
+              <a:solidFill>
+                <a:schemeClr val="bg2"/>
+              </a:solidFill>
+            </p:spPr>
+            <p:style>
+              <a:lnRef idx="2">
+                <a:schemeClr val="accent1">
+                  <a:shade val="50000"/>
+                </a:schemeClr>
+              </a:lnRef>
+              <a:fillRef idx="1">
+                <a:schemeClr val="accent1"/>
+              </a:fillRef>
+              <a:effectRef idx="0">
+                <a:schemeClr val="accent1"/>
+              </a:effectRef>
+              <a:fontRef idx="minor">
+                <a:schemeClr val="lt1"/>
+              </a:fontRef>
+            </p:style>
+            <p:txBody>
+              <a:bodyPr rtlCol="0" anchor="ctr"/>
+              <a:lstStyle/>
+              <a:p>
+                <a:pPr algn="ctr"/>
+                <a:endParaRPr lang="en-US"/>
+              </a:p>
+            </p:txBody>
+          </p:sp>
+          <p:sp>
+            <p:nvSpPr>
+              <p:cNvPr id="66" name="Rectangle 65"/>
+              <p:cNvSpPr/>
+              <p:nvPr/>
+            </p:nvSpPr>
+            <p:spPr>
+              <a:xfrm>
+                <a:off x="2997561" y="291862"/>
+                <a:ext cx="186744" cy="183524"/>
+              </a:xfrm>
+              <a:prstGeom prst="rect">
+                <a:avLst/>
+              </a:prstGeom>
+              <a:solidFill>
+                <a:schemeClr val="bg2"/>
+              </a:solidFill>
+            </p:spPr>
+            <p:style>
+              <a:lnRef idx="2">
+                <a:schemeClr val="accent1">
+                  <a:shade val="50000"/>
+                </a:schemeClr>
+              </a:lnRef>
+              <a:fillRef idx="1">
+                <a:schemeClr val="accent1"/>
+              </a:fillRef>
+              <a:effectRef idx="0">
+                <a:schemeClr val="accent1"/>
+              </a:effectRef>
+              <a:fontRef idx="minor">
+                <a:schemeClr val="lt1"/>
+              </a:fontRef>
+            </p:style>
+            <p:txBody>
+              <a:bodyPr rtlCol="0" anchor="ctr"/>
+              <a:lstStyle/>
+              <a:p>
+                <a:pPr algn="ctr"/>
+                <a:endParaRPr lang="en-US"/>
+              </a:p>
+            </p:txBody>
+          </p:sp>
+          <p:sp>
+            <p:nvSpPr>
+              <p:cNvPr id="67" name="Rectangle 66"/>
+              <p:cNvSpPr/>
+              <p:nvPr/>
+            </p:nvSpPr>
+            <p:spPr>
+              <a:xfrm>
+                <a:off x="1944709" y="473299"/>
+                <a:ext cx="186744" cy="183524"/>
+              </a:xfrm>
+              <a:prstGeom prst="rect">
+                <a:avLst/>
+              </a:prstGeom>
+              <a:solidFill>
+                <a:schemeClr val="bg2"/>
+              </a:solidFill>
+            </p:spPr>
+            <p:style>
+              <a:lnRef idx="2">
+                <a:schemeClr val="accent1">
+                  <a:shade val="50000"/>
+                </a:schemeClr>
+              </a:lnRef>
+              <a:fillRef idx="1">
+                <a:schemeClr val="accent1"/>
+              </a:fillRef>
+              <a:effectRef idx="0">
+                <a:schemeClr val="accent1"/>
+              </a:effectRef>
+              <a:fontRef idx="minor">
+                <a:schemeClr val="lt1"/>
+              </a:fontRef>
+            </p:style>
+            <p:txBody>
+              <a:bodyPr rtlCol="0" anchor="ctr"/>
+              <a:lstStyle/>
+              <a:p>
+                <a:pPr algn="ctr"/>
+                <a:endParaRPr lang="en-US"/>
+              </a:p>
+            </p:txBody>
+          </p:sp>
+          <p:sp>
+            <p:nvSpPr>
+              <p:cNvPr id="68" name="Rectangle 67"/>
+              <p:cNvSpPr/>
+              <p:nvPr/>
+            </p:nvSpPr>
+            <p:spPr>
+              <a:xfrm>
+                <a:off x="2131453" y="473299"/>
+                <a:ext cx="186744" cy="183524"/>
+              </a:xfrm>
+              <a:prstGeom prst="rect">
+                <a:avLst/>
+              </a:prstGeom>
+              <a:solidFill>
+                <a:schemeClr val="bg2"/>
+              </a:solidFill>
+            </p:spPr>
+            <p:style>
+              <a:lnRef idx="2">
+                <a:schemeClr val="accent1">
+                  <a:shade val="50000"/>
+                </a:schemeClr>
+              </a:lnRef>
+              <a:fillRef idx="1">
+                <a:schemeClr val="accent1"/>
+              </a:fillRef>
+              <a:effectRef idx="0">
+                <a:schemeClr val="accent1"/>
+              </a:effectRef>
+              <a:fontRef idx="minor">
+                <a:schemeClr val="lt1"/>
+              </a:fontRef>
+            </p:style>
+            <p:txBody>
+              <a:bodyPr rtlCol="0" anchor="ctr"/>
+              <a:lstStyle/>
+              <a:p>
+                <a:pPr algn="ctr"/>
+                <a:endParaRPr lang="en-US"/>
+              </a:p>
+            </p:txBody>
+          </p:sp>
+          <p:sp>
+            <p:nvSpPr>
+              <p:cNvPr id="69" name="Rectangle 68"/>
+              <p:cNvSpPr/>
+              <p:nvPr/>
+            </p:nvSpPr>
+            <p:spPr>
+              <a:xfrm>
+                <a:off x="2324637" y="473299"/>
+                <a:ext cx="186744" cy="183524"/>
+              </a:xfrm>
+              <a:prstGeom prst="rect">
+                <a:avLst/>
+              </a:prstGeom>
+              <a:solidFill>
+                <a:schemeClr val="bg2"/>
+              </a:solidFill>
+            </p:spPr>
+            <p:style>
+              <a:lnRef idx="2">
+                <a:schemeClr val="accent1">
+                  <a:shade val="50000"/>
+                </a:schemeClr>
+              </a:lnRef>
+              <a:fillRef idx="1">
+                <a:schemeClr val="accent1"/>
+              </a:fillRef>
+              <a:effectRef idx="0">
+                <a:schemeClr val="accent1"/>
+              </a:effectRef>
+              <a:fontRef idx="minor">
+                <a:schemeClr val="lt1"/>
+              </a:fontRef>
+            </p:style>
+            <p:txBody>
+              <a:bodyPr rtlCol="0" anchor="ctr"/>
+              <a:lstStyle/>
+              <a:p>
+                <a:pPr algn="ctr"/>
+                <a:endParaRPr lang="en-US"/>
+              </a:p>
+            </p:txBody>
+          </p:sp>
+          <p:sp>
+            <p:nvSpPr>
+              <p:cNvPr id="70" name="Rectangle 69"/>
+              <p:cNvSpPr/>
+              <p:nvPr/>
+            </p:nvSpPr>
+            <p:spPr>
+              <a:xfrm>
+                <a:off x="2517821" y="475386"/>
+                <a:ext cx="206060" cy="181437"/>
+              </a:xfrm>
+              <a:prstGeom prst="rect">
+                <a:avLst/>
+              </a:prstGeom>
+              <a:solidFill>
+                <a:schemeClr val="bg2"/>
+              </a:solidFill>
+            </p:spPr>
+            <p:style>
+              <a:lnRef idx="2">
+                <a:schemeClr val="accent1">
+                  <a:shade val="50000"/>
+                </a:schemeClr>
+              </a:lnRef>
+              <a:fillRef idx="1">
+                <a:schemeClr val="accent1"/>
+              </a:fillRef>
+              <a:effectRef idx="0">
+                <a:schemeClr val="accent1"/>
+              </a:effectRef>
+              <a:fontRef idx="minor">
+                <a:schemeClr val="lt1"/>
+              </a:fontRef>
+            </p:style>
+            <p:txBody>
+              <a:bodyPr rtlCol="0" anchor="ctr"/>
+              <a:lstStyle/>
+              <a:p>
+                <a:pPr algn="ctr"/>
+                <a:endParaRPr lang="en-US"/>
+              </a:p>
+            </p:txBody>
+          </p:sp>
+          <p:sp>
+            <p:nvSpPr>
+              <p:cNvPr id="71" name="Rectangle 70"/>
+              <p:cNvSpPr/>
+              <p:nvPr/>
+            </p:nvSpPr>
+            <p:spPr>
+              <a:xfrm>
+                <a:off x="2997561" y="473299"/>
+                <a:ext cx="186744" cy="183524"/>
+              </a:xfrm>
+              <a:prstGeom prst="rect">
+                <a:avLst/>
+              </a:prstGeom>
+              <a:solidFill>
+                <a:schemeClr val="bg2"/>
+              </a:solidFill>
+            </p:spPr>
+            <p:style>
+              <a:lnRef idx="2">
+                <a:schemeClr val="accent1">
+                  <a:shade val="50000"/>
+                </a:schemeClr>
+              </a:lnRef>
+              <a:fillRef idx="1">
+                <a:schemeClr val="accent1"/>
+              </a:fillRef>
+              <a:effectRef idx="0">
+                <a:schemeClr val="accent1"/>
+              </a:effectRef>
+              <a:fontRef idx="minor">
+                <a:schemeClr val="lt1"/>
+              </a:fontRef>
+            </p:style>
+            <p:txBody>
+              <a:bodyPr rtlCol="0" anchor="ctr"/>
+              <a:lstStyle/>
+              <a:p>
+                <a:pPr algn="ctr"/>
+                <a:endParaRPr lang="en-US"/>
+              </a:p>
+            </p:txBody>
+          </p:sp>
+          <p:sp>
+            <p:nvSpPr>
+              <p:cNvPr id="72" name="Rectangle 71"/>
+              <p:cNvSpPr/>
+              <p:nvPr/>
+            </p:nvSpPr>
+            <p:spPr>
+              <a:xfrm>
+                <a:off x="1944709" y="656823"/>
+                <a:ext cx="186744" cy="183524"/>
+              </a:xfrm>
+              <a:prstGeom prst="rect">
+                <a:avLst/>
+              </a:prstGeom>
+              <a:solidFill>
+                <a:schemeClr val="bg2"/>
+              </a:solidFill>
+            </p:spPr>
+            <p:style>
+              <a:lnRef idx="2">
+                <a:schemeClr val="accent1">
+                  <a:shade val="50000"/>
+                </a:schemeClr>
+              </a:lnRef>
+              <a:fillRef idx="1">
+                <a:schemeClr val="accent1"/>
+              </a:fillRef>
+              <a:effectRef idx="0">
+                <a:schemeClr val="accent1"/>
+              </a:effectRef>
+              <a:fontRef idx="minor">
+                <a:schemeClr val="lt1"/>
+              </a:fontRef>
+            </p:style>
+            <p:txBody>
+              <a:bodyPr rtlCol="0" anchor="ctr"/>
+              <a:lstStyle/>
+              <a:p>
+                <a:pPr algn="ctr"/>
+                <a:endParaRPr lang="en-US"/>
+              </a:p>
+            </p:txBody>
+          </p:sp>
+          <p:sp>
+            <p:nvSpPr>
+              <p:cNvPr id="73" name="Rectangle 72"/>
+              <p:cNvSpPr/>
+              <p:nvPr/>
+            </p:nvSpPr>
+            <p:spPr>
+              <a:xfrm>
+                <a:off x="2131453" y="656823"/>
+                <a:ext cx="186744" cy="183524"/>
+              </a:xfrm>
+              <a:prstGeom prst="rect">
+                <a:avLst/>
+              </a:prstGeom>
+              <a:solidFill>
+                <a:schemeClr val="bg2"/>
+              </a:solidFill>
+            </p:spPr>
+            <p:style>
+              <a:lnRef idx="2">
+                <a:schemeClr val="accent1">
+                  <a:shade val="50000"/>
+                </a:schemeClr>
+              </a:lnRef>
+              <a:fillRef idx="1">
+                <a:schemeClr val="accent1"/>
+              </a:fillRef>
+              <a:effectRef idx="0">
+                <a:schemeClr val="accent1"/>
+              </a:effectRef>
+              <a:fontRef idx="minor">
+                <a:schemeClr val="lt1"/>
+              </a:fontRef>
+            </p:style>
+            <p:txBody>
+              <a:bodyPr rtlCol="0" anchor="ctr"/>
+              <a:lstStyle/>
+              <a:p>
+                <a:pPr algn="ctr"/>
+                <a:endParaRPr lang="en-US"/>
+              </a:p>
+            </p:txBody>
+          </p:sp>
+          <p:sp>
+            <p:nvSpPr>
+              <p:cNvPr id="74" name="Rectangle 73"/>
+              <p:cNvSpPr/>
+              <p:nvPr/>
+            </p:nvSpPr>
+            <p:spPr>
+              <a:xfrm>
+                <a:off x="2324637" y="656823"/>
+                <a:ext cx="186744" cy="183524"/>
+              </a:xfrm>
+              <a:prstGeom prst="rect">
+                <a:avLst/>
+              </a:prstGeom>
+              <a:solidFill>
+                <a:schemeClr val="bg2"/>
+              </a:solidFill>
+            </p:spPr>
+            <p:style>
+              <a:lnRef idx="2">
+                <a:schemeClr val="accent1">
+                  <a:shade val="50000"/>
+                </a:schemeClr>
+              </a:lnRef>
+              <a:fillRef idx="1">
+                <a:schemeClr val="accent1"/>
+              </a:fillRef>
+              <a:effectRef idx="0">
+                <a:schemeClr val="accent1"/>
+              </a:effectRef>
+              <a:fontRef idx="minor">
+                <a:schemeClr val="lt1"/>
+              </a:fontRef>
+            </p:style>
+            <p:txBody>
+              <a:bodyPr rtlCol="0" anchor="ctr"/>
+              <a:lstStyle/>
+              <a:p>
+                <a:pPr algn="ctr"/>
+                <a:endParaRPr lang="en-US"/>
+              </a:p>
+            </p:txBody>
+          </p:sp>
+          <p:sp>
+            <p:nvSpPr>
+              <p:cNvPr id="75" name="Rectangle 74"/>
+              <p:cNvSpPr/>
+              <p:nvPr/>
+            </p:nvSpPr>
+            <p:spPr>
+              <a:xfrm>
+                <a:off x="2517821" y="658910"/>
+                <a:ext cx="206060" cy="181437"/>
+              </a:xfrm>
+              <a:prstGeom prst="rect">
+                <a:avLst/>
+              </a:prstGeom>
+              <a:solidFill>
+                <a:schemeClr val="bg2"/>
+              </a:solidFill>
+            </p:spPr>
+            <p:style>
+              <a:lnRef idx="2">
+                <a:schemeClr val="accent1">
+                  <a:shade val="50000"/>
+                </a:schemeClr>
+              </a:lnRef>
+              <a:fillRef idx="1">
+                <a:schemeClr val="accent1"/>
+              </a:fillRef>
+              <a:effectRef idx="0">
+                <a:schemeClr val="accent1"/>
+              </a:effectRef>
+              <a:fontRef idx="minor">
+                <a:schemeClr val="lt1"/>
+              </a:fontRef>
+            </p:style>
+            <p:txBody>
+              <a:bodyPr rtlCol="0" anchor="ctr"/>
+              <a:lstStyle/>
+              <a:p>
+                <a:pPr algn="ctr"/>
+                <a:endParaRPr lang="en-US"/>
+              </a:p>
+            </p:txBody>
+          </p:sp>
+          <p:sp>
+            <p:nvSpPr>
+              <p:cNvPr id="76" name="Rectangle 75"/>
+              <p:cNvSpPr/>
+              <p:nvPr/>
+            </p:nvSpPr>
+            <p:spPr>
+              <a:xfrm>
+                <a:off x="2997561" y="656823"/>
+                <a:ext cx="186744" cy="183524"/>
+              </a:xfrm>
+              <a:prstGeom prst="rect">
+                <a:avLst/>
+              </a:prstGeom>
+              <a:solidFill>
+                <a:schemeClr val="bg2"/>
+              </a:solidFill>
+            </p:spPr>
+            <p:style>
+              <a:lnRef idx="2">
+                <a:schemeClr val="accent1">
+                  <a:shade val="50000"/>
+                </a:schemeClr>
+              </a:lnRef>
+              <a:fillRef idx="1">
+                <a:schemeClr val="accent1"/>
+              </a:fillRef>
+              <a:effectRef idx="0">
+                <a:schemeClr val="accent1"/>
+              </a:effectRef>
+              <a:fontRef idx="minor">
+                <a:schemeClr val="lt1"/>
+              </a:fontRef>
+            </p:style>
+            <p:txBody>
+              <a:bodyPr rtlCol="0" anchor="ctr"/>
+              <a:lstStyle/>
+              <a:p>
+                <a:pPr algn="ctr"/>
+                <a:endParaRPr lang="en-US"/>
+              </a:p>
+            </p:txBody>
+          </p:sp>
+          <p:sp>
+            <p:nvSpPr>
+              <p:cNvPr id="77" name="TextBox 76"/>
+              <p:cNvSpPr txBox="1"/>
+              <p:nvPr/>
+            </p:nvSpPr>
+            <p:spPr>
+              <a:xfrm>
+                <a:off x="2770830" y="212862"/>
+                <a:ext cx="75400" cy="369332"/>
+              </a:xfrm>
+              <a:prstGeom prst="rect">
+                <a:avLst/>
+              </a:prstGeom>
+              <a:solidFill>
+                <a:schemeClr val="bg1"/>
+              </a:solidFill>
+            </p:spPr>
+            <p:txBody>
+              <a:bodyPr wrap="square" rtlCol="0">
+                <a:spAutoFit/>
+              </a:bodyPr>
+              <a:lstStyle/>
+              <a:p>
+                <a:r>
+                  <a:rPr lang="en-US" dirty="0" smtClean="0"/>
+                  <a:t>…</a:t>
+                </a:r>
+                <a:endParaRPr lang="en-US" dirty="0"/>
+              </a:p>
+            </p:txBody>
+          </p:sp>
+          <p:sp>
+            <p:nvSpPr>
+              <p:cNvPr id="78" name="Rectangle 77"/>
+              <p:cNvSpPr/>
+              <p:nvPr/>
+            </p:nvSpPr>
+            <p:spPr>
+              <a:xfrm>
+                <a:off x="1944709" y="1003977"/>
+                <a:ext cx="186744" cy="183524"/>
+              </a:xfrm>
+              <a:prstGeom prst="rect">
+                <a:avLst/>
+              </a:prstGeom>
+              <a:solidFill>
+                <a:schemeClr val="bg2"/>
+              </a:solidFill>
+            </p:spPr>
+            <p:style>
+              <a:lnRef idx="2">
+                <a:schemeClr val="accent1">
+                  <a:shade val="50000"/>
+                </a:schemeClr>
+              </a:lnRef>
+              <a:fillRef idx="1">
+                <a:schemeClr val="accent1"/>
+              </a:fillRef>
+              <a:effectRef idx="0">
+                <a:schemeClr val="accent1"/>
+              </a:effectRef>
+              <a:fontRef idx="minor">
+                <a:schemeClr val="lt1"/>
+              </a:fontRef>
+            </p:style>
+            <p:txBody>
+              <a:bodyPr rtlCol="0" anchor="ctr"/>
+              <a:lstStyle/>
+              <a:p>
+                <a:pPr algn="ctr"/>
+                <a:endParaRPr lang="en-US"/>
+              </a:p>
+            </p:txBody>
+          </p:sp>
+          <p:sp>
+            <p:nvSpPr>
+              <p:cNvPr id="79" name="Rectangle 78"/>
+              <p:cNvSpPr/>
+              <p:nvPr/>
+            </p:nvSpPr>
+            <p:spPr>
+              <a:xfrm>
+                <a:off x="2137893" y="1003977"/>
+                <a:ext cx="186744" cy="183524"/>
+              </a:xfrm>
+              <a:prstGeom prst="rect">
+                <a:avLst/>
+              </a:prstGeom>
+              <a:solidFill>
+                <a:schemeClr val="bg2"/>
+              </a:solidFill>
+            </p:spPr>
+            <p:style>
+              <a:lnRef idx="2">
+                <a:schemeClr val="accent1">
+                  <a:shade val="50000"/>
+                </a:schemeClr>
+              </a:lnRef>
+              <a:fillRef idx="1">
+                <a:schemeClr val="accent1"/>
+              </a:fillRef>
+              <a:effectRef idx="0">
+                <a:schemeClr val="accent1"/>
+              </a:effectRef>
+              <a:fontRef idx="minor">
+                <a:schemeClr val="lt1"/>
+              </a:fontRef>
+            </p:style>
+            <p:txBody>
+              <a:bodyPr rtlCol="0" anchor="ctr"/>
+              <a:lstStyle/>
+              <a:p>
+                <a:pPr algn="ctr"/>
+                <a:endParaRPr lang="en-US"/>
+              </a:p>
+            </p:txBody>
+          </p:sp>
+          <p:sp>
+            <p:nvSpPr>
+              <p:cNvPr id="80" name="Rectangle 79"/>
+              <p:cNvSpPr/>
+              <p:nvPr/>
+            </p:nvSpPr>
+            <p:spPr>
+              <a:xfrm>
+                <a:off x="2324637" y="1003977"/>
+                <a:ext cx="186744" cy="183524"/>
+              </a:xfrm>
+              <a:prstGeom prst="rect">
+                <a:avLst/>
+              </a:prstGeom>
+              <a:solidFill>
+                <a:schemeClr val="bg2"/>
+              </a:solidFill>
+            </p:spPr>
+            <p:style>
+              <a:lnRef idx="2">
+                <a:schemeClr val="accent1">
+                  <a:shade val="50000"/>
+                </a:schemeClr>
+              </a:lnRef>
+              <a:fillRef idx="1">
+                <a:schemeClr val="accent1"/>
+              </a:fillRef>
+              <a:effectRef idx="0">
+                <a:schemeClr val="accent1"/>
+              </a:effectRef>
+              <a:fontRef idx="minor">
+                <a:schemeClr val="lt1"/>
+              </a:fontRef>
+            </p:style>
+            <p:txBody>
+              <a:bodyPr rtlCol="0" anchor="ctr"/>
+              <a:lstStyle/>
+              <a:p>
+                <a:pPr algn="ctr"/>
+                <a:endParaRPr lang="en-US"/>
+              </a:p>
+            </p:txBody>
+          </p:sp>
+          <p:sp>
+            <p:nvSpPr>
+              <p:cNvPr id="81" name="Rectangle 80"/>
+              <p:cNvSpPr/>
+              <p:nvPr/>
+            </p:nvSpPr>
+            <p:spPr>
+              <a:xfrm>
+                <a:off x="2517821" y="1003977"/>
+                <a:ext cx="186744" cy="183524"/>
+              </a:xfrm>
+              <a:prstGeom prst="rect">
+                <a:avLst/>
+              </a:prstGeom>
+              <a:solidFill>
+                <a:schemeClr val="bg2"/>
+              </a:solidFill>
+            </p:spPr>
+            <p:style>
+              <a:lnRef idx="2">
+                <a:schemeClr val="accent1">
+                  <a:shade val="50000"/>
+                </a:schemeClr>
+              </a:lnRef>
+              <a:fillRef idx="1">
+                <a:schemeClr val="accent1"/>
+              </a:fillRef>
+              <a:effectRef idx="0">
+                <a:schemeClr val="accent1"/>
+              </a:effectRef>
+              <a:fontRef idx="minor">
+                <a:schemeClr val="lt1"/>
+              </a:fontRef>
+            </p:style>
+            <p:txBody>
+              <a:bodyPr rtlCol="0" anchor="ctr"/>
+              <a:lstStyle/>
+              <a:p>
+                <a:pPr algn="ctr"/>
+                <a:endParaRPr lang="en-US"/>
+              </a:p>
+            </p:txBody>
+          </p:sp>
+          <p:sp>
+            <p:nvSpPr>
+              <p:cNvPr id="82" name="Rectangle 81"/>
+              <p:cNvSpPr/>
+              <p:nvPr/>
+            </p:nvSpPr>
+            <p:spPr>
+              <a:xfrm>
+                <a:off x="2997561" y="998456"/>
+                <a:ext cx="186744" cy="183524"/>
+              </a:xfrm>
+              <a:prstGeom prst="rect">
+                <a:avLst/>
+              </a:prstGeom>
+              <a:solidFill>
+                <a:schemeClr val="bg2"/>
+              </a:solidFill>
+            </p:spPr>
+            <p:style>
+              <a:lnRef idx="2">
+                <a:schemeClr val="accent1">
+                  <a:shade val="50000"/>
+                </a:schemeClr>
+              </a:lnRef>
+              <a:fillRef idx="1">
+                <a:schemeClr val="accent1"/>
+              </a:fillRef>
+              <a:effectRef idx="0">
+                <a:schemeClr val="accent1"/>
+              </a:effectRef>
+              <a:fontRef idx="minor">
+                <a:schemeClr val="lt1"/>
+              </a:fontRef>
+            </p:style>
+            <p:txBody>
+              <a:bodyPr rtlCol="0" anchor="ctr"/>
+              <a:lstStyle/>
+              <a:p>
+                <a:pPr algn="ctr"/>
+                <a:endParaRPr lang="en-US"/>
+              </a:p>
+            </p:txBody>
+          </p:sp>
+          <p:sp>
+            <p:nvSpPr>
+              <p:cNvPr id="84" name="TextBox 83"/>
+              <p:cNvSpPr txBox="1"/>
+              <p:nvPr/>
+            </p:nvSpPr>
+            <p:spPr>
+              <a:xfrm>
+                <a:off x="2770830" y="812648"/>
+                <a:ext cx="62524" cy="369332"/>
+              </a:xfrm>
+              <a:prstGeom prst="rect">
+                <a:avLst/>
+              </a:prstGeom>
+              <a:solidFill>
+                <a:schemeClr val="bg1"/>
+              </a:solidFill>
+            </p:spPr>
+            <p:txBody>
+              <a:bodyPr wrap="square" rtlCol="0">
+                <a:spAutoFit/>
+              </a:bodyPr>
+              <a:lstStyle/>
+              <a:p>
+                <a:r>
+                  <a:rPr lang="en-US" dirty="0" smtClean="0"/>
+                  <a:t>…</a:t>
+                </a:r>
+                <a:endParaRPr lang="en-US" dirty="0"/>
+              </a:p>
+            </p:txBody>
+          </p:sp>
+        </p:grpSp>
+        <p:sp>
+          <p:nvSpPr>
+            <p:cNvPr id="88" name="TextBox 87"/>
+            <p:cNvSpPr txBox="1"/>
+            <p:nvPr/>
+          </p:nvSpPr>
+          <p:spPr>
+            <a:xfrm>
+              <a:off x="1915400" y="-223691"/>
+              <a:ext cx="1526143" cy="369332"/>
+            </a:xfrm>
+            <a:prstGeom prst="rect">
+              <a:avLst/>
+            </a:prstGeom>
+            <a:noFill/>
+          </p:spPr>
+          <p:txBody>
+            <a:bodyPr wrap="square" rtlCol="0">
+              <a:spAutoFit/>
+            </a:bodyPr>
+            <a:lstStyle/>
+            <a:p>
+              <a:r>
+                <a:rPr lang="en-US" dirty="0">
+                  <a:solidFill>
+                    <a:srgbClr val="C00000"/>
+                  </a:solidFill>
+                </a:rPr>
+                <a:t>n_input </a:t>
+              </a:r>
+              <a:r>
+                <a:rPr lang="en-US" dirty="0" smtClean="0">
+                  <a:solidFill>
+                    <a:schemeClr val="accent1">
+                      <a:lumMod val="75000"/>
+                    </a:schemeClr>
+                  </a:solidFill>
+                </a:rPr>
+                <a:t>= 784</a:t>
+              </a:r>
+              <a:endParaRPr lang="en-US" dirty="0">
+                <a:solidFill>
+                  <a:schemeClr val="accent1">
+                    <a:lumMod val="75000"/>
+                  </a:schemeClr>
+                </a:solidFill>
+              </a:endParaRPr>
+            </a:p>
+          </p:txBody>
+        </p:sp>
+      </p:grpSp>
+      <p:sp>
+        <p:nvSpPr>
+          <p:cNvPr id="89" name="TextBox 88"/>
+          <p:cNvSpPr txBox="1"/>
+          <p:nvPr/>
+        </p:nvSpPr>
+        <p:spPr>
+          <a:xfrm>
+            <a:off x="529380" y="6475790"/>
+            <a:ext cx="1982001" cy="369332"/>
+          </a:xfrm>
+          <a:prstGeom prst="rect">
+            <a:avLst/>
+          </a:prstGeom>
+          <a:noFill/>
+        </p:spPr>
+        <p:txBody>
+          <a:bodyPr wrap="square" rtlCol="0">
+            <a:spAutoFit/>
+          </a:bodyPr>
+          <a:lstStyle/>
+          <a:p>
+            <a:r>
+              <a:rPr lang="en-US" dirty="0" smtClean="0">
+                <a:solidFill>
+                  <a:srgbClr val="C00000"/>
+                </a:solidFill>
+              </a:rPr>
+              <a:t>n_samples </a:t>
+            </a:r>
+            <a:r>
+              <a:rPr lang="en-US" dirty="0" smtClean="0">
+                <a:solidFill>
+                  <a:schemeClr val="accent1">
+                    <a:lumMod val="75000"/>
+                  </a:schemeClr>
+                </a:solidFill>
+              </a:rPr>
+              <a:t>= 55000</a:t>
+            </a:r>
+            <a:endParaRPr lang="en-US" dirty="0">
+              <a:solidFill>
+                <a:schemeClr val="accent1">
+                  <a:lumMod val="75000"/>
+                </a:schemeClr>
+              </a:solidFill>
+            </a:endParaRPr>
+          </a:p>
+        </p:txBody>
+      </p:sp>
+      <p:sp>
+        <p:nvSpPr>
+          <p:cNvPr id="90" name="Isosceles Triangle 89"/>
+          <p:cNvSpPr/>
+          <p:nvPr/>
+        </p:nvSpPr>
+        <p:spPr>
+          <a:xfrm>
+            <a:off x="3374257" y="3563102"/>
+            <a:ext cx="309093" cy="288770"/>
+          </a:xfrm>
+          <a:prstGeom prst="triangle">
+            <a:avLst/>
+          </a:prstGeom>
+          <a:solidFill>
+            <a:schemeClr val="accent2">
+              <a:lumMod val="20000"/>
+              <a:lumOff val="80000"/>
+            </a:schemeClr>
+          </a:solidFill>
+          <a:ln>
+            <a:solidFill>
+              <a:schemeClr val="accent2">
+                <a:lumMod val="60000"/>
+                <a:lumOff val="40000"/>
+              </a:schemeClr>
+            </a:solidFill>
+          </a:ln>
+        </p:spPr>
+        <p:style>
+          <a:lnRef idx="2">
+            <a:schemeClr val="accent1">
+              <a:shade val="50000"/>
+            </a:schemeClr>
+          </a:lnRef>
+          <a:fillRef idx="1">
+            <a:schemeClr val="accent1"/>
+          </a:fillRef>
+          <a:effectRef idx="0">
+            <a:schemeClr val="accent1"/>
+          </a:effectRef>
+          <a:fontRef idx="minor">
+            <a:schemeClr val="lt1"/>
+          </a:fontRef>
+        </p:style>
+        <p:txBody>
+          <a:bodyPr rtlCol="0" anchor="ctr"/>
+          <a:lstStyle/>
+          <a:p>
+            <a:pPr algn="ctr"/>
+            <a:endParaRPr lang="en-US"/>
+          </a:p>
+        </p:txBody>
+      </p:sp>
+      <p:sp>
+        <p:nvSpPr>
+          <p:cNvPr id="91" name="Isosceles Triangle 90"/>
+          <p:cNvSpPr/>
+          <p:nvPr/>
+        </p:nvSpPr>
+        <p:spPr>
+          <a:xfrm>
+            <a:off x="3366470" y="3932008"/>
+            <a:ext cx="309093" cy="288770"/>
+          </a:xfrm>
+          <a:prstGeom prst="triangle">
+            <a:avLst/>
+          </a:prstGeom>
+          <a:solidFill>
+            <a:schemeClr val="accent2">
+              <a:lumMod val="20000"/>
+              <a:lumOff val="80000"/>
+            </a:schemeClr>
+          </a:solidFill>
+          <a:ln>
+            <a:solidFill>
+              <a:schemeClr val="accent2">
+                <a:lumMod val="60000"/>
+                <a:lumOff val="40000"/>
+              </a:schemeClr>
+            </a:solidFill>
+          </a:ln>
+        </p:spPr>
+        <p:style>
+          <a:lnRef idx="2">
+            <a:schemeClr val="accent1">
+              <a:shade val="50000"/>
+            </a:schemeClr>
+          </a:lnRef>
+          <a:fillRef idx="1">
+            <a:schemeClr val="accent1"/>
+          </a:fillRef>
+          <a:effectRef idx="0">
+            <a:schemeClr val="accent1"/>
+          </a:effectRef>
+          <a:fontRef idx="minor">
+            <a:schemeClr val="lt1"/>
+          </a:fontRef>
+        </p:style>
+        <p:txBody>
+          <a:bodyPr rtlCol="0" anchor="ctr"/>
+          <a:lstStyle/>
+          <a:p>
+            <a:pPr algn="ctr"/>
+            <a:endParaRPr lang="en-US"/>
+          </a:p>
+        </p:txBody>
+      </p:sp>
+      <p:sp>
+        <p:nvSpPr>
+          <p:cNvPr id="92" name="Isosceles Triangle 91"/>
+          <p:cNvSpPr/>
+          <p:nvPr/>
+        </p:nvSpPr>
+        <p:spPr>
+          <a:xfrm>
+            <a:off x="3374257" y="4290757"/>
+            <a:ext cx="309093" cy="288770"/>
+          </a:xfrm>
+          <a:prstGeom prst="triangle">
+            <a:avLst/>
+          </a:prstGeom>
+          <a:solidFill>
+            <a:schemeClr val="accent2">
+              <a:lumMod val="20000"/>
+              <a:lumOff val="80000"/>
+            </a:schemeClr>
+          </a:solidFill>
+          <a:ln>
+            <a:solidFill>
+              <a:schemeClr val="accent2">
+                <a:lumMod val="60000"/>
+                <a:lumOff val="40000"/>
+              </a:schemeClr>
+            </a:solidFill>
+          </a:ln>
+        </p:spPr>
+        <p:style>
+          <a:lnRef idx="2">
+            <a:schemeClr val="accent1">
+              <a:shade val="50000"/>
+            </a:schemeClr>
+          </a:lnRef>
+          <a:fillRef idx="1">
+            <a:schemeClr val="accent1"/>
+          </a:fillRef>
+          <a:effectRef idx="0">
+            <a:schemeClr val="accent1"/>
+          </a:effectRef>
+          <a:fontRef idx="minor">
+            <a:schemeClr val="lt1"/>
+          </a:fontRef>
+        </p:style>
+        <p:txBody>
+          <a:bodyPr rtlCol="0" anchor="ctr"/>
+          <a:lstStyle/>
+          <a:p>
+            <a:pPr algn="ctr"/>
+            <a:endParaRPr lang="en-US"/>
+          </a:p>
+        </p:txBody>
+      </p:sp>
+      <p:sp>
+        <p:nvSpPr>
+          <p:cNvPr id="93" name="Isosceles Triangle 92"/>
+          <p:cNvSpPr/>
+          <p:nvPr/>
+        </p:nvSpPr>
+        <p:spPr>
+          <a:xfrm>
+            <a:off x="3374258" y="4674402"/>
+            <a:ext cx="309093" cy="288770"/>
+          </a:xfrm>
+          <a:prstGeom prst="triangle">
+            <a:avLst/>
+          </a:prstGeom>
+          <a:solidFill>
+            <a:schemeClr val="accent2">
+              <a:lumMod val="20000"/>
+              <a:lumOff val="80000"/>
+            </a:schemeClr>
+          </a:solidFill>
+          <a:ln>
+            <a:solidFill>
+              <a:schemeClr val="accent2">
+                <a:lumMod val="60000"/>
+                <a:lumOff val="40000"/>
+              </a:schemeClr>
+            </a:solidFill>
+          </a:ln>
+        </p:spPr>
+        <p:style>
+          <a:lnRef idx="2">
+            <a:schemeClr val="accent1">
+              <a:shade val="50000"/>
+            </a:schemeClr>
+          </a:lnRef>
+          <a:fillRef idx="1">
+            <a:schemeClr val="accent1"/>
+          </a:fillRef>
+          <a:effectRef idx="0">
+            <a:schemeClr val="accent1"/>
+          </a:effectRef>
+          <a:fontRef idx="minor">
+            <a:schemeClr val="lt1"/>
+          </a:fontRef>
+        </p:style>
+        <p:txBody>
+          <a:bodyPr rtlCol="0" anchor="ctr"/>
+          <a:lstStyle/>
+          <a:p>
+            <a:pPr algn="ctr"/>
+            <a:endParaRPr lang="en-US"/>
+          </a:p>
+        </p:txBody>
+      </p:sp>
+      <p:sp>
+        <p:nvSpPr>
+          <p:cNvPr id="94" name="Isosceles Triangle 93"/>
+          <p:cNvSpPr/>
+          <p:nvPr/>
+        </p:nvSpPr>
+        <p:spPr>
+          <a:xfrm>
+            <a:off x="3374259" y="5024853"/>
+            <a:ext cx="309093" cy="288770"/>
+          </a:xfrm>
+          <a:prstGeom prst="triangle">
+            <a:avLst/>
+          </a:prstGeom>
+          <a:solidFill>
+            <a:schemeClr val="accent2">
+              <a:lumMod val="20000"/>
+              <a:lumOff val="80000"/>
+            </a:schemeClr>
+          </a:solidFill>
+          <a:ln>
+            <a:solidFill>
+              <a:schemeClr val="accent2">
+                <a:lumMod val="60000"/>
+                <a:lumOff val="40000"/>
+              </a:schemeClr>
+            </a:solidFill>
+          </a:ln>
+        </p:spPr>
+        <p:style>
+          <a:lnRef idx="2">
+            <a:schemeClr val="accent1">
+              <a:shade val="50000"/>
+            </a:schemeClr>
+          </a:lnRef>
+          <a:fillRef idx="1">
+            <a:schemeClr val="accent1"/>
+          </a:fillRef>
+          <a:effectRef idx="0">
+            <a:schemeClr val="accent1"/>
+          </a:effectRef>
+          <a:fontRef idx="minor">
+            <a:schemeClr val="lt1"/>
+          </a:fontRef>
+        </p:style>
+        <p:txBody>
+          <a:bodyPr rtlCol="0" anchor="ctr"/>
+          <a:lstStyle/>
+          <a:p>
+            <a:pPr algn="ctr"/>
+            <a:endParaRPr lang="en-US"/>
+          </a:p>
+        </p:txBody>
+      </p:sp>
+      <p:sp>
+        <p:nvSpPr>
+          <p:cNvPr id="95" name="Isosceles Triangle 94"/>
+          <p:cNvSpPr/>
+          <p:nvPr/>
+        </p:nvSpPr>
+        <p:spPr>
+          <a:xfrm>
+            <a:off x="3374260" y="5408498"/>
+            <a:ext cx="309093" cy="288770"/>
+          </a:xfrm>
+          <a:prstGeom prst="triangle">
+            <a:avLst/>
+          </a:prstGeom>
+          <a:solidFill>
+            <a:schemeClr val="accent2">
+              <a:lumMod val="20000"/>
+              <a:lumOff val="80000"/>
+            </a:schemeClr>
+          </a:solidFill>
+          <a:ln>
+            <a:solidFill>
+              <a:schemeClr val="accent2">
+                <a:lumMod val="60000"/>
+                <a:lumOff val="40000"/>
+              </a:schemeClr>
+            </a:solidFill>
+          </a:ln>
+        </p:spPr>
+        <p:style>
+          <a:lnRef idx="2">
+            <a:schemeClr val="accent1">
+              <a:shade val="50000"/>
+            </a:schemeClr>
+          </a:lnRef>
+          <a:fillRef idx="1">
+            <a:schemeClr val="accent1"/>
+          </a:fillRef>
+          <a:effectRef idx="0">
+            <a:schemeClr val="accent1"/>
+          </a:effectRef>
+          <a:fontRef idx="minor">
+            <a:schemeClr val="lt1"/>
+          </a:fontRef>
+        </p:style>
+        <p:txBody>
+          <a:bodyPr rtlCol="0" anchor="ctr"/>
+          <a:lstStyle/>
+          <a:p>
+            <a:pPr algn="ctr"/>
+            <a:endParaRPr lang="en-US"/>
+          </a:p>
+        </p:txBody>
+      </p:sp>
+      <p:sp>
+        <p:nvSpPr>
+          <p:cNvPr id="96" name="Isosceles Triangle 95"/>
+          <p:cNvSpPr/>
+          <p:nvPr/>
+        </p:nvSpPr>
+        <p:spPr>
+          <a:xfrm>
+            <a:off x="3384788" y="5785702"/>
+            <a:ext cx="309093" cy="288770"/>
+          </a:xfrm>
+          <a:prstGeom prst="triangle">
+            <a:avLst/>
+          </a:prstGeom>
+          <a:solidFill>
+            <a:schemeClr val="accent2">
+              <a:lumMod val="20000"/>
+              <a:lumOff val="80000"/>
+            </a:schemeClr>
+          </a:solidFill>
+          <a:ln>
+            <a:solidFill>
+              <a:schemeClr val="accent2">
+                <a:lumMod val="60000"/>
+                <a:lumOff val="40000"/>
+              </a:schemeClr>
+            </a:solidFill>
+          </a:ln>
+        </p:spPr>
+        <p:style>
+          <a:lnRef idx="2">
+            <a:schemeClr val="accent1">
+              <a:shade val="50000"/>
+            </a:schemeClr>
+          </a:lnRef>
+          <a:fillRef idx="1">
+            <a:schemeClr val="accent1"/>
+          </a:fillRef>
+          <a:effectRef idx="0">
+            <a:schemeClr val="accent1"/>
+          </a:effectRef>
+          <a:fontRef idx="minor">
+            <a:schemeClr val="lt1"/>
+          </a:fontRef>
+        </p:style>
+        <p:txBody>
+          <a:bodyPr rtlCol="0" anchor="ctr"/>
+          <a:lstStyle/>
+          <a:p>
+            <a:pPr algn="ctr"/>
+            <a:endParaRPr lang="en-US" dirty="0"/>
+          </a:p>
+        </p:txBody>
+      </p:sp>
+      <p:sp>
+        <p:nvSpPr>
+          <p:cNvPr id="98" name="Isosceles Triangle 97"/>
+          <p:cNvSpPr/>
+          <p:nvPr/>
+        </p:nvSpPr>
+        <p:spPr>
+          <a:xfrm>
+            <a:off x="3366468" y="1685986"/>
+            <a:ext cx="309093" cy="288770"/>
+          </a:xfrm>
+          <a:prstGeom prst="triangle">
+            <a:avLst/>
+          </a:prstGeom>
+          <a:solidFill>
+            <a:schemeClr val="accent2">
+              <a:lumMod val="20000"/>
+              <a:lumOff val="80000"/>
+            </a:schemeClr>
+          </a:solidFill>
+          <a:ln>
+            <a:solidFill>
+              <a:schemeClr val="accent2">
+                <a:lumMod val="60000"/>
+                <a:lumOff val="40000"/>
+              </a:schemeClr>
+            </a:solidFill>
+          </a:ln>
+        </p:spPr>
+        <p:style>
+          <a:lnRef idx="2">
+            <a:schemeClr val="accent1">
+              <a:shade val="50000"/>
+            </a:schemeClr>
+          </a:lnRef>
+          <a:fillRef idx="1">
+            <a:schemeClr val="accent1"/>
+          </a:fillRef>
+          <a:effectRef idx="0">
+            <a:schemeClr val="accent1"/>
+          </a:effectRef>
+          <a:fontRef idx="minor">
+            <a:schemeClr val="lt1"/>
+          </a:fontRef>
+        </p:style>
+        <p:txBody>
+          <a:bodyPr rtlCol="0" anchor="ctr"/>
+          <a:lstStyle/>
+          <a:p>
+            <a:pPr algn="ctr"/>
+            <a:endParaRPr lang="en-US"/>
+          </a:p>
+        </p:txBody>
+      </p:sp>
+      <p:sp>
+        <p:nvSpPr>
+          <p:cNvPr id="99" name="Isosceles Triangle 98"/>
+          <p:cNvSpPr/>
+          <p:nvPr/>
+        </p:nvSpPr>
+        <p:spPr>
+          <a:xfrm>
+            <a:off x="3358681" y="2054892"/>
+            <a:ext cx="309093" cy="288770"/>
+          </a:xfrm>
+          <a:prstGeom prst="triangle">
+            <a:avLst/>
+          </a:prstGeom>
+          <a:solidFill>
+            <a:schemeClr val="accent2">
+              <a:lumMod val="20000"/>
+              <a:lumOff val="80000"/>
+            </a:schemeClr>
+          </a:solidFill>
+          <a:ln>
+            <a:solidFill>
+              <a:schemeClr val="accent2">
+                <a:lumMod val="60000"/>
+                <a:lumOff val="40000"/>
+              </a:schemeClr>
+            </a:solidFill>
+          </a:ln>
+        </p:spPr>
+        <p:style>
+          <a:lnRef idx="2">
+            <a:schemeClr val="accent1">
+              <a:shade val="50000"/>
+            </a:schemeClr>
+          </a:lnRef>
+          <a:fillRef idx="1">
+            <a:schemeClr val="accent1"/>
+          </a:fillRef>
+          <a:effectRef idx="0">
+            <a:schemeClr val="accent1"/>
+          </a:effectRef>
+          <a:fontRef idx="minor">
+            <a:schemeClr val="lt1"/>
+          </a:fontRef>
+        </p:style>
+        <p:txBody>
+          <a:bodyPr rtlCol="0" anchor="ctr"/>
+          <a:lstStyle/>
+          <a:p>
+            <a:pPr algn="ctr"/>
+            <a:endParaRPr lang="en-US"/>
+          </a:p>
+        </p:txBody>
+      </p:sp>
+      <p:sp>
+        <p:nvSpPr>
+          <p:cNvPr id="100" name="Isosceles Triangle 99"/>
+          <p:cNvSpPr/>
+          <p:nvPr/>
+        </p:nvSpPr>
+        <p:spPr>
+          <a:xfrm>
+            <a:off x="3366468" y="2413641"/>
+            <a:ext cx="309093" cy="288770"/>
+          </a:xfrm>
+          <a:prstGeom prst="triangle">
+            <a:avLst/>
+          </a:prstGeom>
+          <a:solidFill>
+            <a:schemeClr val="accent2">
+              <a:lumMod val="20000"/>
+              <a:lumOff val="80000"/>
+            </a:schemeClr>
+          </a:solidFill>
+          <a:ln>
+            <a:solidFill>
+              <a:schemeClr val="accent2">
+                <a:lumMod val="60000"/>
+                <a:lumOff val="40000"/>
+              </a:schemeClr>
+            </a:solidFill>
+          </a:ln>
+        </p:spPr>
+        <p:style>
+          <a:lnRef idx="2">
+            <a:schemeClr val="accent1">
+              <a:shade val="50000"/>
+            </a:schemeClr>
+          </a:lnRef>
+          <a:fillRef idx="1">
+            <a:schemeClr val="accent1"/>
+          </a:fillRef>
+          <a:effectRef idx="0">
+            <a:schemeClr val="accent1"/>
+          </a:effectRef>
+          <a:fontRef idx="minor">
+            <a:schemeClr val="lt1"/>
+          </a:fontRef>
+        </p:style>
+        <p:txBody>
+          <a:bodyPr rtlCol="0" anchor="ctr"/>
+          <a:lstStyle/>
+          <a:p>
+            <a:pPr algn="ctr"/>
+            <a:endParaRPr lang="en-US"/>
+          </a:p>
+        </p:txBody>
+      </p:sp>
+      <p:sp>
+        <p:nvSpPr>
+          <p:cNvPr id="101" name="Isosceles Triangle 100"/>
+          <p:cNvSpPr/>
+          <p:nvPr/>
+        </p:nvSpPr>
+        <p:spPr>
+          <a:xfrm>
+            <a:off x="3366469" y="2797286"/>
+            <a:ext cx="309093" cy="288770"/>
+          </a:xfrm>
+          <a:prstGeom prst="triangle">
+            <a:avLst/>
+          </a:prstGeom>
+          <a:solidFill>
+            <a:schemeClr val="accent2">
+              <a:lumMod val="20000"/>
+              <a:lumOff val="80000"/>
+            </a:schemeClr>
+          </a:solidFill>
+          <a:ln>
+            <a:solidFill>
+              <a:schemeClr val="accent2">
+                <a:lumMod val="60000"/>
+                <a:lumOff val="40000"/>
+              </a:schemeClr>
+            </a:solidFill>
+          </a:ln>
+        </p:spPr>
+        <p:style>
+          <a:lnRef idx="2">
+            <a:schemeClr val="accent1">
+              <a:shade val="50000"/>
+            </a:schemeClr>
+          </a:lnRef>
+          <a:fillRef idx="1">
+            <a:schemeClr val="accent1"/>
+          </a:fillRef>
+          <a:effectRef idx="0">
+            <a:schemeClr val="accent1"/>
+          </a:effectRef>
+          <a:fontRef idx="minor">
+            <a:schemeClr val="lt1"/>
+          </a:fontRef>
+        </p:style>
+        <p:txBody>
+          <a:bodyPr rtlCol="0" anchor="ctr"/>
+          <a:lstStyle/>
+          <a:p>
+            <a:pPr algn="ctr"/>
+            <a:endParaRPr lang="en-US"/>
+          </a:p>
+        </p:txBody>
+      </p:sp>
+      <p:sp>
+        <p:nvSpPr>
+          <p:cNvPr id="102" name="Isosceles Triangle 101"/>
+          <p:cNvSpPr/>
+          <p:nvPr/>
+        </p:nvSpPr>
+        <p:spPr>
+          <a:xfrm>
+            <a:off x="3366470" y="3147737"/>
+            <a:ext cx="309093" cy="288770"/>
+          </a:xfrm>
+          <a:prstGeom prst="triangle">
+            <a:avLst/>
+          </a:prstGeom>
+          <a:solidFill>
+            <a:schemeClr val="accent2">
+              <a:lumMod val="20000"/>
+              <a:lumOff val="80000"/>
+            </a:schemeClr>
+          </a:solidFill>
+          <a:ln>
+            <a:solidFill>
+              <a:schemeClr val="accent2">
+                <a:lumMod val="60000"/>
+                <a:lumOff val="40000"/>
+              </a:schemeClr>
+            </a:solidFill>
+          </a:ln>
+        </p:spPr>
+        <p:style>
+          <a:lnRef idx="2">
+            <a:schemeClr val="accent1">
+              <a:shade val="50000"/>
+            </a:schemeClr>
+          </a:lnRef>
+          <a:fillRef idx="1">
+            <a:schemeClr val="accent1"/>
+          </a:fillRef>
+          <a:effectRef idx="0">
+            <a:schemeClr val="accent1"/>
+          </a:effectRef>
+          <a:fontRef idx="minor">
+            <a:schemeClr val="lt1"/>
+          </a:fontRef>
+        </p:style>
+        <p:txBody>
+          <a:bodyPr rtlCol="0" anchor="ctr"/>
+          <a:lstStyle/>
+          <a:p>
+            <a:pPr algn="ctr"/>
+            <a:endParaRPr lang="en-US"/>
+          </a:p>
+        </p:txBody>
+      </p:sp>
+      <p:sp>
+        <p:nvSpPr>
+          <p:cNvPr id="103" name="Isosceles Triangle 102"/>
+          <p:cNvSpPr/>
+          <p:nvPr/>
+        </p:nvSpPr>
+        <p:spPr>
+          <a:xfrm>
+            <a:off x="3366468" y="570670"/>
+            <a:ext cx="309093" cy="288770"/>
+          </a:xfrm>
+          <a:prstGeom prst="triangle">
+            <a:avLst/>
+          </a:prstGeom>
+          <a:solidFill>
+            <a:schemeClr val="accent2">
+              <a:lumMod val="20000"/>
+              <a:lumOff val="80000"/>
+            </a:schemeClr>
+          </a:solidFill>
+          <a:ln>
+            <a:solidFill>
+              <a:schemeClr val="accent2">
+                <a:lumMod val="60000"/>
+                <a:lumOff val="40000"/>
+              </a:schemeClr>
+            </a:solidFill>
+          </a:ln>
+        </p:spPr>
+        <p:style>
+          <a:lnRef idx="2">
+            <a:schemeClr val="accent1">
+              <a:shade val="50000"/>
+            </a:schemeClr>
+          </a:lnRef>
+          <a:fillRef idx="1">
+            <a:schemeClr val="accent1"/>
+          </a:fillRef>
+          <a:effectRef idx="0">
+            <a:schemeClr val="accent1"/>
+          </a:effectRef>
+          <a:fontRef idx="minor">
+            <a:schemeClr val="lt1"/>
+          </a:fontRef>
+        </p:style>
+        <p:txBody>
+          <a:bodyPr rtlCol="0" anchor="ctr"/>
+          <a:lstStyle/>
+          <a:p>
+            <a:pPr algn="ctr"/>
+            <a:endParaRPr lang="en-US"/>
+          </a:p>
+        </p:txBody>
+      </p:sp>
+      <p:sp>
+        <p:nvSpPr>
+          <p:cNvPr id="104" name="Isosceles Triangle 103"/>
+          <p:cNvSpPr/>
+          <p:nvPr/>
+        </p:nvSpPr>
+        <p:spPr>
+          <a:xfrm>
+            <a:off x="3358681" y="939576"/>
+            <a:ext cx="309093" cy="288770"/>
+          </a:xfrm>
+          <a:prstGeom prst="triangle">
+            <a:avLst/>
+          </a:prstGeom>
+          <a:solidFill>
+            <a:schemeClr val="accent2">
+              <a:lumMod val="20000"/>
+              <a:lumOff val="80000"/>
+            </a:schemeClr>
+          </a:solidFill>
+          <a:ln>
+            <a:solidFill>
+              <a:schemeClr val="accent2">
+                <a:lumMod val="60000"/>
+                <a:lumOff val="40000"/>
+              </a:schemeClr>
+            </a:solidFill>
+          </a:ln>
+        </p:spPr>
+        <p:style>
+          <a:lnRef idx="2">
+            <a:schemeClr val="accent1">
+              <a:shade val="50000"/>
+            </a:schemeClr>
+          </a:lnRef>
+          <a:fillRef idx="1">
+            <a:schemeClr val="accent1"/>
+          </a:fillRef>
+          <a:effectRef idx="0">
+            <a:schemeClr val="accent1"/>
+          </a:effectRef>
+          <a:fontRef idx="minor">
+            <a:schemeClr val="lt1"/>
+          </a:fontRef>
+        </p:style>
+        <p:txBody>
+          <a:bodyPr rtlCol="0" anchor="ctr"/>
+          <a:lstStyle/>
+          <a:p>
+            <a:pPr algn="ctr"/>
+            <a:endParaRPr lang="en-US"/>
+          </a:p>
+        </p:txBody>
+      </p:sp>
+      <p:sp>
+        <p:nvSpPr>
+          <p:cNvPr id="105" name="Isosceles Triangle 104"/>
+          <p:cNvSpPr/>
+          <p:nvPr/>
+        </p:nvSpPr>
+        <p:spPr>
+          <a:xfrm>
+            <a:off x="3366468" y="1298325"/>
+            <a:ext cx="309093" cy="288770"/>
+          </a:xfrm>
+          <a:prstGeom prst="triangle">
+            <a:avLst/>
+          </a:prstGeom>
+          <a:solidFill>
+            <a:schemeClr val="accent2">
+              <a:lumMod val="20000"/>
+              <a:lumOff val="80000"/>
+            </a:schemeClr>
+          </a:solidFill>
+          <a:ln>
+            <a:solidFill>
+              <a:schemeClr val="accent2">
+                <a:lumMod val="60000"/>
+                <a:lumOff val="40000"/>
+              </a:schemeClr>
+            </a:solidFill>
+          </a:ln>
+        </p:spPr>
+        <p:style>
+          <a:lnRef idx="2">
+            <a:schemeClr val="accent1">
+              <a:shade val="50000"/>
+            </a:schemeClr>
+          </a:lnRef>
+          <a:fillRef idx="1">
+            <a:schemeClr val="accent1"/>
+          </a:fillRef>
+          <a:effectRef idx="0">
+            <a:schemeClr val="accent1"/>
+          </a:effectRef>
+          <a:fontRef idx="minor">
+            <a:schemeClr val="lt1"/>
+          </a:fontRef>
+        </p:style>
+        <p:txBody>
+          <a:bodyPr rtlCol="0" anchor="ctr"/>
+          <a:lstStyle/>
+          <a:p>
+            <a:pPr algn="ctr"/>
+            <a:endParaRPr lang="en-US"/>
+          </a:p>
+        </p:txBody>
+      </p:sp>
+      <p:sp>
+        <p:nvSpPr>
+          <p:cNvPr id="106" name="TextBox 105"/>
+          <p:cNvSpPr txBox="1"/>
+          <p:nvPr/>
+        </p:nvSpPr>
+        <p:spPr>
+          <a:xfrm rot="5400000">
+            <a:off x="1165669" y="6185121"/>
+            <a:ext cx="435335" cy="369332"/>
+          </a:xfrm>
+          <a:prstGeom prst="rect">
+            <a:avLst/>
+          </a:prstGeom>
+          <a:noFill/>
+        </p:spPr>
+        <p:txBody>
+          <a:bodyPr wrap="square" rtlCol="0">
+            <a:spAutoFit/>
+          </a:bodyPr>
+          <a:lstStyle/>
+          <a:p>
+            <a:r>
+              <a:rPr lang="en-US" dirty="0" smtClean="0"/>
+              <a:t>…</a:t>
+            </a:r>
+            <a:endParaRPr lang="en-US" dirty="0"/>
+          </a:p>
+        </p:txBody>
+      </p:sp>
+      <p:sp>
+        <p:nvSpPr>
+          <p:cNvPr id="107" name="TextBox 106"/>
+          <p:cNvSpPr txBox="1"/>
+          <p:nvPr/>
+        </p:nvSpPr>
+        <p:spPr>
+          <a:xfrm rot="5400000">
+            <a:off x="3387349" y="6089518"/>
+            <a:ext cx="435335" cy="369332"/>
+          </a:xfrm>
+          <a:prstGeom prst="rect">
+            <a:avLst/>
+          </a:prstGeom>
+          <a:noFill/>
+        </p:spPr>
+        <p:txBody>
+          <a:bodyPr wrap="square" rtlCol="0">
+            <a:spAutoFit/>
+          </a:bodyPr>
+          <a:lstStyle/>
+          <a:p>
+            <a:r>
+              <a:rPr lang="en-US" dirty="0" smtClean="0"/>
+              <a:t>…</a:t>
+            </a:r>
+            <a:endParaRPr lang="en-US" dirty="0"/>
+          </a:p>
+        </p:txBody>
+      </p:sp>
+      <p:sp>
+        <p:nvSpPr>
+          <p:cNvPr id="108" name="TextBox 107"/>
+          <p:cNvSpPr txBox="1"/>
+          <p:nvPr/>
+        </p:nvSpPr>
+        <p:spPr>
+          <a:xfrm>
+            <a:off x="2356514" y="6293606"/>
+            <a:ext cx="3335975" cy="369332"/>
+          </a:xfrm>
+          <a:prstGeom prst="rect">
+            <a:avLst/>
+          </a:prstGeom>
+          <a:noFill/>
+        </p:spPr>
+        <p:txBody>
+          <a:bodyPr wrap="square" rtlCol="0">
+            <a:spAutoFit/>
+          </a:bodyPr>
+          <a:lstStyle/>
+          <a:p>
+            <a:r>
+              <a:rPr lang="en-US" dirty="0" smtClean="0">
+                <a:solidFill>
+                  <a:srgbClr val="C00000"/>
+                </a:solidFill>
+              </a:rPr>
+              <a:t>{‘h1’: </a:t>
+            </a:r>
+            <a:r>
+              <a:rPr lang="en-US" sz="1400" dirty="0" smtClean="0">
+                <a:solidFill>
+                  <a:schemeClr val="accent2">
+                    <a:lumMod val="75000"/>
+                  </a:schemeClr>
+                </a:solidFill>
+              </a:rPr>
+              <a:t>tf.Variables </a:t>
+            </a:r>
+            <a:r>
+              <a:rPr lang="en-US" sz="1400" dirty="0" smtClean="0">
+                <a:solidFill>
+                  <a:schemeClr val="accent1">
+                    <a:lumMod val="75000"/>
+                  </a:schemeClr>
+                </a:solidFill>
+              </a:rPr>
+              <a:t>[n_input, </a:t>
+            </a:r>
+            <a:r>
+              <a:rPr lang="en-US" sz="1400" dirty="0">
+                <a:solidFill>
+                  <a:schemeClr val="accent1">
+                    <a:lumMod val="75000"/>
+                  </a:schemeClr>
+                </a:solidFill>
+              </a:rPr>
+              <a:t>n_hidden_1</a:t>
+            </a:r>
+            <a:r>
+              <a:rPr lang="en-US" sz="1400" dirty="0" smtClean="0">
+                <a:solidFill>
+                  <a:schemeClr val="accent1">
+                    <a:lumMod val="75000"/>
+                  </a:schemeClr>
+                </a:solidFill>
+              </a:rPr>
+              <a:t>]</a:t>
+            </a:r>
+            <a:endParaRPr lang="en-US" sz="1400" dirty="0">
+              <a:solidFill>
+                <a:schemeClr val="accent1">
+                  <a:lumMod val="75000"/>
+                </a:schemeClr>
+              </a:solidFill>
+            </a:endParaRPr>
+          </a:p>
+        </p:txBody>
+      </p:sp>
+      <p:sp>
+        <p:nvSpPr>
+          <p:cNvPr id="109" name="Oval 108"/>
+          <p:cNvSpPr/>
+          <p:nvPr/>
+        </p:nvSpPr>
+        <p:spPr>
+          <a:xfrm>
+            <a:off x="5132736" y="1314230"/>
+            <a:ext cx="321972" cy="320888"/>
+          </a:xfrm>
+          <a:prstGeom prst="ellipse">
+            <a:avLst/>
+          </a:prstGeom>
+        </p:spPr>
+        <p:style>
+          <a:lnRef idx="2">
+            <a:schemeClr val="accent1">
+              <a:shade val="50000"/>
+            </a:schemeClr>
+          </a:lnRef>
+          <a:fillRef idx="1">
+            <a:schemeClr val="accent1"/>
+          </a:fillRef>
+          <a:effectRef idx="0">
+            <a:schemeClr val="accent1"/>
+          </a:effectRef>
+          <a:fontRef idx="minor">
+            <a:schemeClr val="lt1"/>
+          </a:fontRef>
+        </p:style>
+        <p:txBody>
+          <a:bodyPr rtlCol="0" anchor="ctr"/>
+          <a:lstStyle/>
+          <a:p>
+            <a:pPr algn="ctr"/>
+            <a:endParaRPr lang="en-US"/>
+          </a:p>
+        </p:txBody>
+      </p:sp>
+      <p:sp>
+        <p:nvSpPr>
+          <p:cNvPr id="110" name="Oval 109"/>
+          <p:cNvSpPr/>
+          <p:nvPr/>
+        </p:nvSpPr>
+        <p:spPr>
+          <a:xfrm>
+            <a:off x="5129518" y="2085830"/>
+            <a:ext cx="321972" cy="320888"/>
+          </a:xfrm>
+          <a:prstGeom prst="ellipse">
+            <a:avLst/>
+          </a:prstGeom>
+        </p:spPr>
+        <p:style>
+          <a:lnRef idx="2">
+            <a:schemeClr val="accent1">
+              <a:shade val="50000"/>
+            </a:schemeClr>
+          </a:lnRef>
+          <a:fillRef idx="1">
+            <a:schemeClr val="accent1"/>
+          </a:fillRef>
+          <a:effectRef idx="0">
+            <a:schemeClr val="accent1"/>
+          </a:effectRef>
+          <a:fontRef idx="minor">
+            <a:schemeClr val="lt1"/>
+          </a:fontRef>
+        </p:style>
+        <p:txBody>
+          <a:bodyPr rtlCol="0" anchor="ctr"/>
+          <a:lstStyle/>
+          <a:p>
+            <a:pPr algn="ctr"/>
+            <a:endParaRPr lang="en-US"/>
+          </a:p>
+        </p:txBody>
+      </p:sp>
+      <p:sp>
+        <p:nvSpPr>
+          <p:cNvPr id="111" name="Oval 110"/>
+          <p:cNvSpPr/>
+          <p:nvPr/>
+        </p:nvSpPr>
+        <p:spPr>
+          <a:xfrm>
+            <a:off x="5129518" y="2816232"/>
+            <a:ext cx="321972" cy="320888"/>
+          </a:xfrm>
+          <a:prstGeom prst="ellipse">
+            <a:avLst/>
+          </a:prstGeom>
+        </p:spPr>
+        <p:style>
+          <a:lnRef idx="2">
+            <a:schemeClr val="accent1">
+              <a:shade val="50000"/>
+            </a:schemeClr>
+          </a:lnRef>
+          <a:fillRef idx="1">
+            <a:schemeClr val="accent1"/>
+          </a:fillRef>
+          <a:effectRef idx="0">
+            <a:schemeClr val="accent1"/>
+          </a:effectRef>
+          <a:fontRef idx="minor">
+            <a:schemeClr val="lt1"/>
+          </a:fontRef>
+        </p:style>
+        <p:txBody>
+          <a:bodyPr rtlCol="0" anchor="ctr"/>
+          <a:lstStyle/>
+          <a:p>
+            <a:pPr algn="ctr"/>
+            <a:endParaRPr lang="en-US"/>
+          </a:p>
+        </p:txBody>
+      </p:sp>
+      <p:sp>
+        <p:nvSpPr>
+          <p:cNvPr id="112" name="Oval 111"/>
+          <p:cNvSpPr/>
+          <p:nvPr/>
+        </p:nvSpPr>
+        <p:spPr>
+          <a:xfrm>
+            <a:off x="5150710" y="3585608"/>
+            <a:ext cx="321972" cy="320888"/>
+          </a:xfrm>
+          <a:prstGeom prst="ellipse">
+            <a:avLst/>
+          </a:prstGeom>
+        </p:spPr>
+        <p:style>
+          <a:lnRef idx="2">
+            <a:schemeClr val="accent1">
+              <a:shade val="50000"/>
+            </a:schemeClr>
+          </a:lnRef>
+          <a:fillRef idx="1">
+            <a:schemeClr val="accent1"/>
+          </a:fillRef>
+          <a:effectRef idx="0">
+            <a:schemeClr val="accent1"/>
+          </a:effectRef>
+          <a:fontRef idx="minor">
+            <a:schemeClr val="lt1"/>
+          </a:fontRef>
+        </p:style>
+        <p:txBody>
+          <a:bodyPr rtlCol="0" anchor="ctr"/>
+          <a:lstStyle/>
+          <a:p>
+            <a:pPr algn="ctr"/>
+            <a:endParaRPr lang="en-US"/>
+          </a:p>
+        </p:txBody>
+      </p:sp>
+      <p:sp>
+        <p:nvSpPr>
+          <p:cNvPr id="113" name="Oval 112"/>
+          <p:cNvSpPr/>
+          <p:nvPr/>
+        </p:nvSpPr>
+        <p:spPr>
+          <a:xfrm>
+            <a:off x="5147492" y="4357208"/>
+            <a:ext cx="321972" cy="320888"/>
+          </a:xfrm>
+          <a:prstGeom prst="ellipse">
+            <a:avLst/>
+          </a:prstGeom>
+        </p:spPr>
+        <p:style>
+          <a:lnRef idx="2">
+            <a:schemeClr val="accent1">
+              <a:shade val="50000"/>
+            </a:schemeClr>
+          </a:lnRef>
+          <a:fillRef idx="1">
+            <a:schemeClr val="accent1"/>
+          </a:fillRef>
+          <a:effectRef idx="0">
+            <a:schemeClr val="accent1"/>
+          </a:effectRef>
+          <a:fontRef idx="minor">
+            <a:schemeClr val="lt1"/>
+          </a:fontRef>
+        </p:style>
+        <p:txBody>
+          <a:bodyPr rtlCol="0" anchor="ctr"/>
+          <a:lstStyle/>
+          <a:p>
+            <a:pPr algn="ctr"/>
+            <a:endParaRPr lang="en-US"/>
+          </a:p>
+        </p:txBody>
+      </p:sp>
+      <p:sp>
+        <p:nvSpPr>
+          <p:cNvPr id="114" name="Oval 113"/>
+          <p:cNvSpPr/>
+          <p:nvPr/>
+        </p:nvSpPr>
+        <p:spPr>
+          <a:xfrm>
+            <a:off x="5147492" y="5087610"/>
+            <a:ext cx="321972" cy="320888"/>
+          </a:xfrm>
+          <a:prstGeom prst="ellipse">
+            <a:avLst/>
+          </a:prstGeom>
+        </p:spPr>
+        <p:style>
+          <a:lnRef idx="2">
+            <a:schemeClr val="accent1">
+              <a:shade val="50000"/>
+            </a:schemeClr>
+          </a:lnRef>
+          <a:fillRef idx="1">
+            <a:schemeClr val="accent1"/>
+          </a:fillRef>
+          <a:effectRef idx="0">
+            <a:schemeClr val="accent1"/>
+          </a:effectRef>
+          <a:fontRef idx="minor">
+            <a:schemeClr val="lt1"/>
+          </a:fontRef>
+        </p:style>
+        <p:txBody>
+          <a:bodyPr rtlCol="0" anchor="ctr"/>
+          <a:lstStyle/>
+          <a:p>
+            <a:pPr algn="ctr"/>
+            <a:endParaRPr lang="en-US"/>
+          </a:p>
+        </p:txBody>
+      </p:sp>
+      <p:cxnSp>
+        <p:nvCxnSpPr>
+          <p:cNvPr id="116" name="Straight Connector 115"/>
+          <p:cNvCxnSpPr/>
+          <p:nvPr/>
+        </p:nvCxnSpPr>
+        <p:spPr>
+          <a:xfrm>
+            <a:off x="4217831" y="291862"/>
+            <a:ext cx="32197" cy="6714245"/>
+          </a:xfrm>
+          <a:prstGeom prst="line">
+            <a:avLst/>
+          </a:prstGeom>
+          <a:ln>
+            <a:solidFill>
+              <a:schemeClr val="accent6">
+                <a:lumMod val="75000"/>
+              </a:schemeClr>
+            </a:solidFill>
+            <a:prstDash val="dash"/>
+          </a:ln>
+        </p:spPr>
+        <p:style>
+          <a:lnRef idx="1">
+            <a:schemeClr val="accent1"/>
+          </a:lnRef>
+          <a:fillRef idx="0">
+            <a:schemeClr val="accent1"/>
+          </a:fillRef>
+          <a:effectRef idx="0">
+            <a:schemeClr val="accent1"/>
+          </a:effectRef>
+          <a:fontRef idx="minor">
+            <a:schemeClr val="tx1"/>
+          </a:fontRef>
+        </p:style>
+      </p:cxnSp>
+      <p:cxnSp>
+        <p:nvCxnSpPr>
+          <p:cNvPr id="117" name="Straight Connector 116"/>
+          <p:cNvCxnSpPr/>
+          <p:nvPr/>
+        </p:nvCxnSpPr>
+        <p:spPr>
+          <a:xfrm>
+            <a:off x="6753618" y="297803"/>
+            <a:ext cx="32197" cy="6714245"/>
+          </a:xfrm>
+          <a:prstGeom prst="line">
+            <a:avLst/>
+          </a:prstGeom>
+          <a:ln>
+            <a:solidFill>
+              <a:schemeClr val="accent6">
+                <a:lumMod val="75000"/>
+              </a:schemeClr>
+            </a:solidFill>
+            <a:prstDash val="dash"/>
+          </a:ln>
+        </p:spPr>
+        <p:style>
+          <a:lnRef idx="1">
+            <a:schemeClr val="accent1"/>
+          </a:lnRef>
+          <a:fillRef idx="0">
+            <a:schemeClr val="accent1"/>
+          </a:fillRef>
+          <a:effectRef idx="0">
+            <a:schemeClr val="accent1"/>
+          </a:effectRef>
+          <a:fontRef idx="minor">
+            <a:schemeClr val="tx1"/>
+          </a:fontRef>
+        </p:style>
+      </p:cxnSp>
+      <p:sp>
+        <p:nvSpPr>
+          <p:cNvPr id="118" name="TextBox 117"/>
+          <p:cNvSpPr txBox="1"/>
+          <p:nvPr/>
+        </p:nvSpPr>
+        <p:spPr>
+          <a:xfrm>
+            <a:off x="179298" y="262343"/>
+            <a:ext cx="4006336" cy="307777"/>
+          </a:xfrm>
+          <a:prstGeom prst="rect">
+            <a:avLst/>
+          </a:prstGeom>
+          <a:solidFill>
+            <a:schemeClr val="accent6">
+              <a:lumMod val="20000"/>
+              <a:lumOff val="80000"/>
+            </a:schemeClr>
+          </a:solidFill>
+        </p:spPr>
+        <p:txBody>
+          <a:bodyPr wrap="square" rtlCol="0">
+            <a:spAutoFit/>
+          </a:bodyPr>
+          <a:lstStyle/>
+          <a:p>
+            <a:pPr algn="ctr"/>
+            <a:r>
+              <a:rPr lang="en-US" sz="1400" dirty="0" smtClean="0">
+                <a:solidFill>
+                  <a:schemeClr val="accent6">
+                    <a:lumMod val="50000"/>
+                  </a:schemeClr>
+                </a:solidFill>
+              </a:rPr>
+              <a:t>Input Layer</a:t>
+            </a:r>
+            <a:endParaRPr lang="en-US" sz="1400" dirty="0">
+              <a:solidFill>
+                <a:schemeClr val="accent6">
+                  <a:lumMod val="50000"/>
+                </a:schemeClr>
+              </a:solidFill>
+            </a:endParaRPr>
+          </a:p>
+        </p:txBody>
+      </p:sp>
+      <p:sp>
+        <p:nvSpPr>
+          <p:cNvPr id="119" name="TextBox 118"/>
+          <p:cNvSpPr txBox="1"/>
+          <p:nvPr/>
+        </p:nvSpPr>
+        <p:spPr>
+          <a:xfrm>
+            <a:off x="4233929" y="266115"/>
+            <a:ext cx="2519689" cy="307777"/>
+          </a:xfrm>
+          <a:prstGeom prst="rect">
+            <a:avLst/>
+          </a:prstGeom>
+          <a:solidFill>
+            <a:schemeClr val="accent6">
+              <a:lumMod val="20000"/>
+              <a:lumOff val="80000"/>
+            </a:schemeClr>
+          </a:solidFill>
+        </p:spPr>
+        <p:txBody>
+          <a:bodyPr wrap="square" rtlCol="0">
+            <a:spAutoFit/>
+          </a:bodyPr>
+          <a:lstStyle/>
+          <a:p>
+            <a:pPr algn="ctr"/>
+            <a:r>
+              <a:rPr lang="en-US" sz="1400" dirty="0" smtClean="0">
+                <a:solidFill>
+                  <a:schemeClr val="accent6">
+                    <a:lumMod val="50000"/>
+                  </a:schemeClr>
+                </a:solidFill>
+              </a:rPr>
+              <a:t>Hidden </a:t>
+            </a:r>
+            <a:r>
+              <a:rPr lang="en-US" sz="1400" dirty="0" smtClean="0">
+                <a:solidFill>
+                  <a:schemeClr val="accent6">
+                    <a:lumMod val="50000"/>
+                  </a:schemeClr>
+                </a:solidFill>
+              </a:rPr>
+              <a:t>Layer 1</a:t>
+            </a:r>
+            <a:endParaRPr lang="en-US" sz="1400" dirty="0">
+              <a:solidFill>
+                <a:schemeClr val="accent6">
+                  <a:lumMod val="50000"/>
+                </a:schemeClr>
+              </a:solidFill>
+            </a:endParaRPr>
+          </a:p>
+        </p:txBody>
+      </p:sp>
+      <p:sp>
+        <p:nvSpPr>
+          <p:cNvPr id="122" name="Left Brace 121"/>
+          <p:cNvSpPr/>
+          <p:nvPr/>
+        </p:nvSpPr>
+        <p:spPr>
+          <a:xfrm>
+            <a:off x="4929207" y="1529171"/>
+            <a:ext cx="61359" cy="3711459"/>
+          </a:xfrm>
+          <a:prstGeom prst="leftBrace">
+            <a:avLst/>
+          </a:prstGeom>
+          <a:ln w="12700">
+            <a:solidFill>
+              <a:schemeClr val="tx1"/>
+            </a:solidFill>
+          </a:ln>
+        </p:spPr>
+        <p:style>
+          <a:lnRef idx="1">
+            <a:schemeClr val="accent1"/>
+          </a:lnRef>
+          <a:fillRef idx="0">
+            <a:schemeClr val="accent1"/>
+          </a:fillRef>
+          <a:effectRef idx="0">
+            <a:schemeClr val="accent1"/>
+          </a:effectRef>
+          <a:fontRef idx="minor">
+            <a:schemeClr val="tx1"/>
+          </a:fontRef>
+        </p:style>
+        <p:txBody>
+          <a:bodyPr rtlCol="0" anchor="ctr"/>
+          <a:lstStyle/>
+          <a:p>
+            <a:pPr algn="ctr"/>
+            <a:endParaRPr lang="en-US"/>
+          </a:p>
+        </p:txBody>
+      </p:sp>
+      <p:sp>
+        <p:nvSpPr>
+          <p:cNvPr id="123" name="TextBox 122"/>
+          <p:cNvSpPr txBox="1"/>
+          <p:nvPr/>
+        </p:nvSpPr>
+        <p:spPr>
+          <a:xfrm>
+            <a:off x="3869774" y="3227114"/>
+            <a:ext cx="1168415" cy="523220"/>
+          </a:xfrm>
+          <a:prstGeom prst="rect">
+            <a:avLst/>
+          </a:prstGeom>
+          <a:noFill/>
+        </p:spPr>
+        <p:txBody>
+          <a:bodyPr wrap="square" rtlCol="0">
+            <a:spAutoFit/>
+          </a:bodyPr>
+          <a:lstStyle/>
+          <a:p>
+            <a:r>
+              <a:rPr lang="en-US" sz="1400" dirty="0" smtClean="0">
+                <a:solidFill>
+                  <a:srgbClr val="C00000"/>
+                </a:solidFill>
+              </a:rPr>
+              <a:t>n_hidden_1</a:t>
+            </a:r>
+          </a:p>
+          <a:p>
+            <a:r>
+              <a:rPr lang="en-US" sz="1400" dirty="0" smtClean="0">
+                <a:solidFill>
+                  <a:schemeClr val="accent1">
+                    <a:lumMod val="75000"/>
+                  </a:schemeClr>
+                </a:solidFill>
+              </a:rPr>
+              <a:t>=256</a:t>
+            </a:r>
+            <a:endParaRPr lang="en-US" dirty="0">
+              <a:solidFill>
+                <a:schemeClr val="accent1">
+                  <a:lumMod val="75000"/>
+                </a:schemeClr>
+              </a:solidFill>
+            </a:endParaRPr>
+          </a:p>
+        </p:txBody>
+      </p:sp>
+      <p:sp>
+        <p:nvSpPr>
+          <p:cNvPr id="125" name="Isosceles Triangle 124"/>
+          <p:cNvSpPr/>
+          <p:nvPr/>
+        </p:nvSpPr>
+        <p:spPr>
+          <a:xfrm>
+            <a:off x="6262096" y="1321341"/>
+            <a:ext cx="309093" cy="288770"/>
+          </a:xfrm>
+          <a:prstGeom prst="triangle">
+            <a:avLst/>
+          </a:prstGeom>
+          <a:solidFill>
+            <a:schemeClr val="accent2">
+              <a:lumMod val="20000"/>
+              <a:lumOff val="80000"/>
+            </a:schemeClr>
+          </a:solidFill>
+          <a:ln>
+            <a:solidFill>
+              <a:schemeClr val="accent2">
+                <a:lumMod val="60000"/>
+                <a:lumOff val="40000"/>
+              </a:schemeClr>
+            </a:solidFill>
+          </a:ln>
+        </p:spPr>
+        <p:style>
+          <a:lnRef idx="2">
+            <a:schemeClr val="accent1">
+              <a:shade val="50000"/>
+            </a:schemeClr>
+          </a:lnRef>
+          <a:fillRef idx="1">
+            <a:schemeClr val="accent1"/>
+          </a:fillRef>
+          <a:effectRef idx="0">
+            <a:schemeClr val="accent1"/>
+          </a:effectRef>
+          <a:fontRef idx="minor">
+            <a:schemeClr val="lt1"/>
+          </a:fontRef>
+        </p:style>
+        <p:txBody>
+          <a:bodyPr rtlCol="0" anchor="ctr"/>
+          <a:lstStyle/>
+          <a:p>
+            <a:pPr algn="ctr"/>
+            <a:endParaRPr lang="en-US"/>
+          </a:p>
+        </p:txBody>
+      </p:sp>
+      <p:sp>
+        <p:nvSpPr>
+          <p:cNvPr id="126" name="Isosceles Triangle 125"/>
+          <p:cNvSpPr/>
+          <p:nvPr/>
+        </p:nvSpPr>
+        <p:spPr>
+          <a:xfrm>
+            <a:off x="6262096" y="2074115"/>
+            <a:ext cx="309093" cy="288770"/>
+          </a:xfrm>
+          <a:prstGeom prst="triangle">
+            <a:avLst/>
+          </a:prstGeom>
+          <a:solidFill>
+            <a:schemeClr val="accent2">
+              <a:lumMod val="20000"/>
+              <a:lumOff val="80000"/>
+            </a:schemeClr>
+          </a:solidFill>
+          <a:ln>
+            <a:solidFill>
+              <a:schemeClr val="accent2">
+                <a:lumMod val="60000"/>
+                <a:lumOff val="40000"/>
+              </a:schemeClr>
+            </a:solidFill>
+          </a:ln>
+        </p:spPr>
+        <p:style>
+          <a:lnRef idx="2">
+            <a:schemeClr val="accent1">
+              <a:shade val="50000"/>
+            </a:schemeClr>
+          </a:lnRef>
+          <a:fillRef idx="1">
+            <a:schemeClr val="accent1"/>
+          </a:fillRef>
+          <a:effectRef idx="0">
+            <a:schemeClr val="accent1"/>
+          </a:effectRef>
+          <a:fontRef idx="minor">
+            <a:schemeClr val="lt1"/>
+          </a:fontRef>
+        </p:style>
+        <p:txBody>
+          <a:bodyPr rtlCol="0" anchor="ctr"/>
+          <a:lstStyle/>
+          <a:p>
+            <a:pPr algn="ctr"/>
+            <a:endParaRPr lang="en-US"/>
+          </a:p>
+        </p:txBody>
+      </p:sp>
+      <p:sp>
+        <p:nvSpPr>
+          <p:cNvPr id="127" name="Isosceles Triangle 126"/>
+          <p:cNvSpPr/>
+          <p:nvPr/>
+        </p:nvSpPr>
+        <p:spPr>
+          <a:xfrm>
+            <a:off x="6289476" y="2848350"/>
+            <a:ext cx="309093" cy="288770"/>
+          </a:xfrm>
+          <a:prstGeom prst="triangle">
+            <a:avLst/>
+          </a:prstGeom>
+          <a:solidFill>
+            <a:schemeClr val="accent2">
+              <a:lumMod val="20000"/>
+              <a:lumOff val="80000"/>
+            </a:schemeClr>
+          </a:solidFill>
+          <a:ln>
+            <a:solidFill>
+              <a:schemeClr val="accent2">
+                <a:lumMod val="60000"/>
+                <a:lumOff val="40000"/>
+              </a:schemeClr>
+            </a:solidFill>
+          </a:ln>
+        </p:spPr>
+        <p:style>
+          <a:lnRef idx="2">
+            <a:schemeClr val="accent1">
+              <a:shade val="50000"/>
+            </a:schemeClr>
+          </a:lnRef>
+          <a:fillRef idx="1">
+            <a:schemeClr val="accent1"/>
+          </a:fillRef>
+          <a:effectRef idx="0">
+            <a:schemeClr val="accent1"/>
+          </a:effectRef>
+          <a:fontRef idx="minor">
+            <a:schemeClr val="lt1"/>
+          </a:fontRef>
+        </p:style>
+        <p:txBody>
+          <a:bodyPr rtlCol="0" anchor="ctr"/>
+          <a:lstStyle/>
+          <a:p>
+            <a:pPr algn="ctr"/>
+            <a:endParaRPr lang="en-US"/>
+          </a:p>
+        </p:txBody>
+      </p:sp>
+      <p:sp>
+        <p:nvSpPr>
+          <p:cNvPr id="128" name="Isosceles Triangle 127"/>
+          <p:cNvSpPr/>
+          <p:nvPr/>
+        </p:nvSpPr>
+        <p:spPr>
+          <a:xfrm>
+            <a:off x="6323518" y="3620493"/>
+            <a:ext cx="309093" cy="288770"/>
+          </a:xfrm>
+          <a:prstGeom prst="triangle">
+            <a:avLst/>
+          </a:prstGeom>
+          <a:solidFill>
+            <a:schemeClr val="accent2">
+              <a:lumMod val="20000"/>
+              <a:lumOff val="80000"/>
+            </a:schemeClr>
+          </a:solidFill>
+          <a:ln>
+            <a:solidFill>
+              <a:schemeClr val="accent2">
+                <a:lumMod val="60000"/>
+                <a:lumOff val="40000"/>
+              </a:schemeClr>
+            </a:solidFill>
+          </a:ln>
+        </p:spPr>
+        <p:style>
+          <a:lnRef idx="2">
+            <a:schemeClr val="accent1">
+              <a:shade val="50000"/>
+            </a:schemeClr>
+          </a:lnRef>
+          <a:fillRef idx="1">
+            <a:schemeClr val="accent1"/>
+          </a:fillRef>
+          <a:effectRef idx="0">
+            <a:schemeClr val="accent1"/>
+          </a:effectRef>
+          <a:fontRef idx="minor">
+            <a:schemeClr val="lt1"/>
+          </a:fontRef>
+        </p:style>
+        <p:txBody>
+          <a:bodyPr rtlCol="0" anchor="ctr"/>
+          <a:lstStyle/>
+          <a:p>
+            <a:pPr algn="ctr"/>
+            <a:endParaRPr lang="en-US"/>
+          </a:p>
+        </p:txBody>
+      </p:sp>
+      <p:sp>
+        <p:nvSpPr>
+          <p:cNvPr id="129" name="Isosceles Triangle 128"/>
+          <p:cNvSpPr/>
+          <p:nvPr/>
+        </p:nvSpPr>
+        <p:spPr>
+          <a:xfrm>
+            <a:off x="6313860" y="4373267"/>
+            <a:ext cx="309093" cy="288770"/>
+          </a:xfrm>
+          <a:prstGeom prst="triangle">
+            <a:avLst/>
+          </a:prstGeom>
+          <a:solidFill>
+            <a:schemeClr val="accent2">
+              <a:lumMod val="20000"/>
+              <a:lumOff val="80000"/>
+            </a:schemeClr>
+          </a:solidFill>
+          <a:ln>
+            <a:solidFill>
+              <a:schemeClr val="accent2">
+                <a:lumMod val="60000"/>
+                <a:lumOff val="40000"/>
+              </a:schemeClr>
+            </a:solidFill>
+          </a:ln>
+        </p:spPr>
+        <p:style>
+          <a:lnRef idx="2">
+            <a:schemeClr val="accent1">
+              <a:shade val="50000"/>
+            </a:schemeClr>
+          </a:lnRef>
+          <a:fillRef idx="1">
+            <a:schemeClr val="accent1"/>
+          </a:fillRef>
+          <a:effectRef idx="0">
+            <a:schemeClr val="accent1"/>
+          </a:effectRef>
+          <a:fontRef idx="minor">
+            <a:schemeClr val="lt1"/>
+          </a:fontRef>
+        </p:style>
+        <p:txBody>
+          <a:bodyPr rtlCol="0" anchor="ctr"/>
+          <a:lstStyle/>
+          <a:p>
+            <a:pPr algn="ctr"/>
+            <a:endParaRPr lang="en-US"/>
+          </a:p>
+        </p:txBody>
+      </p:sp>
+      <p:sp>
+        <p:nvSpPr>
+          <p:cNvPr id="130" name="Isosceles Triangle 129"/>
+          <p:cNvSpPr/>
+          <p:nvPr/>
+        </p:nvSpPr>
+        <p:spPr>
+          <a:xfrm>
+            <a:off x="6323519" y="5041450"/>
+            <a:ext cx="309093" cy="288770"/>
+          </a:xfrm>
+          <a:prstGeom prst="triangle">
+            <a:avLst/>
+          </a:prstGeom>
+          <a:solidFill>
+            <a:schemeClr val="accent2">
+              <a:lumMod val="20000"/>
+              <a:lumOff val="80000"/>
+            </a:schemeClr>
+          </a:solidFill>
+          <a:ln>
+            <a:solidFill>
+              <a:schemeClr val="accent2">
+                <a:lumMod val="60000"/>
+                <a:lumOff val="40000"/>
+              </a:schemeClr>
+            </a:solidFill>
+          </a:ln>
+        </p:spPr>
+        <p:style>
+          <a:lnRef idx="2">
+            <a:schemeClr val="accent1">
+              <a:shade val="50000"/>
+            </a:schemeClr>
+          </a:lnRef>
+          <a:fillRef idx="1">
+            <a:schemeClr val="accent1"/>
+          </a:fillRef>
+          <a:effectRef idx="0">
+            <a:schemeClr val="accent1"/>
+          </a:effectRef>
+          <a:fontRef idx="minor">
+            <a:schemeClr val="lt1"/>
+          </a:fontRef>
+        </p:style>
+        <p:txBody>
+          <a:bodyPr rtlCol="0" anchor="ctr"/>
+          <a:lstStyle/>
+          <a:p>
+            <a:pPr algn="ctr"/>
+            <a:endParaRPr lang="en-US"/>
+          </a:p>
+        </p:txBody>
+      </p:sp>
+      <p:sp>
+        <p:nvSpPr>
+          <p:cNvPr id="131" name="TextBox 130"/>
+          <p:cNvSpPr txBox="1"/>
+          <p:nvPr/>
+        </p:nvSpPr>
+        <p:spPr>
+          <a:xfrm>
+            <a:off x="5343468" y="6324426"/>
+            <a:ext cx="3870118" cy="369332"/>
+          </a:xfrm>
+          <a:prstGeom prst="rect">
+            <a:avLst/>
+          </a:prstGeom>
+          <a:noFill/>
+        </p:spPr>
+        <p:txBody>
+          <a:bodyPr wrap="square" rtlCol="0">
+            <a:spAutoFit/>
+          </a:bodyPr>
+          <a:lstStyle/>
+          <a:p>
+            <a:r>
+              <a:rPr lang="en-US" dirty="0" smtClean="0">
+                <a:solidFill>
+                  <a:srgbClr val="C00000"/>
+                </a:solidFill>
+              </a:rPr>
+              <a:t>‘h2’: </a:t>
+            </a:r>
+            <a:r>
+              <a:rPr lang="en-US" sz="1400" dirty="0" smtClean="0">
+                <a:solidFill>
+                  <a:schemeClr val="accent2">
+                    <a:lumMod val="75000"/>
+                  </a:schemeClr>
+                </a:solidFill>
+              </a:rPr>
+              <a:t>tf.Variables </a:t>
+            </a:r>
+            <a:r>
+              <a:rPr lang="en-US" sz="1400" dirty="0" smtClean="0">
+                <a:solidFill>
+                  <a:schemeClr val="accent1">
+                    <a:lumMod val="75000"/>
+                  </a:schemeClr>
+                </a:solidFill>
+              </a:rPr>
+              <a:t>[</a:t>
+            </a:r>
+            <a:r>
+              <a:rPr lang="en-US" sz="1400" dirty="0">
+                <a:solidFill>
+                  <a:schemeClr val="accent1">
+                    <a:lumMod val="75000"/>
+                  </a:schemeClr>
+                </a:solidFill>
+              </a:rPr>
+              <a:t>n_hidden_1</a:t>
+            </a:r>
+            <a:r>
+              <a:rPr lang="en-US" sz="1400" dirty="0" smtClean="0">
+                <a:solidFill>
+                  <a:schemeClr val="accent1">
+                    <a:lumMod val="75000"/>
+                  </a:schemeClr>
+                </a:solidFill>
+              </a:rPr>
+              <a:t>, n_hidden_2]</a:t>
+            </a:r>
+            <a:endParaRPr lang="en-US" sz="1400" dirty="0">
+              <a:solidFill>
+                <a:schemeClr val="accent1">
+                  <a:lumMod val="75000"/>
+                </a:schemeClr>
+              </a:solidFill>
+            </a:endParaRPr>
+          </a:p>
+        </p:txBody>
+      </p:sp>
+      <p:sp>
+        <p:nvSpPr>
+          <p:cNvPr id="132" name="TextBox 131"/>
+          <p:cNvSpPr txBox="1"/>
+          <p:nvPr/>
+        </p:nvSpPr>
+        <p:spPr>
+          <a:xfrm>
+            <a:off x="2377227" y="6538461"/>
+            <a:ext cx="1982001" cy="369332"/>
+          </a:xfrm>
+          <a:prstGeom prst="rect">
+            <a:avLst/>
+          </a:prstGeom>
+          <a:noFill/>
+        </p:spPr>
+        <p:txBody>
+          <a:bodyPr wrap="square" rtlCol="0">
+            <a:spAutoFit/>
+          </a:bodyPr>
+          <a:lstStyle/>
+          <a:p>
+            <a:r>
+              <a:rPr lang="en-US" dirty="0" smtClean="0">
+                <a:solidFill>
+                  <a:srgbClr val="C00000"/>
+                </a:solidFill>
+              </a:rPr>
+              <a:t>{‘b1’: </a:t>
+            </a:r>
+            <a:r>
+              <a:rPr lang="en-US" sz="1400" dirty="0" smtClean="0">
+                <a:solidFill>
+                  <a:schemeClr val="accent2">
+                    <a:lumMod val="75000"/>
+                  </a:schemeClr>
+                </a:solidFill>
+              </a:rPr>
+              <a:t>tf.Variables</a:t>
+            </a:r>
+            <a:endParaRPr lang="en-US" sz="1400" dirty="0">
+              <a:solidFill>
+                <a:schemeClr val="accent2">
+                  <a:lumMod val="75000"/>
+                </a:schemeClr>
+              </a:solidFill>
+            </a:endParaRPr>
+          </a:p>
+        </p:txBody>
+      </p:sp>
+      <p:sp>
+        <p:nvSpPr>
+          <p:cNvPr id="133" name="TextBox 132"/>
+          <p:cNvSpPr txBox="1"/>
+          <p:nvPr/>
+        </p:nvSpPr>
+        <p:spPr>
+          <a:xfrm>
+            <a:off x="5343468" y="6565339"/>
+            <a:ext cx="1982001" cy="369332"/>
+          </a:xfrm>
+          <a:prstGeom prst="rect">
+            <a:avLst/>
+          </a:prstGeom>
+          <a:noFill/>
+        </p:spPr>
+        <p:txBody>
+          <a:bodyPr wrap="square" rtlCol="0">
+            <a:spAutoFit/>
+          </a:bodyPr>
+          <a:lstStyle/>
+          <a:p>
+            <a:r>
+              <a:rPr lang="en-US" dirty="0" smtClean="0">
+                <a:solidFill>
+                  <a:srgbClr val="C00000"/>
+                </a:solidFill>
+              </a:rPr>
+              <a:t>‘b2’: </a:t>
+            </a:r>
+            <a:r>
+              <a:rPr lang="en-US" sz="1400" dirty="0" smtClean="0">
+                <a:solidFill>
+                  <a:schemeClr val="accent2">
+                    <a:lumMod val="75000"/>
+                  </a:schemeClr>
+                </a:solidFill>
+              </a:rPr>
+              <a:t>tf.Variables</a:t>
+            </a:r>
+            <a:endParaRPr lang="en-US" sz="1400" dirty="0">
+              <a:solidFill>
+                <a:schemeClr val="accent2">
+                  <a:lumMod val="75000"/>
+                </a:schemeClr>
+              </a:solidFill>
+            </a:endParaRPr>
+          </a:p>
+        </p:txBody>
+      </p:sp>
+      <p:sp>
+        <p:nvSpPr>
+          <p:cNvPr id="134" name="TextBox 133"/>
+          <p:cNvSpPr txBox="1"/>
+          <p:nvPr/>
+        </p:nvSpPr>
+        <p:spPr>
+          <a:xfrm rot="5400000">
+            <a:off x="5146605" y="5454875"/>
+            <a:ext cx="435335" cy="369332"/>
+          </a:xfrm>
+          <a:prstGeom prst="rect">
+            <a:avLst/>
+          </a:prstGeom>
+          <a:noFill/>
+        </p:spPr>
+        <p:txBody>
+          <a:bodyPr wrap="square" rtlCol="0">
+            <a:spAutoFit/>
+          </a:bodyPr>
+          <a:lstStyle/>
+          <a:p>
+            <a:r>
+              <a:rPr lang="en-US" dirty="0" smtClean="0"/>
+              <a:t>…</a:t>
+            </a:r>
+            <a:endParaRPr lang="en-US" dirty="0"/>
+          </a:p>
+        </p:txBody>
+      </p:sp>
+      <p:sp>
+        <p:nvSpPr>
+          <p:cNvPr id="135" name="TextBox 134"/>
+          <p:cNvSpPr txBox="1"/>
+          <p:nvPr/>
+        </p:nvSpPr>
+        <p:spPr>
+          <a:xfrm rot="5400000">
+            <a:off x="6285952" y="5421786"/>
+            <a:ext cx="435335" cy="369332"/>
+          </a:xfrm>
+          <a:prstGeom prst="rect">
+            <a:avLst/>
+          </a:prstGeom>
+          <a:noFill/>
+        </p:spPr>
+        <p:txBody>
+          <a:bodyPr wrap="square" rtlCol="0">
+            <a:spAutoFit/>
+          </a:bodyPr>
+          <a:lstStyle/>
+          <a:p>
+            <a:r>
+              <a:rPr lang="en-US" dirty="0" smtClean="0"/>
+              <a:t>…</a:t>
+            </a:r>
+            <a:endParaRPr lang="en-US" dirty="0"/>
+          </a:p>
+        </p:txBody>
+      </p:sp>
+      <p:sp>
+        <p:nvSpPr>
+          <p:cNvPr id="136" name="Oval 135"/>
+          <p:cNvSpPr/>
+          <p:nvPr/>
+        </p:nvSpPr>
+        <p:spPr>
+          <a:xfrm>
+            <a:off x="7794919" y="2015970"/>
+            <a:ext cx="321972" cy="320888"/>
+          </a:xfrm>
+          <a:prstGeom prst="ellipse">
+            <a:avLst/>
+          </a:prstGeom>
+          <a:solidFill>
+            <a:schemeClr val="accent1">
+              <a:lumMod val="75000"/>
+            </a:schemeClr>
+          </a:solidFill>
+        </p:spPr>
+        <p:style>
+          <a:lnRef idx="2">
+            <a:schemeClr val="accent1">
+              <a:shade val="50000"/>
+            </a:schemeClr>
+          </a:lnRef>
+          <a:fillRef idx="1">
+            <a:schemeClr val="accent1"/>
+          </a:fillRef>
+          <a:effectRef idx="0">
+            <a:schemeClr val="accent1"/>
+          </a:effectRef>
+          <a:fontRef idx="minor">
+            <a:schemeClr val="lt1"/>
+          </a:fontRef>
+        </p:style>
+        <p:txBody>
+          <a:bodyPr rtlCol="0" anchor="ctr"/>
+          <a:lstStyle/>
+          <a:p>
+            <a:pPr algn="ctr"/>
+            <a:endParaRPr lang="en-US"/>
+          </a:p>
+        </p:txBody>
+      </p:sp>
+      <p:sp>
+        <p:nvSpPr>
+          <p:cNvPr id="137" name="Oval 136"/>
+          <p:cNvSpPr/>
+          <p:nvPr/>
+        </p:nvSpPr>
+        <p:spPr>
+          <a:xfrm>
+            <a:off x="7791701" y="2787570"/>
+            <a:ext cx="321972" cy="320888"/>
+          </a:xfrm>
+          <a:prstGeom prst="ellipse">
+            <a:avLst/>
+          </a:prstGeom>
+          <a:solidFill>
+            <a:schemeClr val="accent1">
+              <a:lumMod val="75000"/>
+            </a:schemeClr>
+          </a:solidFill>
+        </p:spPr>
+        <p:style>
+          <a:lnRef idx="2">
+            <a:schemeClr val="accent1">
+              <a:shade val="50000"/>
+            </a:schemeClr>
+          </a:lnRef>
+          <a:fillRef idx="1">
+            <a:schemeClr val="accent1"/>
+          </a:fillRef>
+          <a:effectRef idx="0">
+            <a:schemeClr val="accent1"/>
+          </a:effectRef>
+          <a:fontRef idx="minor">
+            <a:schemeClr val="lt1"/>
+          </a:fontRef>
+        </p:style>
+        <p:txBody>
+          <a:bodyPr rtlCol="0" anchor="ctr"/>
+          <a:lstStyle/>
+          <a:p>
+            <a:pPr algn="ctr"/>
+            <a:endParaRPr lang="en-US"/>
+          </a:p>
+        </p:txBody>
+      </p:sp>
+      <p:sp>
+        <p:nvSpPr>
+          <p:cNvPr id="138" name="Oval 137"/>
+          <p:cNvSpPr/>
+          <p:nvPr/>
+        </p:nvSpPr>
+        <p:spPr>
+          <a:xfrm>
+            <a:off x="7791701" y="3517972"/>
+            <a:ext cx="321972" cy="320888"/>
+          </a:xfrm>
+          <a:prstGeom prst="ellipse">
+            <a:avLst/>
+          </a:prstGeom>
+          <a:solidFill>
+            <a:schemeClr val="accent1">
+              <a:lumMod val="75000"/>
+            </a:schemeClr>
+          </a:solidFill>
+        </p:spPr>
+        <p:style>
+          <a:lnRef idx="2">
+            <a:schemeClr val="accent1">
+              <a:shade val="50000"/>
+            </a:schemeClr>
+          </a:lnRef>
+          <a:fillRef idx="1">
+            <a:schemeClr val="accent1"/>
+          </a:fillRef>
+          <a:effectRef idx="0">
+            <a:schemeClr val="accent1"/>
+          </a:effectRef>
+          <a:fontRef idx="minor">
+            <a:schemeClr val="lt1"/>
+          </a:fontRef>
+        </p:style>
+        <p:txBody>
+          <a:bodyPr rtlCol="0" anchor="ctr"/>
+          <a:lstStyle/>
+          <a:p>
+            <a:pPr algn="ctr"/>
+            <a:endParaRPr lang="en-US"/>
+          </a:p>
+        </p:txBody>
+      </p:sp>
+      <p:sp>
+        <p:nvSpPr>
+          <p:cNvPr id="139" name="Oval 138"/>
+          <p:cNvSpPr/>
+          <p:nvPr/>
+        </p:nvSpPr>
+        <p:spPr>
+          <a:xfrm>
+            <a:off x="7812893" y="4287348"/>
+            <a:ext cx="321972" cy="320888"/>
+          </a:xfrm>
+          <a:prstGeom prst="ellipse">
+            <a:avLst/>
+          </a:prstGeom>
+          <a:solidFill>
+            <a:schemeClr val="accent1">
+              <a:lumMod val="75000"/>
+            </a:schemeClr>
+          </a:solidFill>
+        </p:spPr>
+        <p:style>
+          <a:lnRef idx="2">
+            <a:schemeClr val="accent1">
+              <a:shade val="50000"/>
+            </a:schemeClr>
+          </a:lnRef>
+          <a:fillRef idx="1">
+            <a:schemeClr val="accent1"/>
+          </a:fillRef>
+          <a:effectRef idx="0">
+            <a:schemeClr val="accent1"/>
+          </a:effectRef>
+          <a:fontRef idx="minor">
+            <a:schemeClr val="lt1"/>
+          </a:fontRef>
+        </p:style>
+        <p:txBody>
+          <a:bodyPr rtlCol="0" anchor="ctr"/>
+          <a:lstStyle/>
+          <a:p>
+            <a:pPr algn="ctr"/>
+            <a:endParaRPr lang="en-US"/>
+          </a:p>
+        </p:txBody>
+      </p:sp>
+      <p:sp>
+        <p:nvSpPr>
+          <p:cNvPr id="142" name="Left Brace 141"/>
+          <p:cNvSpPr/>
+          <p:nvPr/>
+        </p:nvSpPr>
+        <p:spPr>
+          <a:xfrm>
+            <a:off x="7591390" y="2230911"/>
+            <a:ext cx="47107" cy="2309117"/>
+          </a:xfrm>
+          <a:prstGeom prst="leftBrace">
+            <a:avLst/>
+          </a:prstGeom>
+          <a:ln w="12700">
+            <a:solidFill>
+              <a:schemeClr val="tx1"/>
+            </a:solidFill>
+          </a:ln>
+        </p:spPr>
+        <p:style>
+          <a:lnRef idx="1">
+            <a:schemeClr val="accent1"/>
+          </a:lnRef>
+          <a:fillRef idx="0">
+            <a:schemeClr val="accent1"/>
+          </a:fillRef>
+          <a:effectRef idx="0">
+            <a:schemeClr val="accent1"/>
+          </a:effectRef>
+          <a:fontRef idx="minor">
+            <a:schemeClr val="tx1"/>
+          </a:fontRef>
+        </p:style>
+        <p:txBody>
+          <a:bodyPr rtlCol="0" anchor="ctr"/>
+          <a:lstStyle/>
+          <a:p>
+            <a:pPr algn="ctr"/>
+            <a:endParaRPr lang="en-US"/>
+          </a:p>
+        </p:txBody>
+      </p:sp>
+      <p:sp>
+        <p:nvSpPr>
+          <p:cNvPr id="143" name="TextBox 142"/>
+          <p:cNvSpPr txBox="1"/>
+          <p:nvPr/>
+        </p:nvSpPr>
+        <p:spPr>
+          <a:xfrm>
+            <a:off x="6521593" y="3186728"/>
+            <a:ext cx="1168415" cy="523220"/>
+          </a:xfrm>
+          <a:prstGeom prst="rect">
+            <a:avLst/>
+          </a:prstGeom>
+          <a:noFill/>
+        </p:spPr>
+        <p:txBody>
+          <a:bodyPr wrap="square" rtlCol="0">
+            <a:spAutoFit/>
+          </a:bodyPr>
+          <a:lstStyle/>
+          <a:p>
+            <a:r>
+              <a:rPr lang="en-US" sz="1400" dirty="0" smtClean="0">
+                <a:solidFill>
+                  <a:srgbClr val="C00000"/>
+                </a:solidFill>
+              </a:rPr>
+              <a:t>n_hidden_2</a:t>
+            </a:r>
+          </a:p>
+          <a:p>
+            <a:r>
+              <a:rPr lang="en-US" sz="1400" dirty="0" smtClean="0">
+                <a:solidFill>
+                  <a:schemeClr val="accent1">
+                    <a:lumMod val="75000"/>
+                  </a:schemeClr>
+                </a:solidFill>
+              </a:rPr>
+              <a:t>=256</a:t>
+            </a:r>
+            <a:endParaRPr lang="en-US" dirty="0">
+              <a:solidFill>
+                <a:schemeClr val="accent1">
+                  <a:lumMod val="75000"/>
+                </a:schemeClr>
+              </a:solidFill>
+            </a:endParaRPr>
+          </a:p>
+        </p:txBody>
+      </p:sp>
+      <p:cxnSp>
+        <p:nvCxnSpPr>
+          <p:cNvPr id="144" name="Straight Connector 143"/>
+          <p:cNvCxnSpPr/>
+          <p:nvPr/>
+        </p:nvCxnSpPr>
+        <p:spPr>
+          <a:xfrm>
+            <a:off x="8806444" y="283373"/>
+            <a:ext cx="32197" cy="6714245"/>
+          </a:xfrm>
+          <a:prstGeom prst="line">
+            <a:avLst/>
+          </a:prstGeom>
+          <a:ln>
+            <a:solidFill>
+              <a:schemeClr val="accent6">
+                <a:lumMod val="75000"/>
+              </a:schemeClr>
+            </a:solidFill>
+            <a:prstDash val="dash"/>
+          </a:ln>
+        </p:spPr>
+        <p:style>
+          <a:lnRef idx="1">
+            <a:schemeClr val="accent1"/>
+          </a:lnRef>
+          <a:fillRef idx="0">
+            <a:schemeClr val="accent1"/>
+          </a:fillRef>
+          <a:effectRef idx="0">
+            <a:schemeClr val="accent1"/>
+          </a:effectRef>
+          <a:fontRef idx="minor">
+            <a:schemeClr val="tx1"/>
+          </a:fontRef>
+        </p:style>
+      </p:cxnSp>
+      <p:sp>
+        <p:nvSpPr>
+          <p:cNvPr id="145" name="TextBox 144"/>
+          <p:cNvSpPr txBox="1"/>
+          <p:nvPr/>
+        </p:nvSpPr>
+        <p:spPr>
+          <a:xfrm>
+            <a:off x="6770004" y="275604"/>
+            <a:ext cx="2057393" cy="307777"/>
+          </a:xfrm>
+          <a:prstGeom prst="rect">
+            <a:avLst/>
+          </a:prstGeom>
+          <a:solidFill>
+            <a:schemeClr val="accent6">
+              <a:lumMod val="20000"/>
+              <a:lumOff val="80000"/>
+            </a:schemeClr>
+          </a:solidFill>
+        </p:spPr>
+        <p:txBody>
+          <a:bodyPr wrap="square" rtlCol="0">
+            <a:spAutoFit/>
+          </a:bodyPr>
+          <a:lstStyle/>
+          <a:p>
+            <a:pPr algn="ctr"/>
+            <a:r>
+              <a:rPr lang="en-US" sz="1400" dirty="0" smtClean="0">
+                <a:solidFill>
+                  <a:schemeClr val="accent6">
+                    <a:lumMod val="50000"/>
+                  </a:schemeClr>
+                </a:solidFill>
+              </a:rPr>
+              <a:t>Hidden </a:t>
+            </a:r>
+            <a:r>
+              <a:rPr lang="en-US" sz="1400" dirty="0" smtClean="0">
+                <a:solidFill>
+                  <a:schemeClr val="accent6">
+                    <a:lumMod val="50000"/>
+                  </a:schemeClr>
+                </a:solidFill>
+              </a:rPr>
+              <a:t>Layer 2</a:t>
+            </a:r>
+            <a:endParaRPr lang="en-US" sz="1400" dirty="0">
+              <a:solidFill>
+                <a:schemeClr val="accent6">
+                  <a:lumMod val="50000"/>
+                </a:schemeClr>
+              </a:solidFill>
+            </a:endParaRPr>
+          </a:p>
+        </p:txBody>
+      </p:sp>
+      <p:sp>
+        <p:nvSpPr>
+          <p:cNvPr id="146" name="Isosceles Triangle 145"/>
+          <p:cNvSpPr/>
+          <p:nvPr/>
+        </p:nvSpPr>
+        <p:spPr>
+          <a:xfrm>
+            <a:off x="8361621" y="1990473"/>
+            <a:ext cx="309093" cy="288770"/>
+          </a:xfrm>
+          <a:prstGeom prst="triangle">
+            <a:avLst/>
+          </a:prstGeom>
+          <a:solidFill>
+            <a:schemeClr val="accent2">
+              <a:lumMod val="20000"/>
+              <a:lumOff val="80000"/>
+            </a:schemeClr>
+          </a:solidFill>
+          <a:ln>
+            <a:solidFill>
+              <a:schemeClr val="accent2">
+                <a:lumMod val="60000"/>
+                <a:lumOff val="40000"/>
+              </a:schemeClr>
+            </a:solidFill>
+          </a:ln>
+        </p:spPr>
+        <p:style>
+          <a:lnRef idx="2">
+            <a:schemeClr val="accent1">
+              <a:shade val="50000"/>
+            </a:schemeClr>
+          </a:lnRef>
+          <a:fillRef idx="1">
+            <a:schemeClr val="accent1"/>
+          </a:fillRef>
+          <a:effectRef idx="0">
+            <a:schemeClr val="accent1"/>
+          </a:effectRef>
+          <a:fontRef idx="minor">
+            <a:schemeClr val="lt1"/>
+          </a:fontRef>
+        </p:style>
+        <p:txBody>
+          <a:bodyPr rtlCol="0" anchor="ctr"/>
+          <a:lstStyle/>
+          <a:p>
+            <a:pPr algn="ctr"/>
+            <a:endParaRPr lang="en-US"/>
+          </a:p>
+        </p:txBody>
+      </p:sp>
+      <p:sp>
+        <p:nvSpPr>
+          <p:cNvPr id="147" name="Isosceles Triangle 146"/>
+          <p:cNvSpPr/>
+          <p:nvPr/>
+        </p:nvSpPr>
+        <p:spPr>
+          <a:xfrm>
+            <a:off x="8361621" y="2743247"/>
+            <a:ext cx="309093" cy="288770"/>
+          </a:xfrm>
+          <a:prstGeom prst="triangle">
+            <a:avLst/>
+          </a:prstGeom>
+          <a:solidFill>
+            <a:schemeClr val="accent2">
+              <a:lumMod val="20000"/>
+              <a:lumOff val="80000"/>
+            </a:schemeClr>
+          </a:solidFill>
+          <a:ln>
+            <a:solidFill>
+              <a:schemeClr val="accent2">
+                <a:lumMod val="60000"/>
+                <a:lumOff val="40000"/>
+              </a:schemeClr>
+            </a:solidFill>
+          </a:ln>
+        </p:spPr>
+        <p:style>
+          <a:lnRef idx="2">
+            <a:schemeClr val="accent1">
+              <a:shade val="50000"/>
+            </a:schemeClr>
+          </a:lnRef>
+          <a:fillRef idx="1">
+            <a:schemeClr val="accent1"/>
+          </a:fillRef>
+          <a:effectRef idx="0">
+            <a:schemeClr val="accent1"/>
+          </a:effectRef>
+          <a:fontRef idx="minor">
+            <a:schemeClr val="lt1"/>
+          </a:fontRef>
+        </p:style>
+        <p:txBody>
+          <a:bodyPr rtlCol="0" anchor="ctr"/>
+          <a:lstStyle/>
+          <a:p>
+            <a:pPr algn="ctr"/>
+            <a:endParaRPr lang="en-US"/>
+          </a:p>
+        </p:txBody>
+      </p:sp>
+      <p:sp>
+        <p:nvSpPr>
+          <p:cNvPr id="148" name="Isosceles Triangle 147"/>
+          <p:cNvSpPr/>
+          <p:nvPr/>
+        </p:nvSpPr>
+        <p:spPr>
+          <a:xfrm>
+            <a:off x="8389001" y="3517482"/>
+            <a:ext cx="309093" cy="288770"/>
+          </a:xfrm>
+          <a:prstGeom prst="triangle">
+            <a:avLst/>
+          </a:prstGeom>
+          <a:solidFill>
+            <a:schemeClr val="accent2">
+              <a:lumMod val="20000"/>
+              <a:lumOff val="80000"/>
+            </a:schemeClr>
+          </a:solidFill>
+          <a:ln>
+            <a:solidFill>
+              <a:schemeClr val="accent2">
+                <a:lumMod val="60000"/>
+                <a:lumOff val="40000"/>
+              </a:schemeClr>
+            </a:solidFill>
+          </a:ln>
+        </p:spPr>
+        <p:style>
+          <a:lnRef idx="2">
+            <a:schemeClr val="accent1">
+              <a:shade val="50000"/>
+            </a:schemeClr>
+          </a:lnRef>
+          <a:fillRef idx="1">
+            <a:schemeClr val="accent1"/>
+          </a:fillRef>
+          <a:effectRef idx="0">
+            <a:schemeClr val="accent1"/>
+          </a:effectRef>
+          <a:fontRef idx="minor">
+            <a:schemeClr val="lt1"/>
+          </a:fontRef>
+        </p:style>
+        <p:txBody>
+          <a:bodyPr rtlCol="0" anchor="ctr"/>
+          <a:lstStyle/>
+          <a:p>
+            <a:pPr algn="ctr"/>
+            <a:endParaRPr lang="en-US"/>
+          </a:p>
+        </p:txBody>
+      </p:sp>
+      <p:sp>
+        <p:nvSpPr>
+          <p:cNvPr id="149" name="Isosceles Triangle 148"/>
+          <p:cNvSpPr/>
+          <p:nvPr/>
+        </p:nvSpPr>
+        <p:spPr>
+          <a:xfrm>
+            <a:off x="8423043" y="4289625"/>
+            <a:ext cx="309093" cy="288770"/>
+          </a:xfrm>
+          <a:prstGeom prst="triangle">
+            <a:avLst/>
+          </a:prstGeom>
+          <a:solidFill>
+            <a:schemeClr val="accent2">
+              <a:lumMod val="20000"/>
+              <a:lumOff val="80000"/>
+            </a:schemeClr>
+          </a:solidFill>
+          <a:ln>
+            <a:solidFill>
+              <a:schemeClr val="accent2">
+                <a:lumMod val="60000"/>
+                <a:lumOff val="40000"/>
+              </a:schemeClr>
+            </a:solidFill>
+          </a:ln>
+        </p:spPr>
+        <p:style>
+          <a:lnRef idx="2">
+            <a:schemeClr val="accent1">
+              <a:shade val="50000"/>
+            </a:schemeClr>
+          </a:lnRef>
+          <a:fillRef idx="1">
+            <a:schemeClr val="accent1"/>
+          </a:fillRef>
+          <a:effectRef idx="0">
+            <a:schemeClr val="accent1"/>
+          </a:effectRef>
+          <a:fontRef idx="minor">
+            <a:schemeClr val="lt1"/>
+          </a:fontRef>
+        </p:style>
+        <p:txBody>
+          <a:bodyPr rtlCol="0" anchor="ctr"/>
+          <a:lstStyle/>
+          <a:p>
+            <a:pPr algn="ctr"/>
+            <a:endParaRPr lang="en-US"/>
+          </a:p>
+        </p:txBody>
+      </p:sp>
+      <p:sp>
+        <p:nvSpPr>
+          <p:cNvPr id="150" name="TextBox 149"/>
+          <p:cNvSpPr txBox="1"/>
+          <p:nvPr/>
+        </p:nvSpPr>
+        <p:spPr>
+          <a:xfrm>
+            <a:off x="8534032" y="6274184"/>
+            <a:ext cx="1982001" cy="400110"/>
+          </a:xfrm>
+          <a:prstGeom prst="rect">
+            <a:avLst/>
+          </a:prstGeom>
+          <a:noFill/>
+        </p:spPr>
+        <p:txBody>
+          <a:bodyPr wrap="square" rtlCol="0">
+            <a:spAutoFit/>
+          </a:bodyPr>
+          <a:lstStyle/>
+          <a:p>
+            <a:r>
+              <a:rPr lang="en-US" dirty="0" smtClean="0">
+                <a:solidFill>
+                  <a:srgbClr val="C00000"/>
+                </a:solidFill>
+              </a:rPr>
+              <a:t>‘out’: </a:t>
+            </a:r>
+            <a:r>
+              <a:rPr lang="en-US" sz="1400" dirty="0" smtClean="0">
+                <a:solidFill>
+                  <a:schemeClr val="accent2">
+                    <a:lumMod val="75000"/>
+                  </a:schemeClr>
+                </a:solidFill>
+              </a:rPr>
+              <a:t>tf.Variables</a:t>
+            </a:r>
+            <a:r>
+              <a:rPr lang="en-US" sz="2000" dirty="0" smtClean="0">
+                <a:solidFill>
+                  <a:srgbClr val="C00000"/>
+                </a:solidFill>
+              </a:rPr>
+              <a:t>}</a:t>
+            </a:r>
+            <a:endParaRPr lang="en-US" sz="1400" dirty="0">
+              <a:solidFill>
+                <a:srgbClr val="C00000"/>
+              </a:solidFill>
+            </a:endParaRPr>
+          </a:p>
+        </p:txBody>
+      </p:sp>
+      <p:sp>
+        <p:nvSpPr>
+          <p:cNvPr id="151" name="TextBox 150"/>
+          <p:cNvSpPr txBox="1"/>
+          <p:nvPr/>
+        </p:nvSpPr>
+        <p:spPr>
+          <a:xfrm>
+            <a:off x="8561325" y="6538461"/>
+            <a:ext cx="1982001" cy="369332"/>
+          </a:xfrm>
+          <a:prstGeom prst="rect">
+            <a:avLst/>
+          </a:prstGeom>
+          <a:noFill/>
+        </p:spPr>
+        <p:txBody>
+          <a:bodyPr wrap="square" rtlCol="0">
+            <a:spAutoFit/>
+          </a:bodyPr>
+          <a:lstStyle/>
+          <a:p>
+            <a:r>
+              <a:rPr lang="en-US" dirty="0" smtClean="0">
+                <a:solidFill>
+                  <a:srgbClr val="C00000"/>
+                </a:solidFill>
+              </a:rPr>
+              <a:t>‘out’: </a:t>
+            </a:r>
+            <a:r>
+              <a:rPr lang="en-US" sz="1400" dirty="0" smtClean="0">
+                <a:solidFill>
+                  <a:schemeClr val="accent2">
+                    <a:lumMod val="75000"/>
+                  </a:schemeClr>
+                </a:solidFill>
+              </a:rPr>
+              <a:t>tf.Variables</a:t>
+            </a:r>
+            <a:r>
+              <a:rPr lang="en-US" sz="1400" dirty="0">
+                <a:solidFill>
+                  <a:srgbClr val="C00000"/>
+                </a:solidFill>
+              </a:rPr>
+              <a:t> }</a:t>
+            </a:r>
+            <a:endParaRPr lang="en-US" sz="1400" dirty="0">
+              <a:solidFill>
+                <a:schemeClr val="accent2">
+                  <a:lumMod val="75000"/>
+                </a:schemeClr>
+              </a:solidFill>
+            </a:endParaRPr>
+          </a:p>
+        </p:txBody>
+      </p:sp>
+      <p:sp>
+        <p:nvSpPr>
+          <p:cNvPr id="152" name="Rectangle 151"/>
+          <p:cNvSpPr/>
+          <p:nvPr/>
+        </p:nvSpPr>
+        <p:spPr>
+          <a:xfrm>
+            <a:off x="9036077" y="639580"/>
+            <a:ext cx="263487" cy="202616"/>
+          </a:xfrm>
+          <a:prstGeom prst="rect">
+            <a:avLst/>
+          </a:prstGeom>
+          <a:solidFill>
+            <a:schemeClr val="accent6">
+              <a:lumMod val="75000"/>
+            </a:schemeClr>
+          </a:solidFill>
+          <a:ln>
+            <a:solidFill>
+              <a:schemeClr val="accent6">
+                <a:lumMod val="75000"/>
+              </a:schemeClr>
+            </a:solidFill>
+          </a:ln>
+        </p:spPr>
+        <p:style>
+          <a:lnRef idx="2">
+            <a:schemeClr val="accent1">
+              <a:shade val="50000"/>
+            </a:schemeClr>
+          </a:lnRef>
+          <a:fillRef idx="1">
+            <a:schemeClr val="accent1"/>
+          </a:fillRef>
+          <a:effectRef idx="0">
+            <a:schemeClr val="accent1"/>
+          </a:effectRef>
+          <a:fontRef idx="minor">
+            <a:schemeClr val="lt1"/>
+          </a:fontRef>
+        </p:style>
+        <p:txBody>
+          <a:bodyPr rtlCol="0" anchor="ctr"/>
+          <a:lstStyle/>
+          <a:p>
+            <a:pPr algn="ctr"/>
+            <a:r>
+              <a:rPr lang="en-US" dirty="0" smtClean="0"/>
+              <a:t>0</a:t>
+            </a:r>
+            <a:endParaRPr lang="en-US" dirty="0"/>
+          </a:p>
+        </p:txBody>
+      </p:sp>
+      <p:sp>
+        <p:nvSpPr>
+          <p:cNvPr id="162" name="Rectangle 161"/>
+          <p:cNvSpPr/>
+          <p:nvPr/>
+        </p:nvSpPr>
+        <p:spPr>
+          <a:xfrm>
+            <a:off x="9355097" y="636362"/>
+            <a:ext cx="263487" cy="202616"/>
+          </a:xfrm>
+          <a:prstGeom prst="rect">
+            <a:avLst/>
+          </a:prstGeom>
+          <a:solidFill>
+            <a:schemeClr val="accent6">
+              <a:lumMod val="75000"/>
+            </a:schemeClr>
+          </a:solidFill>
+          <a:ln>
+            <a:solidFill>
+              <a:schemeClr val="accent6">
+                <a:lumMod val="75000"/>
+              </a:schemeClr>
+            </a:solidFill>
+          </a:ln>
+        </p:spPr>
+        <p:style>
+          <a:lnRef idx="2">
+            <a:schemeClr val="accent1">
+              <a:shade val="50000"/>
+            </a:schemeClr>
+          </a:lnRef>
+          <a:fillRef idx="1">
+            <a:schemeClr val="accent1"/>
+          </a:fillRef>
+          <a:effectRef idx="0">
+            <a:schemeClr val="accent1"/>
+          </a:effectRef>
+          <a:fontRef idx="minor">
+            <a:schemeClr val="lt1"/>
+          </a:fontRef>
+        </p:style>
+        <p:txBody>
+          <a:bodyPr rtlCol="0" anchor="ctr"/>
+          <a:lstStyle/>
+          <a:p>
+            <a:pPr algn="ctr"/>
+            <a:r>
+              <a:rPr lang="en-US" dirty="0" smtClean="0"/>
+              <a:t>0</a:t>
+            </a:r>
+            <a:endParaRPr lang="en-US" dirty="0"/>
+          </a:p>
+        </p:txBody>
+      </p:sp>
+      <p:sp>
+        <p:nvSpPr>
+          <p:cNvPr id="163" name="Rectangle 162"/>
+          <p:cNvSpPr/>
+          <p:nvPr/>
+        </p:nvSpPr>
+        <p:spPr>
+          <a:xfrm>
+            <a:off x="9658834" y="637732"/>
+            <a:ext cx="263487" cy="202616"/>
+          </a:xfrm>
+          <a:prstGeom prst="rect">
+            <a:avLst/>
+          </a:prstGeom>
+          <a:solidFill>
+            <a:schemeClr val="accent6">
+              <a:lumMod val="75000"/>
+            </a:schemeClr>
+          </a:solidFill>
+          <a:ln>
+            <a:solidFill>
+              <a:schemeClr val="accent6">
+                <a:lumMod val="75000"/>
+              </a:schemeClr>
+            </a:solidFill>
+          </a:ln>
+        </p:spPr>
+        <p:style>
+          <a:lnRef idx="2">
+            <a:schemeClr val="accent1">
+              <a:shade val="50000"/>
+            </a:schemeClr>
+          </a:lnRef>
+          <a:fillRef idx="1">
+            <a:schemeClr val="accent1"/>
+          </a:fillRef>
+          <a:effectRef idx="0">
+            <a:schemeClr val="accent1"/>
+          </a:effectRef>
+          <a:fontRef idx="minor">
+            <a:schemeClr val="lt1"/>
+          </a:fontRef>
+        </p:style>
+        <p:txBody>
+          <a:bodyPr rtlCol="0" anchor="ctr"/>
+          <a:lstStyle/>
+          <a:p>
+            <a:pPr algn="ctr"/>
+            <a:r>
+              <a:rPr lang="en-US" dirty="0" smtClean="0"/>
+              <a:t>1</a:t>
+            </a:r>
+            <a:endParaRPr lang="en-US" dirty="0"/>
+          </a:p>
+        </p:txBody>
+      </p:sp>
+      <p:sp>
+        <p:nvSpPr>
+          <p:cNvPr id="164" name="Rectangle 163"/>
+          <p:cNvSpPr/>
+          <p:nvPr/>
+        </p:nvSpPr>
+        <p:spPr>
+          <a:xfrm>
+            <a:off x="9977854" y="634514"/>
+            <a:ext cx="263487" cy="202616"/>
+          </a:xfrm>
+          <a:prstGeom prst="rect">
+            <a:avLst/>
+          </a:prstGeom>
+          <a:solidFill>
+            <a:schemeClr val="accent6">
+              <a:lumMod val="75000"/>
+            </a:schemeClr>
+          </a:solidFill>
+          <a:ln>
+            <a:solidFill>
+              <a:schemeClr val="accent6">
+                <a:lumMod val="75000"/>
+              </a:schemeClr>
+            </a:solidFill>
+          </a:ln>
+        </p:spPr>
+        <p:style>
+          <a:lnRef idx="2">
+            <a:schemeClr val="accent1">
+              <a:shade val="50000"/>
+            </a:schemeClr>
+          </a:lnRef>
+          <a:fillRef idx="1">
+            <a:schemeClr val="accent1"/>
+          </a:fillRef>
+          <a:effectRef idx="0">
+            <a:schemeClr val="accent1"/>
+          </a:effectRef>
+          <a:fontRef idx="minor">
+            <a:schemeClr val="lt1"/>
+          </a:fontRef>
+        </p:style>
+        <p:txBody>
+          <a:bodyPr rtlCol="0" anchor="ctr"/>
+          <a:lstStyle/>
+          <a:p>
+            <a:pPr algn="ctr"/>
+            <a:r>
+              <a:rPr lang="en-US" dirty="0" smtClean="0"/>
+              <a:t>0</a:t>
+            </a:r>
+            <a:endParaRPr lang="en-US" dirty="0"/>
+          </a:p>
+        </p:txBody>
+      </p:sp>
+      <p:sp>
+        <p:nvSpPr>
+          <p:cNvPr id="165" name="Rectangle 164"/>
+          <p:cNvSpPr/>
+          <p:nvPr/>
+        </p:nvSpPr>
+        <p:spPr>
+          <a:xfrm>
+            <a:off x="10291750" y="636362"/>
+            <a:ext cx="263487" cy="202616"/>
+          </a:xfrm>
+          <a:prstGeom prst="rect">
+            <a:avLst/>
+          </a:prstGeom>
+          <a:solidFill>
+            <a:schemeClr val="accent6">
+              <a:lumMod val="75000"/>
+            </a:schemeClr>
+          </a:solidFill>
+          <a:ln>
+            <a:solidFill>
+              <a:schemeClr val="accent6">
+                <a:lumMod val="75000"/>
+              </a:schemeClr>
+            </a:solidFill>
+          </a:ln>
+        </p:spPr>
+        <p:style>
+          <a:lnRef idx="2">
+            <a:schemeClr val="accent1">
+              <a:shade val="50000"/>
+            </a:schemeClr>
+          </a:lnRef>
+          <a:fillRef idx="1">
+            <a:schemeClr val="accent1"/>
+          </a:fillRef>
+          <a:effectRef idx="0">
+            <a:schemeClr val="accent1"/>
+          </a:effectRef>
+          <a:fontRef idx="minor">
+            <a:schemeClr val="lt1"/>
+          </a:fontRef>
+        </p:style>
+        <p:txBody>
+          <a:bodyPr rtlCol="0" anchor="ctr"/>
+          <a:lstStyle/>
+          <a:p>
+            <a:pPr algn="ctr"/>
+            <a:r>
+              <a:rPr lang="en-US" dirty="0" smtClean="0"/>
+              <a:t>0</a:t>
+            </a:r>
+            <a:endParaRPr lang="en-US" dirty="0"/>
+          </a:p>
+        </p:txBody>
+      </p:sp>
+      <p:sp>
+        <p:nvSpPr>
+          <p:cNvPr id="166" name="Rectangle 165"/>
+          <p:cNvSpPr/>
+          <p:nvPr/>
+        </p:nvSpPr>
+        <p:spPr>
+          <a:xfrm>
+            <a:off x="10610770" y="633144"/>
+            <a:ext cx="263487" cy="202616"/>
+          </a:xfrm>
+          <a:prstGeom prst="rect">
+            <a:avLst/>
+          </a:prstGeom>
+          <a:solidFill>
+            <a:schemeClr val="accent6">
+              <a:lumMod val="75000"/>
+            </a:schemeClr>
+          </a:solidFill>
+          <a:ln>
+            <a:solidFill>
+              <a:schemeClr val="accent6">
+                <a:lumMod val="75000"/>
+              </a:schemeClr>
+            </a:solidFill>
+          </a:ln>
+        </p:spPr>
+        <p:style>
+          <a:lnRef idx="2">
+            <a:schemeClr val="accent1">
+              <a:shade val="50000"/>
+            </a:schemeClr>
+          </a:lnRef>
+          <a:fillRef idx="1">
+            <a:schemeClr val="accent1"/>
+          </a:fillRef>
+          <a:effectRef idx="0">
+            <a:schemeClr val="accent1"/>
+          </a:effectRef>
+          <a:fontRef idx="minor">
+            <a:schemeClr val="lt1"/>
+          </a:fontRef>
+        </p:style>
+        <p:txBody>
+          <a:bodyPr rtlCol="0" anchor="ctr"/>
+          <a:lstStyle/>
+          <a:p>
+            <a:pPr algn="ctr"/>
+            <a:r>
+              <a:rPr lang="en-US" dirty="0" smtClean="0"/>
+              <a:t>0</a:t>
+            </a:r>
+            <a:endParaRPr lang="en-US" dirty="0"/>
+          </a:p>
+        </p:txBody>
+      </p:sp>
+      <p:sp>
+        <p:nvSpPr>
+          <p:cNvPr id="167" name="Rectangle 166"/>
+          <p:cNvSpPr/>
+          <p:nvPr/>
+        </p:nvSpPr>
+        <p:spPr>
+          <a:xfrm>
+            <a:off x="10929790" y="633144"/>
+            <a:ext cx="263487" cy="202616"/>
+          </a:xfrm>
+          <a:prstGeom prst="rect">
+            <a:avLst/>
+          </a:prstGeom>
+          <a:solidFill>
+            <a:schemeClr val="accent6">
+              <a:lumMod val="75000"/>
+            </a:schemeClr>
+          </a:solidFill>
+          <a:ln>
+            <a:solidFill>
+              <a:schemeClr val="accent6">
+                <a:lumMod val="75000"/>
+              </a:schemeClr>
+            </a:solidFill>
+          </a:ln>
+        </p:spPr>
+        <p:style>
+          <a:lnRef idx="2">
+            <a:schemeClr val="accent1">
+              <a:shade val="50000"/>
+            </a:schemeClr>
+          </a:lnRef>
+          <a:fillRef idx="1">
+            <a:schemeClr val="accent1"/>
+          </a:fillRef>
+          <a:effectRef idx="0">
+            <a:schemeClr val="accent1"/>
+          </a:effectRef>
+          <a:fontRef idx="minor">
+            <a:schemeClr val="lt1"/>
+          </a:fontRef>
+        </p:style>
+        <p:txBody>
+          <a:bodyPr rtlCol="0" anchor="ctr"/>
+          <a:lstStyle/>
+          <a:p>
+            <a:pPr algn="ctr"/>
+            <a:r>
+              <a:rPr lang="en-US" dirty="0" smtClean="0"/>
+              <a:t>0</a:t>
+            </a:r>
+            <a:endParaRPr lang="en-US" dirty="0"/>
+          </a:p>
+        </p:txBody>
+      </p:sp>
+      <p:sp>
+        <p:nvSpPr>
+          <p:cNvPr id="168" name="Rectangle 167"/>
+          <p:cNvSpPr/>
+          <p:nvPr/>
+        </p:nvSpPr>
+        <p:spPr>
+          <a:xfrm>
+            <a:off x="11248810" y="629926"/>
+            <a:ext cx="263487" cy="202616"/>
+          </a:xfrm>
+          <a:prstGeom prst="rect">
+            <a:avLst/>
+          </a:prstGeom>
+          <a:solidFill>
+            <a:schemeClr val="accent6">
+              <a:lumMod val="75000"/>
+            </a:schemeClr>
+          </a:solidFill>
+          <a:ln>
+            <a:solidFill>
+              <a:schemeClr val="accent6">
+                <a:lumMod val="75000"/>
+              </a:schemeClr>
+            </a:solidFill>
+          </a:ln>
+        </p:spPr>
+        <p:style>
+          <a:lnRef idx="2">
+            <a:schemeClr val="accent1">
+              <a:shade val="50000"/>
+            </a:schemeClr>
+          </a:lnRef>
+          <a:fillRef idx="1">
+            <a:schemeClr val="accent1"/>
+          </a:fillRef>
+          <a:effectRef idx="0">
+            <a:schemeClr val="accent1"/>
+          </a:effectRef>
+          <a:fontRef idx="minor">
+            <a:schemeClr val="lt1"/>
+          </a:fontRef>
+        </p:style>
+        <p:txBody>
+          <a:bodyPr rtlCol="0" anchor="ctr"/>
+          <a:lstStyle/>
+          <a:p>
+            <a:pPr algn="ctr"/>
+            <a:r>
+              <a:rPr lang="en-US" dirty="0" smtClean="0"/>
+              <a:t>0</a:t>
+            </a:r>
+            <a:endParaRPr lang="en-US" dirty="0"/>
+          </a:p>
+        </p:txBody>
+      </p:sp>
+      <p:sp>
+        <p:nvSpPr>
+          <p:cNvPr id="169" name="Rectangle 168"/>
+          <p:cNvSpPr/>
+          <p:nvPr/>
+        </p:nvSpPr>
+        <p:spPr>
+          <a:xfrm>
+            <a:off x="11564947" y="626349"/>
+            <a:ext cx="263487" cy="202616"/>
+          </a:xfrm>
+          <a:prstGeom prst="rect">
+            <a:avLst/>
+          </a:prstGeom>
+          <a:solidFill>
+            <a:schemeClr val="accent6">
+              <a:lumMod val="75000"/>
+            </a:schemeClr>
+          </a:solidFill>
+          <a:ln>
+            <a:solidFill>
+              <a:schemeClr val="accent6">
+                <a:lumMod val="75000"/>
+              </a:schemeClr>
+            </a:solidFill>
+          </a:ln>
+        </p:spPr>
+        <p:style>
+          <a:lnRef idx="2">
+            <a:schemeClr val="accent1">
+              <a:shade val="50000"/>
+            </a:schemeClr>
+          </a:lnRef>
+          <a:fillRef idx="1">
+            <a:schemeClr val="accent1"/>
+          </a:fillRef>
+          <a:effectRef idx="0">
+            <a:schemeClr val="accent1"/>
+          </a:effectRef>
+          <a:fontRef idx="minor">
+            <a:schemeClr val="lt1"/>
+          </a:fontRef>
+        </p:style>
+        <p:txBody>
+          <a:bodyPr rtlCol="0" anchor="ctr"/>
+          <a:lstStyle/>
+          <a:p>
+            <a:pPr algn="ctr"/>
+            <a:r>
+              <a:rPr lang="en-US" dirty="0" smtClean="0"/>
+              <a:t>0</a:t>
+            </a:r>
+            <a:endParaRPr lang="en-US" dirty="0"/>
+          </a:p>
+        </p:txBody>
+      </p:sp>
+      <p:sp>
+        <p:nvSpPr>
+          <p:cNvPr id="170" name="Rectangle 169"/>
+          <p:cNvSpPr/>
+          <p:nvPr/>
+        </p:nvSpPr>
+        <p:spPr>
+          <a:xfrm>
+            <a:off x="11883967" y="623131"/>
+            <a:ext cx="263487" cy="202616"/>
+          </a:xfrm>
+          <a:prstGeom prst="rect">
+            <a:avLst/>
+          </a:prstGeom>
+          <a:solidFill>
+            <a:schemeClr val="accent6">
+              <a:lumMod val="75000"/>
+            </a:schemeClr>
+          </a:solidFill>
+          <a:ln>
+            <a:solidFill>
+              <a:schemeClr val="accent6">
+                <a:lumMod val="75000"/>
+              </a:schemeClr>
+            </a:solidFill>
+          </a:ln>
+        </p:spPr>
+        <p:style>
+          <a:lnRef idx="2">
+            <a:schemeClr val="accent1">
+              <a:shade val="50000"/>
+            </a:schemeClr>
+          </a:lnRef>
+          <a:fillRef idx="1">
+            <a:schemeClr val="accent1"/>
+          </a:fillRef>
+          <a:effectRef idx="0">
+            <a:schemeClr val="accent1"/>
+          </a:effectRef>
+          <a:fontRef idx="minor">
+            <a:schemeClr val="lt1"/>
+          </a:fontRef>
+        </p:style>
+        <p:txBody>
+          <a:bodyPr rtlCol="0" anchor="ctr"/>
+          <a:lstStyle/>
+          <a:p>
+            <a:pPr algn="ctr"/>
+            <a:r>
+              <a:rPr lang="en-US" dirty="0" smtClean="0"/>
+              <a:t>0</a:t>
+            </a:r>
+            <a:endParaRPr lang="en-US" dirty="0"/>
+          </a:p>
+        </p:txBody>
+      </p:sp>
+      <p:cxnSp>
+        <p:nvCxnSpPr>
+          <p:cNvPr id="171" name="Straight Connector 170"/>
+          <p:cNvCxnSpPr/>
+          <p:nvPr/>
+        </p:nvCxnSpPr>
+        <p:spPr>
+          <a:xfrm flipH="1">
+            <a:off x="47254" y="2432426"/>
+            <a:ext cx="4218070" cy="12913"/>
+          </a:xfrm>
+          <a:prstGeom prst="line">
+            <a:avLst/>
+          </a:prstGeom>
+          <a:ln>
+            <a:solidFill>
+              <a:schemeClr val="accent6">
+                <a:lumMod val="75000"/>
+              </a:schemeClr>
+            </a:solidFill>
+            <a:prstDash val="dash"/>
+          </a:ln>
+        </p:spPr>
+        <p:style>
+          <a:lnRef idx="1">
+            <a:schemeClr val="accent1"/>
+          </a:lnRef>
+          <a:fillRef idx="0">
+            <a:schemeClr val="accent1"/>
+          </a:fillRef>
+          <a:effectRef idx="0">
+            <a:schemeClr val="accent1"/>
+          </a:effectRef>
+          <a:fontRef idx="minor">
+            <a:schemeClr val="tx1"/>
+          </a:fontRef>
+        </p:style>
+      </p:cxnSp>
+      <p:sp>
+        <p:nvSpPr>
+          <p:cNvPr id="174" name="TextBox 173"/>
+          <p:cNvSpPr txBox="1"/>
+          <p:nvPr/>
+        </p:nvSpPr>
+        <p:spPr>
+          <a:xfrm>
+            <a:off x="10449442" y="6257735"/>
+            <a:ext cx="1588525" cy="369332"/>
+          </a:xfrm>
+          <a:prstGeom prst="rect">
+            <a:avLst/>
+          </a:prstGeom>
+          <a:noFill/>
+        </p:spPr>
+        <p:txBody>
+          <a:bodyPr wrap="square" rtlCol="0">
+            <a:spAutoFit/>
+          </a:bodyPr>
+          <a:lstStyle/>
+          <a:p>
+            <a:r>
+              <a:rPr lang="en-US" dirty="0" smtClean="0">
+                <a:solidFill>
+                  <a:srgbClr val="C00000"/>
+                </a:solidFill>
+              </a:rPr>
+              <a:t>Weights: </a:t>
+            </a:r>
+            <a:r>
+              <a:rPr lang="en-US" dirty="0" smtClean="0">
+                <a:solidFill>
+                  <a:schemeClr val="accent2">
+                    <a:lumMod val="75000"/>
+                  </a:schemeClr>
+                </a:solidFill>
+              </a:rPr>
+              <a:t>dict</a:t>
+            </a:r>
+            <a:endParaRPr lang="en-US" dirty="0">
+              <a:solidFill>
+                <a:schemeClr val="accent2">
+                  <a:lumMod val="75000"/>
+                </a:schemeClr>
+              </a:solidFill>
+            </a:endParaRPr>
+          </a:p>
+        </p:txBody>
+      </p:sp>
+      <p:sp>
+        <p:nvSpPr>
+          <p:cNvPr id="175" name="TextBox 174"/>
+          <p:cNvSpPr txBox="1"/>
+          <p:nvPr/>
+        </p:nvSpPr>
+        <p:spPr>
+          <a:xfrm>
+            <a:off x="10475618" y="6569239"/>
+            <a:ext cx="1588525" cy="369332"/>
+          </a:xfrm>
+          <a:prstGeom prst="rect">
+            <a:avLst/>
+          </a:prstGeom>
+          <a:noFill/>
+        </p:spPr>
+        <p:txBody>
+          <a:bodyPr wrap="square" rtlCol="0">
+            <a:spAutoFit/>
+          </a:bodyPr>
+          <a:lstStyle/>
+          <a:p>
+            <a:r>
+              <a:rPr lang="en-US" dirty="0" smtClean="0">
+                <a:solidFill>
+                  <a:srgbClr val="C00000"/>
+                </a:solidFill>
+              </a:rPr>
+              <a:t>biases: </a:t>
+            </a:r>
+            <a:r>
+              <a:rPr lang="en-US" dirty="0" smtClean="0">
+                <a:solidFill>
+                  <a:schemeClr val="accent2">
+                    <a:lumMod val="75000"/>
+                  </a:schemeClr>
+                </a:solidFill>
+              </a:rPr>
+              <a:t>dict</a:t>
+            </a:r>
+            <a:endParaRPr lang="en-US" dirty="0">
+              <a:solidFill>
+                <a:schemeClr val="accent2">
+                  <a:lumMod val="75000"/>
+                </a:schemeClr>
+              </a:solidFill>
+            </a:endParaRPr>
+          </a:p>
+        </p:txBody>
+      </p:sp>
+      <p:cxnSp>
+        <p:nvCxnSpPr>
+          <p:cNvPr id="177" name="Straight Arrow Connector 176"/>
+          <p:cNvCxnSpPr/>
+          <p:nvPr/>
+        </p:nvCxnSpPr>
+        <p:spPr>
+          <a:xfrm>
+            <a:off x="10065928" y="6442401"/>
+            <a:ext cx="400413" cy="0"/>
+          </a:xfrm>
+          <a:prstGeom prst="straightConnector1">
+            <a:avLst/>
+          </a:prstGeom>
+          <a:ln>
+            <a:solidFill>
+              <a:srgbClr val="C00000"/>
+            </a:solidFill>
+            <a:tailEnd type="triangle"/>
+          </a:ln>
+        </p:spPr>
+        <p:style>
+          <a:lnRef idx="1">
+            <a:schemeClr val="accent1"/>
+          </a:lnRef>
+          <a:fillRef idx="0">
+            <a:schemeClr val="accent1"/>
+          </a:fillRef>
+          <a:effectRef idx="0">
+            <a:schemeClr val="accent1"/>
+          </a:effectRef>
+          <a:fontRef idx="minor">
+            <a:schemeClr val="tx1"/>
+          </a:fontRef>
+        </p:style>
+      </p:cxnSp>
+      <p:cxnSp>
+        <p:nvCxnSpPr>
+          <p:cNvPr id="180" name="Straight Arrow Connector 179"/>
+          <p:cNvCxnSpPr>
+            <a:endCxn id="151" idx="3"/>
+          </p:cNvCxnSpPr>
+          <p:nvPr/>
+        </p:nvCxnSpPr>
+        <p:spPr>
+          <a:xfrm>
+            <a:off x="10110388" y="6723127"/>
+            <a:ext cx="432938" cy="0"/>
+          </a:xfrm>
+          <a:prstGeom prst="straightConnector1">
+            <a:avLst/>
+          </a:prstGeom>
+          <a:ln>
+            <a:solidFill>
+              <a:srgbClr val="C00000"/>
+            </a:solidFill>
+            <a:tailEnd type="triangle"/>
+          </a:ln>
+        </p:spPr>
+        <p:style>
+          <a:lnRef idx="1">
+            <a:schemeClr val="accent1"/>
+          </a:lnRef>
+          <a:fillRef idx="0">
+            <a:schemeClr val="accent1"/>
+          </a:fillRef>
+          <a:effectRef idx="0">
+            <a:schemeClr val="accent1"/>
+          </a:effectRef>
+          <a:fontRef idx="minor">
+            <a:schemeClr val="tx1"/>
+          </a:fontRef>
+        </p:style>
+      </p:cxnSp>
+      <p:sp>
+        <p:nvSpPr>
+          <p:cNvPr id="182" name="Right Brace 181"/>
+          <p:cNvSpPr/>
+          <p:nvPr/>
+        </p:nvSpPr>
+        <p:spPr>
+          <a:xfrm rot="5400000">
+            <a:off x="6017855" y="1547908"/>
+            <a:ext cx="299125" cy="8597846"/>
+          </a:xfrm>
+          <a:prstGeom prst="rightBrace">
+            <a:avLst>
+              <a:gd name="adj1" fmla="val 8333"/>
+              <a:gd name="adj2" fmla="val 45643"/>
+            </a:avLst>
+          </a:prstGeom>
+          <a:ln>
+            <a:solidFill>
+              <a:srgbClr val="C00000"/>
+            </a:solidFill>
+          </a:ln>
+        </p:spPr>
+        <p:style>
+          <a:lnRef idx="1">
+            <a:schemeClr val="accent1"/>
+          </a:lnRef>
+          <a:fillRef idx="0">
+            <a:schemeClr val="accent1"/>
+          </a:fillRef>
+          <a:effectRef idx="0">
+            <a:schemeClr val="accent1"/>
+          </a:effectRef>
+          <a:fontRef idx="minor">
+            <a:schemeClr val="tx1"/>
+          </a:fontRef>
+        </p:style>
+        <p:txBody>
+          <a:bodyPr rtlCol="0" anchor="ctr"/>
+          <a:lstStyle/>
+          <a:p>
+            <a:pPr algn="ctr"/>
+            <a:endParaRPr lang="en-US"/>
+          </a:p>
+        </p:txBody>
+      </p:sp>
+      <p:sp>
+        <p:nvSpPr>
+          <p:cNvPr id="183" name="TextBox 182"/>
+          <p:cNvSpPr txBox="1"/>
+          <p:nvPr/>
+        </p:nvSpPr>
+        <p:spPr>
+          <a:xfrm>
+            <a:off x="6063202" y="5947294"/>
+            <a:ext cx="1413028" cy="369332"/>
+          </a:xfrm>
+          <a:prstGeom prst="rect">
+            <a:avLst/>
+          </a:prstGeom>
+          <a:noFill/>
+        </p:spPr>
+        <p:txBody>
+          <a:bodyPr wrap="square" rtlCol="0">
+            <a:spAutoFit/>
+          </a:bodyPr>
+          <a:lstStyle/>
+          <a:p>
+            <a:r>
+              <a:rPr lang="en-US" dirty="0">
+                <a:solidFill>
+                  <a:srgbClr val="C00000"/>
+                </a:solidFill>
+              </a:rPr>
+              <a:t>e</a:t>
+            </a:r>
+            <a:r>
+              <a:rPr lang="en-US" dirty="0" smtClean="0">
+                <a:solidFill>
+                  <a:srgbClr val="C00000"/>
+                </a:solidFill>
+              </a:rPr>
+              <a:t>poch</a:t>
+            </a:r>
+            <a:r>
+              <a:rPr lang="en-US" dirty="0" smtClean="0"/>
+              <a:t> </a:t>
+            </a:r>
+            <a:r>
+              <a:rPr lang="en-US" dirty="0" smtClean="0">
+                <a:solidFill>
+                  <a:schemeClr val="accent1">
+                    <a:lumMod val="75000"/>
+                  </a:schemeClr>
+                </a:solidFill>
+              </a:rPr>
+              <a:t>= 15</a:t>
+            </a:r>
+            <a:endParaRPr lang="en-US" dirty="0">
+              <a:solidFill>
+                <a:schemeClr val="accent1">
+                  <a:lumMod val="75000"/>
+                </a:schemeClr>
+              </a:solidFill>
+            </a:endParaRPr>
+          </a:p>
+        </p:txBody>
+      </p:sp>
+      <p:sp>
+        <p:nvSpPr>
+          <p:cNvPr id="184" name="TextBox 183"/>
+          <p:cNvSpPr txBox="1"/>
+          <p:nvPr/>
+        </p:nvSpPr>
+        <p:spPr>
+          <a:xfrm>
+            <a:off x="91215" y="1192477"/>
+            <a:ext cx="1049628" cy="307777"/>
+          </a:xfrm>
+          <a:prstGeom prst="rect">
+            <a:avLst/>
+          </a:prstGeom>
+          <a:noFill/>
+        </p:spPr>
+        <p:txBody>
+          <a:bodyPr wrap="square" rtlCol="0">
+            <a:spAutoFit/>
+          </a:bodyPr>
+          <a:lstStyle/>
+          <a:p>
+            <a:r>
+              <a:rPr lang="en-US" sz="1400" dirty="0" smtClean="0"/>
+              <a:t>batch_x</a:t>
+            </a:r>
+            <a:endParaRPr lang="en-US" dirty="0"/>
+          </a:p>
+        </p:txBody>
+      </p:sp>
+      <p:sp>
+        <p:nvSpPr>
+          <p:cNvPr id="185" name="TextBox 184"/>
+          <p:cNvSpPr txBox="1"/>
+          <p:nvPr/>
+        </p:nvSpPr>
+        <p:spPr>
+          <a:xfrm>
+            <a:off x="66639" y="3071372"/>
+            <a:ext cx="1049628" cy="307777"/>
+          </a:xfrm>
+          <a:prstGeom prst="rect">
+            <a:avLst/>
+          </a:prstGeom>
+          <a:noFill/>
+        </p:spPr>
+        <p:txBody>
+          <a:bodyPr wrap="square" rtlCol="0">
+            <a:spAutoFit/>
+          </a:bodyPr>
+          <a:lstStyle/>
+          <a:p>
+            <a:r>
+              <a:rPr lang="en-US" sz="1400" dirty="0" smtClean="0"/>
+              <a:t>batch_x</a:t>
+            </a:r>
+            <a:endParaRPr lang="en-US" dirty="0"/>
+          </a:p>
+        </p:txBody>
+      </p:sp>
+      <p:sp>
+        <p:nvSpPr>
+          <p:cNvPr id="186" name="TextBox 185"/>
+          <p:cNvSpPr txBox="1"/>
+          <p:nvPr/>
+        </p:nvSpPr>
+        <p:spPr>
+          <a:xfrm>
+            <a:off x="100308" y="4955964"/>
+            <a:ext cx="1049628" cy="307777"/>
+          </a:xfrm>
+          <a:prstGeom prst="rect">
+            <a:avLst/>
+          </a:prstGeom>
+          <a:noFill/>
+        </p:spPr>
+        <p:txBody>
+          <a:bodyPr wrap="square" rtlCol="0">
+            <a:spAutoFit/>
+          </a:bodyPr>
+          <a:lstStyle/>
+          <a:p>
+            <a:r>
+              <a:rPr lang="en-US" sz="1400" dirty="0" smtClean="0"/>
+              <a:t>batch_x</a:t>
+            </a:r>
+            <a:endParaRPr lang="en-US" dirty="0"/>
+          </a:p>
+        </p:txBody>
+      </p:sp>
+      <p:cxnSp>
+        <p:nvCxnSpPr>
+          <p:cNvPr id="188" name="Straight Connector 187"/>
+          <p:cNvCxnSpPr>
+            <a:stCxn id="73" idx="3"/>
+            <a:endCxn id="190" idx="0"/>
+          </p:cNvCxnSpPr>
+          <p:nvPr/>
+        </p:nvCxnSpPr>
+        <p:spPr>
+          <a:xfrm>
+            <a:off x="2276163" y="1726961"/>
+            <a:ext cx="352023" cy="832365"/>
+          </a:xfrm>
+          <a:prstGeom prst="line">
+            <a:avLst/>
+          </a:prstGeom>
+        </p:spPr>
+        <p:style>
+          <a:lnRef idx="1">
+            <a:schemeClr val="accent1"/>
+          </a:lnRef>
+          <a:fillRef idx="0">
+            <a:schemeClr val="accent1"/>
+          </a:fillRef>
+          <a:effectRef idx="0">
+            <a:schemeClr val="accent1"/>
+          </a:effectRef>
+          <a:fontRef idx="minor">
+            <a:schemeClr val="tx1"/>
+          </a:fontRef>
+        </p:style>
+      </p:cxnSp>
+      <p:sp>
+        <p:nvSpPr>
+          <p:cNvPr id="190" name="Rectangle 189"/>
+          <p:cNvSpPr/>
+          <p:nvPr/>
+        </p:nvSpPr>
+        <p:spPr>
+          <a:xfrm>
+            <a:off x="1956367" y="2559326"/>
+            <a:ext cx="1343638" cy="800219"/>
+          </a:xfrm>
+          <a:prstGeom prst="rect">
+            <a:avLst/>
+          </a:prstGeom>
+        </p:spPr>
+        <p:txBody>
+          <a:bodyPr wrap="none">
+            <a:spAutoFit/>
+          </a:bodyPr>
+          <a:lstStyle/>
+          <a:p>
+            <a:pPr algn="ctr"/>
+            <a:r>
+              <a:rPr lang="en-US" dirty="0" smtClean="0">
+                <a:solidFill>
+                  <a:srgbClr val="C00000"/>
+                </a:solidFill>
+              </a:rPr>
+              <a:t>x</a:t>
+            </a:r>
+          </a:p>
+          <a:p>
+            <a:pPr algn="ctr"/>
+            <a:r>
+              <a:rPr lang="en-US" sz="1400" dirty="0" smtClean="0">
+                <a:solidFill>
+                  <a:schemeClr val="accent2">
+                    <a:lumMod val="75000"/>
+                  </a:schemeClr>
+                </a:solidFill>
+              </a:rPr>
+              <a:t>tf.placeholder</a:t>
+            </a:r>
+          </a:p>
+          <a:p>
+            <a:pPr algn="ctr"/>
+            <a:r>
+              <a:rPr lang="en-US" sz="1400" dirty="0" smtClean="0">
+                <a:solidFill>
+                  <a:schemeClr val="accent2">
+                    <a:lumMod val="75000"/>
+                  </a:schemeClr>
+                </a:solidFill>
+              </a:rPr>
+              <a:t>[None, n_input]</a:t>
+            </a:r>
+            <a:endParaRPr lang="en-US" sz="2000" dirty="0">
+              <a:solidFill>
+                <a:schemeClr val="accent2">
+                  <a:lumMod val="75000"/>
+                </a:schemeClr>
+              </a:solidFill>
+            </a:endParaRPr>
+          </a:p>
+        </p:txBody>
+      </p:sp>
+      <p:sp>
+        <p:nvSpPr>
+          <p:cNvPr id="196" name="Rectangle 195"/>
+          <p:cNvSpPr/>
+          <p:nvPr/>
+        </p:nvSpPr>
+        <p:spPr>
+          <a:xfrm>
+            <a:off x="9880113" y="899544"/>
+            <a:ext cx="1561814" cy="800219"/>
+          </a:xfrm>
+          <a:prstGeom prst="rect">
+            <a:avLst/>
+          </a:prstGeom>
+        </p:spPr>
+        <p:txBody>
+          <a:bodyPr wrap="square">
+            <a:spAutoFit/>
+          </a:bodyPr>
+          <a:lstStyle/>
+          <a:p>
+            <a:pPr algn="ctr"/>
+            <a:r>
+              <a:rPr lang="en-US" dirty="0" smtClean="0">
+                <a:solidFill>
+                  <a:srgbClr val="C00000"/>
+                </a:solidFill>
+              </a:rPr>
+              <a:t>y</a:t>
+            </a:r>
+          </a:p>
+          <a:p>
+            <a:pPr algn="ctr"/>
+            <a:r>
+              <a:rPr lang="en-US" sz="1400" dirty="0" smtClean="0">
+                <a:solidFill>
+                  <a:schemeClr val="accent2">
+                    <a:lumMod val="75000"/>
+                  </a:schemeClr>
+                </a:solidFill>
+              </a:rPr>
+              <a:t>tf.placeholder</a:t>
+            </a:r>
+          </a:p>
+          <a:p>
+            <a:pPr algn="ctr"/>
+            <a:r>
+              <a:rPr lang="en-US" sz="1400" dirty="0" smtClean="0">
+                <a:solidFill>
+                  <a:schemeClr val="accent2">
+                    <a:lumMod val="75000"/>
+                  </a:schemeClr>
+                </a:solidFill>
+              </a:rPr>
+              <a:t>[None, n_classes]</a:t>
+            </a:r>
+            <a:endParaRPr lang="en-US" sz="2000" dirty="0">
+              <a:solidFill>
+                <a:schemeClr val="accent2">
+                  <a:lumMod val="75000"/>
+                </a:schemeClr>
+              </a:solidFill>
+            </a:endParaRPr>
+          </a:p>
+        </p:txBody>
+      </p:sp>
+      <p:sp>
+        <p:nvSpPr>
+          <p:cNvPr id="197" name="TextBox 196"/>
+          <p:cNvSpPr txBox="1"/>
+          <p:nvPr/>
+        </p:nvSpPr>
+        <p:spPr>
+          <a:xfrm>
+            <a:off x="9615458" y="239396"/>
+            <a:ext cx="2212976" cy="369332"/>
+          </a:xfrm>
+          <a:prstGeom prst="rect">
+            <a:avLst/>
+          </a:prstGeom>
+          <a:noFill/>
+        </p:spPr>
+        <p:txBody>
+          <a:bodyPr wrap="square" rtlCol="0">
+            <a:spAutoFit/>
+          </a:bodyPr>
+          <a:lstStyle/>
+          <a:p>
+            <a:r>
+              <a:rPr lang="en-US" dirty="0" smtClean="0">
+                <a:solidFill>
+                  <a:srgbClr val="C00000"/>
+                </a:solidFill>
+              </a:rPr>
+              <a:t>n_classes </a:t>
+            </a:r>
+            <a:r>
+              <a:rPr lang="en-US" dirty="0" smtClean="0">
+                <a:solidFill>
+                  <a:schemeClr val="accent1">
+                    <a:lumMod val="75000"/>
+                  </a:schemeClr>
+                </a:solidFill>
+              </a:rPr>
+              <a:t>= 10</a:t>
+            </a:r>
+            <a:endParaRPr lang="en-US" dirty="0">
+              <a:solidFill>
+                <a:schemeClr val="accent1">
+                  <a:lumMod val="75000"/>
+                </a:schemeClr>
+              </a:solidFill>
+            </a:endParaRPr>
+          </a:p>
+        </p:txBody>
+      </p:sp>
+      <p:sp>
+        <p:nvSpPr>
+          <p:cNvPr id="198" name="Rectangle 197"/>
+          <p:cNvSpPr/>
+          <p:nvPr/>
+        </p:nvSpPr>
+        <p:spPr>
+          <a:xfrm>
+            <a:off x="9465079" y="2807940"/>
+            <a:ext cx="2682375" cy="1541328"/>
+          </a:xfrm>
+          <a:prstGeom prst="rect">
+            <a:avLst/>
+          </a:prstGeom>
+          <a:solidFill>
+            <a:schemeClr val="bg2">
+              <a:lumMod val="90000"/>
+            </a:schemeClr>
+          </a:solidFill>
+          <a:ln>
+            <a:solidFill>
+              <a:schemeClr val="bg2">
+                <a:lumMod val="90000"/>
+              </a:schemeClr>
+            </a:solidFill>
+          </a:ln>
+        </p:spPr>
+        <p:style>
+          <a:lnRef idx="2">
+            <a:schemeClr val="accent1">
+              <a:shade val="50000"/>
+            </a:schemeClr>
+          </a:lnRef>
+          <a:fillRef idx="1">
+            <a:schemeClr val="accent1"/>
+          </a:fillRef>
+          <a:effectRef idx="0">
+            <a:schemeClr val="accent1"/>
+          </a:effectRef>
+          <a:fontRef idx="minor">
+            <a:schemeClr val="lt1"/>
+          </a:fontRef>
+        </p:style>
+        <p:txBody>
+          <a:bodyPr rtlCol="0" anchor="ctr"/>
+          <a:lstStyle/>
+          <a:p>
+            <a:pPr algn="ctr"/>
+            <a:endParaRPr lang="en-US"/>
+          </a:p>
+        </p:txBody>
+      </p:sp>
+      <p:sp>
+        <p:nvSpPr>
+          <p:cNvPr id="199" name="TextBox 198"/>
+          <p:cNvSpPr txBox="1"/>
+          <p:nvPr/>
+        </p:nvSpPr>
+        <p:spPr>
+          <a:xfrm>
+            <a:off x="10284193" y="2503445"/>
+            <a:ext cx="897069" cy="369332"/>
+          </a:xfrm>
+          <a:prstGeom prst="rect">
+            <a:avLst/>
+          </a:prstGeom>
+          <a:noFill/>
+        </p:spPr>
+        <p:txBody>
+          <a:bodyPr wrap="square" rtlCol="0">
+            <a:spAutoFit/>
+          </a:bodyPr>
+          <a:lstStyle/>
+          <a:p>
+            <a:r>
+              <a:rPr lang="en-US" dirty="0" smtClean="0">
+                <a:solidFill>
+                  <a:schemeClr val="bg1">
+                    <a:lumMod val="65000"/>
+                  </a:schemeClr>
+                </a:solidFill>
+              </a:rPr>
+              <a:t>Legend</a:t>
+            </a:r>
+            <a:endParaRPr lang="en-US" dirty="0">
+              <a:solidFill>
+                <a:schemeClr val="bg1">
+                  <a:lumMod val="65000"/>
+                </a:schemeClr>
+              </a:solidFill>
+            </a:endParaRPr>
+          </a:p>
+        </p:txBody>
+      </p:sp>
+      <p:sp>
+        <p:nvSpPr>
+          <p:cNvPr id="201" name="TextBox 200"/>
+          <p:cNvSpPr txBox="1"/>
+          <p:nvPr/>
+        </p:nvSpPr>
+        <p:spPr>
+          <a:xfrm>
+            <a:off x="9476291" y="2784064"/>
+            <a:ext cx="2587852" cy="646331"/>
+          </a:xfrm>
+          <a:prstGeom prst="rect">
+            <a:avLst/>
+          </a:prstGeom>
+          <a:noFill/>
+        </p:spPr>
+        <p:txBody>
+          <a:bodyPr wrap="square" rtlCol="0">
+            <a:spAutoFit/>
+          </a:bodyPr>
+          <a:lstStyle/>
+          <a:p>
+            <a:r>
+              <a:rPr lang="en-US" dirty="0" smtClean="0">
+                <a:solidFill>
+                  <a:srgbClr val="C00000"/>
+                </a:solidFill>
+              </a:rPr>
+              <a:t>Red: parameter should be predefined.</a:t>
+            </a:r>
+            <a:endParaRPr lang="en-US" dirty="0">
+              <a:solidFill>
+                <a:srgbClr val="C00000"/>
+              </a:solidFill>
+            </a:endParaRPr>
+          </a:p>
+        </p:txBody>
+      </p:sp>
+      <p:sp>
+        <p:nvSpPr>
+          <p:cNvPr id="203" name="TextBox 202"/>
+          <p:cNvSpPr txBox="1"/>
+          <p:nvPr/>
+        </p:nvSpPr>
+        <p:spPr>
+          <a:xfrm>
+            <a:off x="9528194" y="3381340"/>
+            <a:ext cx="2587852" cy="369332"/>
+          </a:xfrm>
+          <a:prstGeom prst="rect">
+            <a:avLst/>
+          </a:prstGeom>
+          <a:noFill/>
+        </p:spPr>
+        <p:txBody>
+          <a:bodyPr wrap="square" rtlCol="0">
+            <a:spAutoFit/>
+          </a:bodyPr>
+          <a:lstStyle/>
+          <a:p>
+            <a:r>
+              <a:rPr lang="en-US" dirty="0" smtClean="0">
+                <a:solidFill>
+                  <a:schemeClr val="accent1">
+                    <a:lumMod val="75000"/>
+                  </a:schemeClr>
+                </a:solidFill>
+              </a:rPr>
+              <a:t>Blue: Value of parameter.</a:t>
+            </a:r>
+            <a:endParaRPr lang="en-US" dirty="0">
+              <a:solidFill>
+                <a:schemeClr val="accent1">
+                  <a:lumMod val="75000"/>
+                </a:schemeClr>
+              </a:solidFill>
+            </a:endParaRPr>
+          </a:p>
+        </p:txBody>
+      </p:sp>
+      <p:sp>
+        <p:nvSpPr>
+          <p:cNvPr id="204" name="TextBox 203"/>
+          <p:cNvSpPr txBox="1"/>
+          <p:nvPr/>
+        </p:nvSpPr>
+        <p:spPr>
+          <a:xfrm>
+            <a:off x="9506381" y="3730619"/>
+            <a:ext cx="2587852" cy="646331"/>
+          </a:xfrm>
+          <a:prstGeom prst="rect">
+            <a:avLst/>
+          </a:prstGeom>
+          <a:noFill/>
+        </p:spPr>
+        <p:txBody>
+          <a:bodyPr wrap="square" rtlCol="0">
+            <a:spAutoFit/>
+          </a:bodyPr>
+          <a:lstStyle/>
+          <a:p>
+            <a:r>
+              <a:rPr lang="en-US" dirty="0" smtClean="0">
+                <a:solidFill>
+                  <a:schemeClr val="accent2">
+                    <a:lumMod val="75000"/>
+                  </a:schemeClr>
+                </a:solidFill>
+              </a:rPr>
+              <a:t>Orange: Type of parameter.</a:t>
+            </a:r>
+            <a:endParaRPr lang="en-US" dirty="0">
+              <a:solidFill>
+                <a:schemeClr val="accent2">
+                  <a:lumMod val="75000"/>
+                </a:schemeClr>
+              </a:solidFill>
+            </a:endParaRPr>
+          </a:p>
+        </p:txBody>
+      </p:sp>
+    </p:spTree>
+    <p:extLst>
+      <p:ext uri="{BB962C8B-B14F-4D97-AF65-F5344CB8AC3E}">
+        <p14:creationId xmlns:p14="http://schemas.microsoft.com/office/powerpoint/2010/main" val="767475508"/>
+      </p:ext>
+    </p:extLst>
+  </p:cSld>
+  <p:clrMapOvr>
+    <a:masterClrMapping/>
+  </p:clrMapOvr>
+</p:sld>
+</file>
+
+<file path=ppt/slides/slide4.xml><?xml version="1.0" encoding="utf-8"?>
+<p:sld xmlns:a="http://schemas.openxmlformats.org/drawingml/2006/main" xmlns:r="http://schemas.openxmlformats.org/officeDocument/2006/relationships" xmlns:p="http://schemas.openxmlformats.org/presentationml/2006/main">
+  <p:cSld>
+    <p:spTree>
+      <p:nvGrpSpPr>
+        <p:cNvPr id="1" name=""/>
+        <p:cNvGrpSpPr/>
+        <p:nvPr/>
+      </p:nvGrpSpPr>
+      <p:grpSpPr>
+        <a:xfrm>
+          <a:off x="0" y="0"/>
+          <a:ext cx="0" cy="0"/>
+          <a:chOff x="0" y="0"/>
+          <a:chExt cx="0" cy="0"/>
+        </a:xfrm>
+      </p:grpSpPr>
+      <p:pic>
+        <p:nvPicPr>
+          <p:cNvPr id="4" name="Picture 3"/>
+          <p:cNvPicPr>
+            <a:picLocks noChangeAspect="1"/>
+          </p:cNvPicPr>
+          <p:nvPr/>
+        </p:nvPicPr>
+        <p:blipFill>
+          <a:blip r:embed="rId2"/>
+          <a:stretch>
+            <a:fillRect/>
+          </a:stretch>
+        </p:blipFill>
+        <p:spPr>
+          <a:xfrm>
+            <a:off x="0" y="911040"/>
+            <a:ext cx="3945319" cy="2752999"/>
+          </a:xfrm>
+          <a:prstGeom prst="rect">
+            <a:avLst/>
+          </a:prstGeom>
+        </p:spPr>
+      </p:pic>
+      <p:pic>
+        <p:nvPicPr>
+          <p:cNvPr id="5" name="Picture 4"/>
+          <p:cNvPicPr>
+            <a:picLocks noChangeAspect="1"/>
+          </p:cNvPicPr>
+          <p:nvPr/>
+        </p:nvPicPr>
+        <p:blipFill>
+          <a:blip r:embed="rId3"/>
+          <a:stretch>
+            <a:fillRect/>
+          </a:stretch>
+        </p:blipFill>
+        <p:spPr>
+          <a:xfrm>
+            <a:off x="4020255" y="1527565"/>
+            <a:ext cx="1801788" cy="255935"/>
+          </a:xfrm>
+          <a:prstGeom prst="rect">
+            <a:avLst/>
+          </a:prstGeom>
+        </p:spPr>
+      </p:pic>
+      <p:pic>
+        <p:nvPicPr>
+          <p:cNvPr id="6" name="Picture 5"/>
+          <p:cNvPicPr>
+            <a:picLocks noChangeAspect="1"/>
+          </p:cNvPicPr>
+          <p:nvPr/>
+        </p:nvPicPr>
+        <p:blipFill>
+          <a:blip r:embed="rId4"/>
+          <a:stretch>
+            <a:fillRect/>
+          </a:stretch>
+        </p:blipFill>
+        <p:spPr>
+          <a:xfrm>
+            <a:off x="4045814" y="2711260"/>
+            <a:ext cx="1515954" cy="271826"/>
+          </a:xfrm>
+          <a:prstGeom prst="rect">
+            <a:avLst/>
+          </a:prstGeom>
+        </p:spPr>
+      </p:pic>
+      <p:pic>
+        <p:nvPicPr>
+          <p:cNvPr id="7" name="Picture 6"/>
+          <p:cNvPicPr>
+            <a:picLocks noChangeAspect="1"/>
+          </p:cNvPicPr>
+          <p:nvPr/>
+        </p:nvPicPr>
+        <p:blipFill>
+          <a:blip r:embed="rId5"/>
+          <a:stretch>
+            <a:fillRect/>
+          </a:stretch>
+        </p:blipFill>
+        <p:spPr>
+          <a:xfrm>
+            <a:off x="5822043" y="1744589"/>
+            <a:ext cx="2361953" cy="225414"/>
+          </a:xfrm>
+          <a:prstGeom prst="rect">
+            <a:avLst/>
+          </a:prstGeom>
+        </p:spPr>
+      </p:pic>
+      <p:grpSp>
+        <p:nvGrpSpPr>
+          <p:cNvPr id="14" name="Group 13"/>
+          <p:cNvGrpSpPr/>
+          <p:nvPr/>
+        </p:nvGrpSpPr>
+        <p:grpSpPr>
+          <a:xfrm>
+            <a:off x="5822043" y="2834204"/>
+            <a:ext cx="2357943" cy="287649"/>
+            <a:chOff x="6861516" y="2885982"/>
+            <a:chExt cx="2357943" cy="287649"/>
+          </a:xfrm>
+        </p:grpSpPr>
+        <p:pic>
+          <p:nvPicPr>
+            <p:cNvPr id="9" name="Picture 8"/>
+            <p:cNvPicPr>
+              <a:picLocks noChangeAspect="1"/>
+            </p:cNvPicPr>
+            <p:nvPr/>
+          </p:nvPicPr>
+          <p:blipFill>
+            <a:blip r:embed="rId6"/>
+            <a:stretch>
+              <a:fillRect/>
+            </a:stretch>
+          </p:blipFill>
+          <p:spPr>
+            <a:xfrm>
+              <a:off x="7787180" y="2930047"/>
+              <a:ext cx="1432279" cy="243584"/>
+            </a:xfrm>
+            <a:prstGeom prst="rect">
+              <a:avLst/>
+            </a:prstGeom>
+          </p:spPr>
+        </p:pic>
+        <p:pic>
+          <p:nvPicPr>
+            <p:cNvPr id="8" name="Picture 7"/>
+            <p:cNvPicPr>
+              <a:picLocks noChangeAspect="1"/>
+            </p:cNvPicPr>
+            <p:nvPr/>
+          </p:nvPicPr>
+          <p:blipFill>
+            <a:blip r:embed="rId7"/>
+            <a:stretch>
+              <a:fillRect/>
+            </a:stretch>
+          </p:blipFill>
+          <p:spPr>
+            <a:xfrm>
+              <a:off x="6861516" y="2885982"/>
+              <a:ext cx="996499" cy="287649"/>
+            </a:xfrm>
+            <a:prstGeom prst="rect">
+              <a:avLst/>
+            </a:prstGeom>
+          </p:spPr>
+        </p:pic>
+      </p:grpSp>
+      <p:cxnSp>
+        <p:nvCxnSpPr>
+          <p:cNvPr id="11" name="Straight Arrow Connector 10"/>
+          <p:cNvCxnSpPr/>
+          <p:nvPr/>
+        </p:nvCxnSpPr>
+        <p:spPr>
+          <a:xfrm>
+            <a:off x="3943314" y="1835240"/>
+            <a:ext cx="2012134" cy="8631"/>
+          </a:xfrm>
+          <a:prstGeom prst="straightConnector1">
+            <a:avLst/>
+          </a:prstGeom>
+          <a:ln>
+            <a:tailEnd type="triangle"/>
+          </a:ln>
+        </p:spPr>
+        <p:style>
+          <a:lnRef idx="1">
+            <a:schemeClr val="accent1"/>
+          </a:lnRef>
+          <a:fillRef idx="0">
+            <a:schemeClr val="accent1"/>
+          </a:fillRef>
+          <a:effectRef idx="0">
+            <a:schemeClr val="accent1"/>
+          </a:effectRef>
+          <a:fontRef idx="minor">
+            <a:schemeClr val="tx1"/>
+          </a:fontRef>
+        </p:style>
+      </p:cxnSp>
+      <p:cxnSp>
+        <p:nvCxnSpPr>
+          <p:cNvPr id="13" name="Straight Arrow Connector 12"/>
+          <p:cNvCxnSpPr/>
+          <p:nvPr/>
+        </p:nvCxnSpPr>
+        <p:spPr>
+          <a:xfrm>
+            <a:off x="3992683" y="2972972"/>
+            <a:ext cx="1875310" cy="10114"/>
+          </a:xfrm>
+          <a:prstGeom prst="straightConnector1">
+            <a:avLst/>
+          </a:prstGeom>
+          <a:ln>
+            <a:tailEnd type="triangle"/>
+          </a:ln>
+        </p:spPr>
+        <p:style>
+          <a:lnRef idx="1">
+            <a:schemeClr val="accent1"/>
+          </a:lnRef>
+          <a:fillRef idx="0">
+            <a:schemeClr val="accent1"/>
+          </a:fillRef>
+          <a:effectRef idx="0">
+            <a:schemeClr val="accent1"/>
+          </a:effectRef>
+          <a:fontRef idx="minor">
+            <a:schemeClr val="tx1"/>
+          </a:fontRef>
+        </p:style>
+      </p:cxnSp>
+      <p:sp>
+        <p:nvSpPr>
+          <p:cNvPr id="15" name="Oval 14"/>
+          <p:cNvSpPr/>
+          <p:nvPr/>
+        </p:nvSpPr>
+        <p:spPr>
+          <a:xfrm>
+            <a:off x="3353915" y="911040"/>
+            <a:ext cx="218941" cy="273816"/>
+          </a:xfrm>
+          <a:prstGeom prst="ellipse">
+            <a:avLst/>
+          </a:prstGeom>
+          <a:noFill/>
+          <a:ln>
+            <a:solidFill>
+              <a:srgbClr val="FF0000"/>
+            </a:solidFill>
+          </a:ln>
+        </p:spPr>
+        <p:style>
+          <a:lnRef idx="2">
+            <a:schemeClr val="accent1">
+              <a:shade val="50000"/>
+            </a:schemeClr>
+          </a:lnRef>
+          <a:fillRef idx="1">
+            <a:schemeClr val="accent1"/>
+          </a:fillRef>
+          <a:effectRef idx="0">
+            <a:schemeClr val="accent1"/>
+          </a:effectRef>
+          <a:fontRef idx="minor">
+            <a:schemeClr val="lt1"/>
+          </a:fontRef>
+        </p:style>
+        <p:txBody>
+          <a:bodyPr rtlCol="0" anchor="ctr"/>
+          <a:lstStyle/>
+          <a:p>
+            <a:pPr algn="ctr"/>
+            <a:endParaRPr lang="en-US"/>
+          </a:p>
+        </p:txBody>
+      </p:sp>
+      <p:sp>
+        <p:nvSpPr>
+          <p:cNvPr id="16" name="Oval 15"/>
+          <p:cNvSpPr/>
+          <p:nvPr/>
+        </p:nvSpPr>
+        <p:spPr>
+          <a:xfrm>
+            <a:off x="3268127" y="1131624"/>
+            <a:ext cx="218941" cy="273816"/>
+          </a:xfrm>
+          <a:prstGeom prst="ellipse">
+            <a:avLst/>
+          </a:prstGeom>
+          <a:noFill/>
+          <a:ln>
+            <a:solidFill>
+              <a:srgbClr val="FF0000"/>
+            </a:solidFill>
+          </a:ln>
+        </p:spPr>
+        <p:style>
+          <a:lnRef idx="2">
+            <a:schemeClr val="accent1">
+              <a:shade val="50000"/>
+            </a:schemeClr>
+          </a:lnRef>
+          <a:fillRef idx="1">
+            <a:schemeClr val="accent1"/>
+          </a:fillRef>
+          <a:effectRef idx="0">
+            <a:schemeClr val="accent1"/>
+          </a:effectRef>
+          <a:fontRef idx="minor">
+            <a:schemeClr val="lt1"/>
+          </a:fontRef>
+        </p:style>
+        <p:txBody>
+          <a:bodyPr rtlCol="0" anchor="ctr"/>
+          <a:lstStyle/>
+          <a:p>
+            <a:pPr algn="ctr"/>
+            <a:endParaRPr lang="en-US"/>
+          </a:p>
+        </p:txBody>
+      </p:sp>
+      <p:sp>
+        <p:nvSpPr>
+          <p:cNvPr id="17" name="Oval 16"/>
+          <p:cNvSpPr/>
+          <p:nvPr/>
+        </p:nvSpPr>
+        <p:spPr>
+          <a:xfrm>
+            <a:off x="2242110" y="1387559"/>
+            <a:ext cx="218941" cy="273816"/>
+          </a:xfrm>
+          <a:prstGeom prst="ellipse">
+            <a:avLst/>
+          </a:prstGeom>
+          <a:noFill/>
+          <a:ln>
+            <a:solidFill>
+              <a:srgbClr val="FF0000"/>
+            </a:solidFill>
+          </a:ln>
+        </p:spPr>
+        <p:style>
+          <a:lnRef idx="2">
+            <a:schemeClr val="accent1">
+              <a:shade val="50000"/>
+            </a:schemeClr>
+          </a:lnRef>
+          <a:fillRef idx="1">
+            <a:schemeClr val="accent1"/>
+          </a:fillRef>
+          <a:effectRef idx="0">
+            <a:schemeClr val="accent1"/>
+          </a:effectRef>
+          <a:fontRef idx="minor">
+            <a:schemeClr val="lt1"/>
+          </a:fontRef>
+        </p:style>
+        <p:txBody>
+          <a:bodyPr rtlCol="0" anchor="ctr"/>
+          <a:lstStyle/>
+          <a:p>
+            <a:pPr algn="ctr"/>
+            <a:endParaRPr lang="en-US"/>
+          </a:p>
+        </p:txBody>
+      </p:sp>
+      <p:sp>
+        <p:nvSpPr>
+          <p:cNvPr id="18" name="Oval 17"/>
+          <p:cNvSpPr/>
+          <p:nvPr/>
+        </p:nvSpPr>
+        <p:spPr>
+          <a:xfrm>
+            <a:off x="1876724" y="1570055"/>
+            <a:ext cx="218941" cy="273816"/>
+          </a:xfrm>
+          <a:prstGeom prst="ellipse">
+            <a:avLst/>
+          </a:prstGeom>
+          <a:noFill/>
+          <a:ln>
+            <a:solidFill>
+              <a:srgbClr val="FF0000"/>
+            </a:solidFill>
+          </a:ln>
+        </p:spPr>
+        <p:style>
+          <a:lnRef idx="2">
+            <a:schemeClr val="accent1">
+              <a:shade val="50000"/>
+            </a:schemeClr>
+          </a:lnRef>
+          <a:fillRef idx="1">
+            <a:schemeClr val="accent1"/>
+          </a:fillRef>
+          <a:effectRef idx="0">
+            <a:schemeClr val="accent1"/>
+          </a:effectRef>
+          <a:fontRef idx="minor">
+            <a:schemeClr val="lt1"/>
+          </a:fontRef>
+        </p:style>
+        <p:txBody>
+          <a:bodyPr rtlCol="0" anchor="ctr"/>
+          <a:lstStyle/>
+          <a:p>
+            <a:pPr algn="ctr"/>
+            <a:endParaRPr lang="en-US"/>
+          </a:p>
+        </p:txBody>
+      </p:sp>
+      <p:sp>
+        <p:nvSpPr>
+          <p:cNvPr id="19" name="Oval 18"/>
+          <p:cNvSpPr/>
+          <p:nvPr/>
+        </p:nvSpPr>
+        <p:spPr>
+          <a:xfrm>
+            <a:off x="2602234" y="1731164"/>
+            <a:ext cx="218941" cy="273816"/>
+          </a:xfrm>
+          <a:prstGeom prst="ellipse">
+            <a:avLst/>
+          </a:prstGeom>
+          <a:noFill/>
+          <a:ln>
+            <a:solidFill>
+              <a:srgbClr val="FF0000"/>
+            </a:solidFill>
+          </a:ln>
+        </p:spPr>
+        <p:style>
+          <a:lnRef idx="2">
+            <a:schemeClr val="accent1">
+              <a:shade val="50000"/>
+            </a:schemeClr>
+          </a:lnRef>
+          <a:fillRef idx="1">
+            <a:schemeClr val="accent1"/>
+          </a:fillRef>
+          <a:effectRef idx="0">
+            <a:schemeClr val="accent1"/>
+          </a:effectRef>
+          <a:fontRef idx="minor">
+            <a:schemeClr val="lt1"/>
+          </a:fontRef>
+        </p:style>
+        <p:txBody>
+          <a:bodyPr rtlCol="0" anchor="ctr"/>
+          <a:lstStyle/>
+          <a:p>
+            <a:pPr algn="ctr"/>
+            <a:endParaRPr lang="en-US"/>
+          </a:p>
+        </p:txBody>
+      </p:sp>
+      <p:sp>
+        <p:nvSpPr>
+          <p:cNvPr id="20" name="Oval 19"/>
+          <p:cNvSpPr/>
+          <p:nvPr/>
+        </p:nvSpPr>
+        <p:spPr>
+          <a:xfrm>
+            <a:off x="1563338" y="1956578"/>
+            <a:ext cx="218941" cy="273816"/>
+          </a:xfrm>
+          <a:prstGeom prst="ellipse">
+            <a:avLst/>
+          </a:prstGeom>
+          <a:noFill/>
+          <a:ln>
+            <a:solidFill>
+              <a:srgbClr val="FF0000"/>
+            </a:solidFill>
+          </a:ln>
+        </p:spPr>
+        <p:style>
+          <a:lnRef idx="2">
+            <a:schemeClr val="accent1">
+              <a:shade val="50000"/>
+            </a:schemeClr>
+          </a:lnRef>
+          <a:fillRef idx="1">
+            <a:schemeClr val="accent1"/>
+          </a:fillRef>
+          <a:effectRef idx="0">
+            <a:schemeClr val="accent1"/>
+          </a:effectRef>
+          <a:fontRef idx="minor">
+            <a:schemeClr val="lt1"/>
+          </a:fontRef>
+        </p:style>
+        <p:txBody>
+          <a:bodyPr rtlCol="0" anchor="ctr"/>
+          <a:lstStyle/>
+          <a:p>
+            <a:pPr algn="ctr"/>
+            <a:endParaRPr lang="en-US"/>
+          </a:p>
+        </p:txBody>
+      </p:sp>
+      <p:sp>
+        <p:nvSpPr>
+          <p:cNvPr id="21" name="Oval 20"/>
+          <p:cNvSpPr/>
+          <p:nvPr/>
+        </p:nvSpPr>
+        <p:spPr>
+          <a:xfrm>
+            <a:off x="3134974" y="2340797"/>
+            <a:ext cx="218941" cy="273816"/>
+          </a:xfrm>
+          <a:prstGeom prst="ellipse">
+            <a:avLst/>
+          </a:prstGeom>
+          <a:noFill/>
+          <a:ln>
+            <a:solidFill>
+              <a:srgbClr val="FF0000"/>
+            </a:solidFill>
+          </a:ln>
+        </p:spPr>
+        <p:style>
+          <a:lnRef idx="2">
+            <a:schemeClr val="accent1">
+              <a:shade val="50000"/>
+            </a:schemeClr>
+          </a:lnRef>
+          <a:fillRef idx="1">
+            <a:schemeClr val="accent1"/>
+          </a:fillRef>
+          <a:effectRef idx="0">
+            <a:schemeClr val="accent1"/>
+          </a:effectRef>
+          <a:fontRef idx="minor">
+            <a:schemeClr val="lt1"/>
+          </a:fontRef>
+        </p:style>
+        <p:txBody>
+          <a:bodyPr rtlCol="0" anchor="ctr"/>
+          <a:lstStyle/>
+          <a:p>
+            <a:pPr algn="ctr"/>
+            <a:endParaRPr lang="en-US"/>
+          </a:p>
+        </p:txBody>
+      </p:sp>
+      <p:sp>
+        <p:nvSpPr>
+          <p:cNvPr id="22" name="Oval 21"/>
+          <p:cNvSpPr/>
+          <p:nvPr/>
+        </p:nvSpPr>
+        <p:spPr>
+          <a:xfrm>
+            <a:off x="3268127" y="2573357"/>
+            <a:ext cx="218941" cy="273816"/>
+          </a:xfrm>
+          <a:prstGeom prst="ellipse">
+            <a:avLst/>
+          </a:prstGeom>
+          <a:noFill/>
+          <a:ln>
+            <a:solidFill>
+              <a:srgbClr val="FF0000"/>
+            </a:solidFill>
+          </a:ln>
+        </p:spPr>
+        <p:style>
+          <a:lnRef idx="2">
+            <a:schemeClr val="accent1">
+              <a:shade val="50000"/>
+            </a:schemeClr>
+          </a:lnRef>
+          <a:fillRef idx="1">
+            <a:schemeClr val="accent1"/>
+          </a:fillRef>
+          <a:effectRef idx="0">
+            <a:schemeClr val="accent1"/>
+          </a:effectRef>
+          <a:fontRef idx="minor">
+            <a:schemeClr val="lt1"/>
+          </a:fontRef>
+        </p:style>
+        <p:txBody>
+          <a:bodyPr rtlCol="0" anchor="ctr"/>
+          <a:lstStyle/>
+          <a:p>
+            <a:pPr algn="ctr"/>
+            <a:endParaRPr lang="en-US"/>
+          </a:p>
+        </p:txBody>
+      </p:sp>
+      <p:sp>
+        <p:nvSpPr>
+          <p:cNvPr id="23" name="Oval 22"/>
+          <p:cNvSpPr/>
+          <p:nvPr/>
+        </p:nvSpPr>
+        <p:spPr>
+          <a:xfrm>
+            <a:off x="2242110" y="2785294"/>
+            <a:ext cx="218941" cy="273816"/>
+          </a:xfrm>
+          <a:prstGeom prst="ellipse">
+            <a:avLst/>
+          </a:prstGeom>
+          <a:noFill/>
+          <a:ln>
+            <a:solidFill>
+              <a:srgbClr val="FF0000"/>
+            </a:solidFill>
+          </a:ln>
+        </p:spPr>
+        <p:style>
+          <a:lnRef idx="2">
+            <a:schemeClr val="accent1">
+              <a:shade val="50000"/>
+            </a:schemeClr>
+          </a:lnRef>
+          <a:fillRef idx="1">
+            <a:schemeClr val="accent1"/>
+          </a:fillRef>
+          <a:effectRef idx="0">
+            <a:schemeClr val="accent1"/>
+          </a:effectRef>
+          <a:fontRef idx="minor">
+            <a:schemeClr val="lt1"/>
+          </a:fontRef>
+        </p:style>
+        <p:txBody>
+          <a:bodyPr rtlCol="0" anchor="ctr"/>
+          <a:lstStyle/>
+          <a:p>
+            <a:pPr algn="ctr"/>
+            <a:endParaRPr lang="en-US"/>
+          </a:p>
+        </p:txBody>
+      </p:sp>
+      <p:sp>
+        <p:nvSpPr>
+          <p:cNvPr id="24" name="Oval 23"/>
+          <p:cNvSpPr/>
+          <p:nvPr/>
+        </p:nvSpPr>
+        <p:spPr>
+          <a:xfrm>
+            <a:off x="1922674" y="2966909"/>
+            <a:ext cx="218941" cy="273816"/>
+          </a:xfrm>
+          <a:prstGeom prst="ellipse">
+            <a:avLst/>
+          </a:prstGeom>
+          <a:noFill/>
+          <a:ln>
+            <a:solidFill>
+              <a:srgbClr val="FF0000"/>
+            </a:solidFill>
+          </a:ln>
+        </p:spPr>
+        <p:style>
+          <a:lnRef idx="2">
+            <a:schemeClr val="accent1">
+              <a:shade val="50000"/>
+            </a:schemeClr>
+          </a:lnRef>
+          <a:fillRef idx="1">
+            <a:schemeClr val="accent1"/>
+          </a:fillRef>
+          <a:effectRef idx="0">
+            <a:schemeClr val="accent1"/>
+          </a:effectRef>
+          <a:fontRef idx="minor">
+            <a:schemeClr val="lt1"/>
+          </a:fontRef>
+        </p:style>
+        <p:txBody>
+          <a:bodyPr rtlCol="0" anchor="ctr"/>
+          <a:lstStyle/>
+          <a:p>
+            <a:pPr algn="ctr"/>
+            <a:endParaRPr lang="en-US"/>
+          </a:p>
+        </p:txBody>
+      </p:sp>
+      <p:sp>
+        <p:nvSpPr>
+          <p:cNvPr id="25" name="Oval 24"/>
+          <p:cNvSpPr/>
+          <p:nvPr/>
+        </p:nvSpPr>
+        <p:spPr>
+          <a:xfrm>
+            <a:off x="2604447" y="3144611"/>
+            <a:ext cx="218941" cy="273816"/>
+          </a:xfrm>
+          <a:prstGeom prst="ellipse">
+            <a:avLst/>
+          </a:prstGeom>
+          <a:noFill/>
+          <a:ln>
+            <a:solidFill>
+              <a:srgbClr val="FF0000"/>
+            </a:solidFill>
+          </a:ln>
+        </p:spPr>
+        <p:style>
+          <a:lnRef idx="2">
+            <a:schemeClr val="accent1">
+              <a:shade val="50000"/>
+            </a:schemeClr>
+          </a:lnRef>
+          <a:fillRef idx="1">
+            <a:schemeClr val="accent1"/>
+          </a:fillRef>
+          <a:effectRef idx="0">
+            <a:schemeClr val="accent1"/>
+          </a:effectRef>
+          <a:fontRef idx="minor">
+            <a:schemeClr val="lt1"/>
+          </a:fontRef>
+        </p:style>
+        <p:txBody>
+          <a:bodyPr rtlCol="0" anchor="ctr"/>
+          <a:lstStyle/>
+          <a:p>
+            <a:pPr algn="ctr"/>
+            <a:endParaRPr lang="en-US"/>
+          </a:p>
+        </p:txBody>
+      </p:sp>
+      <p:sp>
+        <p:nvSpPr>
+          <p:cNvPr id="26" name="Oval 25"/>
+          <p:cNvSpPr/>
+          <p:nvPr/>
+        </p:nvSpPr>
+        <p:spPr>
+          <a:xfrm>
+            <a:off x="1563338" y="3390223"/>
+            <a:ext cx="218941" cy="273816"/>
+          </a:xfrm>
+          <a:prstGeom prst="ellipse">
+            <a:avLst/>
+          </a:prstGeom>
+          <a:noFill/>
+          <a:ln>
+            <a:solidFill>
+              <a:srgbClr val="FF0000"/>
+            </a:solidFill>
+          </a:ln>
+        </p:spPr>
+        <p:style>
+          <a:lnRef idx="2">
+            <a:schemeClr val="accent1">
+              <a:shade val="50000"/>
+            </a:schemeClr>
+          </a:lnRef>
+          <a:fillRef idx="1">
+            <a:schemeClr val="accent1"/>
+          </a:fillRef>
+          <a:effectRef idx="0">
+            <a:schemeClr val="accent1"/>
+          </a:effectRef>
+          <a:fontRef idx="minor">
+            <a:schemeClr val="lt1"/>
+          </a:fontRef>
+        </p:style>
+        <p:txBody>
+          <a:bodyPr rtlCol="0" anchor="ctr"/>
+          <a:lstStyle/>
+          <a:p>
+            <a:pPr algn="ctr"/>
+            <a:endParaRPr lang="en-US"/>
+          </a:p>
+        </p:txBody>
+      </p:sp>
+      <p:pic>
+        <p:nvPicPr>
+          <p:cNvPr id="31" name="Picture 30"/>
+          <p:cNvPicPr>
+            <a:picLocks noChangeAspect="1"/>
+          </p:cNvPicPr>
+          <p:nvPr/>
+        </p:nvPicPr>
+        <p:blipFill>
+          <a:blip r:embed="rId8"/>
+          <a:stretch>
+            <a:fillRect/>
+          </a:stretch>
+        </p:blipFill>
+        <p:spPr>
+          <a:xfrm>
+            <a:off x="8434428" y="2230394"/>
+            <a:ext cx="3351903" cy="193217"/>
+          </a:xfrm>
+          <a:prstGeom prst="rect">
+            <a:avLst/>
+          </a:prstGeom>
+        </p:spPr>
+      </p:pic>
+      <p:pic>
+        <p:nvPicPr>
+          <p:cNvPr id="33" name="Picture 32"/>
+          <p:cNvPicPr>
+            <a:picLocks noChangeAspect="1"/>
+          </p:cNvPicPr>
+          <p:nvPr/>
+        </p:nvPicPr>
+        <p:blipFill>
+          <a:blip r:embed="rId9"/>
+          <a:stretch>
+            <a:fillRect/>
+          </a:stretch>
+        </p:blipFill>
+        <p:spPr>
+          <a:xfrm>
+            <a:off x="9328771" y="4280224"/>
+            <a:ext cx="1563215" cy="254257"/>
+          </a:xfrm>
+          <a:prstGeom prst="rect">
+            <a:avLst/>
+          </a:prstGeom>
+          <a:ln w="41275">
+            <a:solidFill>
+              <a:srgbClr val="C00000"/>
+            </a:solidFill>
+          </a:ln>
+        </p:spPr>
+      </p:pic>
+      <p:sp>
+        <p:nvSpPr>
+          <p:cNvPr id="34" name="Right Brace 33"/>
+          <p:cNvSpPr/>
+          <p:nvPr/>
+        </p:nvSpPr>
+        <p:spPr>
+          <a:xfrm>
+            <a:off x="8179986" y="1843871"/>
+            <a:ext cx="176835" cy="1003302"/>
+          </a:xfrm>
+          <a:prstGeom prst="rightBrace">
+            <a:avLst/>
+          </a:prstGeom>
+          <a:ln w="19050"/>
+        </p:spPr>
+        <p:style>
+          <a:lnRef idx="1">
+            <a:schemeClr val="accent1"/>
+          </a:lnRef>
+          <a:fillRef idx="0">
+            <a:schemeClr val="accent1"/>
+          </a:fillRef>
+          <a:effectRef idx="0">
+            <a:schemeClr val="accent1"/>
+          </a:effectRef>
+          <a:fontRef idx="minor">
+            <a:schemeClr val="tx1"/>
+          </a:fontRef>
+        </p:style>
+        <p:txBody>
+          <a:bodyPr rtlCol="0" anchor="ctr"/>
+          <a:lstStyle/>
+          <a:p>
+            <a:pPr algn="ctr"/>
+            <a:endParaRPr lang="en-US"/>
+          </a:p>
+        </p:txBody>
+      </p:sp>
+      <p:cxnSp>
+        <p:nvCxnSpPr>
+          <p:cNvPr id="36" name="Straight Arrow Connector 35"/>
+          <p:cNvCxnSpPr>
+            <a:stCxn id="31" idx="2"/>
+            <a:endCxn id="33" idx="0"/>
+          </p:cNvCxnSpPr>
+          <p:nvPr/>
+        </p:nvCxnSpPr>
+        <p:spPr>
+          <a:xfrm flipH="1">
+            <a:off x="10110379" y="2423611"/>
+            <a:ext cx="1" cy="1856613"/>
+          </a:xfrm>
+          <a:prstGeom prst="straightConnector1">
+            <a:avLst/>
+          </a:prstGeom>
+          <a:ln>
+            <a:tailEnd type="triangle"/>
+          </a:ln>
+        </p:spPr>
+        <p:style>
+          <a:lnRef idx="1">
+            <a:schemeClr val="accent1"/>
+          </a:lnRef>
+          <a:fillRef idx="0">
+            <a:schemeClr val="accent1"/>
+          </a:fillRef>
+          <a:effectRef idx="0">
+            <a:schemeClr val="accent1"/>
+          </a:effectRef>
+          <a:fontRef idx="minor">
+            <a:schemeClr val="tx1"/>
+          </a:fontRef>
+        </p:style>
+      </p:cxnSp>
+    </p:spTree>
+    <p:extLst>
+      <p:ext uri="{BB962C8B-B14F-4D97-AF65-F5344CB8AC3E}">
+        <p14:creationId xmlns:p14="http://schemas.microsoft.com/office/powerpoint/2010/main" val="1967753506"/>
+      </p:ext>
+    </p:extLst>
+  </p:cSld>
+  <p:clrMapOvr>
+    <a:masterClrMapping/>
+  </p:clrMapOvr>
+</p:sld>
+</file>
+
 <file path=ppt/theme/theme1.xml><?xml version="1.0" encoding="utf-8"?>
 <a:theme xmlns:a="http://schemas.openxmlformats.org/drawingml/2006/main" name="Office Theme">
   <a:themeElements>

--- a/[Learning and Exercise] Data Science/Data Science/Comparisons/NeuronNetworkStructure.pptx
+++ b/[Learning and Exercise] Data Science/Data Science/Comparisons/NeuronNetworkStructure.pptx
@@ -7296,7 +7296,7 @@
         </p:blipFill>
         <p:spPr>
           <a:xfrm>
-            <a:off x="5913074" y="1809573"/>
+            <a:off x="5899690" y="2041804"/>
             <a:ext cx="2500577" cy="467689"/>
           </a:xfrm>
           <a:prstGeom prst="rect">
@@ -10720,7 +10720,7 @@
         </p:nvSpPr>
         <p:spPr>
           <a:xfrm>
-            <a:off x="529380" y="6475790"/>
+            <a:off x="139595" y="6023825"/>
             <a:ext cx="1982001" cy="369332"/>
           </a:xfrm>
           <a:prstGeom prst="rect">
@@ -11094,7 +11094,7 @@
         </p:nvSpPr>
         <p:spPr>
           <a:xfrm rot="5400000">
-            <a:off x="1165669" y="6185121"/>
+            <a:off x="1181050" y="5779006"/>
             <a:ext cx="435335" cy="369332"/>
           </a:xfrm>
           <a:prstGeom prst="rect">
@@ -12313,7 +12313,7 @@
         </p:nvSpPr>
         <p:spPr>
           <a:xfrm>
-            <a:off x="7699427" y="2014368"/>
+            <a:off x="7636643" y="1989060"/>
             <a:ext cx="321972" cy="320888"/>
           </a:xfrm>
           <a:prstGeom prst="ellipse">
@@ -12358,7 +12358,7 @@
         </p:nvSpPr>
         <p:spPr>
           <a:xfrm>
-            <a:off x="7696209" y="2785968"/>
+            <a:off x="7633425" y="2760660"/>
             <a:ext cx="321972" cy="320888"/>
           </a:xfrm>
           <a:prstGeom prst="ellipse">
@@ -12403,7 +12403,7 @@
         </p:nvSpPr>
         <p:spPr>
           <a:xfrm>
-            <a:off x="7696209" y="3516370"/>
+            <a:off x="7633425" y="3491062"/>
             <a:ext cx="321972" cy="320888"/>
           </a:xfrm>
           <a:prstGeom prst="ellipse">
@@ -12448,7 +12448,7 @@
         </p:nvSpPr>
         <p:spPr>
           <a:xfrm>
-            <a:off x="7717401" y="4285746"/>
+            <a:off x="7654617" y="4260438"/>
             <a:ext cx="321972" cy="320888"/>
           </a:xfrm>
           <a:prstGeom prst="ellipse">
@@ -12493,7 +12493,7 @@
         </p:nvSpPr>
         <p:spPr>
           <a:xfrm>
-            <a:off x="7591390" y="2230911"/>
+            <a:off x="7528606" y="2205603"/>
             <a:ext cx="47107" cy="2309117"/>
           </a:xfrm>
           <a:prstGeom prst="leftBrace">
@@ -13405,7 +13405,7 @@
         </p:nvSpPr>
         <p:spPr>
           <a:xfrm>
-            <a:off x="8357798" y="7445558"/>
+            <a:off x="884434" y="6324426"/>
             <a:ext cx="1588525" cy="369332"/>
           </a:xfrm>
           <a:prstGeom prst="rect">
@@ -13455,7 +13455,7 @@
         </p:nvSpPr>
         <p:spPr>
           <a:xfrm>
-            <a:off x="8148863" y="7779749"/>
+            <a:off x="1080042" y="6531350"/>
             <a:ext cx="1588525" cy="369332"/>
           </a:xfrm>
           <a:prstGeom prst="rect">
@@ -13504,45 +13504,9 @@
           <p:nvPr/>
         </p:nvCxnSpPr>
         <p:spPr>
-          <a:xfrm>
-            <a:off x="10929790" y="6072162"/>
-            <a:ext cx="400413" cy="0"/>
-          </a:xfrm>
-          <a:prstGeom prst="straightConnector1">
-            <a:avLst/>
-          </a:prstGeom>
-          <a:ln>
-            <a:solidFill>
-              <a:srgbClr val="C00000"/>
-            </a:solidFill>
-            <a:tailEnd type="triangle"/>
-          </a:ln>
-        </p:spPr>
-        <p:style>
-          <a:lnRef idx="1">
-            <a:schemeClr val="accent1"/>
-          </a:lnRef>
-          <a:fillRef idx="0">
-            <a:schemeClr val="accent1"/>
-          </a:fillRef>
-          <a:effectRef idx="0">
-            <a:schemeClr val="accent1"/>
-          </a:effectRef>
-          <a:fontRef idx="minor">
-            <a:schemeClr val="tx1"/>
-          </a:fontRef>
-        </p:style>
-      </p:cxnSp>
-      <p:cxnSp>
-        <p:nvCxnSpPr>
-          <p:cNvPr id="180" name="Straight Arrow Connector 179"/>
-          <p:cNvCxnSpPr/>
-          <p:nvPr/>
-        </p:nvCxnSpPr>
-        <p:spPr>
-          <a:xfrm>
-            <a:off x="11248810" y="7573916"/>
-            <a:ext cx="432938" cy="0"/>
+          <a:xfrm flipH="1" flipV="1">
+            <a:off x="2201921" y="6509228"/>
+            <a:ext cx="302392" cy="505"/>
           </a:xfrm>
           <a:prstGeom prst="straightConnector1">
             <a:avLst/>
@@ -13940,7 +13904,7 @@
         </p:nvSpPr>
         <p:spPr>
           <a:xfrm>
-            <a:off x="9615458" y="239396"/>
+            <a:off x="9061034" y="1909281"/>
             <a:ext cx="2212976" cy="369332"/>
           </a:xfrm>
           <a:prstGeom prst="rect">
@@ -14258,7 +14222,7 @@
         </p:nvSpPr>
         <p:spPr>
           <a:xfrm>
-            <a:off x="99836" y="965973"/>
+            <a:off x="1412287" y="616468"/>
             <a:ext cx="884390" cy="307777"/>
           </a:xfrm>
           <a:prstGeom prst="rect">
@@ -14321,7 +14285,7 @@
         </p:nvSpPr>
         <p:spPr>
           <a:xfrm>
-            <a:off x="61333" y="2873462"/>
+            <a:off x="1396887" y="2793304"/>
             <a:ext cx="884390" cy="307777"/>
           </a:xfrm>
           <a:prstGeom prst="rect">
@@ -14351,7 +14315,7 @@
         </p:nvSpPr>
         <p:spPr>
           <a:xfrm>
-            <a:off x="93178" y="4741667"/>
+            <a:off x="1375447" y="4678143"/>
             <a:ext cx="884390" cy="307777"/>
           </a:xfrm>
           <a:prstGeom prst="rect">
@@ -14383,7 +14347,7 @@
         </p:nvCxnSpPr>
         <p:spPr>
           <a:xfrm flipV="1">
-            <a:off x="542031" y="623131"/>
+            <a:off x="1854482" y="273626"/>
             <a:ext cx="138190" cy="342842"/>
           </a:xfrm>
           <a:prstGeom prst="straightConnector1">
@@ -16183,41 +16147,6 @@
           </p:txBody>
         </p:sp>
       </p:grpSp>
-      <p:cxnSp>
-        <p:nvCxnSpPr>
-          <p:cNvPr id="259" name="Straight Arrow Connector 258"/>
-          <p:cNvCxnSpPr>
-            <a:stCxn id="220" idx="0"/>
-          </p:cNvCxnSpPr>
-          <p:nvPr/>
-        </p:nvCxnSpPr>
-        <p:spPr>
-          <a:xfrm flipH="1" flipV="1">
-            <a:off x="10555237" y="1969610"/>
-            <a:ext cx="144829" cy="288706"/>
-          </a:xfrm>
-          <a:prstGeom prst="straightConnector1">
-            <a:avLst/>
-          </a:prstGeom>
-          <a:ln>
-            <a:tailEnd type="triangle"/>
-          </a:ln>
-        </p:spPr>
-        <p:style>
-          <a:lnRef idx="1">
-            <a:schemeClr val="accent1"/>
-          </a:lnRef>
-          <a:fillRef idx="0">
-            <a:schemeClr val="accent1"/>
-          </a:fillRef>
-          <a:effectRef idx="0">
-            <a:schemeClr val="accent1"/>
-          </a:effectRef>
-          <a:fontRef idx="minor">
-            <a:schemeClr val="tx1"/>
-          </a:fontRef>
-        </p:style>
-      </p:cxnSp>
       <p:sp>
         <p:nvSpPr>
           <p:cNvPr id="260" name="Rounded Rectangle 259"/>
@@ -18475,7 +18404,7 @@
         </p:nvSpPr>
         <p:spPr>
           <a:xfrm>
-            <a:off x="8043256" y="1993188"/>
+            <a:off x="7980472" y="1967880"/>
             <a:ext cx="309093" cy="288770"/>
           </a:xfrm>
           <a:prstGeom prst="triangle">
@@ -18529,7 +18458,7 @@
         </p:nvSpPr>
         <p:spPr>
           <a:xfrm>
-            <a:off x="8052066" y="2194687"/>
+            <a:off x="7989282" y="2169379"/>
             <a:ext cx="309093" cy="288770"/>
           </a:xfrm>
           <a:prstGeom prst="triangle">
@@ -18583,7 +18512,7 @@
         </p:nvSpPr>
         <p:spPr>
           <a:xfrm>
-            <a:off x="8052513" y="2379288"/>
+            <a:off x="7989729" y="2353980"/>
             <a:ext cx="309093" cy="288770"/>
           </a:xfrm>
           <a:prstGeom prst="triangle">
@@ -18637,7 +18566,7 @@
         </p:nvSpPr>
         <p:spPr>
           <a:xfrm>
-            <a:off x="8027516" y="1410467"/>
+            <a:off x="7964732" y="1385159"/>
             <a:ext cx="309093" cy="288770"/>
           </a:xfrm>
           <a:prstGeom prst="triangle">
@@ -18691,7 +18620,7 @@
         </p:nvSpPr>
         <p:spPr>
           <a:xfrm>
-            <a:off x="8034579" y="1611713"/>
+            <a:off x="7971795" y="1586405"/>
             <a:ext cx="309093" cy="288770"/>
           </a:xfrm>
           <a:prstGeom prst="triangle">
@@ -18745,7 +18674,7 @@
         </p:nvSpPr>
         <p:spPr>
           <a:xfrm>
-            <a:off x="8028810" y="1796018"/>
+            <a:off x="7966026" y="1770710"/>
             <a:ext cx="309093" cy="288770"/>
           </a:xfrm>
           <a:prstGeom prst="triangle">
@@ -18799,7 +18728,7 @@
         </p:nvSpPr>
         <p:spPr>
           <a:xfrm>
-            <a:off x="8084380" y="3163692"/>
+            <a:off x="8021596" y="3138384"/>
             <a:ext cx="309093" cy="288770"/>
           </a:xfrm>
           <a:prstGeom prst="triangle">
@@ -18853,7 +18782,7 @@
         </p:nvSpPr>
         <p:spPr>
           <a:xfrm>
-            <a:off x="8093190" y="3365191"/>
+            <a:off x="8030406" y="3339883"/>
             <a:ext cx="309093" cy="288770"/>
           </a:xfrm>
           <a:prstGeom prst="triangle">
@@ -18907,7 +18836,7 @@
         </p:nvSpPr>
         <p:spPr>
           <a:xfrm>
-            <a:off x="8093637" y="3549792"/>
+            <a:off x="8030853" y="3524484"/>
             <a:ext cx="309093" cy="288770"/>
           </a:xfrm>
           <a:prstGeom prst="triangle">
@@ -18961,7 +18890,7 @@
         </p:nvSpPr>
         <p:spPr>
           <a:xfrm>
-            <a:off x="8068640" y="2580971"/>
+            <a:off x="8005856" y="2555663"/>
             <a:ext cx="309093" cy="288770"/>
           </a:xfrm>
           <a:prstGeom prst="triangle">
@@ -19015,7 +18944,7 @@
         </p:nvSpPr>
         <p:spPr>
           <a:xfrm>
-            <a:off x="8075703" y="2782217"/>
+            <a:off x="8012919" y="2756909"/>
             <a:ext cx="309093" cy="288770"/>
           </a:xfrm>
           <a:prstGeom prst="triangle">
@@ -19069,7 +18998,7 @@
         </p:nvSpPr>
         <p:spPr>
           <a:xfrm>
-            <a:off x="8069934" y="2966522"/>
+            <a:off x="8007150" y="2941214"/>
             <a:ext cx="309093" cy="288770"/>
           </a:xfrm>
           <a:prstGeom prst="triangle">
@@ -19123,7 +19052,7 @@
         </p:nvSpPr>
         <p:spPr>
           <a:xfrm>
-            <a:off x="8108381" y="3750052"/>
+            <a:off x="8045597" y="3724744"/>
             <a:ext cx="309093" cy="288770"/>
           </a:xfrm>
           <a:prstGeom prst="triangle">
@@ -19171,13 +19100,13 @@
       </p:sp>
       <p:sp>
         <p:nvSpPr>
-          <p:cNvPr id="344" name="Isosceles Triangle 343"/>
+          <p:cNvPr id="357" name="Isosceles Triangle 356"/>
           <p:cNvSpPr/>
           <p:nvPr/>
         </p:nvSpPr>
         <p:spPr>
           <a:xfrm>
-            <a:off x="3375341" y="1311637"/>
+            <a:off x="8051890" y="4490772"/>
             <a:ext cx="309093" cy="288770"/>
           </a:xfrm>
           <a:prstGeom prst="triangle">
@@ -19225,13 +19154,13 @@
       </p:sp>
       <p:sp>
         <p:nvSpPr>
-          <p:cNvPr id="345" name="Isosceles Triangle 344"/>
+          <p:cNvPr id="358" name="Isosceles Triangle 357"/>
           <p:cNvSpPr/>
           <p:nvPr/>
         </p:nvSpPr>
         <p:spPr>
           <a:xfrm>
-            <a:off x="3384151" y="1513136"/>
+            <a:off x="8060700" y="4692271"/>
             <a:ext cx="309093" cy="288770"/>
           </a:xfrm>
           <a:prstGeom prst="triangle">
@@ -19279,13 +19208,13 @@
       </p:sp>
       <p:sp>
         <p:nvSpPr>
-          <p:cNvPr id="346" name="Isosceles Triangle 345"/>
+          <p:cNvPr id="359" name="Isosceles Triangle 358"/>
           <p:cNvSpPr/>
           <p:nvPr/>
         </p:nvSpPr>
         <p:spPr>
           <a:xfrm>
-            <a:off x="3384598" y="1697737"/>
+            <a:off x="8036150" y="3908051"/>
             <a:ext cx="309093" cy="288770"/>
           </a:xfrm>
           <a:prstGeom prst="triangle">
@@ -19333,13 +19262,13 @@
       </p:sp>
       <p:sp>
         <p:nvSpPr>
-          <p:cNvPr id="347" name="Isosceles Triangle 346"/>
+          <p:cNvPr id="360" name="Isosceles Triangle 359"/>
           <p:cNvSpPr/>
           <p:nvPr/>
         </p:nvSpPr>
         <p:spPr>
           <a:xfrm>
-            <a:off x="3359601" y="728916"/>
+            <a:off x="8043213" y="4109297"/>
             <a:ext cx="309093" cy="288770"/>
           </a:xfrm>
           <a:prstGeom prst="triangle">
@@ -19387,13 +19316,13 @@
       </p:sp>
       <p:sp>
         <p:nvSpPr>
-          <p:cNvPr id="348" name="Isosceles Triangle 347"/>
+          <p:cNvPr id="361" name="Isosceles Triangle 360"/>
           <p:cNvSpPr/>
           <p:nvPr/>
         </p:nvSpPr>
         <p:spPr>
           <a:xfrm>
-            <a:off x="3366664" y="930162"/>
+            <a:off x="8037444" y="4293602"/>
             <a:ext cx="309093" cy="288770"/>
           </a:xfrm>
           <a:prstGeom prst="triangle">
@@ -19441,715 +19370,13 @@
       </p:sp>
       <p:sp>
         <p:nvSpPr>
-          <p:cNvPr id="349" name="Isosceles Triangle 348"/>
-          <p:cNvSpPr/>
-          <p:nvPr/>
-        </p:nvSpPr>
-        <p:spPr>
-          <a:xfrm>
-            <a:off x="3360895" y="1114467"/>
-            <a:ext cx="309093" cy="288770"/>
-          </a:xfrm>
-          <a:prstGeom prst="triangle">
-            <a:avLst/>
-          </a:prstGeom>
-          <a:solidFill>
-            <a:schemeClr val="accent2">
-              <a:lumMod val="20000"/>
-              <a:lumOff val="80000"/>
-            </a:schemeClr>
-          </a:solidFill>
-          <a:ln>
-            <a:solidFill>
-              <a:schemeClr val="accent2">
-                <a:lumMod val="60000"/>
-                <a:lumOff val="40000"/>
-              </a:schemeClr>
-            </a:solidFill>
-          </a:ln>
-        </p:spPr>
-        <p:style>
-          <a:lnRef idx="2">
-            <a:schemeClr val="accent1">
-              <a:shade val="50000"/>
-            </a:schemeClr>
-          </a:lnRef>
-          <a:fillRef idx="1">
-            <a:schemeClr val="accent1"/>
-          </a:fillRef>
-          <a:effectRef idx="0">
-            <a:schemeClr val="accent1"/>
-          </a:effectRef>
-          <a:fontRef idx="minor">
-            <a:schemeClr val="lt1"/>
-          </a:fontRef>
-        </p:style>
-        <p:txBody>
-          <a:bodyPr rtlCol="0" anchor="ctr"/>
-          <a:lstStyle/>
-          <a:p>
-            <a:pPr algn="ctr"/>
-            <a:endParaRPr lang="en-US"/>
-          </a:p>
-        </p:txBody>
-      </p:sp>
-      <p:sp>
-        <p:nvSpPr>
-          <p:cNvPr id="350" name="Isosceles Triangle 349"/>
-          <p:cNvSpPr/>
-          <p:nvPr/>
-        </p:nvSpPr>
-        <p:spPr>
-          <a:xfrm>
-            <a:off x="3416465" y="2482141"/>
-            <a:ext cx="309093" cy="288770"/>
-          </a:xfrm>
-          <a:prstGeom prst="triangle">
-            <a:avLst/>
-          </a:prstGeom>
-          <a:solidFill>
-            <a:schemeClr val="accent2">
-              <a:lumMod val="20000"/>
-              <a:lumOff val="80000"/>
-            </a:schemeClr>
-          </a:solidFill>
-          <a:ln>
-            <a:solidFill>
-              <a:schemeClr val="accent2">
-                <a:lumMod val="60000"/>
-                <a:lumOff val="40000"/>
-              </a:schemeClr>
-            </a:solidFill>
-          </a:ln>
-        </p:spPr>
-        <p:style>
-          <a:lnRef idx="2">
-            <a:schemeClr val="accent1">
-              <a:shade val="50000"/>
-            </a:schemeClr>
-          </a:lnRef>
-          <a:fillRef idx="1">
-            <a:schemeClr val="accent1"/>
-          </a:fillRef>
-          <a:effectRef idx="0">
-            <a:schemeClr val="accent1"/>
-          </a:effectRef>
-          <a:fontRef idx="minor">
-            <a:schemeClr val="lt1"/>
-          </a:fontRef>
-        </p:style>
-        <p:txBody>
-          <a:bodyPr rtlCol="0" anchor="ctr"/>
-          <a:lstStyle/>
-          <a:p>
-            <a:pPr algn="ctr"/>
-            <a:endParaRPr lang="en-US"/>
-          </a:p>
-        </p:txBody>
-      </p:sp>
-      <p:sp>
-        <p:nvSpPr>
-          <p:cNvPr id="351" name="Isosceles Triangle 350"/>
-          <p:cNvSpPr/>
-          <p:nvPr/>
-        </p:nvSpPr>
-        <p:spPr>
-          <a:xfrm>
-            <a:off x="3425275" y="2683640"/>
-            <a:ext cx="309093" cy="288770"/>
-          </a:xfrm>
-          <a:prstGeom prst="triangle">
-            <a:avLst/>
-          </a:prstGeom>
-          <a:solidFill>
-            <a:schemeClr val="accent2">
-              <a:lumMod val="20000"/>
-              <a:lumOff val="80000"/>
-            </a:schemeClr>
-          </a:solidFill>
-          <a:ln>
-            <a:solidFill>
-              <a:schemeClr val="accent2">
-                <a:lumMod val="60000"/>
-                <a:lumOff val="40000"/>
-              </a:schemeClr>
-            </a:solidFill>
-          </a:ln>
-        </p:spPr>
-        <p:style>
-          <a:lnRef idx="2">
-            <a:schemeClr val="accent1">
-              <a:shade val="50000"/>
-            </a:schemeClr>
-          </a:lnRef>
-          <a:fillRef idx="1">
-            <a:schemeClr val="accent1"/>
-          </a:fillRef>
-          <a:effectRef idx="0">
-            <a:schemeClr val="accent1"/>
-          </a:effectRef>
-          <a:fontRef idx="minor">
-            <a:schemeClr val="lt1"/>
-          </a:fontRef>
-        </p:style>
-        <p:txBody>
-          <a:bodyPr rtlCol="0" anchor="ctr"/>
-          <a:lstStyle/>
-          <a:p>
-            <a:pPr algn="ctr"/>
-            <a:endParaRPr lang="en-US"/>
-          </a:p>
-        </p:txBody>
-      </p:sp>
-      <p:sp>
-        <p:nvSpPr>
-          <p:cNvPr id="352" name="Isosceles Triangle 351"/>
-          <p:cNvSpPr/>
-          <p:nvPr/>
-        </p:nvSpPr>
-        <p:spPr>
-          <a:xfrm>
-            <a:off x="3425722" y="2868241"/>
-            <a:ext cx="309093" cy="288770"/>
-          </a:xfrm>
-          <a:prstGeom prst="triangle">
-            <a:avLst/>
-          </a:prstGeom>
-          <a:solidFill>
-            <a:schemeClr val="accent2">
-              <a:lumMod val="20000"/>
-              <a:lumOff val="80000"/>
-            </a:schemeClr>
-          </a:solidFill>
-          <a:ln>
-            <a:solidFill>
-              <a:schemeClr val="accent2">
-                <a:lumMod val="60000"/>
-                <a:lumOff val="40000"/>
-              </a:schemeClr>
-            </a:solidFill>
-          </a:ln>
-        </p:spPr>
-        <p:style>
-          <a:lnRef idx="2">
-            <a:schemeClr val="accent1">
-              <a:shade val="50000"/>
-            </a:schemeClr>
-          </a:lnRef>
-          <a:fillRef idx="1">
-            <a:schemeClr val="accent1"/>
-          </a:fillRef>
-          <a:effectRef idx="0">
-            <a:schemeClr val="accent1"/>
-          </a:effectRef>
-          <a:fontRef idx="minor">
-            <a:schemeClr val="lt1"/>
-          </a:fontRef>
-        </p:style>
-        <p:txBody>
-          <a:bodyPr rtlCol="0" anchor="ctr"/>
-          <a:lstStyle/>
-          <a:p>
-            <a:pPr algn="ctr"/>
-            <a:endParaRPr lang="en-US"/>
-          </a:p>
-        </p:txBody>
-      </p:sp>
-      <p:sp>
-        <p:nvSpPr>
-          <p:cNvPr id="353" name="Isosceles Triangle 352"/>
-          <p:cNvSpPr/>
-          <p:nvPr/>
-        </p:nvSpPr>
-        <p:spPr>
-          <a:xfrm>
-            <a:off x="3400725" y="1899420"/>
-            <a:ext cx="309093" cy="288770"/>
-          </a:xfrm>
-          <a:prstGeom prst="triangle">
-            <a:avLst/>
-          </a:prstGeom>
-          <a:solidFill>
-            <a:schemeClr val="accent2">
-              <a:lumMod val="20000"/>
-              <a:lumOff val="80000"/>
-            </a:schemeClr>
-          </a:solidFill>
-          <a:ln>
-            <a:solidFill>
-              <a:schemeClr val="accent2">
-                <a:lumMod val="60000"/>
-                <a:lumOff val="40000"/>
-              </a:schemeClr>
-            </a:solidFill>
-          </a:ln>
-        </p:spPr>
-        <p:style>
-          <a:lnRef idx="2">
-            <a:schemeClr val="accent1">
-              <a:shade val="50000"/>
-            </a:schemeClr>
-          </a:lnRef>
-          <a:fillRef idx="1">
-            <a:schemeClr val="accent1"/>
-          </a:fillRef>
-          <a:effectRef idx="0">
-            <a:schemeClr val="accent1"/>
-          </a:effectRef>
-          <a:fontRef idx="minor">
-            <a:schemeClr val="lt1"/>
-          </a:fontRef>
-        </p:style>
-        <p:txBody>
-          <a:bodyPr rtlCol="0" anchor="ctr"/>
-          <a:lstStyle/>
-          <a:p>
-            <a:pPr algn="ctr"/>
-            <a:endParaRPr lang="en-US"/>
-          </a:p>
-        </p:txBody>
-      </p:sp>
-      <p:sp>
-        <p:nvSpPr>
-          <p:cNvPr id="354" name="Isosceles Triangle 353"/>
-          <p:cNvSpPr/>
-          <p:nvPr/>
-        </p:nvSpPr>
-        <p:spPr>
-          <a:xfrm>
-            <a:off x="3407788" y="2100666"/>
-            <a:ext cx="309093" cy="288770"/>
-          </a:xfrm>
-          <a:prstGeom prst="triangle">
-            <a:avLst/>
-          </a:prstGeom>
-          <a:solidFill>
-            <a:schemeClr val="accent2">
-              <a:lumMod val="20000"/>
-              <a:lumOff val="80000"/>
-            </a:schemeClr>
-          </a:solidFill>
-          <a:ln>
-            <a:solidFill>
-              <a:schemeClr val="accent2">
-                <a:lumMod val="60000"/>
-                <a:lumOff val="40000"/>
-              </a:schemeClr>
-            </a:solidFill>
-          </a:ln>
-        </p:spPr>
-        <p:style>
-          <a:lnRef idx="2">
-            <a:schemeClr val="accent1">
-              <a:shade val="50000"/>
-            </a:schemeClr>
-          </a:lnRef>
-          <a:fillRef idx="1">
-            <a:schemeClr val="accent1"/>
-          </a:fillRef>
-          <a:effectRef idx="0">
-            <a:schemeClr val="accent1"/>
-          </a:effectRef>
-          <a:fontRef idx="minor">
-            <a:schemeClr val="lt1"/>
-          </a:fontRef>
-        </p:style>
-        <p:txBody>
-          <a:bodyPr rtlCol="0" anchor="ctr"/>
-          <a:lstStyle/>
-          <a:p>
-            <a:pPr algn="ctr"/>
-            <a:endParaRPr lang="en-US"/>
-          </a:p>
-        </p:txBody>
-      </p:sp>
-      <p:sp>
-        <p:nvSpPr>
-          <p:cNvPr id="355" name="Isosceles Triangle 354"/>
-          <p:cNvSpPr/>
-          <p:nvPr/>
-        </p:nvSpPr>
-        <p:spPr>
-          <a:xfrm>
-            <a:off x="3402019" y="2284971"/>
-            <a:ext cx="309093" cy="288770"/>
-          </a:xfrm>
-          <a:prstGeom prst="triangle">
-            <a:avLst/>
-          </a:prstGeom>
-          <a:solidFill>
-            <a:schemeClr val="accent2">
-              <a:lumMod val="20000"/>
-              <a:lumOff val="80000"/>
-            </a:schemeClr>
-          </a:solidFill>
-          <a:ln>
-            <a:solidFill>
-              <a:schemeClr val="accent2">
-                <a:lumMod val="60000"/>
-                <a:lumOff val="40000"/>
-              </a:schemeClr>
-            </a:solidFill>
-          </a:ln>
-        </p:spPr>
-        <p:style>
-          <a:lnRef idx="2">
-            <a:schemeClr val="accent1">
-              <a:shade val="50000"/>
-            </a:schemeClr>
-          </a:lnRef>
-          <a:fillRef idx="1">
-            <a:schemeClr val="accent1"/>
-          </a:fillRef>
-          <a:effectRef idx="0">
-            <a:schemeClr val="accent1"/>
-          </a:effectRef>
-          <a:fontRef idx="minor">
-            <a:schemeClr val="lt1"/>
-          </a:fontRef>
-        </p:style>
-        <p:txBody>
-          <a:bodyPr rtlCol="0" anchor="ctr"/>
-          <a:lstStyle/>
-          <a:p>
-            <a:pPr algn="ctr"/>
-            <a:endParaRPr lang="en-US"/>
-          </a:p>
-        </p:txBody>
-      </p:sp>
-      <p:sp>
-        <p:nvSpPr>
-          <p:cNvPr id="356" name="Isosceles Triangle 355"/>
-          <p:cNvSpPr/>
-          <p:nvPr/>
-        </p:nvSpPr>
-        <p:spPr>
-          <a:xfrm>
-            <a:off x="3440466" y="3068501"/>
-            <a:ext cx="309093" cy="288770"/>
-          </a:xfrm>
-          <a:prstGeom prst="triangle">
-            <a:avLst/>
-          </a:prstGeom>
-          <a:solidFill>
-            <a:schemeClr val="accent2">
-              <a:lumMod val="20000"/>
-              <a:lumOff val="80000"/>
-            </a:schemeClr>
-          </a:solidFill>
-          <a:ln>
-            <a:solidFill>
-              <a:schemeClr val="accent2">
-                <a:lumMod val="60000"/>
-                <a:lumOff val="40000"/>
-              </a:schemeClr>
-            </a:solidFill>
-          </a:ln>
-        </p:spPr>
-        <p:style>
-          <a:lnRef idx="2">
-            <a:schemeClr val="accent1">
-              <a:shade val="50000"/>
-            </a:schemeClr>
-          </a:lnRef>
-          <a:fillRef idx="1">
-            <a:schemeClr val="accent1"/>
-          </a:fillRef>
-          <a:effectRef idx="0">
-            <a:schemeClr val="accent1"/>
-          </a:effectRef>
-          <a:fontRef idx="minor">
-            <a:schemeClr val="lt1"/>
-          </a:fontRef>
-        </p:style>
-        <p:txBody>
-          <a:bodyPr rtlCol="0" anchor="ctr"/>
-          <a:lstStyle/>
-          <a:p>
-            <a:pPr algn="ctr"/>
-            <a:endParaRPr lang="en-US"/>
-          </a:p>
-        </p:txBody>
-      </p:sp>
-      <p:sp>
-        <p:nvSpPr>
-          <p:cNvPr id="357" name="Isosceles Triangle 356"/>
-          <p:cNvSpPr/>
-          <p:nvPr/>
-        </p:nvSpPr>
-        <p:spPr>
-          <a:xfrm>
-            <a:off x="8114674" y="4516080"/>
-            <a:ext cx="309093" cy="288770"/>
-          </a:xfrm>
-          <a:prstGeom prst="triangle">
-            <a:avLst/>
-          </a:prstGeom>
-          <a:solidFill>
-            <a:schemeClr val="accent2">
-              <a:lumMod val="20000"/>
-              <a:lumOff val="80000"/>
-            </a:schemeClr>
-          </a:solidFill>
-          <a:ln>
-            <a:solidFill>
-              <a:schemeClr val="accent2">
-                <a:lumMod val="60000"/>
-                <a:lumOff val="40000"/>
-              </a:schemeClr>
-            </a:solidFill>
-          </a:ln>
-        </p:spPr>
-        <p:style>
-          <a:lnRef idx="2">
-            <a:schemeClr val="accent1">
-              <a:shade val="50000"/>
-            </a:schemeClr>
-          </a:lnRef>
-          <a:fillRef idx="1">
-            <a:schemeClr val="accent1"/>
-          </a:fillRef>
-          <a:effectRef idx="0">
-            <a:schemeClr val="accent1"/>
-          </a:effectRef>
-          <a:fontRef idx="minor">
-            <a:schemeClr val="lt1"/>
-          </a:fontRef>
-        </p:style>
-        <p:txBody>
-          <a:bodyPr rtlCol="0" anchor="ctr"/>
-          <a:lstStyle/>
-          <a:p>
-            <a:pPr algn="ctr"/>
-            <a:endParaRPr lang="en-US"/>
-          </a:p>
-        </p:txBody>
-      </p:sp>
-      <p:sp>
-        <p:nvSpPr>
-          <p:cNvPr id="358" name="Isosceles Triangle 357"/>
-          <p:cNvSpPr/>
-          <p:nvPr/>
-        </p:nvSpPr>
-        <p:spPr>
-          <a:xfrm>
-            <a:off x="8123484" y="4717579"/>
-            <a:ext cx="309093" cy="288770"/>
-          </a:xfrm>
-          <a:prstGeom prst="triangle">
-            <a:avLst/>
-          </a:prstGeom>
-          <a:solidFill>
-            <a:schemeClr val="accent2">
-              <a:lumMod val="20000"/>
-              <a:lumOff val="80000"/>
-            </a:schemeClr>
-          </a:solidFill>
-          <a:ln>
-            <a:solidFill>
-              <a:schemeClr val="accent2">
-                <a:lumMod val="60000"/>
-                <a:lumOff val="40000"/>
-              </a:schemeClr>
-            </a:solidFill>
-          </a:ln>
-        </p:spPr>
-        <p:style>
-          <a:lnRef idx="2">
-            <a:schemeClr val="accent1">
-              <a:shade val="50000"/>
-            </a:schemeClr>
-          </a:lnRef>
-          <a:fillRef idx="1">
-            <a:schemeClr val="accent1"/>
-          </a:fillRef>
-          <a:effectRef idx="0">
-            <a:schemeClr val="accent1"/>
-          </a:effectRef>
-          <a:fontRef idx="minor">
-            <a:schemeClr val="lt1"/>
-          </a:fontRef>
-        </p:style>
-        <p:txBody>
-          <a:bodyPr rtlCol="0" anchor="ctr"/>
-          <a:lstStyle/>
-          <a:p>
-            <a:pPr algn="ctr"/>
-            <a:endParaRPr lang="en-US"/>
-          </a:p>
-        </p:txBody>
-      </p:sp>
-      <p:sp>
-        <p:nvSpPr>
-          <p:cNvPr id="359" name="Isosceles Triangle 358"/>
-          <p:cNvSpPr/>
-          <p:nvPr/>
-        </p:nvSpPr>
-        <p:spPr>
-          <a:xfrm>
-            <a:off x="8098934" y="3933359"/>
-            <a:ext cx="309093" cy="288770"/>
-          </a:xfrm>
-          <a:prstGeom prst="triangle">
-            <a:avLst/>
-          </a:prstGeom>
-          <a:solidFill>
-            <a:schemeClr val="accent2">
-              <a:lumMod val="20000"/>
-              <a:lumOff val="80000"/>
-            </a:schemeClr>
-          </a:solidFill>
-          <a:ln>
-            <a:solidFill>
-              <a:schemeClr val="accent2">
-                <a:lumMod val="60000"/>
-                <a:lumOff val="40000"/>
-              </a:schemeClr>
-            </a:solidFill>
-          </a:ln>
-        </p:spPr>
-        <p:style>
-          <a:lnRef idx="2">
-            <a:schemeClr val="accent1">
-              <a:shade val="50000"/>
-            </a:schemeClr>
-          </a:lnRef>
-          <a:fillRef idx="1">
-            <a:schemeClr val="accent1"/>
-          </a:fillRef>
-          <a:effectRef idx="0">
-            <a:schemeClr val="accent1"/>
-          </a:effectRef>
-          <a:fontRef idx="minor">
-            <a:schemeClr val="lt1"/>
-          </a:fontRef>
-        </p:style>
-        <p:txBody>
-          <a:bodyPr rtlCol="0" anchor="ctr"/>
-          <a:lstStyle/>
-          <a:p>
-            <a:pPr algn="ctr"/>
-            <a:endParaRPr lang="en-US"/>
-          </a:p>
-        </p:txBody>
-      </p:sp>
-      <p:sp>
-        <p:nvSpPr>
-          <p:cNvPr id="360" name="Isosceles Triangle 359"/>
-          <p:cNvSpPr/>
-          <p:nvPr/>
-        </p:nvSpPr>
-        <p:spPr>
-          <a:xfrm>
-            <a:off x="8105997" y="4134605"/>
-            <a:ext cx="309093" cy="288770"/>
-          </a:xfrm>
-          <a:prstGeom prst="triangle">
-            <a:avLst/>
-          </a:prstGeom>
-          <a:solidFill>
-            <a:schemeClr val="accent2">
-              <a:lumMod val="20000"/>
-              <a:lumOff val="80000"/>
-            </a:schemeClr>
-          </a:solidFill>
-          <a:ln>
-            <a:solidFill>
-              <a:schemeClr val="accent2">
-                <a:lumMod val="60000"/>
-                <a:lumOff val="40000"/>
-              </a:schemeClr>
-            </a:solidFill>
-          </a:ln>
-        </p:spPr>
-        <p:style>
-          <a:lnRef idx="2">
-            <a:schemeClr val="accent1">
-              <a:shade val="50000"/>
-            </a:schemeClr>
-          </a:lnRef>
-          <a:fillRef idx="1">
-            <a:schemeClr val="accent1"/>
-          </a:fillRef>
-          <a:effectRef idx="0">
-            <a:schemeClr val="accent1"/>
-          </a:effectRef>
-          <a:fontRef idx="minor">
-            <a:schemeClr val="lt1"/>
-          </a:fontRef>
-        </p:style>
-        <p:txBody>
-          <a:bodyPr rtlCol="0" anchor="ctr"/>
-          <a:lstStyle/>
-          <a:p>
-            <a:pPr algn="ctr"/>
-            <a:endParaRPr lang="en-US"/>
-          </a:p>
-        </p:txBody>
-      </p:sp>
-      <p:sp>
-        <p:nvSpPr>
-          <p:cNvPr id="361" name="Isosceles Triangle 360"/>
-          <p:cNvSpPr/>
-          <p:nvPr/>
-        </p:nvSpPr>
-        <p:spPr>
-          <a:xfrm>
-            <a:off x="8100228" y="4318910"/>
-            <a:ext cx="309093" cy="288770"/>
-          </a:xfrm>
-          <a:prstGeom prst="triangle">
-            <a:avLst/>
-          </a:prstGeom>
-          <a:solidFill>
-            <a:schemeClr val="accent2">
-              <a:lumMod val="20000"/>
-              <a:lumOff val="80000"/>
-            </a:schemeClr>
-          </a:solidFill>
-          <a:ln>
-            <a:solidFill>
-              <a:schemeClr val="accent2">
-                <a:lumMod val="60000"/>
-                <a:lumOff val="40000"/>
-              </a:schemeClr>
-            </a:solidFill>
-          </a:ln>
-        </p:spPr>
-        <p:style>
-          <a:lnRef idx="2">
-            <a:schemeClr val="accent1">
-              <a:shade val="50000"/>
-            </a:schemeClr>
-          </a:lnRef>
-          <a:fillRef idx="1">
-            <a:schemeClr val="accent1"/>
-          </a:fillRef>
-          <a:effectRef idx="0">
-            <a:schemeClr val="accent1"/>
-          </a:effectRef>
-          <a:fontRef idx="minor">
-            <a:schemeClr val="lt1"/>
-          </a:fontRef>
-        </p:style>
-        <p:txBody>
-          <a:bodyPr rtlCol="0" anchor="ctr"/>
-          <a:lstStyle/>
-          <a:p>
-            <a:pPr algn="ctr"/>
-            <a:endParaRPr lang="en-US"/>
-          </a:p>
-        </p:txBody>
-      </p:sp>
-      <p:sp>
-        <p:nvSpPr>
           <p:cNvPr id="362" name="Rectangle 361"/>
           <p:cNvSpPr/>
           <p:nvPr/>
         </p:nvSpPr>
         <p:spPr>
           <a:xfrm>
-            <a:off x="7765716" y="5115104"/>
+            <a:off x="7702932" y="5089796"/>
             <a:ext cx="1007007" cy="461665"/>
           </a:xfrm>
           <a:prstGeom prst="rect">
@@ -20202,7 +19429,7 @@
         </p:nvSpPr>
         <p:spPr>
           <a:xfrm>
-            <a:off x="8514342" y="1483749"/>
+            <a:off x="8451558" y="1458441"/>
             <a:ext cx="309093" cy="288770"/>
           </a:xfrm>
           <a:prstGeom prst="triangle">
@@ -20256,7 +19483,7 @@
         </p:nvSpPr>
         <p:spPr>
           <a:xfrm>
-            <a:off x="8514342" y="2236523"/>
+            <a:off x="8451558" y="2211215"/>
             <a:ext cx="309093" cy="288770"/>
           </a:xfrm>
           <a:prstGeom prst="triangle">
@@ -20310,7 +19537,7 @@
         </p:nvSpPr>
         <p:spPr>
           <a:xfrm>
-            <a:off x="8541722" y="3010758"/>
+            <a:off x="8478938" y="2985450"/>
             <a:ext cx="309093" cy="288770"/>
           </a:xfrm>
           <a:prstGeom prst="triangle">
@@ -20364,7 +19591,7 @@
         </p:nvSpPr>
         <p:spPr>
           <a:xfrm>
-            <a:off x="8575764" y="3782901"/>
+            <a:off x="8512980" y="3757593"/>
             <a:ext cx="309093" cy="288770"/>
           </a:xfrm>
           <a:prstGeom prst="triangle">
@@ -20418,7 +19645,7 @@
         </p:nvSpPr>
         <p:spPr>
           <a:xfrm>
-            <a:off x="8566106" y="4535675"/>
+            <a:off x="8503322" y="4510367"/>
             <a:ext cx="309093" cy="288770"/>
           </a:xfrm>
           <a:prstGeom prst="triangle">
@@ -20472,7 +19699,7 @@
         </p:nvSpPr>
         <p:spPr>
           <a:xfrm>
-            <a:off x="8515123" y="1861062"/>
+            <a:off x="8452339" y="1835754"/>
             <a:ext cx="309093" cy="288770"/>
           </a:xfrm>
           <a:prstGeom prst="triangle">
@@ -20526,7 +19753,7 @@
         </p:nvSpPr>
         <p:spPr>
           <a:xfrm>
-            <a:off x="8548905" y="2631514"/>
+            <a:off x="8486121" y="2606206"/>
             <a:ext cx="309093" cy="288770"/>
           </a:xfrm>
           <a:prstGeom prst="triangle">
@@ -20580,7 +19807,7 @@
         </p:nvSpPr>
         <p:spPr>
           <a:xfrm>
-            <a:off x="8540623" y="3389239"/>
+            <a:off x="8477839" y="3363931"/>
             <a:ext cx="309093" cy="288770"/>
           </a:xfrm>
           <a:prstGeom prst="triangle">
@@ -20634,7 +19861,7 @@
         </p:nvSpPr>
         <p:spPr>
           <a:xfrm>
-            <a:off x="8587953" y="4161792"/>
+            <a:off x="8525169" y="4136484"/>
             <a:ext cx="309093" cy="288770"/>
           </a:xfrm>
           <a:prstGeom prst="triangle">
@@ -20845,6 +20072,593 @@
                 </a:schemeClr>
               </a:solidFill>
             </a:endParaRPr>
+          </a:p>
+        </p:txBody>
+      </p:sp>
+      <p:cxnSp>
+        <p:nvCxnSpPr>
+          <p:cNvPr id="376" name="Straight Arrow Connector 375"/>
+          <p:cNvCxnSpPr/>
+          <p:nvPr/>
+        </p:nvCxnSpPr>
+        <p:spPr>
+          <a:xfrm flipH="1" flipV="1">
+            <a:off x="2204115" y="6725355"/>
+            <a:ext cx="302392" cy="505"/>
+          </a:xfrm>
+          <a:prstGeom prst="straightConnector1">
+            <a:avLst/>
+          </a:prstGeom>
+          <a:ln>
+            <a:solidFill>
+              <a:srgbClr val="C00000"/>
+            </a:solidFill>
+            <a:tailEnd type="triangle"/>
+          </a:ln>
+        </p:spPr>
+        <p:style>
+          <a:lnRef idx="1">
+            <a:schemeClr val="accent1"/>
+          </a:lnRef>
+          <a:fillRef idx="0">
+            <a:schemeClr val="accent1"/>
+          </a:fillRef>
+          <a:effectRef idx="0">
+            <a:schemeClr val="accent1"/>
+          </a:effectRef>
+          <a:fontRef idx="minor">
+            <a:schemeClr val="tx1"/>
+          </a:fontRef>
+        </p:style>
+      </p:cxnSp>
+      <p:cxnSp>
+        <p:nvCxnSpPr>
+          <p:cNvPr id="378" name="Straight Arrow Connector 377"/>
+          <p:cNvCxnSpPr>
+            <a:endCxn id="109" idx="2"/>
+          </p:cNvCxnSpPr>
+          <p:nvPr/>
+        </p:nvCxnSpPr>
+        <p:spPr>
+          <a:xfrm flipV="1">
+            <a:off x="4365266" y="1603112"/>
+            <a:ext cx="1323920" cy="8601"/>
+          </a:xfrm>
+          <a:prstGeom prst="straightConnector1">
+            <a:avLst/>
+          </a:prstGeom>
+          <a:ln>
+            <a:tailEnd type="triangle"/>
+          </a:ln>
+        </p:spPr>
+        <p:style>
+          <a:lnRef idx="1">
+            <a:schemeClr val="accent1"/>
+          </a:lnRef>
+          <a:fillRef idx="0">
+            <a:schemeClr val="accent1"/>
+          </a:fillRef>
+          <a:effectRef idx="0">
+            <a:schemeClr val="accent1"/>
+          </a:effectRef>
+          <a:fontRef idx="minor">
+            <a:schemeClr val="tx1"/>
+          </a:fontRef>
+        </p:style>
+      </p:cxnSp>
+      <p:cxnSp>
+        <p:nvCxnSpPr>
+          <p:cNvPr id="379" name="Straight Arrow Connector 378"/>
+          <p:cNvCxnSpPr>
+            <a:endCxn id="110" idx="2"/>
+          </p:cNvCxnSpPr>
+          <p:nvPr/>
+        </p:nvCxnSpPr>
+        <p:spPr>
+          <a:xfrm flipV="1">
+            <a:off x="4360670" y="2374712"/>
+            <a:ext cx="1325298" cy="11596"/>
+          </a:xfrm>
+          <a:prstGeom prst="straightConnector1">
+            <a:avLst/>
+          </a:prstGeom>
+          <a:ln>
+            <a:tailEnd type="triangle"/>
+          </a:ln>
+        </p:spPr>
+        <p:style>
+          <a:lnRef idx="1">
+            <a:schemeClr val="accent1"/>
+          </a:lnRef>
+          <a:fillRef idx="0">
+            <a:schemeClr val="accent1"/>
+          </a:fillRef>
+          <a:effectRef idx="0">
+            <a:schemeClr val="accent1"/>
+          </a:effectRef>
+          <a:fontRef idx="minor">
+            <a:schemeClr val="tx1"/>
+          </a:fontRef>
+        </p:style>
+      </p:cxnSp>
+      <p:cxnSp>
+        <p:nvCxnSpPr>
+          <p:cNvPr id="383" name="Straight Arrow Connector 382"/>
+          <p:cNvCxnSpPr/>
+          <p:nvPr/>
+        </p:nvCxnSpPr>
+        <p:spPr>
+          <a:xfrm flipV="1">
+            <a:off x="4361915" y="3124699"/>
+            <a:ext cx="1325298" cy="11596"/>
+          </a:xfrm>
+          <a:prstGeom prst="straightConnector1">
+            <a:avLst/>
+          </a:prstGeom>
+          <a:ln>
+            <a:tailEnd type="triangle"/>
+          </a:ln>
+        </p:spPr>
+        <p:style>
+          <a:lnRef idx="1">
+            <a:schemeClr val="accent1"/>
+          </a:lnRef>
+          <a:fillRef idx="0">
+            <a:schemeClr val="accent1"/>
+          </a:fillRef>
+          <a:effectRef idx="0">
+            <a:schemeClr val="accent1"/>
+          </a:effectRef>
+          <a:fontRef idx="minor">
+            <a:schemeClr val="tx1"/>
+          </a:fontRef>
+        </p:style>
+      </p:cxnSp>
+      <p:cxnSp>
+        <p:nvCxnSpPr>
+          <p:cNvPr id="384" name="Straight Arrow Connector 383"/>
+          <p:cNvCxnSpPr/>
+          <p:nvPr/>
+        </p:nvCxnSpPr>
+        <p:spPr>
+          <a:xfrm flipV="1">
+            <a:off x="4370899" y="3872589"/>
+            <a:ext cx="1325298" cy="11596"/>
+          </a:xfrm>
+          <a:prstGeom prst="straightConnector1">
+            <a:avLst/>
+          </a:prstGeom>
+          <a:ln>
+            <a:tailEnd type="triangle"/>
+          </a:ln>
+        </p:spPr>
+        <p:style>
+          <a:lnRef idx="1">
+            <a:schemeClr val="accent1"/>
+          </a:lnRef>
+          <a:fillRef idx="0">
+            <a:schemeClr val="accent1"/>
+          </a:fillRef>
+          <a:effectRef idx="0">
+            <a:schemeClr val="accent1"/>
+          </a:effectRef>
+          <a:fontRef idx="minor">
+            <a:schemeClr val="tx1"/>
+          </a:fontRef>
+        </p:style>
+      </p:cxnSp>
+      <p:cxnSp>
+        <p:nvCxnSpPr>
+          <p:cNvPr id="385" name="Straight Arrow Connector 384"/>
+          <p:cNvCxnSpPr/>
+          <p:nvPr/>
+        </p:nvCxnSpPr>
+        <p:spPr>
+          <a:xfrm flipV="1">
+            <a:off x="4370899" y="4653367"/>
+            <a:ext cx="1325298" cy="11596"/>
+          </a:xfrm>
+          <a:prstGeom prst="straightConnector1">
+            <a:avLst/>
+          </a:prstGeom>
+          <a:ln>
+            <a:tailEnd type="triangle"/>
+          </a:ln>
+        </p:spPr>
+        <p:style>
+          <a:lnRef idx="1">
+            <a:schemeClr val="accent1"/>
+          </a:lnRef>
+          <a:fillRef idx="0">
+            <a:schemeClr val="accent1"/>
+          </a:fillRef>
+          <a:effectRef idx="0">
+            <a:schemeClr val="accent1"/>
+          </a:effectRef>
+          <a:fontRef idx="minor">
+            <a:schemeClr val="tx1"/>
+          </a:fontRef>
+        </p:style>
+      </p:cxnSp>
+      <p:cxnSp>
+        <p:nvCxnSpPr>
+          <p:cNvPr id="386" name="Straight Arrow Connector 385"/>
+          <p:cNvCxnSpPr/>
+          <p:nvPr/>
+        </p:nvCxnSpPr>
+        <p:spPr>
+          <a:xfrm flipV="1">
+            <a:off x="4380593" y="5394025"/>
+            <a:ext cx="1325298" cy="11596"/>
+          </a:xfrm>
+          <a:prstGeom prst="straightConnector1">
+            <a:avLst/>
+          </a:prstGeom>
+          <a:ln>
+            <a:tailEnd type="triangle"/>
+          </a:ln>
+        </p:spPr>
+        <p:style>
+          <a:lnRef idx="1">
+            <a:schemeClr val="accent1"/>
+          </a:lnRef>
+          <a:fillRef idx="0">
+            <a:schemeClr val="accent1"/>
+          </a:fillRef>
+          <a:effectRef idx="0">
+            <a:schemeClr val="accent1"/>
+          </a:effectRef>
+          <a:fontRef idx="minor">
+            <a:schemeClr val="tx1"/>
+          </a:fontRef>
+        </p:style>
+      </p:cxnSp>
+      <p:cxnSp>
+        <p:nvCxnSpPr>
+          <p:cNvPr id="387" name="Straight Arrow Connector 386"/>
+          <p:cNvCxnSpPr>
+            <a:endCxn id="136" idx="2"/>
+          </p:cNvCxnSpPr>
+          <p:nvPr/>
+        </p:nvCxnSpPr>
+        <p:spPr>
+          <a:xfrm>
+            <a:off x="6866692" y="2147555"/>
+            <a:ext cx="769951" cy="1949"/>
+          </a:xfrm>
+          <a:prstGeom prst="straightConnector1">
+            <a:avLst/>
+          </a:prstGeom>
+          <a:ln>
+            <a:tailEnd type="triangle"/>
+          </a:ln>
+        </p:spPr>
+        <p:style>
+          <a:lnRef idx="1">
+            <a:schemeClr val="accent1"/>
+          </a:lnRef>
+          <a:fillRef idx="0">
+            <a:schemeClr val="accent1"/>
+          </a:fillRef>
+          <a:effectRef idx="0">
+            <a:schemeClr val="accent1"/>
+          </a:effectRef>
+          <a:fontRef idx="minor">
+            <a:schemeClr val="tx1"/>
+          </a:fontRef>
+        </p:style>
+      </p:cxnSp>
+      <p:cxnSp>
+        <p:nvCxnSpPr>
+          <p:cNvPr id="389" name="Straight Arrow Connector 388"/>
+          <p:cNvCxnSpPr/>
+          <p:nvPr/>
+        </p:nvCxnSpPr>
+        <p:spPr>
+          <a:xfrm>
+            <a:off x="6929476" y="2920284"/>
+            <a:ext cx="769951" cy="1949"/>
+          </a:xfrm>
+          <a:prstGeom prst="straightConnector1">
+            <a:avLst/>
+          </a:prstGeom>
+          <a:ln>
+            <a:tailEnd type="triangle"/>
+          </a:ln>
+        </p:spPr>
+        <p:style>
+          <a:lnRef idx="1">
+            <a:schemeClr val="accent1"/>
+          </a:lnRef>
+          <a:fillRef idx="0">
+            <a:schemeClr val="accent1"/>
+          </a:fillRef>
+          <a:effectRef idx="0">
+            <a:schemeClr val="accent1"/>
+          </a:effectRef>
+          <a:fontRef idx="minor">
+            <a:schemeClr val="tx1"/>
+          </a:fontRef>
+        </p:style>
+      </p:cxnSp>
+      <p:cxnSp>
+        <p:nvCxnSpPr>
+          <p:cNvPr id="390" name="Straight Arrow Connector 389"/>
+          <p:cNvCxnSpPr/>
+          <p:nvPr/>
+        </p:nvCxnSpPr>
+        <p:spPr>
+          <a:xfrm>
+            <a:off x="6930448" y="3676215"/>
+            <a:ext cx="769951" cy="1949"/>
+          </a:xfrm>
+          <a:prstGeom prst="straightConnector1">
+            <a:avLst/>
+          </a:prstGeom>
+          <a:ln>
+            <a:tailEnd type="triangle"/>
+          </a:ln>
+        </p:spPr>
+        <p:style>
+          <a:lnRef idx="1">
+            <a:schemeClr val="accent1"/>
+          </a:lnRef>
+          <a:fillRef idx="0">
+            <a:schemeClr val="accent1"/>
+          </a:fillRef>
+          <a:effectRef idx="0">
+            <a:schemeClr val="accent1"/>
+          </a:effectRef>
+          <a:fontRef idx="minor">
+            <a:schemeClr val="tx1"/>
+          </a:fontRef>
+        </p:style>
+      </p:cxnSp>
+      <p:cxnSp>
+        <p:nvCxnSpPr>
+          <p:cNvPr id="391" name="Straight Arrow Connector 390"/>
+          <p:cNvCxnSpPr/>
+          <p:nvPr/>
+        </p:nvCxnSpPr>
+        <p:spPr>
+          <a:xfrm>
+            <a:off x="6932161" y="4445566"/>
+            <a:ext cx="769951" cy="1949"/>
+          </a:xfrm>
+          <a:prstGeom prst="straightConnector1">
+            <a:avLst/>
+          </a:prstGeom>
+          <a:ln>
+            <a:tailEnd type="triangle"/>
+          </a:ln>
+        </p:spPr>
+        <p:style>
+          <a:lnRef idx="1">
+            <a:schemeClr val="accent1"/>
+          </a:lnRef>
+          <a:fillRef idx="0">
+            <a:schemeClr val="accent1"/>
+          </a:fillRef>
+          <a:effectRef idx="0">
+            <a:schemeClr val="accent1"/>
+          </a:effectRef>
+          <a:fontRef idx="minor">
+            <a:schemeClr val="tx1"/>
+          </a:fontRef>
+        </p:style>
+      </p:cxnSp>
+      <p:sp>
+        <p:nvSpPr>
+          <p:cNvPr id="392" name="Rectangle 391"/>
+          <p:cNvSpPr/>
+          <p:nvPr/>
+        </p:nvSpPr>
+        <p:spPr>
+          <a:xfrm>
+            <a:off x="5627454" y="5495065"/>
+            <a:ext cx="1787669" cy="276999"/>
+          </a:xfrm>
+          <a:prstGeom prst="rect">
+            <a:avLst/>
+          </a:prstGeom>
+        </p:spPr>
+        <p:txBody>
+          <a:bodyPr wrap="none">
+            <a:spAutoFit/>
+          </a:bodyPr>
+          <a:lstStyle/>
+          <a:p>
+            <a:r>
+              <a:rPr lang="en-US" sz="1200" dirty="0" smtClean="0">
+                <a:solidFill>
+                  <a:schemeClr val="accent2">
+                    <a:lumMod val="75000"/>
+                  </a:schemeClr>
+                </a:solidFill>
+              </a:rPr>
+              <a:t>n_hidden_1* </a:t>
+            </a:r>
+            <a:r>
+              <a:rPr lang="en-US" sz="1200" dirty="0">
+                <a:solidFill>
+                  <a:schemeClr val="accent2">
+                    <a:lumMod val="75000"/>
+                  </a:schemeClr>
+                </a:solidFill>
+              </a:rPr>
+              <a:t>n_hidden_2</a:t>
+            </a:r>
+          </a:p>
+        </p:txBody>
+      </p:sp>
+      <p:cxnSp>
+        <p:nvCxnSpPr>
+          <p:cNvPr id="394" name="Straight Arrow Connector 393"/>
+          <p:cNvCxnSpPr>
+            <a:stCxn id="363" idx="5"/>
+          </p:cNvCxnSpPr>
+          <p:nvPr/>
+        </p:nvCxnSpPr>
+        <p:spPr>
+          <a:xfrm flipV="1">
+            <a:off x="8683378" y="198260"/>
+            <a:ext cx="512406" cy="1404566"/>
+          </a:xfrm>
+          <a:prstGeom prst="straightConnector1">
+            <a:avLst/>
+          </a:prstGeom>
+          <a:ln>
+            <a:solidFill>
+              <a:srgbClr val="0070C0"/>
+            </a:solidFill>
+            <a:tailEnd type="triangle"/>
+          </a:ln>
+        </p:spPr>
+        <p:style>
+          <a:lnRef idx="1">
+            <a:schemeClr val="accent1"/>
+          </a:lnRef>
+          <a:fillRef idx="0">
+            <a:schemeClr val="accent1"/>
+          </a:fillRef>
+          <a:effectRef idx="0">
+            <a:schemeClr val="accent1"/>
+          </a:effectRef>
+          <a:fontRef idx="minor">
+            <a:schemeClr val="tx1"/>
+          </a:fontRef>
+        </p:style>
+      </p:cxnSp>
+      <p:sp>
+        <p:nvSpPr>
+          <p:cNvPr id="396" name="Rectangle 395"/>
+          <p:cNvSpPr/>
+          <p:nvPr/>
+        </p:nvSpPr>
+        <p:spPr>
+          <a:xfrm>
+            <a:off x="9191150" y="-24313"/>
+            <a:ext cx="1198854" cy="369332"/>
+          </a:xfrm>
+          <a:prstGeom prst="rect">
+            <a:avLst/>
+          </a:prstGeom>
+        </p:spPr>
+        <p:txBody>
+          <a:bodyPr wrap="none">
+            <a:spAutoFit/>
+          </a:bodyPr>
+          <a:lstStyle/>
+          <a:p>
+            <a:pPr algn="ctr"/>
+            <a:r>
+              <a:rPr lang="en-US" dirty="0" smtClean="0"/>
+              <a:t>probability</a:t>
+            </a:r>
+            <a:endParaRPr lang="en-US" dirty="0"/>
+          </a:p>
+        </p:txBody>
+      </p:sp>
+      <p:cxnSp>
+        <p:nvCxnSpPr>
+          <p:cNvPr id="401" name="Straight Arrow Connector 400"/>
+          <p:cNvCxnSpPr>
+            <a:endCxn id="163" idx="0"/>
+          </p:cNvCxnSpPr>
+          <p:nvPr/>
+        </p:nvCxnSpPr>
+        <p:spPr>
+          <a:xfrm>
+            <a:off x="9790577" y="293004"/>
+            <a:ext cx="1" cy="344728"/>
+          </a:xfrm>
+          <a:prstGeom prst="straightConnector1">
+            <a:avLst/>
+          </a:prstGeom>
+          <a:ln>
+            <a:solidFill>
+              <a:schemeClr val="accent5">
+                <a:lumMod val="75000"/>
+              </a:schemeClr>
+            </a:solidFill>
+            <a:tailEnd type="triangle"/>
+          </a:ln>
+        </p:spPr>
+        <p:style>
+          <a:lnRef idx="1">
+            <a:schemeClr val="accent1"/>
+          </a:lnRef>
+          <a:fillRef idx="0">
+            <a:schemeClr val="accent1"/>
+          </a:fillRef>
+          <a:effectRef idx="0">
+            <a:schemeClr val="accent1"/>
+          </a:effectRef>
+          <a:fontRef idx="minor">
+            <a:schemeClr val="tx1"/>
+          </a:fontRef>
+        </p:style>
+      </p:cxnSp>
+      <p:cxnSp>
+        <p:nvCxnSpPr>
+          <p:cNvPr id="403" name="Straight Connector 402"/>
+          <p:cNvCxnSpPr>
+            <a:stCxn id="260" idx="2"/>
+            <a:endCxn id="220" idx="0"/>
+          </p:cNvCxnSpPr>
+          <p:nvPr/>
+        </p:nvCxnSpPr>
+        <p:spPr>
+          <a:xfrm>
+            <a:off x="10567563" y="1945194"/>
+            <a:ext cx="132503" cy="313122"/>
+          </a:xfrm>
+          <a:prstGeom prst="line">
+            <a:avLst/>
+          </a:prstGeom>
+        </p:spPr>
+        <p:style>
+          <a:lnRef idx="1">
+            <a:schemeClr val="accent1"/>
+          </a:lnRef>
+          <a:fillRef idx="0">
+            <a:schemeClr val="accent1"/>
+          </a:fillRef>
+          <a:effectRef idx="0">
+            <a:schemeClr val="accent1"/>
+          </a:effectRef>
+          <a:fontRef idx="minor">
+            <a:schemeClr val="tx1"/>
+          </a:fontRef>
+        </p:style>
+      </p:cxnSp>
+      <p:sp>
+        <p:nvSpPr>
+          <p:cNvPr id="404" name="TextBox 403"/>
+          <p:cNvSpPr txBox="1"/>
+          <p:nvPr/>
+        </p:nvSpPr>
+        <p:spPr>
+          <a:xfrm>
+            <a:off x="8108615" y="916764"/>
+            <a:ext cx="1284648" cy="307777"/>
+          </a:xfrm>
+          <a:prstGeom prst="rect">
+            <a:avLst/>
+          </a:prstGeom>
+          <a:noFill/>
+        </p:spPr>
+        <p:txBody>
+          <a:bodyPr wrap="square" rtlCol="0">
+            <a:spAutoFit/>
+          </a:bodyPr>
+          <a:lstStyle/>
+          <a:p>
+            <a:r>
+              <a:rPr lang="en-US" sz="1400" dirty="0" smtClean="0"/>
+              <a:t>softmax</a:t>
+            </a:r>
+            <a:endParaRPr lang="en-US" sz="1400" dirty="0"/>
           </a:p>
         </p:txBody>
       </p:sp>
